--- a/Lectures/Lecture1-b.pptx
+++ b/Lectures/Lecture1-b.pptx
@@ -279,7 +279,7 @@
           <a:p>
             <a:fld id="{CBA08D16-15DC-4E25-BDC3-F25146157B16}" type="datetimeFigureOut">
               <a:rPr lang="ru-RU" smtClean="0"/>
-              <a:t>09.09.2020</a:t>
+              <a:t>10.09.2020</a:t>
             </a:fld>
             <a:endParaRPr lang="ru-RU"/>
           </a:p>
@@ -678,7 +678,7 @@
           <a:p>
             <a:fld id="{FCEC8293-DB51-454A-BE81-EC8FCB31EBA2}" type="datetime1">
               <a:rPr lang="ru-RU" smtClean="0"/>
-              <a:t>09.09.2020</a:t>
+              <a:t>10.09.2020</a:t>
             </a:fld>
             <a:endParaRPr lang="ru-RU"/>
           </a:p>
@@ -852,7 +852,7 @@
           <a:p>
             <a:fld id="{241C87B1-1C35-4DBD-BC18-2BC72E776603}" type="datetime1">
               <a:rPr lang="ru-RU" smtClean="0"/>
-              <a:t>09.09.2020</a:t>
+              <a:t>10.09.2020</a:t>
             </a:fld>
             <a:endParaRPr lang="ru-RU"/>
           </a:p>
@@ -1036,7 +1036,7 @@
           <a:p>
             <a:fld id="{3134C275-26C0-42CD-9111-9ADE65922AF9}" type="datetime1">
               <a:rPr lang="ru-RU" smtClean="0"/>
-              <a:t>09.09.2020</a:t>
+              <a:t>10.09.2020</a:t>
             </a:fld>
             <a:endParaRPr lang="ru-RU"/>
           </a:p>
@@ -1210,7 +1210,7 @@
           <a:p>
             <a:fld id="{C1A9A50B-C350-45F5-8AAB-ADB9E670AF2E}" type="datetime1">
               <a:rPr lang="ru-RU" smtClean="0"/>
-              <a:t>09.09.2020</a:t>
+              <a:t>10.09.2020</a:t>
             </a:fld>
             <a:endParaRPr lang="ru-RU"/>
           </a:p>
@@ -1460,7 +1460,7 @@
           <a:p>
             <a:fld id="{089688C9-348F-42F9-B6C0-5990DDE0C5B2}" type="datetime1">
               <a:rPr lang="ru-RU" smtClean="0"/>
-              <a:t>09.09.2020</a:t>
+              <a:t>10.09.2020</a:t>
             </a:fld>
             <a:endParaRPr lang="ru-RU"/>
           </a:p>
@@ -1696,7 +1696,7 @@
           <a:p>
             <a:fld id="{684AFD8F-6DD9-4AD3-A505-FDC3F5C5F3F6}" type="datetime1">
               <a:rPr lang="ru-RU" smtClean="0"/>
-              <a:t>09.09.2020</a:t>
+              <a:t>10.09.2020</a:t>
             </a:fld>
             <a:endParaRPr lang="ru-RU"/>
           </a:p>
@@ -2067,7 +2067,7 @@
           <a:p>
             <a:fld id="{63551EFE-4D02-45EB-A747-8B6F047B5AA0}" type="datetime1">
               <a:rPr lang="ru-RU" smtClean="0"/>
-              <a:t>09.09.2020</a:t>
+              <a:t>10.09.2020</a:t>
             </a:fld>
             <a:endParaRPr lang="ru-RU"/>
           </a:p>
@@ -2189,7 +2189,7 @@
           <a:p>
             <a:fld id="{813A9F34-E5CD-4B8F-AA9E-889C84372B20}" type="datetime1">
               <a:rPr lang="ru-RU" smtClean="0"/>
-              <a:t>09.09.2020</a:t>
+              <a:t>10.09.2020</a:t>
             </a:fld>
             <a:endParaRPr lang="ru-RU"/>
           </a:p>
@@ -2288,7 +2288,7 @@
           <a:p>
             <a:fld id="{51224D22-9B29-44A6-8E82-95FC492DEDC1}" type="datetime1">
               <a:rPr lang="ru-RU" smtClean="0"/>
-              <a:t>09.09.2020</a:t>
+              <a:t>10.09.2020</a:t>
             </a:fld>
             <a:endParaRPr lang="ru-RU"/>
           </a:p>
@@ -2569,7 +2569,7 @@
           <a:p>
             <a:fld id="{91D1034F-4441-48A1-BDC0-25EA1022324A}" type="datetime1">
               <a:rPr lang="ru-RU" smtClean="0"/>
-              <a:t>09.09.2020</a:t>
+              <a:t>10.09.2020</a:t>
             </a:fld>
             <a:endParaRPr lang="ru-RU"/>
           </a:p>
@@ -2826,7 +2826,7 @@
           <a:p>
             <a:fld id="{B0FFDE79-B627-473B-AE17-4C65BD2495F7}" type="datetime1">
               <a:rPr lang="ru-RU" smtClean="0"/>
-              <a:t>09.09.2020</a:t>
+              <a:t>10.09.2020</a:t>
             </a:fld>
             <a:endParaRPr lang="ru-RU"/>
           </a:p>
@@ -3043,7 +3043,7 @@
           <a:p>
             <a:fld id="{11CA537A-1B8C-47BA-9BA6-7CE3FAFDA8BE}" type="datetime1">
               <a:rPr lang="ru-RU" smtClean="0"/>
-              <a:t>09.09.2020</a:t>
+              <a:t>10.09.2020</a:t>
             </a:fld>
             <a:endParaRPr lang="ru-RU"/>
           </a:p>
@@ -5078,9 +5078,9 @@
         </p:nvGrpSpPr>
         <p:grpSpPr bwMode="auto">
           <a:xfrm>
-            <a:off x="3885276" y="5226605"/>
+            <a:off x="3885276" y="5148024"/>
             <a:ext cx="3733800" cy="506017"/>
-            <a:chOff x="1776" y="2051"/>
+            <a:chOff x="1776" y="1985"/>
             <a:chExt cx="2352" cy="425"/>
           </a:xfrm>
         </p:grpSpPr>
@@ -5119,8 +5119,8 @@
             </a:p>
           </p:txBody>
         </p:sp>
-        <mc:AlternateContent xmlns:mc="http://schemas.openxmlformats.org/markup-compatibility/2006" xmlns:a14="http://schemas.microsoft.com/office/drawing/2010/main">
-          <mc:Choice Requires="a14">
+        <mc:AlternateContent xmlns:mc="http://schemas.openxmlformats.org/markup-compatibility/2006">
+          <mc:Choice xmlns:a14="http://schemas.microsoft.com/office/drawing/2010/main" Requires="a14">
             <p:sp>
               <p:nvSpPr>
                 <p:cNvPr id="29" name="Text Box 14"/>
@@ -5131,7 +5131,7 @@
               </p:nvSpPr>
               <p:spPr bwMode="auto">
                 <a:xfrm>
-                  <a:off x="2448" y="2051"/>
+                  <a:off x="2461" y="1985"/>
                   <a:ext cx="981" cy="425"/>
                 </a:xfrm>
                 <a:prstGeom prst="rect">
@@ -5230,7 +5230,7 @@
               </p:txBody>
             </p:sp>
           </mc:Choice>
-          <mc:Fallback xmlns="">
+          <mc:Fallback>
             <p:sp>
               <p:nvSpPr>
                 <p:cNvPr id="29" name="Text Box 14"/>
@@ -5241,7 +5241,7 @@
               </p:nvSpPr>
               <p:spPr bwMode="auto">
                 <a:xfrm>
-                  <a:off x="2448" y="2051"/>
+                  <a:off x="2461" y="1985"/>
                   <a:ext cx="981" cy="425"/>
                 </a:xfrm>
                 <a:prstGeom prst="rect">
@@ -5250,7 +5250,7 @@
                 <a:blipFill>
                   <a:blip r:embed="rId8"/>
                   <a:stretch>
-                    <a:fillRect r="-3906" b="-20482"/>
+                    <a:fillRect r="-3922" b="-19048"/>
                   </a:stretch>
                 </a:blipFill>
                 <a:ln w="9525">
@@ -6660,9 +6660,9 @@
         </p:nvGrpSpPr>
         <p:grpSpPr bwMode="auto">
           <a:xfrm>
-            <a:off x="3885276" y="5226605"/>
+            <a:off x="3885276" y="5148024"/>
             <a:ext cx="3733800" cy="506017"/>
-            <a:chOff x="1776" y="2051"/>
+            <a:chOff x="1776" y="1985"/>
             <a:chExt cx="2352" cy="425"/>
           </a:xfrm>
         </p:grpSpPr>
@@ -6701,8 +6701,8 @@
             </a:p>
           </p:txBody>
         </p:sp>
-        <mc:AlternateContent xmlns:mc="http://schemas.openxmlformats.org/markup-compatibility/2006" xmlns:a14="http://schemas.microsoft.com/office/drawing/2010/main">
-          <mc:Choice Requires="a14">
+        <mc:AlternateContent xmlns:mc="http://schemas.openxmlformats.org/markup-compatibility/2006">
+          <mc:Choice xmlns:a14="http://schemas.microsoft.com/office/drawing/2010/main" Requires="a14">
             <p:sp>
               <p:nvSpPr>
                 <p:cNvPr id="25" name="Text Box 14"/>
@@ -6713,7 +6713,7 @@
               </p:nvSpPr>
               <p:spPr bwMode="auto">
                 <a:xfrm>
-                  <a:off x="2448" y="2051"/>
+                  <a:off x="2485" y="1985"/>
                   <a:ext cx="981" cy="425"/>
                 </a:xfrm>
                 <a:prstGeom prst="rect">
@@ -6812,7 +6812,7 @@
               </p:txBody>
             </p:sp>
           </mc:Choice>
-          <mc:Fallback xmlns="">
+          <mc:Fallback>
             <p:sp>
               <p:nvSpPr>
                 <p:cNvPr id="25" name="Text Box 14"/>
@@ -6823,7 +6823,7 @@
               </p:nvSpPr>
               <p:spPr bwMode="auto">
                 <a:xfrm>
-                  <a:off x="2448" y="2051"/>
+                  <a:off x="2485" y="1985"/>
                   <a:ext cx="981" cy="425"/>
                 </a:xfrm>
                 <a:prstGeom prst="rect">
@@ -6832,7 +6832,7 @@
                 <a:blipFill>
                   <a:blip r:embed="rId9"/>
                   <a:stretch>
-                    <a:fillRect r="-3906" b="-20482"/>
+                    <a:fillRect r="-3922" b="-19048"/>
                   </a:stretch>
                 </a:blipFill>
                 <a:ln w="9525">
@@ -29285,8 +29285,8 @@
           </a:p>
         </p:txBody>
       </p:sp>
-      <mc:AlternateContent xmlns:mc="http://schemas.openxmlformats.org/markup-compatibility/2006">
-        <mc:Choice xmlns:a14="http://schemas.microsoft.com/office/drawing/2010/main" Requires="a14">
+      <mc:AlternateContent xmlns:mc="http://schemas.openxmlformats.org/markup-compatibility/2006" xmlns:a14="http://schemas.microsoft.com/office/drawing/2010/main">
+        <mc:Choice Requires="a14">
           <p:sp>
             <p:nvSpPr>
               <p:cNvPr id="3" name="Объект 2"/>
@@ -29995,7 +29995,7 @@
             </p:txBody>
           </p:sp>
         </mc:Choice>
-        <mc:Fallback>
+        <mc:Fallback xmlns="">
           <p:sp>
             <p:nvSpPr>
               <p:cNvPr id="3" name="Объект 2"/>
@@ -30112,8 +30112,8 @@
           </a:p>
         </p:txBody>
       </p:sp>
-      <mc:AlternateContent xmlns:mc="http://schemas.openxmlformats.org/markup-compatibility/2006" xmlns:a14="http://schemas.microsoft.com/office/drawing/2010/main">
-        <mc:Choice Requires="a14">
+      <mc:AlternateContent xmlns:mc="http://schemas.openxmlformats.org/markup-compatibility/2006">
+        <mc:Choice xmlns:a14="http://schemas.microsoft.com/office/drawing/2010/main" Requires="a14">
           <p:sp>
             <p:nvSpPr>
               <p:cNvPr id="3" name="Объект 2"/>
@@ -30343,13 +30343,10 @@
                       <m:t>,</m:t>
                     </m:r>
                     <m:r>
-                      <m:rPr>
-                        <m:sty m:val="p"/>
-                      </m:rPr>
-                      <a:rPr lang="en-US" b="0" i="0" smtClean="0">
-                        <a:latin typeface="Cambria Math" panose="02040503050406030204" pitchFamily="18" charset="0"/>
-                      </a:rPr>
-                      <m:t>k</m:t>
+                      <a:rPr lang="en-US" b="1" i="1" smtClean="0">
+                        <a:latin typeface="Cambria Math" panose="02040503050406030204" pitchFamily="18" charset="0"/>
+                      </a:rPr>
+                      <m:t>𝒌</m:t>
                     </m:r>
                     <m:sSub>
                       <m:sSubPr>
@@ -30905,7 +30902,7 @@
             </p:txBody>
           </p:sp>
         </mc:Choice>
-        <mc:Fallback xmlns="">
+        <mc:Fallback>
           <p:sp>
             <p:nvSpPr>
               <p:cNvPr id="3" name="Объект 2"/>
@@ -32109,8 +32106,8 @@
           </a:p>
         </p:txBody>
       </p:sp>
-      <mc:AlternateContent xmlns:mc="http://schemas.openxmlformats.org/markup-compatibility/2006">
-        <mc:Choice xmlns:a14="http://schemas.microsoft.com/office/drawing/2010/main" Requires="a14">
+      <mc:AlternateContent xmlns:mc="http://schemas.openxmlformats.org/markup-compatibility/2006" xmlns:a14="http://schemas.microsoft.com/office/drawing/2010/main">
+        <mc:Choice Requires="a14">
           <p:sp>
             <p:nvSpPr>
               <p:cNvPr id="3" name="Объект 2"/>
@@ -32342,7 +32339,7 @@
             </p:txBody>
           </p:sp>
         </mc:Choice>
-        <mc:Fallback>
+        <mc:Fallback xmlns="">
           <p:sp>
             <p:nvSpPr>
               <p:cNvPr id="3" name="Объект 2"/>
@@ -33285,8 +33282,8 @@
           </a:p>
         </p:txBody>
       </p:sp>
-      <mc:AlternateContent xmlns:mc="http://schemas.openxmlformats.org/markup-compatibility/2006">
-        <mc:Choice xmlns:a14="http://schemas.microsoft.com/office/drawing/2010/main" Requires="a14">
+      <mc:AlternateContent xmlns:mc="http://schemas.openxmlformats.org/markup-compatibility/2006" xmlns:a14="http://schemas.microsoft.com/office/drawing/2010/main">
+        <mc:Choice Requires="a14">
           <p:sp>
             <p:nvSpPr>
               <p:cNvPr id="30" name="Text Box 13"/>
@@ -33362,7 +33359,7 @@
             </p:txBody>
           </p:sp>
         </mc:Choice>
-        <mc:Fallback>
+        <mc:Fallback xmlns="">
           <p:sp>
             <p:nvSpPr>
               <p:cNvPr id="30" name="Text Box 13"/>
@@ -33418,9 +33415,9 @@
         </p:nvGrpSpPr>
         <p:grpSpPr bwMode="auto">
           <a:xfrm>
-            <a:off x="3885276" y="5226605"/>
+            <a:off x="3885276" y="5176599"/>
             <a:ext cx="3733800" cy="506017"/>
-            <a:chOff x="1776" y="2051"/>
+            <a:chOff x="1776" y="2009"/>
             <a:chExt cx="2352" cy="425"/>
           </a:xfrm>
         </p:grpSpPr>
@@ -33459,8 +33456,8 @@
             </a:p>
           </p:txBody>
         </p:sp>
-        <mc:AlternateContent xmlns:mc="http://schemas.openxmlformats.org/markup-compatibility/2006" xmlns:a14="http://schemas.microsoft.com/office/drawing/2010/main">
-          <mc:Choice Requires="a14">
+        <mc:AlternateContent xmlns:mc="http://schemas.openxmlformats.org/markup-compatibility/2006">
+          <mc:Choice xmlns:a14="http://schemas.microsoft.com/office/drawing/2010/main" Requires="a14">
             <p:sp>
               <p:nvSpPr>
                 <p:cNvPr id="33" name="Text Box 14"/>
@@ -33471,7 +33468,7 @@
               </p:nvSpPr>
               <p:spPr bwMode="auto">
                 <a:xfrm>
-                  <a:off x="2448" y="2051"/>
+                  <a:off x="2461" y="2009"/>
                   <a:ext cx="981" cy="425"/>
                 </a:xfrm>
                 <a:prstGeom prst="rect">
@@ -33570,7 +33567,7 @@
               </p:txBody>
             </p:sp>
           </mc:Choice>
-          <mc:Fallback xmlns="">
+          <mc:Fallback>
             <p:sp>
               <p:nvSpPr>
                 <p:cNvPr id="33" name="Text Box 14"/>
@@ -33581,7 +33578,7 @@
               </p:nvSpPr>
               <p:spPr bwMode="auto">
                 <a:xfrm>
-                  <a:off x="2448" y="2051"/>
+                  <a:off x="2461" y="2009"/>
                   <a:ext cx="981" cy="425"/>
                 </a:xfrm>
                 <a:prstGeom prst="rect">
@@ -33590,7 +33587,7 @@
                 <a:blipFill>
                   <a:blip r:embed="rId7"/>
                   <a:stretch>
-                    <a:fillRect r="-3906" b="-20482"/>
+                    <a:fillRect r="-3922" b="-20482"/>
                   </a:stretch>
                 </a:blipFill>
                 <a:ln w="9525">
@@ -34919,9 +34916,9 @@
         </p:nvGrpSpPr>
         <p:grpSpPr bwMode="auto">
           <a:xfrm>
-            <a:off x="3885276" y="5226605"/>
+            <a:off x="3885276" y="5169455"/>
             <a:ext cx="3733800" cy="506017"/>
-            <a:chOff x="1776" y="2051"/>
+            <a:chOff x="1776" y="2003"/>
             <a:chExt cx="2352" cy="425"/>
           </a:xfrm>
         </p:grpSpPr>
@@ -34960,8 +34957,8 @@
             </a:p>
           </p:txBody>
         </p:sp>
-        <mc:AlternateContent xmlns:mc="http://schemas.openxmlformats.org/markup-compatibility/2006" xmlns:a14="http://schemas.microsoft.com/office/drawing/2010/main">
-          <mc:Choice Requires="a14">
+        <mc:AlternateContent xmlns:mc="http://schemas.openxmlformats.org/markup-compatibility/2006">
+          <mc:Choice xmlns:a14="http://schemas.microsoft.com/office/drawing/2010/main" Requires="a14">
             <p:sp>
               <p:nvSpPr>
                 <p:cNvPr id="50" name="Text Box 14"/>
@@ -34972,7 +34969,7 @@
               </p:nvSpPr>
               <p:spPr bwMode="auto">
                 <a:xfrm>
-                  <a:off x="2448" y="2051"/>
+                  <a:off x="2461" y="2003"/>
                   <a:ext cx="981" cy="425"/>
                 </a:xfrm>
                 <a:prstGeom prst="rect">
@@ -35071,7 +35068,7 @@
               </p:txBody>
             </p:sp>
           </mc:Choice>
-          <mc:Fallback xmlns="">
+          <mc:Fallback>
             <p:sp>
               <p:nvSpPr>
                 <p:cNvPr id="50" name="Text Box 14"/>
@@ -35082,7 +35079,7 @@
               </p:nvSpPr>
               <p:spPr bwMode="auto">
                 <a:xfrm>
-                  <a:off x="2448" y="2051"/>
+                  <a:off x="2461" y="2003"/>
                   <a:ext cx="981" cy="425"/>
                 </a:xfrm>
                 <a:prstGeom prst="rect">
@@ -35091,7 +35088,7 @@
                 <a:blipFill>
                   <a:blip r:embed="rId6"/>
                   <a:stretch>
-                    <a:fillRect r="-3906" b="-20482"/>
+                    <a:fillRect r="-3922" b="-20482"/>
                   </a:stretch>
                 </a:blipFill>
                 <a:ln w="9525">

--- a/Lectures/Lecture1-b.pptx
+++ b/Lectures/Lecture1-b.pptx
@@ -5119,8 +5119,8 @@
             </a:p>
           </p:txBody>
         </p:sp>
-        <mc:AlternateContent xmlns:mc="http://schemas.openxmlformats.org/markup-compatibility/2006">
-          <mc:Choice xmlns:a14="http://schemas.microsoft.com/office/drawing/2010/main" Requires="a14">
+        <mc:AlternateContent xmlns:mc="http://schemas.openxmlformats.org/markup-compatibility/2006" xmlns:a14="http://schemas.microsoft.com/office/drawing/2010/main">
+          <mc:Choice Requires="a14">
             <p:sp>
               <p:nvSpPr>
                 <p:cNvPr id="29" name="Text Box 14"/>
@@ -5230,7 +5230,7 @@
               </p:txBody>
             </p:sp>
           </mc:Choice>
-          <mc:Fallback>
+          <mc:Fallback xmlns="">
             <p:sp>
               <p:nvSpPr>
                 <p:cNvPr id="29" name="Text Box 14"/>
@@ -6701,8 +6701,8 @@
             </a:p>
           </p:txBody>
         </p:sp>
-        <mc:AlternateContent xmlns:mc="http://schemas.openxmlformats.org/markup-compatibility/2006">
-          <mc:Choice xmlns:a14="http://schemas.microsoft.com/office/drawing/2010/main" Requires="a14">
+        <mc:AlternateContent xmlns:mc="http://schemas.openxmlformats.org/markup-compatibility/2006" xmlns:a14="http://schemas.microsoft.com/office/drawing/2010/main">
+          <mc:Choice Requires="a14">
             <p:sp>
               <p:nvSpPr>
                 <p:cNvPr id="25" name="Text Box 14"/>
@@ -6812,7 +6812,7 @@
               </p:txBody>
             </p:sp>
           </mc:Choice>
-          <mc:Fallback>
+          <mc:Fallback xmlns="">
             <p:sp>
               <p:nvSpPr>
                 <p:cNvPr id="25" name="Text Box 14"/>
@@ -30672,6 +30672,12 @@
                     </m:oMathParaPr>
                     <m:oMath xmlns:m="http://schemas.openxmlformats.org/officeDocument/2006/math">
                       <m:r>
+                        <a:rPr lang="en-US" b="0" i="0" smtClean="0">
+                          <a:latin typeface="Cambria Math" panose="02040503050406030204" pitchFamily="18" charset="0"/>
+                        </a:rPr>
+                        <m:t>|</m:t>
+                      </m:r>
+                      <m:r>
                         <m:rPr>
                           <m:sty m:val="p"/>
                         </m:rPr>
@@ -30880,6 +30886,12 @@
                               </m:r>
                             </m:e>
                           </m:d>
+                          <m:r>
+                            <a:rPr lang="en-US" b="0" i="1" smtClean="0">
+                              <a:latin typeface="Cambria Math" panose="02040503050406030204" pitchFamily="18" charset="0"/>
+                            </a:rPr>
+                            <m:t>|</m:t>
+                          </m:r>
                           <m:r>
                             <a:rPr lang="ru-RU" b="0" i="1" smtClean="0">
                               <a:latin typeface="Cambria Math" panose="02040503050406030204" pitchFamily="18" charset="0"/>
@@ -33456,8 +33468,8 @@
             </a:p>
           </p:txBody>
         </p:sp>
-        <mc:AlternateContent xmlns:mc="http://schemas.openxmlformats.org/markup-compatibility/2006">
-          <mc:Choice xmlns:a14="http://schemas.microsoft.com/office/drawing/2010/main" Requires="a14">
+        <mc:AlternateContent xmlns:mc="http://schemas.openxmlformats.org/markup-compatibility/2006" xmlns:a14="http://schemas.microsoft.com/office/drawing/2010/main">
+          <mc:Choice Requires="a14">
             <p:sp>
               <p:nvSpPr>
                 <p:cNvPr id="33" name="Text Box 14"/>
@@ -33567,7 +33579,7 @@
               </p:txBody>
             </p:sp>
           </mc:Choice>
-          <mc:Fallback>
+          <mc:Fallback xmlns="">
             <p:sp>
               <p:nvSpPr>
                 <p:cNvPr id="33" name="Text Box 14"/>
@@ -34957,8 +34969,8 @@
             </a:p>
           </p:txBody>
         </p:sp>
-        <mc:AlternateContent xmlns:mc="http://schemas.openxmlformats.org/markup-compatibility/2006">
-          <mc:Choice xmlns:a14="http://schemas.microsoft.com/office/drawing/2010/main" Requires="a14">
+        <mc:AlternateContent xmlns:mc="http://schemas.openxmlformats.org/markup-compatibility/2006" xmlns:a14="http://schemas.microsoft.com/office/drawing/2010/main">
+          <mc:Choice Requires="a14">
             <p:sp>
               <p:nvSpPr>
                 <p:cNvPr id="50" name="Text Box 14"/>
@@ -35068,7 +35080,7 @@
               </p:txBody>
             </p:sp>
           </mc:Choice>
-          <mc:Fallback>
+          <mc:Fallback xmlns="">
             <p:sp>
               <p:nvSpPr>
                 <p:cNvPr id="50" name="Text Box 14"/>

--- a/Lectures/Lecture1-b.pptx
+++ b/Lectures/Lecture1-b.pptx
@@ -279,7 +279,7 @@
           <a:p>
             <a:fld id="{CBA08D16-15DC-4E25-BDC3-F25146157B16}" type="datetimeFigureOut">
               <a:rPr lang="ru-RU" smtClean="0"/>
-              <a:t>10.09.2020</a:t>
+              <a:t>14.09.2020</a:t>
             </a:fld>
             <a:endParaRPr lang="ru-RU"/>
           </a:p>
@@ -678,7 +678,7 @@
           <a:p>
             <a:fld id="{FCEC8293-DB51-454A-BE81-EC8FCB31EBA2}" type="datetime1">
               <a:rPr lang="ru-RU" smtClean="0"/>
-              <a:t>10.09.2020</a:t>
+              <a:t>14.09.2020</a:t>
             </a:fld>
             <a:endParaRPr lang="ru-RU"/>
           </a:p>
@@ -852,7 +852,7 @@
           <a:p>
             <a:fld id="{241C87B1-1C35-4DBD-BC18-2BC72E776603}" type="datetime1">
               <a:rPr lang="ru-RU" smtClean="0"/>
-              <a:t>10.09.2020</a:t>
+              <a:t>14.09.2020</a:t>
             </a:fld>
             <a:endParaRPr lang="ru-RU"/>
           </a:p>
@@ -1036,7 +1036,7 @@
           <a:p>
             <a:fld id="{3134C275-26C0-42CD-9111-9ADE65922AF9}" type="datetime1">
               <a:rPr lang="ru-RU" smtClean="0"/>
-              <a:t>10.09.2020</a:t>
+              <a:t>14.09.2020</a:t>
             </a:fld>
             <a:endParaRPr lang="ru-RU"/>
           </a:p>
@@ -1210,7 +1210,7 @@
           <a:p>
             <a:fld id="{C1A9A50B-C350-45F5-8AAB-ADB9E670AF2E}" type="datetime1">
               <a:rPr lang="ru-RU" smtClean="0"/>
-              <a:t>10.09.2020</a:t>
+              <a:t>14.09.2020</a:t>
             </a:fld>
             <a:endParaRPr lang="ru-RU"/>
           </a:p>
@@ -1460,7 +1460,7 @@
           <a:p>
             <a:fld id="{089688C9-348F-42F9-B6C0-5990DDE0C5B2}" type="datetime1">
               <a:rPr lang="ru-RU" smtClean="0"/>
-              <a:t>10.09.2020</a:t>
+              <a:t>14.09.2020</a:t>
             </a:fld>
             <a:endParaRPr lang="ru-RU"/>
           </a:p>
@@ -1696,7 +1696,7 @@
           <a:p>
             <a:fld id="{684AFD8F-6DD9-4AD3-A505-FDC3F5C5F3F6}" type="datetime1">
               <a:rPr lang="ru-RU" smtClean="0"/>
-              <a:t>10.09.2020</a:t>
+              <a:t>14.09.2020</a:t>
             </a:fld>
             <a:endParaRPr lang="ru-RU"/>
           </a:p>
@@ -2067,7 +2067,7 @@
           <a:p>
             <a:fld id="{63551EFE-4D02-45EB-A747-8B6F047B5AA0}" type="datetime1">
               <a:rPr lang="ru-RU" smtClean="0"/>
-              <a:t>10.09.2020</a:t>
+              <a:t>14.09.2020</a:t>
             </a:fld>
             <a:endParaRPr lang="ru-RU"/>
           </a:p>
@@ -2189,7 +2189,7 @@
           <a:p>
             <a:fld id="{813A9F34-E5CD-4B8F-AA9E-889C84372B20}" type="datetime1">
               <a:rPr lang="ru-RU" smtClean="0"/>
-              <a:t>10.09.2020</a:t>
+              <a:t>14.09.2020</a:t>
             </a:fld>
             <a:endParaRPr lang="ru-RU"/>
           </a:p>
@@ -2288,7 +2288,7 @@
           <a:p>
             <a:fld id="{51224D22-9B29-44A6-8E82-95FC492DEDC1}" type="datetime1">
               <a:rPr lang="ru-RU" smtClean="0"/>
-              <a:t>10.09.2020</a:t>
+              <a:t>14.09.2020</a:t>
             </a:fld>
             <a:endParaRPr lang="ru-RU"/>
           </a:p>
@@ -2569,7 +2569,7 @@
           <a:p>
             <a:fld id="{91D1034F-4441-48A1-BDC0-25EA1022324A}" type="datetime1">
               <a:rPr lang="ru-RU" smtClean="0"/>
-              <a:t>10.09.2020</a:t>
+              <a:t>14.09.2020</a:t>
             </a:fld>
             <a:endParaRPr lang="ru-RU"/>
           </a:p>
@@ -2826,7 +2826,7 @@
           <a:p>
             <a:fld id="{B0FFDE79-B627-473B-AE17-4C65BD2495F7}" type="datetime1">
               <a:rPr lang="ru-RU" smtClean="0"/>
-              <a:t>10.09.2020</a:t>
+              <a:t>14.09.2020</a:t>
             </a:fld>
             <a:endParaRPr lang="ru-RU"/>
           </a:p>
@@ -3043,7 +3043,7 @@
           <a:p>
             <a:fld id="{11CA537A-1B8C-47BA-9BA6-7CE3FAFDA8BE}" type="datetime1">
               <a:rPr lang="ru-RU" smtClean="0"/>
-              <a:t>10.09.2020</a:t>
+              <a:t>14.09.2020</a:t>
             </a:fld>
             <a:endParaRPr lang="ru-RU"/>
           </a:p>
@@ -30112,8 +30112,8 @@
           </a:p>
         </p:txBody>
       </p:sp>
-      <mc:AlternateContent xmlns:mc="http://schemas.openxmlformats.org/markup-compatibility/2006">
-        <mc:Choice xmlns:a14="http://schemas.microsoft.com/office/drawing/2010/main" Requires="a14">
+      <mc:AlternateContent xmlns:mc="http://schemas.openxmlformats.org/markup-compatibility/2006" xmlns:a14="http://schemas.microsoft.com/office/drawing/2010/main">
+        <mc:Choice Requires="a14">
           <p:sp>
             <p:nvSpPr>
               <p:cNvPr id="3" name="Объект 2"/>
@@ -30914,7 +30914,7 @@
             </p:txBody>
           </p:sp>
         </mc:Choice>
-        <mc:Fallback>
+        <mc:Fallback xmlns="">
           <p:sp>
             <p:nvSpPr>
               <p:cNvPr id="3" name="Объект 2"/>
@@ -32118,8 +32118,8 @@
           </a:p>
         </p:txBody>
       </p:sp>
-      <mc:AlternateContent xmlns:mc="http://schemas.openxmlformats.org/markup-compatibility/2006" xmlns:a14="http://schemas.microsoft.com/office/drawing/2010/main">
-        <mc:Choice Requires="a14">
+      <mc:AlternateContent xmlns:mc="http://schemas.openxmlformats.org/markup-compatibility/2006">
+        <mc:Choice xmlns:a14="http://schemas.microsoft.com/office/drawing/2010/main" Requires="a14">
           <p:sp>
             <p:nvSpPr>
               <p:cNvPr id="3" name="Объект 2"/>
@@ -32260,26 +32260,17 @@
                 </a:r>
                 <a:r>
                   <a:rPr lang="ru-RU" dirty="0" smtClean="0"/>
-                  <a:t>– атакующий пытается угадать число </a:t>
-                </a:r>
-                <a14:m>
-                  <m:oMath xmlns:m="http://schemas.openxmlformats.org/officeDocument/2006/math">
-                    <m:r>
-                      <a:rPr lang="en-US" b="0" i="1" smtClean="0">
-                        <a:latin typeface="Cambria Math" panose="02040503050406030204" pitchFamily="18" charset="0"/>
-                      </a:rPr>
-                      <m:t>𝑏</m:t>
-                    </m:r>
-                  </m:oMath>
-                </a14:m>
-                <a:r>
-                  <a:rPr lang="en-US" dirty="0" smtClean="0"/>
-                  <a:t> (</a:t>
+                  <a:t>– атакующий пытается </a:t>
                 </a:r>
                 <a:r>
                   <a:rPr lang="ru-RU" dirty="0" smtClean="0"/>
-                  <a:t>угадать эксперимент)</a:t>
-                </a:r>
+                  <a:t>различить </a:t>
+                </a:r>
+                <a:r>
+                  <a:rPr lang="ru-RU" smtClean="0"/>
+                  <a:t>два эксперимента</a:t>
+                </a:r>
+                <a:endParaRPr lang="ru-RU" dirty="0" smtClean="0"/>
               </a:p>
               <a:p>
                 <a:r>
@@ -32351,7 +32342,7 @@
             </p:txBody>
           </p:sp>
         </mc:Choice>
-        <mc:Fallback xmlns="">
+        <mc:Fallback>
           <p:sp>
             <p:nvSpPr>
               <p:cNvPr id="3" name="Объект 2"/>

--- a/Lectures/Lecture1-b.pptx
+++ b/Lectures/Lecture1-b.pptx
@@ -279,7 +279,7 @@
           <a:p>
             <a:fld id="{CBA08D16-15DC-4E25-BDC3-F25146157B16}" type="datetimeFigureOut">
               <a:rPr lang="ru-RU" smtClean="0"/>
-              <a:t>14.09.2020</a:t>
+              <a:t>09.09.2021</a:t>
             </a:fld>
             <a:endParaRPr lang="ru-RU"/>
           </a:p>
@@ -678,7 +678,7 @@
           <a:p>
             <a:fld id="{FCEC8293-DB51-454A-BE81-EC8FCB31EBA2}" type="datetime1">
               <a:rPr lang="ru-RU" smtClean="0"/>
-              <a:t>14.09.2020</a:t>
+              <a:t>09.09.2021</a:t>
             </a:fld>
             <a:endParaRPr lang="ru-RU"/>
           </a:p>
@@ -852,7 +852,7 @@
           <a:p>
             <a:fld id="{241C87B1-1C35-4DBD-BC18-2BC72E776603}" type="datetime1">
               <a:rPr lang="ru-RU" smtClean="0"/>
-              <a:t>14.09.2020</a:t>
+              <a:t>09.09.2021</a:t>
             </a:fld>
             <a:endParaRPr lang="ru-RU"/>
           </a:p>
@@ -1036,7 +1036,7 @@
           <a:p>
             <a:fld id="{3134C275-26C0-42CD-9111-9ADE65922AF9}" type="datetime1">
               <a:rPr lang="ru-RU" smtClean="0"/>
-              <a:t>14.09.2020</a:t>
+              <a:t>09.09.2021</a:t>
             </a:fld>
             <a:endParaRPr lang="ru-RU"/>
           </a:p>
@@ -1210,7 +1210,7 @@
           <a:p>
             <a:fld id="{C1A9A50B-C350-45F5-8AAB-ADB9E670AF2E}" type="datetime1">
               <a:rPr lang="ru-RU" smtClean="0"/>
-              <a:t>14.09.2020</a:t>
+              <a:t>09.09.2021</a:t>
             </a:fld>
             <a:endParaRPr lang="ru-RU"/>
           </a:p>
@@ -1460,7 +1460,7 @@
           <a:p>
             <a:fld id="{089688C9-348F-42F9-B6C0-5990DDE0C5B2}" type="datetime1">
               <a:rPr lang="ru-RU" smtClean="0"/>
-              <a:t>14.09.2020</a:t>
+              <a:t>09.09.2021</a:t>
             </a:fld>
             <a:endParaRPr lang="ru-RU"/>
           </a:p>
@@ -1696,7 +1696,7 @@
           <a:p>
             <a:fld id="{684AFD8F-6DD9-4AD3-A505-FDC3F5C5F3F6}" type="datetime1">
               <a:rPr lang="ru-RU" smtClean="0"/>
-              <a:t>14.09.2020</a:t>
+              <a:t>09.09.2021</a:t>
             </a:fld>
             <a:endParaRPr lang="ru-RU"/>
           </a:p>
@@ -2067,7 +2067,7 @@
           <a:p>
             <a:fld id="{63551EFE-4D02-45EB-A747-8B6F047B5AA0}" type="datetime1">
               <a:rPr lang="ru-RU" smtClean="0"/>
-              <a:t>14.09.2020</a:t>
+              <a:t>09.09.2021</a:t>
             </a:fld>
             <a:endParaRPr lang="ru-RU"/>
           </a:p>
@@ -2189,7 +2189,7 @@
           <a:p>
             <a:fld id="{813A9F34-E5CD-4B8F-AA9E-889C84372B20}" type="datetime1">
               <a:rPr lang="ru-RU" smtClean="0"/>
-              <a:t>14.09.2020</a:t>
+              <a:t>09.09.2021</a:t>
             </a:fld>
             <a:endParaRPr lang="ru-RU"/>
           </a:p>
@@ -2288,7 +2288,7 @@
           <a:p>
             <a:fld id="{51224D22-9B29-44A6-8E82-95FC492DEDC1}" type="datetime1">
               <a:rPr lang="ru-RU" smtClean="0"/>
-              <a:t>14.09.2020</a:t>
+              <a:t>09.09.2021</a:t>
             </a:fld>
             <a:endParaRPr lang="ru-RU"/>
           </a:p>
@@ -2569,7 +2569,7 @@
           <a:p>
             <a:fld id="{91D1034F-4441-48A1-BDC0-25EA1022324A}" type="datetime1">
               <a:rPr lang="ru-RU" smtClean="0"/>
-              <a:t>14.09.2020</a:t>
+              <a:t>09.09.2021</a:t>
             </a:fld>
             <a:endParaRPr lang="ru-RU"/>
           </a:p>
@@ -2826,7 +2826,7 @@
           <a:p>
             <a:fld id="{B0FFDE79-B627-473B-AE17-4C65BD2495F7}" type="datetime1">
               <a:rPr lang="ru-RU" smtClean="0"/>
-              <a:t>14.09.2020</a:t>
+              <a:t>09.09.2021</a:t>
             </a:fld>
             <a:endParaRPr lang="ru-RU"/>
           </a:p>
@@ -3043,7 +3043,7 @@
           <a:p>
             <a:fld id="{11CA537A-1B8C-47BA-9BA6-7CE3FAFDA8BE}" type="datetime1">
               <a:rPr lang="ru-RU" smtClean="0"/>
-              <a:t>14.09.2020</a:t>
+              <a:t>09.09.2021</a:t>
             </a:fld>
             <a:endParaRPr lang="ru-RU"/>
           </a:p>
@@ -5500,15 +5500,7 @@
                 </a:pPr>
                 <a:r>
                   <a:rPr lang="ru-RU" dirty="0" smtClean="0"/>
-                  <a:t>Иными словами – вычислительно невозможно отличить </a:t>
-                </a:r>
-                <a:r>
-                  <a:rPr lang="ru-RU" dirty="0" err="1" smtClean="0"/>
-                  <a:t>шифррексты</a:t>
-                </a:r>
-                <a:r>
-                  <a:rPr lang="ru-RU" dirty="0" smtClean="0"/>
-                  <a:t> различных сообщений</a:t>
+                  <a:t>Иными словами – вычислительно невозможно отличить шифртексты различных сообщений</a:t>
                 </a:r>
                 <a:endParaRPr lang="ru-RU" dirty="0"/>
               </a:p>
@@ -21997,8 +21989,8 @@
           </a:p>
         </p:txBody>
       </p:sp>
-      <mc:AlternateContent xmlns:mc="http://schemas.openxmlformats.org/markup-compatibility/2006" xmlns:a14="http://schemas.microsoft.com/office/drawing/2010/main">
-        <mc:Choice Requires="a14">
+      <mc:AlternateContent xmlns:mc="http://schemas.openxmlformats.org/markup-compatibility/2006">
+        <mc:Choice xmlns:a14="http://schemas.microsoft.com/office/drawing/2010/main" Requires="a14">
           <p:sp>
             <p:nvSpPr>
               <p:cNvPr id="3" name="Объект 2"/>
@@ -22230,15 +22222,15 @@
                 </a:r>
                 <a:r>
                   <a:rPr lang="ru-RU" dirty="0"/>
-                  <a:t>произвольный предикат, вычисляющий 1 бит информации об открытом тексте по </a:t>
-                </a:r>
-                <a:r>
-                  <a:rPr lang="ru-RU" dirty="0" err="1" smtClean="0"/>
-                  <a:t>шифртексту</a:t>
+                  <a:t>произвольный предикат, вычисляющий 1 бит информации об открытом </a:t>
                 </a:r>
                 <a:r>
                   <a:rPr lang="ru-RU" dirty="0" smtClean="0"/>
-                  <a:t> (Например функция вычисления чётности сообщения </a:t>
+                  <a:t>тексте (Например </a:t>
+                </a:r>
+                <a:r>
+                  <a:rPr lang="ru-RU" dirty="0" smtClean="0"/>
+                  <a:t>функция вычисления чётности сообщения </a:t>
                 </a:r>
                 <a14:m>
                   <m:oMath xmlns:m="http://schemas.openxmlformats.org/officeDocument/2006/math">
@@ -22821,7 +22813,7 @@
             </p:txBody>
           </p:sp>
         </mc:Choice>
-        <mc:Fallback xmlns="">
+        <mc:Fallback>
           <p:sp>
             <p:nvSpPr>
               <p:cNvPr id="3" name="Объект 2"/>
@@ -22840,7 +22832,7 @@
               <a:blipFill>
                 <a:blip r:embed="rId2"/>
                 <a:stretch>
-                  <a:fillRect l="-1043" t="-2574" r="-116" b="-644"/>
+                  <a:fillRect l="-1043" t="-2574" r="-116"/>
                 </a:stretch>
               </a:blipFill>
             </p:spPr>
@@ -26726,8 +26718,8 @@
           </a:p>
         </p:txBody>
       </p:sp>
-      <mc:AlternateContent xmlns:mc="http://schemas.openxmlformats.org/markup-compatibility/2006" xmlns:a14="http://schemas.microsoft.com/office/drawing/2010/main">
-        <mc:Choice Requires="a14">
+      <mc:AlternateContent xmlns:mc="http://schemas.openxmlformats.org/markup-compatibility/2006">
+        <mc:Choice xmlns:a14="http://schemas.microsoft.com/office/drawing/2010/main" Requires="a14">
           <p:sp>
             <p:nvSpPr>
               <p:cNvPr id="3" name="Объект 2"/>
@@ -26754,7 +26746,7 @@
                   <a:buNone/>
                 </a:pPr>
                 <a:r>
-                  <a:rPr lang="ru-RU" b="1" dirty="0"/>
+                  <a:rPr lang="ru-RU" b="1" dirty="0" smtClean="0"/>
                   <a:t>Теорема 1.</a:t>
                 </a:r>
                 <a:r>
@@ -27257,6 +27249,12 @@
                         <a:latin typeface="Cambria Math" panose="02040503050406030204" pitchFamily="18" charset="0"/>
                       </a:rPr>
                       <m:t>=</m:t>
+                    </m:r>
+                    <m:r>
+                      <a:rPr lang="ru-RU" b="0" i="0" smtClean="0">
+                        <a:latin typeface="Cambria Math" panose="02040503050406030204" pitchFamily="18" charset="0"/>
+                      </a:rPr>
+                      <m:t>2</m:t>
                     </m:r>
                     <m:r>
                       <m:rPr>
@@ -27658,7 +27656,7 @@
             </p:txBody>
           </p:sp>
         </mc:Choice>
-        <mc:Fallback xmlns="">
+        <mc:Fallback>
           <p:sp>
             <p:nvSpPr>
               <p:cNvPr id="3" name="Объект 2"/>
@@ -32118,8 +32116,8 @@
           </a:p>
         </p:txBody>
       </p:sp>
-      <mc:AlternateContent xmlns:mc="http://schemas.openxmlformats.org/markup-compatibility/2006">
-        <mc:Choice xmlns:a14="http://schemas.microsoft.com/office/drawing/2010/main" Requires="a14">
+      <mc:AlternateContent xmlns:mc="http://schemas.openxmlformats.org/markup-compatibility/2006" xmlns:a14="http://schemas.microsoft.com/office/drawing/2010/main">
+        <mc:Choice Requires="a14">
           <p:sp>
             <p:nvSpPr>
               <p:cNvPr id="3" name="Объект 2"/>
@@ -32260,11 +32258,7 @@
                 </a:r>
                 <a:r>
                   <a:rPr lang="ru-RU" dirty="0" smtClean="0"/>
-                  <a:t>– атакующий пытается </a:t>
-                </a:r>
-                <a:r>
-                  <a:rPr lang="ru-RU" dirty="0" smtClean="0"/>
-                  <a:t>различить </a:t>
+                  <a:t>– атакующий пытается различить </a:t>
                 </a:r>
                 <a:r>
                   <a:rPr lang="ru-RU" smtClean="0"/>
@@ -32342,7 +32336,7 @@
             </p:txBody>
           </p:sp>
         </mc:Choice>
-        <mc:Fallback>
+        <mc:Fallback xmlns="">
           <p:sp>
             <p:nvSpPr>
               <p:cNvPr id="3" name="Объект 2"/>

--- a/Lectures/Lecture1-b.pptx
+++ b/Lectures/Lecture1-b.pptx
@@ -279,7 +279,7 @@
           <a:p>
             <a:fld id="{CBA08D16-15DC-4E25-BDC3-F25146157B16}" type="datetimeFigureOut">
               <a:rPr lang="ru-RU" smtClean="0"/>
-              <a:t>09.09.2021</a:t>
+              <a:t>12.09.2021</a:t>
             </a:fld>
             <a:endParaRPr lang="ru-RU"/>
           </a:p>
@@ -678,7 +678,7 @@
           <a:p>
             <a:fld id="{FCEC8293-DB51-454A-BE81-EC8FCB31EBA2}" type="datetime1">
               <a:rPr lang="ru-RU" smtClean="0"/>
-              <a:t>09.09.2021</a:t>
+              <a:t>12.09.2021</a:t>
             </a:fld>
             <a:endParaRPr lang="ru-RU"/>
           </a:p>
@@ -852,7 +852,7 @@
           <a:p>
             <a:fld id="{241C87B1-1C35-4DBD-BC18-2BC72E776603}" type="datetime1">
               <a:rPr lang="ru-RU" smtClean="0"/>
-              <a:t>09.09.2021</a:t>
+              <a:t>12.09.2021</a:t>
             </a:fld>
             <a:endParaRPr lang="ru-RU"/>
           </a:p>
@@ -1036,7 +1036,7 @@
           <a:p>
             <a:fld id="{3134C275-26C0-42CD-9111-9ADE65922AF9}" type="datetime1">
               <a:rPr lang="ru-RU" smtClean="0"/>
-              <a:t>09.09.2021</a:t>
+              <a:t>12.09.2021</a:t>
             </a:fld>
             <a:endParaRPr lang="ru-RU"/>
           </a:p>
@@ -1210,7 +1210,7 @@
           <a:p>
             <a:fld id="{C1A9A50B-C350-45F5-8AAB-ADB9E670AF2E}" type="datetime1">
               <a:rPr lang="ru-RU" smtClean="0"/>
-              <a:t>09.09.2021</a:t>
+              <a:t>12.09.2021</a:t>
             </a:fld>
             <a:endParaRPr lang="ru-RU"/>
           </a:p>
@@ -1460,7 +1460,7 @@
           <a:p>
             <a:fld id="{089688C9-348F-42F9-B6C0-5990DDE0C5B2}" type="datetime1">
               <a:rPr lang="ru-RU" smtClean="0"/>
-              <a:t>09.09.2021</a:t>
+              <a:t>12.09.2021</a:t>
             </a:fld>
             <a:endParaRPr lang="ru-RU"/>
           </a:p>
@@ -1696,7 +1696,7 @@
           <a:p>
             <a:fld id="{684AFD8F-6DD9-4AD3-A505-FDC3F5C5F3F6}" type="datetime1">
               <a:rPr lang="ru-RU" smtClean="0"/>
-              <a:t>09.09.2021</a:t>
+              <a:t>12.09.2021</a:t>
             </a:fld>
             <a:endParaRPr lang="ru-RU"/>
           </a:p>
@@ -2067,7 +2067,7 @@
           <a:p>
             <a:fld id="{63551EFE-4D02-45EB-A747-8B6F047B5AA0}" type="datetime1">
               <a:rPr lang="ru-RU" smtClean="0"/>
-              <a:t>09.09.2021</a:t>
+              <a:t>12.09.2021</a:t>
             </a:fld>
             <a:endParaRPr lang="ru-RU"/>
           </a:p>
@@ -2189,7 +2189,7 @@
           <a:p>
             <a:fld id="{813A9F34-E5CD-4B8F-AA9E-889C84372B20}" type="datetime1">
               <a:rPr lang="ru-RU" smtClean="0"/>
-              <a:t>09.09.2021</a:t>
+              <a:t>12.09.2021</a:t>
             </a:fld>
             <a:endParaRPr lang="ru-RU"/>
           </a:p>
@@ -2288,7 +2288,7 @@
           <a:p>
             <a:fld id="{51224D22-9B29-44A6-8E82-95FC492DEDC1}" type="datetime1">
               <a:rPr lang="ru-RU" smtClean="0"/>
-              <a:t>09.09.2021</a:t>
+              <a:t>12.09.2021</a:t>
             </a:fld>
             <a:endParaRPr lang="ru-RU"/>
           </a:p>
@@ -2569,7 +2569,7 @@
           <a:p>
             <a:fld id="{91D1034F-4441-48A1-BDC0-25EA1022324A}" type="datetime1">
               <a:rPr lang="ru-RU" smtClean="0"/>
-              <a:t>09.09.2021</a:t>
+              <a:t>12.09.2021</a:t>
             </a:fld>
             <a:endParaRPr lang="ru-RU"/>
           </a:p>
@@ -2826,7 +2826,7 @@
           <a:p>
             <a:fld id="{B0FFDE79-B627-473B-AE17-4C65BD2495F7}" type="datetime1">
               <a:rPr lang="ru-RU" smtClean="0"/>
-              <a:t>09.09.2021</a:t>
+              <a:t>12.09.2021</a:t>
             </a:fld>
             <a:endParaRPr lang="ru-RU"/>
           </a:p>
@@ -3043,7 +3043,7 @@
           <a:p>
             <a:fld id="{11CA537A-1B8C-47BA-9BA6-7CE3FAFDA8BE}" type="datetime1">
               <a:rPr lang="ru-RU" smtClean="0"/>
-              <a:t>09.09.2021</a:t>
+              <a:t>12.09.2021</a:t>
             </a:fld>
             <a:endParaRPr lang="ru-RU"/>
           </a:p>
@@ -17963,8 +17963,8 @@
           </a:p>
         </p:txBody>
       </p:sp>
-      <mc:AlternateContent xmlns:mc="http://schemas.openxmlformats.org/markup-compatibility/2006" xmlns:a14="http://schemas.microsoft.com/office/drawing/2010/main">
-        <mc:Choice Requires="a14">
+      <mc:AlternateContent xmlns:mc="http://schemas.openxmlformats.org/markup-compatibility/2006">
+        <mc:Choice xmlns:a14="http://schemas.microsoft.com/office/drawing/2010/main" Requires="a14">
           <p:sp>
             <p:nvSpPr>
               <p:cNvPr id="3" name="Объект 2"/>
@@ -18146,7 +18146,15 @@
                 </a14:m>
                 <a:r>
                   <a:rPr lang="ru-RU" dirty="0" smtClean="0"/>
-                  <a:t> генерирует два сообщения </a:t>
+                  <a:t> генерирует </a:t>
+                </a:r>
+                <a:r>
+                  <a:rPr lang="ru-RU" smtClean="0"/>
+                  <a:t>два </a:t>
+                </a:r>
+                <a:r>
+                  <a:rPr lang="ru-RU" smtClean="0"/>
+                  <a:t>случайных сообщения </a:t>
                 </a:r>
                 <a14:m>
                   <m:oMath xmlns:m="http://schemas.openxmlformats.org/officeDocument/2006/math">
@@ -18443,7 +18451,7 @@
             </p:txBody>
           </p:sp>
         </mc:Choice>
-        <mc:Fallback xmlns="">
+        <mc:Fallback>
           <p:sp>
             <p:nvSpPr>
               <p:cNvPr id="3" name="Объект 2"/>
@@ -18458,7 +18466,7 @@
               <a:blipFill>
                 <a:blip r:embed="rId2"/>
                 <a:stretch>
-                  <a:fillRect l="-1043" t="-2101" r="-406"/>
+                  <a:fillRect l="-1043" t="-2101" r="-754"/>
                 </a:stretch>
               </a:blipFill>
             </p:spPr>
@@ -19702,10 +19710,10 @@
         </p:nvGrpSpPr>
         <p:grpSpPr bwMode="auto">
           <a:xfrm>
-            <a:off x="5948378" y="5151447"/>
-            <a:ext cx="1237559" cy="815513"/>
+            <a:off x="5948376" y="5151447"/>
+            <a:ext cx="1337132" cy="815513"/>
             <a:chOff x="3216" y="3483"/>
-            <a:chExt cx="1392" cy="501"/>
+            <a:chExt cx="1504" cy="501"/>
           </a:xfrm>
         </p:grpSpPr>
         <p:sp>
@@ -19791,7 +19799,7 @@
               <p:spPr bwMode="auto">
                 <a:xfrm>
                   <a:off x="3400" y="3483"/>
-                  <a:ext cx="958" cy="310"/>
+                  <a:ext cx="1320" cy="227"/>
                 </a:xfrm>
                 <a:prstGeom prst="rect">
                   <a:avLst/>
@@ -19867,10 +19875,10 @@
                           </m:e>
                           <m:sub>
                             <m:r>
-                              <a:rPr lang="en-US" b="0" i="1" smtClean="0">
+                              <a:rPr lang="ru-RU" b="0" i="1" smtClean="0">
                                 <a:latin typeface="Cambria Math" panose="02040503050406030204" pitchFamily="18" charset="0"/>
                               </a:rPr>
-                              <m:t>0</m:t>
+                              <m:t>1</m:t>
                             </m:r>
                           </m:sub>
                         </m:sSub>
@@ -19894,7 +19902,7 @@
               <p:spPr bwMode="auto">
                 <a:xfrm>
                   <a:off x="3400" y="3483"/>
-                  <a:ext cx="958" cy="310"/>
+                  <a:ext cx="1320" cy="227"/>
                 </a:xfrm>
                 <a:prstGeom prst="rect">
                   <a:avLst/>
@@ -19902,7 +19910,7 @@
                 <a:blipFill>
                   <a:blip r:embed="rId7"/>
                   <a:stretch>
-                    <a:fillRect r="-26619"/>
+                    <a:fillRect/>
                   </a:stretch>
                 </a:blipFill>
                 <a:ln w="9525">
@@ -20867,7 +20875,7 @@
             <p:spPr/>
             <p:txBody>
               <a:bodyPr>
-                <a:normAutofit/>
+                <a:normAutofit lnSpcReduction="10000"/>
               </a:bodyPr>
               <a:lstStyle/>
               <a:p>
@@ -21353,10 +21361,10 @@
                       </m:e>
                       <m:sub>
                         <m:r>
-                          <a:rPr lang="en-US" b="0" i="1" smtClean="0">
-                            <a:latin typeface="Cambria Math" panose="02040503050406030204" pitchFamily="18" charset="0"/>
-                          </a:rPr>
-                          <m:t>0</m:t>
+                          <a:rPr lang="ru-RU" b="0" i="1" smtClean="0">
+                            <a:latin typeface="Cambria Math" panose="02040503050406030204" pitchFamily="18" charset="0"/>
+                          </a:rPr>
+                          <m:t>1</m:t>
                         </m:r>
                       </m:sub>
                     </m:sSub>
@@ -21426,6 +21434,76 @@
                       </m:e>
                       <m:sub>
                         <m:r>
+                          <a:rPr lang="ru-RU" b="0" i="1" smtClean="0">
+                            <a:latin typeface="Cambria Math" panose="02040503050406030204" pitchFamily="18" charset="0"/>
+                          </a:rPr>
+                          <m:t>0</m:t>
+                        </m:r>
+                      </m:sub>
+                    </m:sSub>
+                  </m:oMath>
+                </a14:m>
+                <a:r>
+                  <a:rPr lang="ru-RU" dirty="0" smtClean="0"/>
+                  <a:t>, то</a:t>
+                </a:r>
+                <a:r>
+                  <a:rPr lang="en-US" dirty="0" smtClean="0"/>
+                  <a:t> </a:t>
+                </a:r>
+                <a14:m>
+                  <m:oMath xmlns:m="http://schemas.openxmlformats.org/officeDocument/2006/math">
+                    <m:sSub>
+                      <m:sSubPr>
+                        <m:ctrlPr>
+                          <a:rPr lang="en-US" b="0" i="1" smtClean="0">
+                            <a:latin typeface="Cambria Math" panose="02040503050406030204" pitchFamily="18" charset="0"/>
+                          </a:rPr>
+                        </m:ctrlPr>
+                      </m:sSubPr>
+                      <m:e>
+                        <m:r>
+                          <a:rPr lang="en-US" b="0" i="1" smtClean="0">
+                            <a:latin typeface="Cambria Math" panose="02040503050406030204" pitchFamily="18" charset="0"/>
+                          </a:rPr>
+                          <m:t>𝑝</m:t>
+                        </m:r>
+                      </m:e>
+                      <m:sub>
+                        <m:r>
+                          <a:rPr lang="en-US" b="0" i="1" smtClean="0">
+                            <a:latin typeface="Cambria Math" panose="02040503050406030204" pitchFamily="18" charset="0"/>
+                          </a:rPr>
+                          <m:t>0</m:t>
+                        </m:r>
+                      </m:sub>
+                    </m:sSub>
+                  </m:oMath>
+                </a14:m>
+                <a:r>
+                  <a:rPr lang="ru-RU" dirty="0" smtClean="0"/>
+                  <a:t> не зависит от </a:t>
+                </a:r>
+                <a14:m>
+                  <m:oMath xmlns:m="http://schemas.openxmlformats.org/officeDocument/2006/math">
+                    <m:sSub>
+                      <m:sSubPr>
+                        <m:ctrlPr>
+                          <a:rPr lang="en-US" b="0" i="1" smtClean="0">
+                            <a:latin typeface="Cambria Math" panose="02040503050406030204" pitchFamily="18" charset="0"/>
+                          </a:rPr>
+                        </m:ctrlPr>
+                      </m:sSubPr>
+                      <m:e>
+                        <m:r>
+                          <a:rPr lang="en-US" b="0" i="1" smtClean="0">
+                            <a:latin typeface="Cambria Math" panose="02040503050406030204" pitchFamily="18" charset="0"/>
+                          </a:rPr>
+                          <m:t>𝑚</m:t>
+                        </m:r>
+                      </m:e>
+                      <m:sub>
+                        <m:r>
                           <a:rPr lang="en-US" b="0" i="1" smtClean="0">
                             <a:latin typeface="Cambria Math" panose="02040503050406030204" pitchFamily="18" charset="0"/>
                           </a:rPr>
@@ -21436,8 +21514,12 @@
                   </m:oMath>
                 </a14:m>
                 <a:r>
+                  <a:rPr lang="en-US" dirty="0" smtClean="0"/>
+                  <a:t> </a:t>
+                </a:r>
+                <a:r>
                   <a:rPr lang="ru-RU" dirty="0" smtClean="0"/>
-                  <a:t>, то </a:t>
+                  <a:t>и </a:t>
                 </a:r>
                 <a14:m>
                   <m:oMath xmlns:m="http://schemas.openxmlformats.org/officeDocument/2006/math">
@@ -21459,15 +21541,61 @@
                       </m:e>
                       <m:sub>
                         <m:r>
-                          <a:rPr lang="en-US" b="0" i="1" smtClean="0">
-                            <a:latin typeface="Cambria Math" panose="02040503050406030204" pitchFamily="18" charset="0"/>
-                          </a:rPr>
-                          <m:t>1</m:t>
+                          <a:rPr lang="ru-RU" b="0" i="1" smtClean="0">
+                            <a:latin typeface="Cambria Math" panose="02040503050406030204" pitchFamily="18" charset="0"/>
+                          </a:rPr>
+                          <m:t>0</m:t>
                         </m:r>
                       </m:sub>
                     </m:sSub>
                     <m:r>
                       <a:rPr lang="en-US" b="0" i="0" smtClean="0">
+                        <a:latin typeface="Cambria Math" panose="02040503050406030204" pitchFamily="18" charset="0"/>
+                      </a:rPr>
+                      <m:t>=</m:t>
+                    </m:r>
+                    <m:r>
+                      <m:rPr>
+                        <m:sty m:val="p"/>
+                      </m:rPr>
+                      <a:rPr lang="en-US" b="0" i="0" smtClean="0">
+                        <a:latin typeface="Cambria Math" panose="02040503050406030204" pitchFamily="18" charset="0"/>
+                      </a:rPr>
+                      <m:t>Pr</m:t>
+                    </m:r>
+                    <m:r>
+                      <a:rPr lang="en-US" b="0" i="1" smtClean="0">
+                        <a:latin typeface="Cambria Math" panose="02040503050406030204" pitchFamily="18" charset="0"/>
+                      </a:rPr>
+                      <m:t>⁡[</m:t>
+                    </m:r>
+                    <m:sSup>
+                      <m:sSupPr>
+                        <m:ctrlPr>
+                          <a:rPr lang="en-US" b="0" i="1" smtClean="0">
+                            <a:latin typeface="Cambria Math" panose="02040503050406030204" pitchFamily="18" charset="0"/>
+                          </a:rPr>
+                        </m:ctrlPr>
+                      </m:sSupPr>
+                      <m:e>
+                        <m:r>
+                          <a:rPr lang="en-US" b="0" i="1" smtClean="0">
+                            <a:latin typeface="Cambria Math" panose="02040503050406030204" pitchFamily="18" charset="0"/>
+                          </a:rPr>
+                          <m:t>𝑚</m:t>
+                        </m:r>
+                      </m:e>
+                      <m:sup>
+                        <m:r>
+                          <a:rPr lang="en-US" b="0" i="1" smtClean="0">
+                            <a:latin typeface="Cambria Math" panose="02040503050406030204" pitchFamily="18" charset="0"/>
+                          </a:rPr>
+                          <m:t>′</m:t>
+                        </m:r>
+                      </m:sup>
+                    </m:sSup>
+                    <m:r>
+                      <a:rPr lang="en-US" b="0" i="1" smtClean="0">
                         <a:latin typeface="Cambria Math" panose="02040503050406030204" pitchFamily="18" charset="0"/>
                       </a:rPr>
                       <m:t>=</m:t>
@@ -21481,21 +21609,6 @@
                         </m:ctrlPr>
                       </m:sSubPr>
                       <m:e>
-                        <m:r>
-                          <m:rPr>
-                            <m:sty m:val="p"/>
-                          </m:rPr>
-                          <a:rPr lang="en-US" b="0" i="0" smtClean="0">
-                            <a:latin typeface="Cambria Math" panose="02040503050406030204" pitchFamily="18" charset="0"/>
-                          </a:rPr>
-                          <m:t>Pr</m:t>
-                        </m:r>
-                        <m:r>
-                          <a:rPr lang="en-US" b="0" i="1" smtClean="0">
-                            <a:latin typeface="Cambria Math" panose="02040503050406030204" pitchFamily="18" charset="0"/>
-                          </a:rPr>
-                          <m:t>⁡[</m:t>
-                        </m:r>
                         <m:r>
                           <a:rPr lang="en-US" b="0" i="1" smtClean="0">
                             <a:latin typeface="Cambria Math" panose="02040503050406030204" pitchFamily="18" charset="0"/>
@@ -21516,19 +21629,7 @@
                       <a:rPr lang="en-US" b="0" i="1" smtClean="0">
                         <a:latin typeface="Cambria Math" panose="02040503050406030204" pitchFamily="18" charset="0"/>
                       </a:rPr>
-                      <m:t>=</m:t>
-                    </m:r>
-                    <m:r>
-                      <a:rPr lang="en-US" b="0" i="1" smtClean="0">
-                        <a:latin typeface="Cambria Math" panose="02040503050406030204" pitchFamily="18" charset="0"/>
-                      </a:rPr>
-                      <m:t>𝑚</m:t>
-                    </m:r>
-                    <m:r>
-                      <a:rPr lang="en-US" b="0" i="1" smtClean="0">
-                        <a:latin typeface="Cambria Math" panose="02040503050406030204" pitchFamily="18" charset="0"/>
-                      </a:rPr>
-                      <m:t>′]=1/|</m:t>
+                      <m:t>]=1/|</m:t>
                     </m:r>
                     <m:r>
                       <a:rPr lang="en-US" b="0" i="1" smtClean="0">
@@ -21864,7 +21965,7 @@
               <a:blipFill>
                 <a:blip r:embed="rId2"/>
                 <a:stretch>
-                  <a:fillRect l="-1043" t="-2101" r="-1275" b="-1961"/>
+                  <a:fillRect l="-1043" t="-2801" r="-1275" b="-1120"/>
                 </a:stretch>
               </a:blipFill>
             </p:spPr>
@@ -21989,8 +22090,8 @@
           </a:p>
         </p:txBody>
       </p:sp>
-      <mc:AlternateContent xmlns:mc="http://schemas.openxmlformats.org/markup-compatibility/2006">
-        <mc:Choice xmlns:a14="http://schemas.microsoft.com/office/drawing/2010/main" Requires="a14">
+      <mc:AlternateContent xmlns:mc="http://schemas.openxmlformats.org/markup-compatibility/2006" xmlns:a14="http://schemas.microsoft.com/office/drawing/2010/main">
+        <mc:Choice Requires="a14">
           <p:sp>
             <p:nvSpPr>
               <p:cNvPr id="3" name="Объект 2"/>
@@ -22226,11 +22327,7 @@
                 </a:r>
                 <a:r>
                   <a:rPr lang="ru-RU" dirty="0" smtClean="0"/>
-                  <a:t>тексте (Например </a:t>
-                </a:r>
-                <a:r>
-                  <a:rPr lang="ru-RU" dirty="0" smtClean="0"/>
-                  <a:t>функция вычисления чётности сообщения </a:t>
+                  <a:t>тексте (Например функция вычисления чётности сообщения </a:t>
                 </a:r>
                 <a14:m>
                   <m:oMath xmlns:m="http://schemas.openxmlformats.org/officeDocument/2006/math">
@@ -22813,7 +22910,7 @@
             </p:txBody>
           </p:sp>
         </mc:Choice>
-        <mc:Fallback>
+        <mc:Fallback xmlns="">
           <p:sp>
             <p:nvSpPr>
               <p:cNvPr id="3" name="Объект 2"/>
@@ -26718,8 +26815,8 @@
           </a:p>
         </p:txBody>
       </p:sp>
-      <mc:AlternateContent xmlns:mc="http://schemas.openxmlformats.org/markup-compatibility/2006">
-        <mc:Choice xmlns:a14="http://schemas.microsoft.com/office/drawing/2010/main" Requires="a14">
+      <mc:AlternateContent xmlns:mc="http://schemas.openxmlformats.org/markup-compatibility/2006" xmlns:a14="http://schemas.microsoft.com/office/drawing/2010/main">
+        <mc:Choice Requires="a14">
           <p:sp>
             <p:nvSpPr>
               <p:cNvPr id="3" name="Объект 2"/>
@@ -27656,7 +27753,7 @@
             </p:txBody>
           </p:sp>
         </mc:Choice>
-        <mc:Fallback>
+        <mc:Fallback xmlns="">
           <p:sp>
             <p:nvSpPr>
               <p:cNvPr id="3" name="Объект 2"/>

--- a/Lectures/Lecture1-b.pptx
+++ b/Lectures/Lecture1-b.pptx
@@ -5,7 +5,7 @@
     <p:sldMasterId id="2147483648" r:id="rId1"/>
   </p:sldMasterIdLst>
   <p:notesMasterIdLst>
-    <p:notesMasterId r:id="rId32"/>
+    <p:notesMasterId r:id="rId34"/>
   </p:notesMasterIdLst>
   <p:sldIdLst>
     <p:sldId id="322" r:id="rId2"/>
@@ -20,24 +20,26 @@
     <p:sldId id="300" r:id="rId11"/>
     <p:sldId id="301" r:id="rId12"/>
     <p:sldId id="303" r:id="rId13"/>
-    <p:sldId id="307" r:id="rId14"/>
-    <p:sldId id="308" r:id="rId15"/>
-    <p:sldId id="306" r:id="rId16"/>
-    <p:sldId id="309" r:id="rId17"/>
-    <p:sldId id="265" r:id="rId18"/>
-    <p:sldId id="310" r:id="rId19"/>
-    <p:sldId id="312" r:id="rId20"/>
-    <p:sldId id="313" r:id="rId21"/>
-    <p:sldId id="302" r:id="rId22"/>
-    <p:sldId id="314" r:id="rId23"/>
-    <p:sldId id="315" r:id="rId24"/>
-    <p:sldId id="304" r:id="rId25"/>
-    <p:sldId id="316" r:id="rId26"/>
-    <p:sldId id="317" r:id="rId27"/>
-    <p:sldId id="318" r:id="rId28"/>
-    <p:sldId id="319" r:id="rId29"/>
-    <p:sldId id="320" r:id="rId30"/>
-    <p:sldId id="321" r:id="rId31"/>
+    <p:sldId id="329" r:id="rId14"/>
+    <p:sldId id="330" r:id="rId15"/>
+    <p:sldId id="307" r:id="rId16"/>
+    <p:sldId id="308" r:id="rId17"/>
+    <p:sldId id="306" r:id="rId18"/>
+    <p:sldId id="309" r:id="rId19"/>
+    <p:sldId id="265" r:id="rId20"/>
+    <p:sldId id="310" r:id="rId21"/>
+    <p:sldId id="312" r:id="rId22"/>
+    <p:sldId id="313" r:id="rId23"/>
+    <p:sldId id="302" r:id="rId24"/>
+    <p:sldId id="314" r:id="rId25"/>
+    <p:sldId id="315" r:id="rId26"/>
+    <p:sldId id="304" r:id="rId27"/>
+    <p:sldId id="316" r:id="rId28"/>
+    <p:sldId id="317" r:id="rId29"/>
+    <p:sldId id="318" r:id="rId30"/>
+    <p:sldId id="319" r:id="rId31"/>
+    <p:sldId id="320" r:id="rId32"/>
+    <p:sldId id="321" r:id="rId33"/>
   </p:sldIdLst>
   <p:sldSz cx="12192000" cy="6858000"/>
   <p:notesSz cx="6858000" cy="9144000"/>
@@ -161,6 +163,8 @@
             <p14:sldId id="300"/>
             <p14:sldId id="301"/>
             <p14:sldId id="303"/>
+            <p14:sldId id="329"/>
+            <p14:sldId id="330"/>
             <p14:sldId id="307"/>
             <p14:sldId id="308"/>
             <p14:sldId id="306"/>
@@ -279,7 +283,7 @@
           <a:p>
             <a:fld id="{CBA08D16-15DC-4E25-BDC3-F25146157B16}" type="datetimeFigureOut">
               <a:rPr lang="ru-RU" smtClean="0"/>
-              <a:t>12.09.2021</a:t>
+              <a:t>15.09.2022</a:t>
             </a:fld>
             <a:endParaRPr lang="ru-RU"/>
           </a:p>
@@ -678,7 +682,7 @@
           <a:p>
             <a:fld id="{FCEC8293-DB51-454A-BE81-EC8FCB31EBA2}" type="datetime1">
               <a:rPr lang="ru-RU" smtClean="0"/>
-              <a:t>12.09.2021</a:t>
+              <a:t>15.09.2022</a:t>
             </a:fld>
             <a:endParaRPr lang="ru-RU"/>
           </a:p>
@@ -852,7 +856,7 @@
           <a:p>
             <a:fld id="{241C87B1-1C35-4DBD-BC18-2BC72E776603}" type="datetime1">
               <a:rPr lang="ru-RU" smtClean="0"/>
-              <a:t>12.09.2021</a:t>
+              <a:t>15.09.2022</a:t>
             </a:fld>
             <a:endParaRPr lang="ru-RU"/>
           </a:p>
@@ -1036,7 +1040,7 @@
           <a:p>
             <a:fld id="{3134C275-26C0-42CD-9111-9ADE65922AF9}" type="datetime1">
               <a:rPr lang="ru-RU" smtClean="0"/>
-              <a:t>12.09.2021</a:t>
+              <a:t>15.09.2022</a:t>
             </a:fld>
             <a:endParaRPr lang="ru-RU"/>
           </a:p>
@@ -1210,7 +1214,7 @@
           <a:p>
             <a:fld id="{C1A9A50B-C350-45F5-8AAB-ADB9E670AF2E}" type="datetime1">
               <a:rPr lang="ru-RU" smtClean="0"/>
-              <a:t>12.09.2021</a:t>
+              <a:t>15.09.2022</a:t>
             </a:fld>
             <a:endParaRPr lang="ru-RU"/>
           </a:p>
@@ -1460,7 +1464,7 @@
           <a:p>
             <a:fld id="{089688C9-348F-42F9-B6C0-5990DDE0C5B2}" type="datetime1">
               <a:rPr lang="ru-RU" smtClean="0"/>
-              <a:t>12.09.2021</a:t>
+              <a:t>15.09.2022</a:t>
             </a:fld>
             <a:endParaRPr lang="ru-RU"/>
           </a:p>
@@ -1696,7 +1700,7 @@
           <a:p>
             <a:fld id="{684AFD8F-6DD9-4AD3-A505-FDC3F5C5F3F6}" type="datetime1">
               <a:rPr lang="ru-RU" smtClean="0"/>
-              <a:t>12.09.2021</a:t>
+              <a:t>15.09.2022</a:t>
             </a:fld>
             <a:endParaRPr lang="ru-RU"/>
           </a:p>
@@ -2067,7 +2071,7 @@
           <a:p>
             <a:fld id="{63551EFE-4D02-45EB-A747-8B6F047B5AA0}" type="datetime1">
               <a:rPr lang="ru-RU" smtClean="0"/>
-              <a:t>12.09.2021</a:t>
+              <a:t>15.09.2022</a:t>
             </a:fld>
             <a:endParaRPr lang="ru-RU"/>
           </a:p>
@@ -2189,7 +2193,7 @@
           <a:p>
             <a:fld id="{813A9F34-E5CD-4B8F-AA9E-889C84372B20}" type="datetime1">
               <a:rPr lang="ru-RU" smtClean="0"/>
-              <a:t>12.09.2021</a:t>
+              <a:t>15.09.2022</a:t>
             </a:fld>
             <a:endParaRPr lang="ru-RU"/>
           </a:p>
@@ -2288,7 +2292,7 @@
           <a:p>
             <a:fld id="{51224D22-9B29-44A6-8E82-95FC492DEDC1}" type="datetime1">
               <a:rPr lang="ru-RU" smtClean="0"/>
-              <a:t>12.09.2021</a:t>
+              <a:t>15.09.2022</a:t>
             </a:fld>
             <a:endParaRPr lang="ru-RU"/>
           </a:p>
@@ -2569,7 +2573,7 @@
           <a:p>
             <a:fld id="{91D1034F-4441-48A1-BDC0-25EA1022324A}" type="datetime1">
               <a:rPr lang="ru-RU" smtClean="0"/>
-              <a:t>12.09.2021</a:t>
+              <a:t>15.09.2022</a:t>
             </a:fld>
             <a:endParaRPr lang="ru-RU"/>
           </a:p>
@@ -2826,7 +2830,7 @@
           <a:p>
             <a:fld id="{B0FFDE79-B627-473B-AE17-4C65BD2495F7}" type="datetime1">
               <a:rPr lang="ru-RU" smtClean="0"/>
-              <a:t>12.09.2021</a:t>
+              <a:t>15.09.2022</a:t>
             </a:fld>
             <a:endParaRPr lang="ru-RU"/>
           </a:p>
@@ -3043,7 +3047,7 @@
           <a:p>
             <a:fld id="{11CA537A-1B8C-47BA-9BA6-7CE3FAFDA8BE}" type="datetime1">
               <a:rPr lang="ru-RU" smtClean="0"/>
-              <a:t>12.09.2021</a:t>
+              <a:t>15.09.2022</a:t>
             </a:fld>
             <a:endParaRPr lang="ru-RU"/>
           </a:p>
@@ -3561,7 +3565,7 @@
           <a:p>
             <a:r>
               <a:rPr lang="ru-RU" dirty="0" smtClean="0"/>
-              <a:t>МИФИ 2020</a:t>
+              <a:t>МИФИ 2022</a:t>
             </a:r>
             <a:endParaRPr lang="ru-RU" dirty="0"/>
           </a:p>
@@ -7140,8 +7144,8 @@
         </p:nvSpPr>
         <p:spPr>
           <a:xfrm>
-            <a:off x="720505" y="1690688"/>
-            <a:ext cx="10542006" cy="1328737"/>
+            <a:off x="746882" y="1793021"/>
+            <a:ext cx="10542006" cy="949642"/>
           </a:xfrm>
           <a:prstGeom prst="roundRect">
             <a:avLst/>
@@ -7208,7 +7212,7 @@
             <p:spPr/>
             <p:txBody>
               <a:bodyPr>
-                <a:normAutofit lnSpcReduction="10000"/>
+                <a:normAutofit/>
               </a:bodyPr>
               <a:lstStyle/>
               <a:p>
@@ -7222,119 +7226,13 @@
                 <a14:m>
                   <m:oMath xmlns:m="http://schemas.openxmlformats.org/officeDocument/2006/math">
                     <m:r>
-                      <a:rPr lang="en-US" b="0" i="1" smtClean="0">
-                        <a:latin typeface="Cambria Math" panose="02040503050406030204" pitchFamily="18" charset="0"/>
-                      </a:rPr>
-                      <m:t>𝐴</m:t>
-                    </m:r>
-                  </m:oMath>
-                </a14:m>
-                <a:r>
-                  <a:rPr lang="en-US" dirty="0" smtClean="0"/>
-                  <a:t> – </a:t>
-                </a:r>
-                <a:r>
-                  <a:rPr lang="ru-RU" dirty="0" smtClean="0"/>
-                  <a:t>алгоритм позволяющий получить наименее значимый бит </a:t>
-                </a:r>
-                <a:r>
-                  <a:rPr lang="en-US" dirty="0" smtClean="0"/>
-                  <a:t>(LSB)</a:t>
-                </a:r>
-                <a:r>
-                  <a:rPr lang="ru-RU" dirty="0" smtClean="0"/>
-                  <a:t> открытого текста через </a:t>
-                </a:r>
-                <a:r>
-                  <a:rPr lang="ru-RU" dirty="0" err="1" smtClean="0"/>
-                  <a:t>шифртекст</a:t>
-                </a:r>
-                <a:r>
-                  <a:rPr lang="ru-RU" dirty="0" smtClean="0"/>
-                  <a:t> </a:t>
-                </a:r>
-                <a14:m>
-                  <m:oMath xmlns:m="http://schemas.openxmlformats.org/officeDocument/2006/math">
-                    <m:r>
-                      <a:rPr lang="ru-RU" b="0" i="1" smtClean="0">
-                        <a:latin typeface="Cambria Math" panose="02040503050406030204" pitchFamily="18" charset="0"/>
-                      </a:rPr>
-                      <m:t>с</m:t>
-                    </m:r>
-                    <m:groupChr>
-                      <m:groupChrPr>
-                        <m:chr m:val="←"/>
-                        <m:vertJc m:val="bot"/>
-                        <m:ctrlPr>
-                          <a:rPr lang="en-US" sz="2800" i="1">
-                            <a:latin typeface="Cambria Math" panose="02040503050406030204" pitchFamily="18" charset="0"/>
-                          </a:rPr>
-                        </m:ctrlPr>
-                      </m:groupChrPr>
-                      <m:e>
-                        <m:r>
-                          <m:rPr>
-                            <m:brk m:alnAt="2"/>
-                          </m:rPr>
-                          <a:rPr lang="en-US" sz="2800" i="1">
-                            <a:latin typeface="Cambria Math" panose="02040503050406030204" pitchFamily="18" charset="0"/>
-                          </a:rPr>
-                          <m:t>𝑅</m:t>
-                        </m:r>
-                      </m:e>
-                    </m:groupChr>
-                    <m:r>
-                      <a:rPr lang="en-US" sz="2800" i="1">
-                        <a:latin typeface="Cambria Math" panose="02040503050406030204" pitchFamily="18" charset="0"/>
-                      </a:rPr>
-                      <m:t>𝐸</m:t>
-                    </m:r>
-                    <m:r>
-                      <a:rPr lang="en-US" b="0" i="1" smtClean="0">
-                        <a:latin typeface="Cambria Math" panose="02040503050406030204" pitchFamily="18" charset="0"/>
-                      </a:rPr>
-                      <m:t>(</m:t>
-                    </m:r>
-                    <m:r>
-                      <a:rPr lang="en-US" b="0" i="1" smtClean="0">
-                        <a:latin typeface="Cambria Math" panose="02040503050406030204" pitchFamily="18" charset="0"/>
-                      </a:rPr>
-                      <m:t>𝑘</m:t>
-                    </m:r>
-                    <m:r>
-                      <a:rPr lang="en-US" b="0" i="1" smtClean="0">
-                        <a:latin typeface="Cambria Math" panose="02040503050406030204" pitchFamily="18" charset="0"/>
-                      </a:rPr>
-                      <m:t>,</m:t>
-                    </m:r>
-                    <m:r>
-                      <a:rPr lang="en-US" b="0" i="1" smtClean="0">
-                        <a:latin typeface="Cambria Math" panose="02040503050406030204" pitchFamily="18" charset="0"/>
-                      </a:rPr>
-                      <m:t>𝑚</m:t>
-                    </m:r>
-                    <m:r>
-                      <a:rPr lang="en-US" b="0" i="1" smtClean="0">
-                        <a:latin typeface="Cambria Math" panose="02040503050406030204" pitchFamily="18" charset="0"/>
-                      </a:rPr>
-                      <m:t>)</m:t>
-                    </m:r>
-                  </m:oMath>
-                </a14:m>
-                <a:r>
-                  <a:rPr lang="ru-RU" dirty="0" smtClean="0"/>
-                  <a:t>. Тогда </a:t>
-                </a:r>
-                <a14:m>
-                  <m:oMath xmlns:m="http://schemas.openxmlformats.org/officeDocument/2006/math">
-                    <m:r>
                       <m:rPr>
                         <m:sty m:val="p"/>
                       </m:rPr>
-                      <a:rPr lang="ru-RU" b="0" i="0" smtClean="0">
-                        <a:latin typeface="Cambria Math" panose="02040503050406030204" pitchFamily="18" charset="0"/>
-                      </a:rPr>
-                      <m:t>Ε</m:t>
+                      <a:rPr lang="en-US" b="0" i="0" smtClean="0">
+                        <a:latin typeface="Cambria Math" panose="02040503050406030204" pitchFamily="18" charset="0"/>
+                      </a:rPr>
+                      <m:t>E</m:t>
                     </m:r>
                     <m:r>
                       <a:rPr lang="en-US" b="0" i="1" smtClean="0">
@@ -7369,12 +7267,276 @@
                   </m:oMath>
                 </a14:m>
                 <a:r>
+                  <a:rPr lang="ru-RU" dirty="0" smtClean="0"/>
+                  <a:t> – семантически стойкий шифр, </a:t>
+                </a:r>
+                <a14:m>
+                  <m:oMath xmlns:m="http://schemas.openxmlformats.org/officeDocument/2006/math">
+                    <m:sSup>
+                      <m:sSupPr>
+                        <m:ctrlPr>
+                          <a:rPr lang="en-US" b="0" i="1" smtClean="0">
+                            <a:latin typeface="Cambria Math" panose="02040503050406030204" pitchFamily="18" charset="0"/>
+                          </a:rPr>
+                        </m:ctrlPr>
+                      </m:sSupPr>
+                      <m:e>
+                        <m:r>
+                          <m:rPr>
+                            <m:sty m:val="p"/>
+                          </m:rPr>
+                          <a:rPr lang="en-US" b="0" i="0" smtClean="0">
+                            <a:latin typeface="Cambria Math" panose="02040503050406030204" pitchFamily="18" charset="0"/>
+                          </a:rPr>
+                          <m:t>E</m:t>
+                        </m:r>
+                      </m:e>
+                      <m:sup>
+                        <m:r>
+                          <a:rPr lang="en-US" b="0" i="1" smtClean="0">
+                            <a:latin typeface="Cambria Math" panose="02040503050406030204" pitchFamily="18" charset="0"/>
+                          </a:rPr>
+                          <m:t>′</m:t>
+                        </m:r>
+                      </m:sup>
+                    </m:sSup>
+                    <m:r>
+                      <a:rPr lang="en-US" b="0" i="1" smtClean="0">
+                        <a:latin typeface="Cambria Math" panose="02040503050406030204" pitchFamily="18" charset="0"/>
+                      </a:rPr>
+                      <m:t>=</m:t>
+                    </m:r>
+                    <m:d>
+                      <m:dPr>
+                        <m:ctrlPr>
+                          <a:rPr lang="en-US" b="0" i="1" smtClean="0">
+                            <a:latin typeface="Cambria Math" panose="02040503050406030204" pitchFamily="18" charset="0"/>
+                          </a:rPr>
+                        </m:ctrlPr>
+                      </m:dPr>
+                      <m:e>
+                        <m:sSup>
+                          <m:sSupPr>
+                            <m:ctrlPr>
+                              <a:rPr lang="en-US" b="0" i="1" smtClean="0">
+                                <a:latin typeface="Cambria Math" panose="02040503050406030204" pitchFamily="18" charset="0"/>
+                              </a:rPr>
+                            </m:ctrlPr>
+                          </m:sSupPr>
+                          <m:e>
+                            <m:r>
+                              <a:rPr lang="en-US" b="0" i="1" smtClean="0">
+                                <a:latin typeface="Cambria Math" panose="02040503050406030204" pitchFamily="18" charset="0"/>
+                              </a:rPr>
+                              <m:t>𝐸</m:t>
+                            </m:r>
+                          </m:e>
+                          <m:sup>
+                            <m:r>
+                              <a:rPr lang="en-US" b="0" i="1" smtClean="0">
+                                <a:latin typeface="Cambria Math" panose="02040503050406030204" pitchFamily="18" charset="0"/>
+                              </a:rPr>
+                              <m:t>′</m:t>
+                            </m:r>
+                          </m:sup>
+                        </m:sSup>
+                        <m:r>
+                          <a:rPr lang="en-US" b="0" i="1" smtClean="0">
+                            <a:latin typeface="Cambria Math" panose="02040503050406030204" pitchFamily="18" charset="0"/>
+                          </a:rPr>
+                          <m:t>,</m:t>
+                        </m:r>
+                        <m:sSup>
+                          <m:sSupPr>
+                            <m:ctrlPr>
+                              <a:rPr lang="en-US" b="0" i="1" smtClean="0">
+                                <a:latin typeface="Cambria Math" panose="02040503050406030204" pitchFamily="18" charset="0"/>
+                              </a:rPr>
+                            </m:ctrlPr>
+                          </m:sSupPr>
+                          <m:e>
+                            <m:r>
+                              <a:rPr lang="en-US" b="0" i="1" smtClean="0">
+                                <a:latin typeface="Cambria Math" panose="02040503050406030204" pitchFamily="18" charset="0"/>
+                              </a:rPr>
+                              <m:t>𝐷</m:t>
+                            </m:r>
+                          </m:e>
+                          <m:sup>
+                            <m:r>
+                              <a:rPr lang="en-US" b="0" i="1" smtClean="0">
+                                <a:latin typeface="Cambria Math" panose="02040503050406030204" pitchFamily="18" charset="0"/>
+                              </a:rPr>
+                              <m:t>′</m:t>
+                            </m:r>
+                          </m:sup>
+                        </m:sSup>
+                      </m:e>
+                    </m:d>
+                    <m:r>
+                      <a:rPr lang="en-US" b="0" i="1" smtClean="0">
+                        <a:latin typeface="Cambria Math" panose="02040503050406030204" pitchFamily="18" charset="0"/>
+                      </a:rPr>
+                      <m:t>:</m:t>
+                    </m:r>
+                    <m:sSup>
+                      <m:sSupPr>
+                        <m:ctrlPr>
+                          <a:rPr lang="en-US" b="0" i="1" smtClean="0">
+                            <a:latin typeface="Cambria Math" panose="02040503050406030204" pitchFamily="18" charset="0"/>
+                          </a:rPr>
+                        </m:ctrlPr>
+                      </m:sSupPr>
+                      <m:e>
+                        <m:r>
+                          <m:rPr>
+                            <m:sty m:val="p"/>
+                          </m:rPr>
+                          <a:rPr lang="en-US" b="0" i="0" smtClean="0">
+                            <a:latin typeface="Cambria Math" panose="02040503050406030204" pitchFamily="18" charset="0"/>
+                          </a:rPr>
+                          <m:t>E</m:t>
+                        </m:r>
+                      </m:e>
+                      <m:sup>
+                        <m:r>
+                          <a:rPr lang="en-US" b="0" i="1" smtClean="0">
+                            <a:latin typeface="Cambria Math" panose="02040503050406030204" pitchFamily="18" charset="0"/>
+                          </a:rPr>
+                          <m:t>′</m:t>
+                        </m:r>
+                      </m:sup>
+                    </m:sSup>
+                    <m:d>
+                      <m:dPr>
+                        <m:ctrlPr>
+                          <a:rPr lang="en-US" b="0" i="1" smtClean="0">
+                            <a:latin typeface="Cambria Math" panose="02040503050406030204" pitchFamily="18" charset="0"/>
+                          </a:rPr>
+                        </m:ctrlPr>
+                      </m:dPr>
+                      <m:e>
+                        <m:r>
+                          <a:rPr lang="en-US" b="0" i="1" smtClean="0">
+                            <a:latin typeface="Cambria Math" panose="02040503050406030204" pitchFamily="18" charset="0"/>
+                          </a:rPr>
+                          <m:t>𝑘</m:t>
+                        </m:r>
+                        <m:r>
+                          <a:rPr lang="en-US" b="0" i="1" smtClean="0">
+                            <a:latin typeface="Cambria Math" panose="02040503050406030204" pitchFamily="18" charset="0"/>
+                          </a:rPr>
+                          <m:t>,</m:t>
+                        </m:r>
+                        <m:r>
+                          <a:rPr lang="en-US" b="0" i="1" smtClean="0">
+                            <a:latin typeface="Cambria Math" panose="02040503050406030204" pitchFamily="18" charset="0"/>
+                          </a:rPr>
+                          <m:t>𝑚</m:t>
+                        </m:r>
+                      </m:e>
+                    </m:d>
+                    <m:r>
+                      <a:rPr lang="en-US" b="0" i="1" smtClean="0">
+                        <a:latin typeface="Cambria Math" panose="02040503050406030204" pitchFamily="18" charset="0"/>
+                      </a:rPr>
+                      <m:t>=</m:t>
+                    </m:r>
+                    <m:r>
+                      <a:rPr lang="en-US" b="0" i="1" smtClean="0">
+                        <a:latin typeface="Cambria Math" panose="02040503050406030204" pitchFamily="18" charset="0"/>
+                      </a:rPr>
+                      <m:t>𝐸</m:t>
+                    </m:r>
+                    <m:r>
+                      <a:rPr lang="en-US" b="0" i="1" smtClean="0">
+                        <a:latin typeface="Cambria Math" panose="02040503050406030204" pitchFamily="18" charset="0"/>
+                      </a:rPr>
+                      <m:t>(</m:t>
+                    </m:r>
+                    <m:sSup>
+                      <m:sSupPr>
+                        <m:ctrlPr>
+                          <a:rPr lang="en-US" b="0" i="1" smtClean="0">
+                            <a:latin typeface="Cambria Math" panose="02040503050406030204" pitchFamily="18" charset="0"/>
+                          </a:rPr>
+                        </m:ctrlPr>
+                      </m:sSupPr>
+                      <m:e>
+                        <m:r>
+                          <a:rPr lang="en-US" b="0" i="1" smtClean="0">
+                            <a:latin typeface="Cambria Math" panose="02040503050406030204" pitchFamily="18" charset="0"/>
+                          </a:rPr>
+                          <m:t>1</m:t>
+                        </m:r>
+                      </m:e>
+                      <m:sup>
+                        <m:r>
+                          <a:rPr lang="en-US" b="0" i="1" smtClean="0">
+                            <a:latin typeface="Cambria Math" panose="02040503050406030204" pitchFamily="18" charset="0"/>
+                          </a:rPr>
+                          <m:t>𝐿</m:t>
+                        </m:r>
+                      </m:sup>
+                    </m:sSup>
+                    <m:r>
+                      <a:rPr lang="en-US" b="0" i="1" smtClean="0">
+                        <a:latin typeface="Cambria Math" panose="02040503050406030204" pitchFamily="18" charset="0"/>
+                      </a:rPr>
+                      <m:t>,</m:t>
+                    </m:r>
+                    <m:r>
+                      <a:rPr lang="en-US" b="0" i="1" smtClean="0">
+                        <a:latin typeface="Cambria Math" panose="02040503050406030204" pitchFamily="18" charset="0"/>
+                      </a:rPr>
+                      <m:t>𝑚</m:t>
+                    </m:r>
+                    <m:r>
+                      <a:rPr lang="en-US" b="0" i="1" smtClean="0">
+                        <a:latin typeface="Cambria Math" panose="02040503050406030204" pitchFamily="18" charset="0"/>
+                      </a:rPr>
+                      <m:t>)</m:t>
+                    </m:r>
+                  </m:oMath>
+                </a14:m>
+                <a:r>
+                  <a:rPr lang="ru-RU" dirty="0" smtClean="0"/>
+                  <a:t>.</a:t>
+                </a:r>
+                <a:r>
                   <a:rPr lang="en-US" dirty="0" smtClean="0"/>
-                  <a:t> – </a:t>
+                  <a:t> </a:t>
                 </a:r>
                 <a:r>
                   <a:rPr lang="ru-RU" dirty="0" smtClean="0"/>
-                  <a:t>не семантически стойкий шифр.</a:t>
+                  <a:t>Тогда </a:t>
+                </a:r>
+                <a14:m>
+                  <m:oMath xmlns:m="http://schemas.openxmlformats.org/officeDocument/2006/math">
+                    <m:r>
+                      <m:rPr>
+                        <m:sty m:val="p"/>
+                      </m:rPr>
+                      <a:rPr lang="en-US" b="0" i="0" smtClean="0">
+                        <a:latin typeface="Cambria Math" panose="02040503050406030204" pitchFamily="18" charset="0"/>
+                      </a:rPr>
+                      <m:t>E</m:t>
+                    </m:r>
+                    <m:r>
+                      <a:rPr lang="en-US" b="0" i="1" smtClean="0">
+                        <a:latin typeface="Cambria Math" panose="02040503050406030204" pitchFamily="18" charset="0"/>
+                      </a:rPr>
+                      <m:t>′</m:t>
+                    </m:r>
+                  </m:oMath>
+                </a14:m>
+                <a:r>
+                  <a:rPr lang="en-US" dirty="0" smtClean="0"/>
+                  <a:t> - </a:t>
+                </a:r>
+                <a:r>
+                  <a:rPr lang="ru-RU" dirty="0" smtClean="0"/>
+                  <a:t>не семантически стойкий.</a:t>
                 </a:r>
               </a:p>
               <a:p>
@@ -7402,7 +7564,7 @@
                       <a:rPr lang="en-US" b="0" i="1" smtClean="0">
                         <a:latin typeface="Cambria Math" panose="02040503050406030204" pitchFamily="18" charset="0"/>
                       </a:rPr>
-                      <m:t>𝐵</m:t>
+                      <m:t>𝐴</m:t>
                     </m:r>
                   </m:oMath>
                 </a14:m>
@@ -7414,7 +7576,15 @@
               <a:p>
                 <a:r>
                   <a:rPr lang="ru-RU" dirty="0" smtClean="0"/>
-                  <a:t>Генерация двух сообщений </a:t>
+                  <a:t>Генерация двух</a:t>
+                </a:r>
+                <a:r>
+                  <a:rPr lang="en-US" dirty="0" smtClean="0"/>
+                  <a:t> </a:t>
+                </a:r>
+                <a:r>
+                  <a:rPr lang="ru-RU" dirty="0" smtClean="0"/>
+                  <a:t>различных сообщений </a:t>
                 </a:r>
                 <a14:m>
                   <m:oMath xmlns:m="http://schemas.openxmlformats.org/officeDocument/2006/math">
@@ -7478,22 +7648,42 @@
                 </a14:m>
                 <a:r>
                   <a:rPr lang="ru-RU" dirty="0" smtClean="0"/>
-                  <a:t> с различным наименее значимым битом</a:t>
+                  <a:t> </a:t>
+                </a:r>
+              </a:p>
+              <a:p>
+                <a:r>
+                  <a:rPr lang="ru-RU" dirty="0" smtClean="0"/>
+                  <a:t>Получение </a:t>
+                </a:r>
+                <a:r>
+                  <a:rPr lang="ru-RU" dirty="0" err="1" smtClean="0"/>
+                  <a:t>шифртекста</a:t>
+                </a:r>
+                <a:r>
+                  <a:rPr lang="ru-RU" dirty="0" smtClean="0"/>
+                  <a:t> </a:t>
+                </a:r>
+                <a14:m>
+                  <m:oMath xmlns:m="http://schemas.openxmlformats.org/officeDocument/2006/math">
+                    <m:r>
+                      <a:rPr lang="en-US" b="0" i="1" smtClean="0">
+                        <a:latin typeface="Cambria Math" panose="02040503050406030204" pitchFamily="18" charset="0"/>
+                      </a:rPr>
+                      <m:t>𝑐</m:t>
+                    </m:r>
+                  </m:oMath>
+                </a14:m>
+                <a:r>
+                  <a:rPr lang="ru-RU" dirty="0" smtClean="0"/>
+                  <a:t> для одного из сообщений</a:t>
                 </a:r>
                 <a:endParaRPr lang="en-US" dirty="0" smtClean="0"/>
               </a:p>
               <a:p>
                 <a:r>
                   <a:rPr lang="ru-RU" dirty="0" smtClean="0"/>
-                  <a:t>Получение </a:t>
-                </a:r>
-                <a:r>
-                  <a:rPr lang="ru-RU" dirty="0" err="1" smtClean="0"/>
-                  <a:t>шифртекста</a:t>
-                </a:r>
-                <a:r>
-                  <a:rPr lang="ru-RU" dirty="0" smtClean="0"/>
-                  <a:t> </a:t>
+                  <a:t>Выдать результат </a:t>
                 </a:r>
                 <a14:m>
                   <m:oMath xmlns:m="http://schemas.openxmlformats.org/officeDocument/2006/math">
@@ -7507,22 +7697,7 @@
                 </a14:m>
                 <a:r>
                   <a:rPr lang="ru-RU" dirty="0" smtClean="0"/>
-                  <a:t> для одного из сообщений</a:t>
-                </a:r>
-                <a:endParaRPr lang="en-US" dirty="0" smtClean="0"/>
-              </a:p>
-              <a:p>
-                <a:r>
-                  <a:rPr lang="ru-RU" dirty="0" smtClean="0"/>
-                  <a:t>Передача </a:t>
-                </a:r>
-                <a:r>
-                  <a:rPr lang="ru-RU" dirty="0" err="1" smtClean="0"/>
-                  <a:t>шифртекста</a:t>
-                </a:r>
-                <a:r>
-                  <a:rPr lang="ru-RU" dirty="0" smtClean="0"/>
-                  <a:t> на вход алгоритма </a:t>
+                  <a:t> == </a:t>
                 </a:r>
                 <a14:m>
                   <m:oMath xmlns:m="http://schemas.openxmlformats.org/officeDocument/2006/math">
@@ -7530,25 +7705,76 @@
                       <a:rPr lang="en-US" b="0" i="1" smtClean="0">
                         <a:latin typeface="Cambria Math" panose="02040503050406030204" pitchFamily="18" charset="0"/>
                       </a:rPr>
-                      <m:t>𝐴</m:t>
-                    </m:r>
-                  </m:oMath>
-                </a14:m>
-                <a:endParaRPr lang="ru-RU" dirty="0" smtClean="0"/>
-              </a:p>
-              <a:p>
-                <a:r>
-                  <a:rPr lang="ru-RU" dirty="0" smtClean="0"/>
-                  <a:t>Получение наименее значимого бита отрытого текста, определение эксперимента.</a:t>
-                </a:r>
-                <a:r>
-                  <a:rPr lang="en-US" dirty="0" smtClean="0">
-                    <a:ea typeface="Cambria Math" panose="02040503050406030204" pitchFamily="18" charset="0"/>
-                  </a:rPr>
-                  <a:t> </a:t>
-                </a:r>
-                <a14:m>
-                  <m:oMath xmlns:m="http://schemas.openxmlformats.org/officeDocument/2006/math">
+                      <m:t>𝐸</m:t>
+                    </m:r>
+                    <m:r>
+                      <a:rPr lang="en-US" b="0" i="1" smtClean="0">
+                        <a:latin typeface="Cambria Math" panose="02040503050406030204" pitchFamily="18" charset="0"/>
+                      </a:rPr>
+                      <m:t>(</m:t>
+                    </m:r>
+                    <m:sSup>
+                      <m:sSupPr>
+                        <m:ctrlPr>
+                          <a:rPr lang="en-US" b="0" i="1" smtClean="0">
+                            <a:latin typeface="Cambria Math" panose="02040503050406030204" pitchFamily="18" charset="0"/>
+                          </a:rPr>
+                        </m:ctrlPr>
+                      </m:sSupPr>
+                      <m:e>
+                        <m:r>
+                          <a:rPr lang="en-US" b="0" i="1" smtClean="0">
+                            <a:latin typeface="Cambria Math" panose="02040503050406030204" pitchFamily="18" charset="0"/>
+                          </a:rPr>
+                          <m:t>1</m:t>
+                        </m:r>
+                      </m:e>
+                      <m:sup>
+                        <m:r>
+                          <a:rPr lang="en-US" b="0" i="1" smtClean="0">
+                            <a:latin typeface="Cambria Math" panose="02040503050406030204" pitchFamily="18" charset="0"/>
+                          </a:rPr>
+                          <m:t>𝐿</m:t>
+                        </m:r>
+                      </m:sup>
+                    </m:sSup>
+                    <m:r>
+                      <a:rPr lang="en-US" b="0" i="1" smtClean="0">
+                        <a:latin typeface="Cambria Math" panose="02040503050406030204" pitchFamily="18" charset="0"/>
+                      </a:rPr>
+                      <m:t>,</m:t>
+                    </m:r>
+                    <m:sSub>
+                      <m:sSubPr>
+                        <m:ctrlPr>
+                          <a:rPr lang="en-US" b="0" i="1" smtClean="0">
+                            <a:latin typeface="Cambria Math" panose="02040503050406030204" pitchFamily="18" charset="0"/>
+                          </a:rPr>
+                        </m:ctrlPr>
+                      </m:sSubPr>
+                      <m:e>
+                        <m:r>
+                          <a:rPr lang="en-US" b="0" i="1" smtClean="0">
+                            <a:latin typeface="Cambria Math" panose="02040503050406030204" pitchFamily="18" charset="0"/>
+                          </a:rPr>
+                          <m:t>𝑚</m:t>
+                        </m:r>
+                      </m:e>
+                      <m:sub>
+                        <m:r>
+                          <a:rPr lang="ru-RU" b="0" i="1" smtClean="0">
+                            <a:latin typeface="Cambria Math" panose="02040503050406030204" pitchFamily="18" charset="0"/>
+                          </a:rPr>
+                          <m:t>1</m:t>
+                        </m:r>
+                      </m:sub>
+                    </m:sSub>
+                    <m:r>
+                      <a:rPr lang="en-US" b="0" i="1" smtClean="0">
+                        <a:latin typeface="Cambria Math" panose="02040503050406030204" pitchFamily="18" charset="0"/>
+                      </a:rPr>
+                      <m:t>)</m:t>
+                    </m:r>
                     <m:r>
                       <a:rPr lang="en-US" i="1" dirty="0">
                         <a:latin typeface="Cambria Math" panose="02040503050406030204" pitchFamily="18" charset="0"/>
@@ -7578,7 +7804,7 @@
               <a:blipFill>
                 <a:blip r:embed="rId2"/>
                 <a:stretch>
-                  <a:fillRect l="-1043" t="-2801" b="-3501"/>
+                  <a:fillRect l="-1043" t="-2101"/>
                 </a:stretch>
               </a:blipFill>
             </p:spPr>
@@ -7623,6 +7849,2498 @@
     </p:spTree>
     <p:extLst>
       <p:ext uri="{BB962C8B-B14F-4D97-AF65-F5344CB8AC3E}">
+        <p14:creationId xmlns:p14="http://schemas.microsoft.com/office/powerpoint/2010/main" val="1099889653"/>
+      </p:ext>
+    </p:extLst>
+  </p:cSld>
+  <p:clrMapOvr>
+    <a:masterClrMapping/>
+  </p:clrMapOvr>
+  <p:timing>
+    <p:tnLst>
+      <p:par>
+        <p:cTn id="1" dur="indefinite" restart="never" nodeType="tmRoot"/>
+      </p:par>
+    </p:tnLst>
+  </p:timing>
+</p:sld>
+</file>
+
+<file path=ppt/slides/slide14.xml><?xml version="1.0" encoding="utf-8"?>
+<p:sld xmlns:a="http://schemas.openxmlformats.org/drawingml/2006/main" xmlns:r="http://schemas.openxmlformats.org/officeDocument/2006/relationships" xmlns:p="http://schemas.openxmlformats.org/presentationml/2006/main">
+  <p:cSld>
+    <p:spTree>
+      <p:nvGrpSpPr>
+        <p:cNvPr id="1" name=""/>
+        <p:cNvGrpSpPr/>
+        <p:nvPr/>
+      </p:nvGrpSpPr>
+      <p:grpSpPr>
+        <a:xfrm>
+          <a:off x="0" y="0"/>
+          <a:ext cx="0" cy="0"/>
+          <a:chOff x="0" y="0"/>
+          <a:chExt cx="0" cy="0"/>
+        </a:xfrm>
+      </p:grpSpPr>
+      <p:sp>
+        <p:nvSpPr>
+          <p:cNvPr id="39" name="Скругленный прямоугольник 38"/>
+          <p:cNvSpPr/>
+          <p:nvPr/>
+        </p:nvSpPr>
+        <p:spPr>
+          <a:xfrm>
+            <a:off x="746882" y="1793021"/>
+            <a:ext cx="10542006" cy="949642"/>
+          </a:xfrm>
+          <a:prstGeom prst="roundRect">
+            <a:avLst/>
+          </a:prstGeom>
+        </p:spPr>
+        <p:style>
+          <a:lnRef idx="1">
+            <a:schemeClr val="accent3"/>
+          </a:lnRef>
+          <a:fillRef idx="2">
+            <a:schemeClr val="accent3"/>
+          </a:fillRef>
+          <a:effectRef idx="1">
+            <a:schemeClr val="accent3"/>
+          </a:effectRef>
+          <a:fontRef idx="minor">
+            <a:schemeClr val="dk1"/>
+          </a:fontRef>
+        </p:style>
+        <p:txBody>
+          <a:bodyPr rtlCol="0" anchor="ctr"/>
+          <a:lstStyle/>
+          <a:p>
+            <a:pPr algn="ctr"/>
+            <a:endParaRPr lang="ru-RU"/>
+          </a:p>
+        </p:txBody>
+      </p:sp>
+      <p:sp>
+        <p:nvSpPr>
+          <p:cNvPr id="2" name="Заголовок 1"/>
+          <p:cNvSpPr>
+            <a:spLocks noGrp="1"/>
+          </p:cNvSpPr>
+          <p:nvPr>
+            <p:ph type="title"/>
+          </p:nvPr>
+        </p:nvSpPr>
+        <p:spPr/>
+        <p:txBody>
+          <a:bodyPr/>
+          <a:lstStyle/>
+          <a:p>
+            <a:r>
+              <a:rPr lang="ru-RU" dirty="0"/>
+              <a:t>Построение атаки на семантическую </a:t>
+            </a:r>
+            <a:r>
+              <a:rPr lang="ru-RU" dirty="0" smtClean="0"/>
+              <a:t>стойкость</a:t>
+            </a:r>
+            <a:endParaRPr lang="ru-RU" dirty="0"/>
+          </a:p>
+        </p:txBody>
+      </p:sp>
+      <p:sp>
+        <p:nvSpPr>
+          <p:cNvPr id="4" name="Номер слайда 3"/>
+          <p:cNvSpPr>
+            <a:spLocks noGrp="1"/>
+          </p:cNvSpPr>
+          <p:nvPr>
+            <p:ph type="sldNum" sz="quarter" idx="12"/>
+          </p:nvPr>
+        </p:nvSpPr>
+        <p:spPr/>
+        <p:txBody>
+          <a:bodyPr/>
+          <a:lstStyle/>
+          <a:p>
+            <a:fld id="{8253DDDB-F8F7-4D64-A7FD-3F3D61C1949F}" type="slidenum">
+              <a:rPr lang="ru-RU" smtClean="0"/>
+              <a:t>14</a:t>
+            </a:fld>
+            <a:endParaRPr lang="ru-RU"/>
+          </a:p>
+        </p:txBody>
+      </p:sp>
+      <p:sp>
+        <p:nvSpPr>
+          <p:cNvPr id="20" name="Rectangle 28"/>
+          <p:cNvSpPr>
+            <a:spLocks noChangeArrowheads="1"/>
+          </p:cNvSpPr>
+          <p:nvPr/>
+        </p:nvSpPr>
+        <p:spPr bwMode="auto">
+          <a:xfrm>
+            <a:off x="5832318" y="3901229"/>
+            <a:ext cx="4572000" cy="1600200"/>
+          </a:xfrm>
+          <a:prstGeom prst="rect">
+            <a:avLst/>
+          </a:prstGeom>
+          <a:solidFill>
+            <a:srgbClr val="EAEAEA"/>
+          </a:solidFill>
+          <a:ln w="19050">
+            <a:solidFill>
+              <a:schemeClr val="tx1"/>
+            </a:solidFill>
+            <a:miter lim="800000"/>
+            <a:headEnd/>
+            <a:tailEnd/>
+          </a:ln>
+          <a:effectLst/>
+        </p:spPr>
+        <p:txBody>
+          <a:bodyPr wrap="none"/>
+          <a:lstStyle/>
+          <a:p>
+            <a:pPr algn="ctr"/>
+            <a:r>
+              <a:rPr lang="en-US" dirty="0"/>
+              <a:t>Adv. </a:t>
+            </a:r>
+            <a:r>
+              <a:rPr lang="en-US" dirty="0" smtClean="0"/>
+              <a:t>A  </a:t>
+            </a:r>
+            <a:r>
+              <a:rPr lang="en-US" dirty="0"/>
+              <a:t>(us)</a:t>
+            </a:r>
+          </a:p>
+        </p:txBody>
+      </p:sp>
+      <p:sp>
+        <p:nvSpPr>
+          <p:cNvPr id="21" name="Rectangle 9"/>
+          <p:cNvSpPr>
+            <a:spLocks noChangeArrowheads="1"/>
+          </p:cNvSpPr>
+          <p:nvPr/>
+        </p:nvSpPr>
+        <p:spPr bwMode="auto">
+          <a:xfrm>
+            <a:off x="2098518" y="3996479"/>
+            <a:ext cx="1295400" cy="1371600"/>
+          </a:xfrm>
+          <a:prstGeom prst="rect">
+            <a:avLst/>
+          </a:prstGeom>
+          <a:solidFill>
+            <a:schemeClr val="accent1"/>
+          </a:solidFill>
+          <a:ln w="9525">
+            <a:solidFill>
+              <a:schemeClr val="tx1"/>
+            </a:solidFill>
+            <a:miter lim="800000"/>
+            <a:headEnd/>
+            <a:tailEnd/>
+          </a:ln>
+          <a:effectLst/>
+        </p:spPr>
+        <p:txBody>
+          <a:bodyPr wrap="none"/>
+          <a:lstStyle/>
+          <a:p>
+            <a:pPr algn="ctr"/>
+            <a:r>
+              <a:rPr lang="en-US"/>
+              <a:t>Chal.</a:t>
+            </a:r>
+          </a:p>
+        </p:txBody>
+      </p:sp>
+      <p:sp>
+        <p:nvSpPr>
+          <p:cNvPr id="22" name="Line 10"/>
+          <p:cNvSpPr>
+            <a:spLocks noChangeShapeType="1"/>
+          </p:cNvSpPr>
+          <p:nvPr/>
+        </p:nvSpPr>
+        <p:spPr bwMode="auto">
+          <a:xfrm>
+            <a:off x="2708118" y="3394023"/>
+            <a:ext cx="0" cy="514350"/>
+          </a:xfrm>
+          <a:prstGeom prst="line">
+            <a:avLst/>
+          </a:prstGeom>
+          <a:noFill/>
+          <a:ln w="9525">
+            <a:solidFill>
+              <a:schemeClr val="tx1"/>
+            </a:solidFill>
+            <a:round/>
+            <a:headEnd/>
+            <a:tailEnd type="triangle" w="med" len="med"/>
+          </a:ln>
+          <a:effectLst/>
+        </p:spPr>
+        <p:txBody>
+          <a:bodyPr/>
+          <a:lstStyle/>
+          <a:p>
+            <a:endParaRPr lang="en-US"/>
+          </a:p>
+        </p:txBody>
+      </p:sp>
+      <mc:AlternateContent xmlns:mc="http://schemas.openxmlformats.org/markup-compatibility/2006" xmlns:a14="http://schemas.microsoft.com/office/drawing/2010/main">
+        <mc:Choice Requires="a14">
+          <p:sp>
+            <p:nvSpPr>
+              <p:cNvPr id="24" name="Text Box 13"/>
+              <p:cNvSpPr txBox="1">
+                <a:spLocks noChangeArrowheads="1"/>
+              </p:cNvSpPr>
+              <p:nvPr/>
+            </p:nvSpPr>
+            <p:spPr bwMode="auto">
+              <a:xfrm>
+                <a:off x="2403319" y="4350095"/>
+                <a:ext cx="632609" cy="423129"/>
+              </a:xfrm>
+              <a:prstGeom prst="rect">
+                <a:avLst/>
+              </a:prstGeom>
+              <a:noFill/>
+              <a:ln w="9525">
+                <a:noFill/>
+                <a:miter lim="800000"/>
+                <a:headEnd/>
+                <a:tailEnd/>
+              </a:ln>
+              <a:effectLst/>
+            </p:spPr>
+            <p:txBody>
+              <a:bodyPr wrap="none">
+                <a:spAutoFit/>
+              </a:bodyPr>
+              <a:lstStyle/>
+              <a:p>
+                <a:r>
+                  <a:rPr lang="en-US" sz="1600" dirty="0" smtClean="0"/>
+                  <a:t>k</a:t>
+                </a:r>
+                <a14:m>
+                  <m:oMath xmlns:m="http://schemas.openxmlformats.org/officeDocument/2006/math">
+                    <m:groupChr>
+                      <m:groupChrPr>
+                        <m:chr m:val="←"/>
+                        <m:vertJc m:val="bot"/>
+                        <m:ctrlPr>
+                          <a:rPr lang="en-US" sz="1600" i="1">
+                            <a:latin typeface="Cambria Math" panose="02040503050406030204" pitchFamily="18" charset="0"/>
+                          </a:rPr>
+                        </m:ctrlPr>
+                      </m:groupChrPr>
+                      <m:e>
+                        <m:r>
+                          <m:rPr>
+                            <m:brk m:alnAt="2"/>
+                          </m:rPr>
+                          <a:rPr lang="en-US" sz="1600" i="1">
+                            <a:latin typeface="Cambria Math" panose="02040503050406030204" pitchFamily="18" charset="0"/>
+                          </a:rPr>
+                          <m:t>𝑅</m:t>
+                        </m:r>
+                      </m:e>
+                    </m:groupChr>
+                    <m:r>
+                      <a:rPr lang="en-US" sz="1600" b="0" i="1" smtClean="0">
+                        <a:latin typeface="Cambria Math" panose="02040503050406030204" pitchFamily="18" charset="0"/>
+                      </a:rPr>
+                      <m:t>𝐾</m:t>
+                    </m:r>
+                  </m:oMath>
+                </a14:m>
+                <a:endParaRPr lang="en-US" sz="1600" b="1" baseline="-25000" dirty="0">
+                  <a:cs typeface="Arial" charset="0"/>
+                  <a:sym typeface="Symbol" pitchFamily="18" charset="2"/>
+                </a:endParaRPr>
+              </a:p>
+            </p:txBody>
+          </p:sp>
+        </mc:Choice>
+        <mc:Fallback xmlns="">
+          <p:sp>
+            <p:nvSpPr>
+              <p:cNvPr id="24" name="Text Box 13"/>
+              <p:cNvSpPr txBox="1">
+                <a:spLocks noRot="1" noChangeAspect="1" noMove="1" noResize="1" noEditPoints="1" noAdjustHandles="1" noChangeArrowheads="1" noChangeShapeType="1" noTextEdit="1"/>
+              </p:cNvSpPr>
+              <p:nvPr/>
+            </p:nvSpPr>
+            <p:spPr bwMode="auto">
+              <a:xfrm>
+                <a:off x="2403319" y="4350095"/>
+                <a:ext cx="632609" cy="423129"/>
+              </a:xfrm>
+              <a:prstGeom prst="rect">
+                <a:avLst/>
+              </a:prstGeom>
+              <a:blipFill>
+                <a:blip r:embed="rId2"/>
+                <a:stretch>
+                  <a:fillRect l="-4808" r="-27885" b="-44928"/>
+                </a:stretch>
+              </a:blipFill>
+              <a:ln w="9525">
+                <a:noFill/>
+                <a:miter lim="800000"/>
+                <a:headEnd/>
+                <a:tailEnd/>
+              </a:ln>
+              <a:effectLst/>
+            </p:spPr>
+            <p:txBody>
+              <a:bodyPr/>
+              <a:lstStyle/>
+              <a:p>
+                <a:r>
+                  <a:rPr lang="ru-RU">
+                    <a:noFill/>
+                  </a:rPr>
+                  <a:t> </a:t>
+                </a:r>
+              </a:p>
+            </p:txBody>
+          </p:sp>
+        </mc:Fallback>
+      </mc:AlternateContent>
+      <p:grpSp>
+        <p:nvGrpSpPr>
+          <p:cNvPr id="25" name="Group 30"/>
+          <p:cNvGrpSpPr>
+            <a:grpSpLocks/>
+          </p:cNvGrpSpPr>
+          <p:nvPr/>
+        </p:nvGrpSpPr>
+        <p:grpSpPr bwMode="auto">
+          <a:xfrm>
+            <a:off x="3393918" y="4517976"/>
+            <a:ext cx="3733800" cy="506016"/>
+            <a:chOff x="1152" y="2918"/>
+            <a:chExt cx="2352" cy="425"/>
+          </a:xfrm>
+        </p:grpSpPr>
+        <p:sp>
+          <p:nvSpPr>
+            <p:cNvPr id="26" name="Line 17"/>
+            <p:cNvSpPr>
+              <a:spLocks noChangeShapeType="1"/>
+            </p:cNvSpPr>
+            <p:nvPr/>
+          </p:nvSpPr>
+          <p:spPr bwMode="auto">
+            <a:xfrm>
+              <a:off x="1152" y="3312"/>
+              <a:ext cx="2352" cy="0"/>
+            </a:xfrm>
+            <a:prstGeom prst="line">
+              <a:avLst/>
+            </a:prstGeom>
+            <a:noFill/>
+            <a:ln w="9525">
+              <a:solidFill>
+                <a:schemeClr val="tx1"/>
+              </a:solidFill>
+              <a:round/>
+              <a:headEnd/>
+              <a:tailEnd type="triangle" w="med" len="med"/>
+            </a:ln>
+            <a:effectLst/>
+          </p:spPr>
+          <p:txBody>
+            <a:bodyPr/>
+            <a:lstStyle/>
+            <a:p>
+              <a:endParaRPr lang="en-US"/>
+            </a:p>
+          </p:txBody>
+        </p:sp>
+        <mc:AlternateContent xmlns:mc="http://schemas.openxmlformats.org/markup-compatibility/2006" xmlns:a14="http://schemas.microsoft.com/office/drawing/2010/main">
+          <mc:Choice Requires="a14">
+            <p:sp>
+              <p:nvSpPr>
+                <p:cNvPr id="27" name="Text Box 18"/>
+                <p:cNvSpPr txBox="1">
+                  <a:spLocks noChangeArrowheads="1"/>
+                </p:cNvSpPr>
+                <p:nvPr/>
+              </p:nvSpPr>
+              <p:spPr bwMode="auto">
+                <a:xfrm>
+                  <a:off x="1392" y="2918"/>
+                  <a:ext cx="1022" cy="425"/>
+                </a:xfrm>
+                <a:prstGeom prst="rect">
+                  <a:avLst/>
+                </a:prstGeom>
+                <a:noFill/>
+                <a:ln w="9525">
+                  <a:noFill/>
+                  <a:miter lim="800000"/>
+                  <a:headEnd/>
+                  <a:tailEnd/>
+                </a:ln>
+                <a:effectLst/>
+              </p:spPr>
+              <p:txBody>
+                <a:bodyPr wrap="none">
+                  <a:spAutoFit/>
+                </a:bodyPr>
+                <a:lstStyle/>
+                <a:p>
+                  <a14:m>
+                    <m:oMath xmlns:m="http://schemas.openxmlformats.org/officeDocument/2006/math">
+                      <m:r>
+                        <a:rPr lang="en-US" sz="2000" b="0" i="1" dirty="0" smtClean="0">
+                          <a:latin typeface="Cambria Math" panose="02040503050406030204" pitchFamily="18" charset="0"/>
+                        </a:rPr>
+                        <m:t>𝐶</m:t>
+                      </m:r>
+                      <m:groupChr>
+                        <m:groupChrPr>
+                          <m:chr m:val="←"/>
+                          <m:vertJc m:val="bot"/>
+                          <m:ctrlPr>
+                            <a:rPr lang="en-US" sz="2000" i="1">
+                              <a:latin typeface="Cambria Math" panose="02040503050406030204" pitchFamily="18" charset="0"/>
+                            </a:rPr>
+                          </m:ctrlPr>
+                        </m:groupChrPr>
+                        <m:e>
+                          <m:r>
+                            <m:rPr>
+                              <m:brk m:alnAt="2"/>
+                            </m:rPr>
+                            <a:rPr lang="en-US" sz="2000" i="1">
+                              <a:latin typeface="Cambria Math" panose="02040503050406030204" pitchFamily="18" charset="0"/>
+                            </a:rPr>
+                            <m:t>𝑅</m:t>
+                          </m:r>
+                        </m:e>
+                      </m:groupChr>
+                      <m:r>
+                        <a:rPr lang="en-US" sz="2000" i="1">
+                          <a:latin typeface="Cambria Math" panose="02040503050406030204" pitchFamily="18" charset="0"/>
+                        </a:rPr>
+                        <m:t>𝐸</m:t>
+                      </m:r>
+                      <m:r>
+                        <a:rPr lang="en-US" sz="2000" b="0" i="1" dirty="0">
+                          <a:latin typeface="Cambria Math" panose="02040503050406030204" pitchFamily="18" charset="0"/>
+                        </a:rPr>
+                        <m:t>(</m:t>
+                      </m:r>
+                      <m:r>
+                        <a:rPr lang="en-US" sz="2000" b="0" i="1" dirty="0">
+                          <a:latin typeface="Cambria Math" panose="02040503050406030204" pitchFamily="18" charset="0"/>
+                        </a:rPr>
+                        <m:t>𝑘</m:t>
+                      </m:r>
+                      <m:r>
+                        <a:rPr lang="en-US" sz="2000" b="0" i="1" dirty="0">
+                          <a:latin typeface="Cambria Math" panose="02040503050406030204" pitchFamily="18" charset="0"/>
+                        </a:rPr>
+                        <m:t>, </m:t>
+                      </m:r>
+                      <m:r>
+                        <a:rPr lang="en-US" sz="2400" b="0" i="1" dirty="0" err="1">
+                          <a:latin typeface="Cambria Math" panose="02040503050406030204" pitchFamily="18" charset="0"/>
+                        </a:rPr>
+                        <m:t>𝑚</m:t>
+                      </m:r>
+                      <m:r>
+                        <a:rPr lang="en-US" sz="2400" b="0" i="1" baseline="-25000" dirty="0" err="1">
+                          <a:latin typeface="Cambria Math" panose="02040503050406030204" pitchFamily="18" charset="0"/>
+                        </a:rPr>
+                        <m:t>𝑏</m:t>
+                      </m:r>
+                    </m:oMath>
+                  </a14:m>
+                  <a:r>
+                    <a:rPr lang="en-US" sz="2000" dirty="0"/>
+                    <a:t>)</a:t>
+                  </a:r>
+                </a:p>
+              </p:txBody>
+            </p:sp>
+          </mc:Choice>
+          <mc:Fallback xmlns="">
+            <p:sp>
+              <p:nvSpPr>
+                <p:cNvPr id="27" name="Text Box 18"/>
+                <p:cNvSpPr txBox="1">
+                  <a:spLocks noRot="1" noChangeAspect="1" noMove="1" noResize="1" noEditPoints="1" noAdjustHandles="1" noChangeArrowheads="1" noChangeShapeType="1" noTextEdit="1"/>
+                </p:cNvSpPr>
+                <p:nvPr/>
+              </p:nvSpPr>
+              <p:spPr bwMode="auto">
+                <a:xfrm>
+                  <a:off x="1392" y="2918"/>
+                  <a:ext cx="1022" cy="425"/>
+                </a:xfrm>
+                <a:prstGeom prst="rect">
+                  <a:avLst/>
+                </a:prstGeom>
+                <a:blipFill>
+                  <a:blip r:embed="rId3"/>
+                  <a:stretch>
+                    <a:fillRect r="-3383" b="-20482"/>
+                  </a:stretch>
+                </a:blipFill>
+                <a:ln w="9525">
+                  <a:noFill/>
+                  <a:miter lim="800000"/>
+                  <a:headEnd/>
+                  <a:tailEnd/>
+                </a:ln>
+                <a:effectLst/>
+              </p:spPr>
+              <p:txBody>
+                <a:bodyPr/>
+                <a:lstStyle/>
+                <a:p>
+                  <a:r>
+                    <a:rPr lang="ru-RU">
+                      <a:noFill/>
+                    </a:rPr>
+                    <a:t> </a:t>
+                  </a:r>
+                </a:p>
+              </p:txBody>
+            </p:sp>
+          </mc:Fallback>
+        </mc:AlternateContent>
+      </p:grpSp>
+      <p:sp>
+        <p:nvSpPr>
+          <p:cNvPr id="28" name="Rectangle 20"/>
+          <p:cNvSpPr>
+            <a:spLocks noChangeArrowheads="1"/>
+          </p:cNvSpPr>
+          <p:nvPr/>
+        </p:nvSpPr>
+        <p:spPr bwMode="auto">
+          <a:xfrm>
+            <a:off x="1793718" y="3767879"/>
+            <a:ext cx="8763000" cy="1828800"/>
+          </a:xfrm>
+          <a:prstGeom prst="rect">
+            <a:avLst/>
+          </a:prstGeom>
+          <a:noFill/>
+          <a:ln w="38100">
+            <a:solidFill>
+              <a:schemeClr val="folHlink"/>
+            </a:solidFill>
+            <a:miter lim="800000"/>
+            <a:headEnd/>
+            <a:tailEnd/>
+          </a:ln>
+          <a:effectLst/>
+        </p:spPr>
+        <p:txBody>
+          <a:bodyPr wrap="none" anchor="ctr"/>
+          <a:lstStyle/>
+          <a:p>
+            <a:endParaRPr lang="en-US"/>
+          </a:p>
+        </p:txBody>
+      </p:sp>
+      <p:grpSp>
+        <p:nvGrpSpPr>
+          <p:cNvPr id="29" name="Group 29"/>
+          <p:cNvGrpSpPr>
+            <a:grpSpLocks/>
+          </p:cNvGrpSpPr>
+          <p:nvPr/>
+        </p:nvGrpSpPr>
+        <p:grpSpPr bwMode="auto">
+          <a:xfrm>
+            <a:off x="3470118" y="3675012"/>
+            <a:ext cx="3124200" cy="831057"/>
+            <a:chOff x="1248" y="2210"/>
+            <a:chExt cx="1968" cy="698"/>
+          </a:xfrm>
+        </p:grpSpPr>
+        <p:sp>
+          <p:nvSpPr>
+            <p:cNvPr id="30" name="Line 15"/>
+            <p:cNvSpPr>
+              <a:spLocks noChangeShapeType="1"/>
+            </p:cNvSpPr>
+            <p:nvPr/>
+          </p:nvSpPr>
+          <p:spPr bwMode="auto">
+            <a:xfrm flipH="1" flipV="1">
+              <a:off x="1248" y="2880"/>
+              <a:ext cx="1968" cy="0"/>
+            </a:xfrm>
+            <a:prstGeom prst="line">
+              <a:avLst/>
+            </a:prstGeom>
+            <a:noFill/>
+            <a:ln w="9525">
+              <a:solidFill>
+                <a:schemeClr val="tx1"/>
+              </a:solidFill>
+              <a:round/>
+              <a:headEnd/>
+              <a:tailEnd type="triangle" w="med" len="med"/>
+            </a:ln>
+            <a:effectLst/>
+          </p:spPr>
+          <p:txBody>
+            <a:bodyPr/>
+            <a:lstStyle/>
+            <a:p>
+              <a:endParaRPr lang="en-US"/>
+            </a:p>
+          </p:txBody>
+        </p:sp>
+        <mc:AlternateContent xmlns:mc="http://schemas.openxmlformats.org/markup-compatibility/2006" xmlns:a14="http://schemas.microsoft.com/office/drawing/2010/main">
+          <mc:Choice Requires="a14">
+            <p:sp>
+              <p:nvSpPr>
+                <p:cNvPr id="31" name="Text Box 21"/>
+                <p:cNvSpPr txBox="1">
+                  <a:spLocks noChangeArrowheads="1"/>
+                </p:cNvSpPr>
+                <p:nvPr/>
+              </p:nvSpPr>
+              <p:spPr bwMode="auto">
+                <a:xfrm>
+                  <a:off x="1498" y="2210"/>
+                  <a:ext cx="758" cy="698"/>
+                </a:xfrm>
+                <a:prstGeom prst="rect">
+                  <a:avLst/>
+                </a:prstGeom>
+                <a:noFill/>
+                <a:ln w="9525">
+                  <a:noFill/>
+                  <a:miter lim="800000"/>
+                  <a:headEnd/>
+                  <a:tailEnd/>
+                </a:ln>
+                <a:effectLst/>
+              </p:spPr>
+              <p:txBody>
+                <a:bodyPr wrap="none">
+                  <a:spAutoFit/>
+                </a:bodyPr>
+                <a:lstStyle/>
+                <a:p>
+                  <a:pPr lvl="1"/>
+                  <a14:m>
+                    <m:oMathPara xmlns:m="http://schemas.openxmlformats.org/officeDocument/2006/math">
+                      <m:oMathParaPr>
+                        <m:jc m:val="centerGroup"/>
+                      </m:oMathParaPr>
+                      <m:oMath xmlns:m="http://schemas.openxmlformats.org/officeDocument/2006/math">
+                        <m:r>
+                          <a:rPr lang="en-US" sz="2400" b="0" i="1" dirty="0" smtClean="0">
+                            <a:latin typeface="Cambria Math" panose="02040503050406030204" pitchFamily="18" charset="0"/>
+                          </a:rPr>
+                          <m:t>𝑚</m:t>
+                        </m:r>
+                        <m:r>
+                          <a:rPr lang="en-US" sz="2400" b="0" i="1" baseline="-25000" dirty="0">
+                            <a:latin typeface="Cambria Math" panose="02040503050406030204" pitchFamily="18" charset="0"/>
+                          </a:rPr>
+                          <m:t>0</m:t>
+                        </m:r>
+                      </m:oMath>
+                    </m:oMathPara>
+                  </a14:m>
+                  <a:endParaRPr lang="en-US" sz="2000" dirty="0">
+                    <a:latin typeface="Courier New" pitchFamily="49" charset="0"/>
+                  </a:endParaRPr>
+                </a:p>
+                <a:p>
+                  <a:pPr lvl="1"/>
+                  <a14:m>
+                    <m:oMathPara xmlns:m="http://schemas.openxmlformats.org/officeDocument/2006/math">
+                      <m:oMathParaPr>
+                        <m:jc m:val="centerGroup"/>
+                      </m:oMathParaPr>
+                      <m:oMath xmlns:m="http://schemas.openxmlformats.org/officeDocument/2006/math">
+                        <m:r>
+                          <a:rPr lang="en-US" sz="2400" b="0" i="1" dirty="0" smtClean="0">
+                            <a:latin typeface="Cambria Math" panose="02040503050406030204" pitchFamily="18" charset="0"/>
+                          </a:rPr>
+                          <m:t>𝑚</m:t>
+                        </m:r>
+                        <m:r>
+                          <a:rPr lang="en-US" sz="2400" b="0" i="1" baseline="-25000" dirty="0">
+                            <a:latin typeface="Cambria Math" panose="02040503050406030204" pitchFamily="18" charset="0"/>
+                          </a:rPr>
+                          <m:t>1</m:t>
+                        </m:r>
+                      </m:oMath>
+                    </m:oMathPara>
+                  </a14:m>
+                  <a:endParaRPr lang="en-US" dirty="0"/>
+                </a:p>
+              </p:txBody>
+            </p:sp>
+          </mc:Choice>
+          <mc:Fallback xmlns="">
+            <p:sp>
+              <p:nvSpPr>
+                <p:cNvPr id="31" name="Text Box 21"/>
+                <p:cNvSpPr txBox="1">
+                  <a:spLocks noRot="1" noChangeAspect="1" noMove="1" noResize="1" noEditPoints="1" noAdjustHandles="1" noChangeArrowheads="1" noChangeShapeType="1" noTextEdit="1"/>
+                </p:cNvSpPr>
+                <p:nvPr/>
+              </p:nvSpPr>
+              <p:spPr bwMode="auto">
+                <a:xfrm>
+                  <a:off x="1498" y="2210"/>
+                  <a:ext cx="758" cy="698"/>
+                </a:xfrm>
+                <a:prstGeom prst="rect">
+                  <a:avLst/>
+                </a:prstGeom>
+                <a:blipFill>
+                  <a:blip r:embed="rId4"/>
+                  <a:stretch>
+                    <a:fillRect b="-1471"/>
+                  </a:stretch>
+                </a:blipFill>
+                <a:ln w="9525">
+                  <a:noFill/>
+                  <a:miter lim="800000"/>
+                  <a:headEnd/>
+                  <a:tailEnd/>
+                </a:ln>
+                <a:effectLst/>
+              </p:spPr>
+              <p:txBody>
+                <a:bodyPr/>
+                <a:lstStyle/>
+                <a:p>
+                  <a:r>
+                    <a:rPr lang="ru-RU">
+                      <a:noFill/>
+                    </a:rPr>
+                    <a:t> </a:t>
+                  </a:r>
+                </a:p>
+              </p:txBody>
+            </p:sp>
+          </mc:Fallback>
+        </mc:AlternateContent>
+      </p:grpSp>
+      <p:grpSp>
+        <p:nvGrpSpPr>
+          <p:cNvPr id="35" name="Group 32"/>
+          <p:cNvGrpSpPr>
+            <a:grpSpLocks/>
+          </p:cNvGrpSpPr>
+          <p:nvPr/>
+        </p:nvGrpSpPr>
+        <p:grpSpPr bwMode="auto">
+          <a:xfrm>
+            <a:off x="6670518" y="5141858"/>
+            <a:ext cx="2209800" cy="645318"/>
+            <a:chOff x="3216" y="3442"/>
+            <a:chExt cx="1392" cy="542"/>
+          </a:xfrm>
+        </p:grpSpPr>
+        <p:sp>
+          <p:nvSpPr>
+            <p:cNvPr id="36" name="Line 25"/>
+            <p:cNvSpPr>
+              <a:spLocks noChangeShapeType="1"/>
+            </p:cNvSpPr>
+            <p:nvPr/>
+          </p:nvSpPr>
+          <p:spPr bwMode="auto">
+            <a:xfrm flipH="1">
+              <a:off x="3216" y="3504"/>
+              <a:ext cx="1392" cy="0"/>
+            </a:xfrm>
+            <a:prstGeom prst="line">
+              <a:avLst/>
+            </a:prstGeom>
+            <a:noFill/>
+            <a:ln w="9525">
+              <a:solidFill>
+                <a:schemeClr val="tx1"/>
+              </a:solidFill>
+              <a:round/>
+              <a:headEnd/>
+              <a:tailEnd/>
+            </a:ln>
+            <a:effectLst/>
+          </p:spPr>
+          <p:txBody>
+            <a:bodyPr/>
+            <a:lstStyle/>
+            <a:p>
+              <a:endParaRPr lang="en-US"/>
+            </a:p>
+          </p:txBody>
+        </p:sp>
+        <p:sp>
+          <p:nvSpPr>
+            <p:cNvPr id="37" name="Line 19"/>
+            <p:cNvSpPr>
+              <a:spLocks noChangeShapeType="1"/>
+            </p:cNvSpPr>
+            <p:nvPr/>
+          </p:nvSpPr>
+          <p:spPr bwMode="auto">
+            <a:xfrm>
+              <a:off x="3216" y="3504"/>
+              <a:ext cx="0" cy="480"/>
+            </a:xfrm>
+            <a:prstGeom prst="line">
+              <a:avLst/>
+            </a:prstGeom>
+            <a:noFill/>
+            <a:ln w="9525">
+              <a:solidFill>
+                <a:schemeClr val="tx1"/>
+              </a:solidFill>
+              <a:round/>
+              <a:headEnd/>
+              <a:tailEnd type="triangle" w="med" len="med"/>
+            </a:ln>
+            <a:effectLst/>
+          </p:spPr>
+          <p:txBody>
+            <a:bodyPr/>
+            <a:lstStyle/>
+            <a:p>
+              <a:endParaRPr lang="en-US"/>
+            </a:p>
+          </p:txBody>
+        </p:sp>
+        <mc:AlternateContent xmlns:mc="http://schemas.openxmlformats.org/markup-compatibility/2006" xmlns:a14="http://schemas.microsoft.com/office/drawing/2010/main">
+          <mc:Choice Requires="a14">
+            <p:sp>
+              <p:nvSpPr>
+                <p:cNvPr id="38" name="Text Box 27"/>
+                <p:cNvSpPr txBox="1">
+                  <a:spLocks noChangeArrowheads="1"/>
+                </p:cNvSpPr>
+                <p:nvPr/>
+              </p:nvSpPr>
+              <p:spPr bwMode="auto">
+                <a:xfrm>
+                  <a:off x="3614" y="3442"/>
+                  <a:ext cx="966" cy="319"/>
+                </a:xfrm>
+                <a:prstGeom prst="rect">
+                  <a:avLst/>
+                </a:prstGeom>
+                <a:noFill/>
+                <a:ln w="9525">
+                  <a:noFill/>
+                  <a:miter lim="800000"/>
+                  <a:headEnd/>
+                  <a:tailEnd/>
+                </a:ln>
+                <a:effectLst/>
+              </p:spPr>
+              <p:txBody>
+                <a:bodyPr wrap="none">
+                  <a:spAutoFit/>
+                </a:bodyPr>
+                <a:lstStyle/>
+                <a:p>
+                  <a:pPr/>
+                  <a14:m>
+                    <m:oMathPara xmlns:m="http://schemas.openxmlformats.org/officeDocument/2006/math">
+                      <m:oMathParaPr>
+                        <m:jc m:val="centerGroup"/>
+                      </m:oMathParaPr>
+                      <m:oMath xmlns:m="http://schemas.openxmlformats.org/officeDocument/2006/math">
+                        <m:sSub>
+                          <m:sSubPr>
+                            <m:ctrlPr>
+                              <a:rPr lang="en-US" b="0" i="1" dirty="0" smtClean="0">
+                                <a:latin typeface="Cambria Math" panose="02040503050406030204" pitchFamily="18" charset="0"/>
+                              </a:rPr>
+                            </m:ctrlPr>
+                          </m:sSubPr>
+                          <m:e>
+                            <m:r>
+                              <a:rPr lang="en-US" i="1" dirty="0" smtClean="0">
+                                <a:latin typeface="Cambria Math" panose="02040503050406030204" pitchFamily="18" charset="0"/>
+                              </a:rPr>
+                              <m:t>𝐸</m:t>
+                            </m:r>
+                          </m:e>
+                          <m:sub>
+                            <m:sSup>
+                              <m:sSupPr>
+                                <m:ctrlPr>
+                                  <a:rPr lang="en-US" b="0" i="1" dirty="0" smtClean="0">
+                                    <a:latin typeface="Cambria Math" panose="02040503050406030204" pitchFamily="18" charset="0"/>
+                                  </a:rPr>
+                                </m:ctrlPr>
+                              </m:sSupPr>
+                              <m:e>
+                                <m:r>
+                                  <a:rPr lang="en-US" b="0" i="0" dirty="0" smtClean="0">
+                                    <a:latin typeface="Cambria Math" panose="02040503050406030204" pitchFamily="18" charset="0"/>
+                                  </a:rPr>
+                                  <m:t>1</m:t>
+                                </m:r>
+                              </m:e>
+                              <m:sup>
+                                <m:r>
+                                  <m:rPr>
+                                    <m:sty m:val="p"/>
+                                  </m:rPr>
+                                  <a:rPr lang="en-US" b="0" i="0" dirty="0" smtClean="0">
+                                    <a:latin typeface="Cambria Math" panose="02040503050406030204" pitchFamily="18" charset="0"/>
+                                  </a:rPr>
+                                  <m:t>L</m:t>
+                                </m:r>
+                              </m:sup>
+                            </m:sSup>
+                          </m:sub>
+                        </m:sSub>
+                        <m:r>
+                          <a:rPr lang="en-US" i="1" dirty="0" smtClean="0">
+                            <a:latin typeface="Cambria Math" panose="02040503050406030204" pitchFamily="18" charset="0"/>
+                          </a:rPr>
+                          <m:t>(</m:t>
+                        </m:r>
+                        <m:sSub>
+                          <m:sSubPr>
+                            <m:ctrlPr>
+                              <a:rPr lang="en-US" sz="2000" b="0" i="1" dirty="0" smtClean="0">
+                                <a:latin typeface="Cambria Math" panose="02040503050406030204" pitchFamily="18" charset="0"/>
+                              </a:rPr>
+                            </m:ctrlPr>
+                          </m:sSubPr>
+                          <m:e>
+                            <m:r>
+                              <a:rPr lang="en-US" sz="2000" i="1" dirty="0" err="1">
+                                <a:latin typeface="Cambria Math" panose="02040503050406030204" pitchFamily="18" charset="0"/>
+                              </a:rPr>
+                              <m:t>𝑚</m:t>
+                            </m:r>
+                          </m:e>
+                          <m:sub>
+                            <m:r>
+                              <a:rPr lang="en-US" sz="2000" b="0" i="1" dirty="0" smtClean="0">
+                                <a:latin typeface="Cambria Math" panose="02040503050406030204" pitchFamily="18" charset="0"/>
+                              </a:rPr>
+                              <m:t>1</m:t>
+                            </m:r>
+                          </m:sub>
+                        </m:sSub>
+                        <m:r>
+                          <a:rPr lang="en-US" i="1" dirty="0">
+                            <a:latin typeface="Cambria Math" panose="02040503050406030204" pitchFamily="18" charset="0"/>
+                          </a:rPr>
+                          <m:t>)=</m:t>
+                        </m:r>
+                        <m:r>
+                          <a:rPr lang="en-US" b="0" i="1" dirty="0" smtClean="0">
+                            <a:latin typeface="Cambria Math" panose="02040503050406030204" pitchFamily="18" charset="0"/>
+                          </a:rPr>
+                          <m:t>𝐶</m:t>
+                        </m:r>
+                      </m:oMath>
+                    </m:oMathPara>
+                  </a14:m>
+                  <a:endParaRPr lang="en-US" dirty="0"/>
+                </a:p>
+              </p:txBody>
+            </p:sp>
+          </mc:Choice>
+          <mc:Fallback xmlns="">
+            <p:sp>
+              <p:nvSpPr>
+                <p:cNvPr id="38" name="Text Box 27"/>
+                <p:cNvSpPr txBox="1">
+                  <a:spLocks noRot="1" noChangeAspect="1" noMove="1" noResize="1" noEditPoints="1" noAdjustHandles="1" noChangeArrowheads="1" noChangeShapeType="1" noTextEdit="1"/>
+                </p:cNvSpPr>
+                <p:nvPr/>
+              </p:nvSpPr>
+              <p:spPr bwMode="auto">
+                <a:xfrm>
+                  <a:off x="3614" y="3442"/>
+                  <a:ext cx="966" cy="319"/>
+                </a:xfrm>
+                <a:prstGeom prst="rect">
+                  <a:avLst/>
+                </a:prstGeom>
+                <a:blipFill>
+                  <a:blip r:embed="rId5"/>
+                  <a:stretch>
+                    <a:fillRect b="-11111"/>
+                  </a:stretch>
+                </a:blipFill>
+                <a:ln w="9525">
+                  <a:noFill/>
+                  <a:miter lim="800000"/>
+                  <a:headEnd/>
+                  <a:tailEnd/>
+                </a:ln>
+                <a:effectLst/>
+              </p:spPr>
+              <p:txBody>
+                <a:bodyPr/>
+                <a:lstStyle/>
+                <a:p>
+                  <a:r>
+                    <a:rPr lang="ru-RU">
+                      <a:noFill/>
+                    </a:rPr>
+                    <a:t> </a:t>
+                  </a:r>
+                </a:p>
+              </p:txBody>
+            </p:sp>
+          </mc:Fallback>
+        </mc:AlternateContent>
+      </p:grpSp>
+      <mc:AlternateContent xmlns:mc="http://schemas.openxmlformats.org/markup-compatibility/2006" xmlns:a14="http://schemas.microsoft.com/office/drawing/2010/main">
+        <mc:Choice Requires="a14">
+          <p:sp>
+            <p:nvSpPr>
+              <p:cNvPr id="41" name="Прямоугольник 40"/>
+              <p:cNvSpPr/>
+              <p:nvPr/>
+            </p:nvSpPr>
+            <p:spPr>
+              <a:xfrm>
+                <a:off x="2761705" y="6085077"/>
+                <a:ext cx="6910353" cy="492443"/>
+              </a:xfrm>
+              <a:prstGeom prst="rect">
+                <a:avLst/>
+              </a:prstGeom>
+            </p:spPr>
+            <p:txBody>
+              <a:bodyPr wrap="none">
+                <a:spAutoFit/>
+              </a:bodyPr>
+              <a:lstStyle/>
+              <a:p>
+                <a:pPr/>
+                <a14:m>
+                  <m:oMathPara xmlns:m="http://schemas.openxmlformats.org/officeDocument/2006/math">
+                    <m:oMathParaPr>
+                      <m:jc m:val="centerGroup"/>
+                    </m:oMathParaPr>
+                    <m:oMath xmlns:m="http://schemas.openxmlformats.org/officeDocument/2006/math">
+                      <m:r>
+                        <m:rPr>
+                          <m:sty m:val="p"/>
+                        </m:rPr>
+                        <a:rPr lang="en-US" sz="2600" smtClean="0">
+                          <a:latin typeface="Cambria Math" panose="02040503050406030204" pitchFamily="18" charset="0"/>
+                        </a:rPr>
+                        <m:t>SSadv</m:t>
+                      </m:r>
+                      <m:d>
+                        <m:dPr>
+                          <m:begChr m:val="["/>
+                          <m:endChr m:val="]"/>
+                          <m:ctrlPr>
+                            <a:rPr lang="en-US" sz="2600" i="1">
+                              <a:latin typeface="Cambria Math" panose="02040503050406030204" pitchFamily="18" charset="0"/>
+                            </a:rPr>
+                          </m:ctrlPr>
+                        </m:dPr>
+                        <m:e>
+                          <m:r>
+                            <a:rPr lang="en-US" sz="2600" b="0" i="1" smtClean="0">
+                              <a:latin typeface="Cambria Math" panose="02040503050406030204" pitchFamily="18" charset="0"/>
+                            </a:rPr>
+                            <m:t>𝐵</m:t>
+                          </m:r>
+                          <m:r>
+                            <a:rPr lang="en-US" sz="2600" i="1">
+                              <a:latin typeface="Cambria Math" panose="02040503050406030204" pitchFamily="18" charset="0"/>
+                            </a:rPr>
+                            <m:t>,</m:t>
+                          </m:r>
+                          <m:r>
+                            <m:rPr>
+                              <m:sty m:val="p"/>
+                            </m:rPr>
+                            <a:rPr lang="en-US" sz="2600">
+                              <a:latin typeface="Cambria Math" panose="02040503050406030204" pitchFamily="18" charset="0"/>
+                            </a:rPr>
+                            <m:t>Ε</m:t>
+                          </m:r>
+                        </m:e>
+                      </m:d>
+                      <m:r>
+                        <a:rPr lang="en-US" sz="2600" i="1">
+                          <a:latin typeface="Cambria Math" panose="02040503050406030204" pitchFamily="18" charset="0"/>
+                        </a:rPr>
+                        <m:t>=</m:t>
+                      </m:r>
+                      <m:d>
+                        <m:dPr>
+                          <m:begChr m:val="|"/>
+                          <m:endChr m:val="|"/>
+                          <m:ctrlPr>
+                            <a:rPr lang="en-US" sz="2600" i="1">
+                              <a:latin typeface="Cambria Math" panose="02040503050406030204" pitchFamily="18" charset="0"/>
+                            </a:rPr>
+                          </m:ctrlPr>
+                        </m:dPr>
+                        <m:e>
+                          <m:func>
+                            <m:funcPr>
+                              <m:ctrlPr>
+                                <a:rPr lang="en-US" sz="2600" i="1">
+                                  <a:latin typeface="Cambria Math" panose="02040503050406030204" pitchFamily="18" charset="0"/>
+                                </a:rPr>
+                              </m:ctrlPr>
+                            </m:funcPr>
+                            <m:fName>
+                              <m:r>
+                                <m:rPr>
+                                  <m:sty m:val="p"/>
+                                </m:rPr>
+                                <a:rPr lang="en-US" sz="2600">
+                                  <a:latin typeface="Cambria Math" panose="02040503050406030204" pitchFamily="18" charset="0"/>
+                                </a:rPr>
+                                <m:t>Pr</m:t>
+                              </m:r>
+                            </m:fName>
+                            <m:e>
+                              <m:d>
+                                <m:dPr>
+                                  <m:begChr m:val="["/>
+                                  <m:endChr m:val="]"/>
+                                  <m:ctrlPr>
+                                    <a:rPr lang="en-US" sz="2600" i="1">
+                                      <a:latin typeface="Cambria Math" panose="02040503050406030204" pitchFamily="18" charset="0"/>
+                                    </a:rPr>
+                                  </m:ctrlPr>
+                                </m:dPr>
+                                <m:e>
+                                  <m:sSub>
+                                    <m:sSubPr>
+                                      <m:ctrlPr>
+                                        <a:rPr lang="en-US" sz="2600" i="1">
+                                          <a:latin typeface="Cambria Math" panose="02040503050406030204" pitchFamily="18" charset="0"/>
+                                        </a:rPr>
+                                      </m:ctrlPr>
+                                    </m:sSubPr>
+                                    <m:e>
+                                      <m:r>
+                                        <a:rPr lang="en-US" sz="2600" i="1">
+                                          <a:latin typeface="Cambria Math" panose="02040503050406030204" pitchFamily="18" charset="0"/>
+                                        </a:rPr>
+                                        <m:t>𝑊</m:t>
+                                      </m:r>
+                                    </m:e>
+                                    <m:sub>
+                                      <m:r>
+                                        <a:rPr lang="en-US" sz="2600" i="1">
+                                          <a:latin typeface="Cambria Math" panose="02040503050406030204" pitchFamily="18" charset="0"/>
+                                        </a:rPr>
+                                        <m:t>0</m:t>
+                                      </m:r>
+                                    </m:sub>
+                                  </m:sSub>
+                                </m:e>
+                              </m:d>
+                            </m:e>
+                          </m:func>
+                          <m:r>
+                            <a:rPr lang="en-US" sz="2600" i="1">
+                              <a:latin typeface="Cambria Math" panose="02040503050406030204" pitchFamily="18" charset="0"/>
+                            </a:rPr>
+                            <m:t>−</m:t>
+                          </m:r>
+                          <m:func>
+                            <m:funcPr>
+                              <m:ctrlPr>
+                                <a:rPr lang="en-US" sz="2600" i="1">
+                                  <a:latin typeface="Cambria Math" panose="02040503050406030204" pitchFamily="18" charset="0"/>
+                                </a:rPr>
+                              </m:ctrlPr>
+                            </m:funcPr>
+                            <m:fName>
+                              <m:r>
+                                <m:rPr>
+                                  <m:sty m:val="p"/>
+                                </m:rPr>
+                                <a:rPr lang="en-US" sz="2600">
+                                  <a:latin typeface="Cambria Math" panose="02040503050406030204" pitchFamily="18" charset="0"/>
+                                </a:rPr>
+                                <m:t>Pr</m:t>
+                              </m:r>
+                            </m:fName>
+                            <m:e>
+                              <m:d>
+                                <m:dPr>
+                                  <m:begChr m:val="["/>
+                                  <m:endChr m:val="]"/>
+                                  <m:ctrlPr>
+                                    <a:rPr lang="en-US" sz="2600" i="1">
+                                      <a:latin typeface="Cambria Math" panose="02040503050406030204" pitchFamily="18" charset="0"/>
+                                    </a:rPr>
+                                  </m:ctrlPr>
+                                </m:dPr>
+                                <m:e>
+                                  <m:sSub>
+                                    <m:sSubPr>
+                                      <m:ctrlPr>
+                                        <a:rPr lang="en-US" sz="2600" i="1">
+                                          <a:latin typeface="Cambria Math" panose="02040503050406030204" pitchFamily="18" charset="0"/>
+                                        </a:rPr>
+                                      </m:ctrlPr>
+                                    </m:sSubPr>
+                                    <m:e>
+                                      <m:r>
+                                        <a:rPr lang="en-US" sz="2600" i="1">
+                                          <a:latin typeface="Cambria Math" panose="02040503050406030204" pitchFamily="18" charset="0"/>
+                                        </a:rPr>
+                                        <m:t>𝑊</m:t>
+                                      </m:r>
+                                    </m:e>
+                                    <m:sub>
+                                      <m:r>
+                                        <a:rPr lang="en-US" sz="2600" i="1">
+                                          <a:latin typeface="Cambria Math" panose="02040503050406030204" pitchFamily="18" charset="0"/>
+                                        </a:rPr>
+                                        <m:t>1</m:t>
+                                      </m:r>
+                                    </m:sub>
+                                  </m:sSub>
+                                </m:e>
+                              </m:d>
+                            </m:e>
+                          </m:func>
+                        </m:e>
+                      </m:d>
+                      <m:r>
+                        <a:rPr lang="ru-RU" sz="2600" b="0" i="1" smtClean="0">
+                          <a:latin typeface="Cambria Math" panose="02040503050406030204" pitchFamily="18" charset="0"/>
+                        </a:rPr>
+                        <m:t>=</m:t>
+                      </m:r>
+                      <m:d>
+                        <m:dPr>
+                          <m:begChr m:val="|"/>
+                          <m:endChr m:val="|"/>
+                          <m:ctrlPr>
+                            <a:rPr lang="en-US" sz="2600" b="0" i="1" smtClean="0">
+                              <a:latin typeface="Cambria Math" panose="02040503050406030204" pitchFamily="18" charset="0"/>
+                            </a:rPr>
+                          </m:ctrlPr>
+                        </m:dPr>
+                        <m:e>
+                          <m:r>
+                            <a:rPr lang="en-US" sz="2600" b="0" i="1" smtClean="0">
+                              <a:latin typeface="Cambria Math" panose="02040503050406030204" pitchFamily="18" charset="0"/>
+                            </a:rPr>
+                            <m:t>1−0</m:t>
+                          </m:r>
+                        </m:e>
+                      </m:d>
+                      <m:r>
+                        <a:rPr lang="en-US" sz="2600" b="0" i="1" smtClean="0">
+                          <a:latin typeface="Cambria Math" panose="02040503050406030204" pitchFamily="18" charset="0"/>
+                        </a:rPr>
+                        <m:t>=1</m:t>
+                      </m:r>
+                    </m:oMath>
+                  </m:oMathPara>
+                </a14:m>
+                <a:endParaRPr lang="ru-RU" sz="2600" dirty="0"/>
+              </a:p>
+            </p:txBody>
+          </p:sp>
+        </mc:Choice>
+        <mc:Fallback xmlns="">
+          <p:sp>
+            <p:nvSpPr>
+              <p:cNvPr id="41" name="Прямоугольник 40"/>
+              <p:cNvSpPr>
+                <a:spLocks noRot="1" noChangeAspect="1" noMove="1" noResize="1" noEditPoints="1" noAdjustHandles="1" noChangeArrowheads="1" noChangeShapeType="1" noTextEdit="1"/>
+              </p:cNvSpPr>
+              <p:nvPr/>
+            </p:nvSpPr>
+            <p:spPr>
+              <a:xfrm>
+                <a:off x="2761705" y="6085077"/>
+                <a:ext cx="6910353" cy="492443"/>
+              </a:xfrm>
+              <a:prstGeom prst="rect">
+                <a:avLst/>
+              </a:prstGeom>
+              <a:blipFill>
+                <a:blip r:embed="rId7"/>
+                <a:stretch>
+                  <a:fillRect/>
+                </a:stretch>
+              </a:blipFill>
+            </p:spPr>
+            <p:txBody>
+              <a:bodyPr/>
+              <a:lstStyle/>
+              <a:p>
+                <a:r>
+                  <a:rPr lang="ru-RU">
+                    <a:noFill/>
+                  </a:rPr>
+                  <a:t> </a:t>
+                </a:r>
+              </a:p>
+            </p:txBody>
+          </p:sp>
+        </mc:Fallback>
+      </mc:AlternateContent>
+      <p:sp>
+        <p:nvSpPr>
+          <p:cNvPr id="42" name="Text Box 6"/>
+          <p:cNvSpPr txBox="1">
+            <a:spLocks noChangeArrowheads="1"/>
+          </p:cNvSpPr>
+          <p:nvPr/>
+        </p:nvSpPr>
+        <p:spPr bwMode="auto">
+          <a:xfrm>
+            <a:off x="2346021" y="3312472"/>
+            <a:ext cx="346369" cy="461665"/>
+          </a:xfrm>
+          <a:prstGeom prst="rect">
+            <a:avLst/>
+          </a:prstGeom>
+          <a:noFill/>
+          <a:ln w="9525">
+            <a:noFill/>
+            <a:miter lim="800000"/>
+            <a:headEnd/>
+            <a:tailEnd/>
+          </a:ln>
+          <a:effectLst/>
+        </p:spPr>
+        <p:txBody>
+          <a:bodyPr wrap="none">
+            <a:spAutoFit/>
+          </a:bodyPr>
+          <a:lstStyle/>
+          <a:p>
+            <a:r>
+              <a:rPr lang="en-US" sz="2400" dirty="0"/>
+              <a:t>b</a:t>
+            </a:r>
+          </a:p>
+        </p:txBody>
+      </p:sp>
+      <mc:AlternateContent xmlns:mc="http://schemas.openxmlformats.org/markup-compatibility/2006" xmlns:a14="http://schemas.microsoft.com/office/drawing/2010/main">
+        <mc:Choice Requires="a14">
+          <p:sp>
+            <p:nvSpPr>
+              <p:cNvPr id="3" name="Объект 2"/>
+              <p:cNvSpPr>
+                <a:spLocks noGrp="1"/>
+              </p:cNvSpPr>
+              <p:nvPr>
+                <p:ph idx="1"/>
+              </p:nvPr>
+            </p:nvSpPr>
+            <p:spPr/>
+            <p:txBody>
+              <a:bodyPr/>
+              <a:lstStyle/>
+              <a:p>
+                <a:pPr marL="0" indent="0">
+                  <a:buNone/>
+                </a:pPr>
+                <a:r>
+                  <a:rPr lang="ru-RU" dirty="0"/>
+                  <a:t>Пусть </a:t>
+                </a:r>
+                <a14:m>
+                  <m:oMath xmlns:m="http://schemas.openxmlformats.org/officeDocument/2006/math">
+                    <m:r>
+                      <m:rPr>
+                        <m:sty m:val="p"/>
+                      </m:rPr>
+                      <a:rPr lang="en-US">
+                        <a:latin typeface="Cambria Math" panose="02040503050406030204" pitchFamily="18" charset="0"/>
+                      </a:rPr>
+                      <m:t>E</m:t>
+                    </m:r>
+                    <m:r>
+                      <a:rPr lang="en-US" i="1">
+                        <a:latin typeface="Cambria Math" panose="02040503050406030204" pitchFamily="18" charset="0"/>
+                      </a:rPr>
+                      <m:t>=(</m:t>
+                    </m:r>
+                    <m:r>
+                      <a:rPr lang="en-US" i="1">
+                        <a:latin typeface="Cambria Math" panose="02040503050406030204" pitchFamily="18" charset="0"/>
+                      </a:rPr>
+                      <m:t>𝐸</m:t>
+                    </m:r>
+                    <m:r>
+                      <a:rPr lang="en-US" i="1">
+                        <a:latin typeface="Cambria Math" panose="02040503050406030204" pitchFamily="18" charset="0"/>
+                      </a:rPr>
+                      <m:t>,</m:t>
+                    </m:r>
+                    <m:r>
+                      <a:rPr lang="en-US" i="1">
+                        <a:latin typeface="Cambria Math" panose="02040503050406030204" pitchFamily="18" charset="0"/>
+                      </a:rPr>
+                      <m:t>𝐷</m:t>
+                    </m:r>
+                    <m:r>
+                      <a:rPr lang="en-US" i="1">
+                        <a:latin typeface="Cambria Math" panose="02040503050406030204" pitchFamily="18" charset="0"/>
+                      </a:rPr>
+                      <m:t>)</m:t>
+                    </m:r>
+                  </m:oMath>
+                </a14:m>
+                <a:r>
+                  <a:rPr lang="ru-RU" dirty="0"/>
+                  <a:t> – семантически стойкий шифр, </a:t>
+                </a:r>
+                <a14:m>
+                  <m:oMath xmlns:m="http://schemas.openxmlformats.org/officeDocument/2006/math">
+                    <m:sSup>
+                      <m:sSupPr>
+                        <m:ctrlPr>
+                          <a:rPr lang="en-US" i="1">
+                            <a:latin typeface="Cambria Math" panose="02040503050406030204" pitchFamily="18" charset="0"/>
+                          </a:rPr>
+                        </m:ctrlPr>
+                      </m:sSupPr>
+                      <m:e>
+                        <m:r>
+                          <m:rPr>
+                            <m:sty m:val="p"/>
+                          </m:rPr>
+                          <a:rPr lang="en-US">
+                            <a:latin typeface="Cambria Math" panose="02040503050406030204" pitchFamily="18" charset="0"/>
+                          </a:rPr>
+                          <m:t>E</m:t>
+                        </m:r>
+                      </m:e>
+                      <m:sup>
+                        <m:r>
+                          <a:rPr lang="en-US" i="1">
+                            <a:latin typeface="Cambria Math" panose="02040503050406030204" pitchFamily="18" charset="0"/>
+                          </a:rPr>
+                          <m:t>′</m:t>
+                        </m:r>
+                      </m:sup>
+                    </m:sSup>
+                    <m:r>
+                      <a:rPr lang="en-US" i="1">
+                        <a:latin typeface="Cambria Math" panose="02040503050406030204" pitchFamily="18" charset="0"/>
+                      </a:rPr>
+                      <m:t>=</m:t>
+                    </m:r>
+                    <m:d>
+                      <m:dPr>
+                        <m:ctrlPr>
+                          <a:rPr lang="en-US" i="1">
+                            <a:latin typeface="Cambria Math" panose="02040503050406030204" pitchFamily="18" charset="0"/>
+                          </a:rPr>
+                        </m:ctrlPr>
+                      </m:dPr>
+                      <m:e>
+                        <m:sSup>
+                          <m:sSupPr>
+                            <m:ctrlPr>
+                              <a:rPr lang="en-US" i="1">
+                                <a:latin typeface="Cambria Math" panose="02040503050406030204" pitchFamily="18" charset="0"/>
+                              </a:rPr>
+                            </m:ctrlPr>
+                          </m:sSupPr>
+                          <m:e>
+                            <m:r>
+                              <a:rPr lang="en-US" i="1">
+                                <a:latin typeface="Cambria Math" panose="02040503050406030204" pitchFamily="18" charset="0"/>
+                              </a:rPr>
+                              <m:t>𝐸</m:t>
+                            </m:r>
+                          </m:e>
+                          <m:sup>
+                            <m:r>
+                              <a:rPr lang="en-US" i="1">
+                                <a:latin typeface="Cambria Math" panose="02040503050406030204" pitchFamily="18" charset="0"/>
+                              </a:rPr>
+                              <m:t>′</m:t>
+                            </m:r>
+                          </m:sup>
+                        </m:sSup>
+                        <m:r>
+                          <a:rPr lang="en-US" i="1">
+                            <a:latin typeface="Cambria Math" panose="02040503050406030204" pitchFamily="18" charset="0"/>
+                          </a:rPr>
+                          <m:t>,</m:t>
+                        </m:r>
+                        <m:sSup>
+                          <m:sSupPr>
+                            <m:ctrlPr>
+                              <a:rPr lang="en-US" i="1">
+                                <a:latin typeface="Cambria Math" panose="02040503050406030204" pitchFamily="18" charset="0"/>
+                              </a:rPr>
+                            </m:ctrlPr>
+                          </m:sSupPr>
+                          <m:e>
+                            <m:r>
+                              <a:rPr lang="en-US" i="1">
+                                <a:latin typeface="Cambria Math" panose="02040503050406030204" pitchFamily="18" charset="0"/>
+                              </a:rPr>
+                              <m:t>𝐷</m:t>
+                            </m:r>
+                          </m:e>
+                          <m:sup>
+                            <m:r>
+                              <a:rPr lang="en-US" i="1">
+                                <a:latin typeface="Cambria Math" panose="02040503050406030204" pitchFamily="18" charset="0"/>
+                              </a:rPr>
+                              <m:t>′</m:t>
+                            </m:r>
+                          </m:sup>
+                        </m:sSup>
+                      </m:e>
+                    </m:d>
+                    <m:r>
+                      <a:rPr lang="en-US" i="1">
+                        <a:latin typeface="Cambria Math" panose="02040503050406030204" pitchFamily="18" charset="0"/>
+                      </a:rPr>
+                      <m:t>:</m:t>
+                    </m:r>
+                    <m:sSup>
+                      <m:sSupPr>
+                        <m:ctrlPr>
+                          <a:rPr lang="en-US" i="1">
+                            <a:latin typeface="Cambria Math" panose="02040503050406030204" pitchFamily="18" charset="0"/>
+                          </a:rPr>
+                        </m:ctrlPr>
+                      </m:sSupPr>
+                      <m:e>
+                        <m:r>
+                          <m:rPr>
+                            <m:sty m:val="p"/>
+                          </m:rPr>
+                          <a:rPr lang="en-US">
+                            <a:latin typeface="Cambria Math" panose="02040503050406030204" pitchFamily="18" charset="0"/>
+                          </a:rPr>
+                          <m:t>E</m:t>
+                        </m:r>
+                      </m:e>
+                      <m:sup>
+                        <m:r>
+                          <a:rPr lang="en-US" i="1">
+                            <a:latin typeface="Cambria Math" panose="02040503050406030204" pitchFamily="18" charset="0"/>
+                          </a:rPr>
+                          <m:t>′</m:t>
+                        </m:r>
+                      </m:sup>
+                    </m:sSup>
+                    <m:d>
+                      <m:dPr>
+                        <m:ctrlPr>
+                          <a:rPr lang="en-US" i="1">
+                            <a:latin typeface="Cambria Math" panose="02040503050406030204" pitchFamily="18" charset="0"/>
+                          </a:rPr>
+                        </m:ctrlPr>
+                      </m:dPr>
+                      <m:e>
+                        <m:r>
+                          <a:rPr lang="en-US" i="1">
+                            <a:latin typeface="Cambria Math" panose="02040503050406030204" pitchFamily="18" charset="0"/>
+                          </a:rPr>
+                          <m:t>𝑘</m:t>
+                        </m:r>
+                        <m:r>
+                          <a:rPr lang="en-US" i="1">
+                            <a:latin typeface="Cambria Math" panose="02040503050406030204" pitchFamily="18" charset="0"/>
+                          </a:rPr>
+                          <m:t>,</m:t>
+                        </m:r>
+                        <m:r>
+                          <a:rPr lang="en-US" i="1">
+                            <a:latin typeface="Cambria Math" panose="02040503050406030204" pitchFamily="18" charset="0"/>
+                          </a:rPr>
+                          <m:t>𝑚</m:t>
+                        </m:r>
+                      </m:e>
+                    </m:d>
+                    <m:r>
+                      <a:rPr lang="en-US" i="1">
+                        <a:latin typeface="Cambria Math" panose="02040503050406030204" pitchFamily="18" charset="0"/>
+                      </a:rPr>
+                      <m:t>=</m:t>
+                    </m:r>
+                    <m:r>
+                      <a:rPr lang="en-US" i="1">
+                        <a:latin typeface="Cambria Math" panose="02040503050406030204" pitchFamily="18" charset="0"/>
+                      </a:rPr>
+                      <m:t>𝐸</m:t>
+                    </m:r>
+                    <m:r>
+                      <a:rPr lang="en-US" i="1">
+                        <a:latin typeface="Cambria Math" panose="02040503050406030204" pitchFamily="18" charset="0"/>
+                      </a:rPr>
+                      <m:t>(</m:t>
+                    </m:r>
+                    <m:sSup>
+                      <m:sSupPr>
+                        <m:ctrlPr>
+                          <a:rPr lang="en-US" i="1">
+                            <a:latin typeface="Cambria Math" panose="02040503050406030204" pitchFamily="18" charset="0"/>
+                          </a:rPr>
+                        </m:ctrlPr>
+                      </m:sSupPr>
+                      <m:e>
+                        <m:r>
+                          <a:rPr lang="en-US" i="1">
+                            <a:latin typeface="Cambria Math" panose="02040503050406030204" pitchFamily="18" charset="0"/>
+                          </a:rPr>
+                          <m:t>1</m:t>
+                        </m:r>
+                      </m:e>
+                      <m:sup>
+                        <m:r>
+                          <a:rPr lang="en-US" i="1">
+                            <a:latin typeface="Cambria Math" panose="02040503050406030204" pitchFamily="18" charset="0"/>
+                          </a:rPr>
+                          <m:t>𝐿</m:t>
+                        </m:r>
+                      </m:sup>
+                    </m:sSup>
+                    <m:r>
+                      <a:rPr lang="en-US" i="1">
+                        <a:latin typeface="Cambria Math" panose="02040503050406030204" pitchFamily="18" charset="0"/>
+                      </a:rPr>
+                      <m:t>,</m:t>
+                    </m:r>
+                    <m:r>
+                      <a:rPr lang="en-US" i="1">
+                        <a:latin typeface="Cambria Math" panose="02040503050406030204" pitchFamily="18" charset="0"/>
+                      </a:rPr>
+                      <m:t>𝑚</m:t>
+                    </m:r>
+                    <m:r>
+                      <a:rPr lang="en-US" i="1">
+                        <a:latin typeface="Cambria Math" panose="02040503050406030204" pitchFamily="18" charset="0"/>
+                      </a:rPr>
+                      <m:t>)</m:t>
+                    </m:r>
+                  </m:oMath>
+                </a14:m>
+                <a:r>
+                  <a:rPr lang="ru-RU" dirty="0"/>
+                  <a:t>.</a:t>
+                </a:r>
+                <a:r>
+                  <a:rPr lang="en-US" dirty="0"/>
+                  <a:t> </a:t>
+                </a:r>
+                <a:r>
+                  <a:rPr lang="ru-RU" dirty="0"/>
+                  <a:t>Тогда </a:t>
+                </a:r>
+                <a14:m>
+                  <m:oMath xmlns:m="http://schemas.openxmlformats.org/officeDocument/2006/math">
+                    <m:r>
+                      <m:rPr>
+                        <m:sty m:val="p"/>
+                      </m:rPr>
+                      <a:rPr lang="en-US">
+                        <a:latin typeface="Cambria Math" panose="02040503050406030204" pitchFamily="18" charset="0"/>
+                      </a:rPr>
+                      <m:t>E</m:t>
+                    </m:r>
+                    <m:r>
+                      <a:rPr lang="en-US" i="1">
+                        <a:latin typeface="Cambria Math" panose="02040503050406030204" pitchFamily="18" charset="0"/>
+                      </a:rPr>
+                      <m:t>′</m:t>
+                    </m:r>
+                  </m:oMath>
+                </a14:m>
+                <a:r>
+                  <a:rPr lang="en-US" dirty="0"/>
+                  <a:t> - </a:t>
+                </a:r>
+                <a:r>
+                  <a:rPr lang="ru-RU" dirty="0"/>
+                  <a:t>не семантически стойкий.</a:t>
+                </a:r>
+              </a:p>
+              <a:p>
+                <a:endParaRPr lang="ru-RU" dirty="0"/>
+              </a:p>
+            </p:txBody>
+          </p:sp>
+        </mc:Choice>
+        <mc:Fallback xmlns="">
+          <p:sp>
+            <p:nvSpPr>
+              <p:cNvPr id="3" name="Объект 2"/>
+              <p:cNvSpPr>
+                <a:spLocks noGrp="1" noRot="1" noChangeAspect="1" noMove="1" noResize="1" noEditPoints="1" noAdjustHandles="1" noChangeArrowheads="1" noChangeShapeType="1" noTextEdit="1"/>
+              </p:cNvSpPr>
+              <p:nvPr>
+                <p:ph idx="1"/>
+              </p:nvPr>
+            </p:nvSpPr>
+            <p:spPr>
+              <a:blipFill>
+                <a:blip r:embed="rId8"/>
+                <a:stretch>
+                  <a:fillRect l="-1043" t="-2101"/>
+                </a:stretch>
+              </a:blipFill>
+            </p:spPr>
+            <p:txBody>
+              <a:bodyPr/>
+              <a:lstStyle/>
+              <a:p>
+                <a:r>
+                  <a:rPr lang="ru-RU">
+                    <a:noFill/>
+                  </a:rPr>
+                  <a:t> </a:t>
+                </a:r>
+              </a:p>
+            </p:txBody>
+          </p:sp>
+        </mc:Fallback>
+      </mc:AlternateContent>
+    </p:spTree>
+    <p:extLst>
+      <p:ext uri="{BB962C8B-B14F-4D97-AF65-F5344CB8AC3E}">
+        <p14:creationId xmlns:p14="http://schemas.microsoft.com/office/powerpoint/2010/main" val="88859431"/>
+      </p:ext>
+    </p:extLst>
+  </p:cSld>
+  <p:clrMapOvr>
+    <a:masterClrMapping/>
+  </p:clrMapOvr>
+  <p:timing>
+    <p:tnLst>
+      <p:par>
+        <p:cTn id="1" dur="indefinite" restart="never" nodeType="tmRoot">
+          <p:childTnLst>
+            <p:seq concurrent="1" nextAc="seek">
+              <p:cTn id="2" dur="indefinite" nodeType="mainSeq">
+                <p:childTnLst>
+                  <p:par>
+                    <p:cTn id="3" fill="hold">
+                      <p:stCondLst>
+                        <p:cond delay="indefinite"/>
+                      </p:stCondLst>
+                      <p:childTnLst>
+                        <p:par>
+                          <p:cTn id="4" fill="hold">
+                            <p:stCondLst>
+                              <p:cond delay="0"/>
+                            </p:stCondLst>
+                            <p:childTnLst>
+                              <p:par>
+                                <p:cTn id="5" presetID="12" presetClass="entr" presetSubtype="2" fill="hold" nodeType="clickEffect">
+                                  <p:stCondLst>
+                                    <p:cond delay="0"/>
+                                  </p:stCondLst>
+                                  <p:childTnLst>
+                                    <p:set>
+                                      <p:cBhvr>
+                                        <p:cTn id="6" dur="1" fill="hold">
+                                          <p:stCondLst>
+                                            <p:cond delay="0"/>
+                                          </p:stCondLst>
+                                        </p:cTn>
+                                        <p:tgtEl>
+                                          <p:spTgt spid="29"/>
+                                        </p:tgtEl>
+                                        <p:attrNameLst>
+                                          <p:attrName>style.visibility</p:attrName>
+                                        </p:attrNameLst>
+                                      </p:cBhvr>
+                                      <p:to>
+                                        <p:strVal val="visible"/>
+                                      </p:to>
+                                    </p:set>
+                                    <p:animEffect transition="in" filter="slide(fromRight)">
+                                      <p:cBhvr>
+                                        <p:cTn id="7" dur="500"/>
+                                        <p:tgtEl>
+                                          <p:spTgt spid="29"/>
+                                        </p:tgtEl>
+                                      </p:cBhvr>
+                                    </p:animEffect>
+                                  </p:childTnLst>
+                                </p:cTn>
+                              </p:par>
+                            </p:childTnLst>
+                          </p:cTn>
+                        </p:par>
+                      </p:childTnLst>
+                    </p:cTn>
+                  </p:par>
+                  <p:par>
+                    <p:cTn id="8" fill="hold">
+                      <p:stCondLst>
+                        <p:cond delay="indefinite"/>
+                      </p:stCondLst>
+                      <p:childTnLst>
+                        <p:par>
+                          <p:cTn id="9" fill="hold">
+                            <p:stCondLst>
+                              <p:cond delay="0"/>
+                            </p:stCondLst>
+                            <p:childTnLst>
+                              <p:par>
+                                <p:cTn id="10" presetID="12" presetClass="entr" presetSubtype="8" fill="hold" nodeType="clickEffect">
+                                  <p:stCondLst>
+                                    <p:cond delay="0"/>
+                                  </p:stCondLst>
+                                  <p:childTnLst>
+                                    <p:set>
+                                      <p:cBhvr>
+                                        <p:cTn id="11" dur="1" fill="hold">
+                                          <p:stCondLst>
+                                            <p:cond delay="0"/>
+                                          </p:stCondLst>
+                                        </p:cTn>
+                                        <p:tgtEl>
+                                          <p:spTgt spid="25"/>
+                                        </p:tgtEl>
+                                        <p:attrNameLst>
+                                          <p:attrName>style.visibility</p:attrName>
+                                        </p:attrNameLst>
+                                      </p:cBhvr>
+                                      <p:to>
+                                        <p:strVal val="visible"/>
+                                      </p:to>
+                                    </p:set>
+                                    <p:animEffect transition="in" filter="slide(fromLeft)">
+                                      <p:cBhvr>
+                                        <p:cTn id="12" dur="500"/>
+                                        <p:tgtEl>
+                                          <p:spTgt spid="25"/>
+                                        </p:tgtEl>
+                                      </p:cBhvr>
+                                    </p:animEffect>
+                                  </p:childTnLst>
+                                </p:cTn>
+                              </p:par>
+                            </p:childTnLst>
+                          </p:cTn>
+                        </p:par>
+                      </p:childTnLst>
+                    </p:cTn>
+                  </p:par>
+                  <p:par>
+                    <p:cTn id="13" fill="hold">
+                      <p:stCondLst>
+                        <p:cond delay="indefinite"/>
+                      </p:stCondLst>
+                      <p:childTnLst>
+                        <p:par>
+                          <p:cTn id="14" fill="hold">
+                            <p:stCondLst>
+                              <p:cond delay="0"/>
+                            </p:stCondLst>
+                            <p:childTnLst>
+                              <p:par>
+                                <p:cTn id="15" presetID="1" presetClass="entr" presetSubtype="0" fill="hold" nodeType="clickEffect">
+                                  <p:stCondLst>
+                                    <p:cond delay="0"/>
+                                  </p:stCondLst>
+                                  <p:childTnLst>
+                                    <p:set>
+                                      <p:cBhvr>
+                                        <p:cTn id="16" dur="1" fill="hold">
+                                          <p:stCondLst>
+                                            <p:cond delay="0"/>
+                                          </p:stCondLst>
+                                        </p:cTn>
+                                        <p:tgtEl>
+                                          <p:spTgt spid="35"/>
+                                        </p:tgtEl>
+                                        <p:attrNameLst>
+                                          <p:attrName>style.visibility</p:attrName>
+                                        </p:attrNameLst>
+                                      </p:cBhvr>
+                                      <p:to>
+                                        <p:strVal val="visible"/>
+                                      </p:to>
+                                    </p:set>
+                                  </p:childTnLst>
+                                </p:cTn>
+                              </p:par>
+                            </p:childTnLst>
+                          </p:cTn>
+                        </p:par>
+                      </p:childTnLst>
+                    </p:cTn>
+                  </p:par>
+                </p:childTnLst>
+              </p:cTn>
+              <p:prevCondLst>
+                <p:cond evt="onPrev" delay="0">
+                  <p:tgtEl>
+                    <p:sldTgt/>
+                  </p:tgtEl>
+                </p:cond>
+              </p:prevCondLst>
+              <p:nextCondLst>
+                <p:cond evt="onNext" delay="0">
+                  <p:tgtEl>
+                    <p:sldTgt/>
+                  </p:tgtEl>
+                </p:cond>
+              </p:nextCondLst>
+            </p:seq>
+          </p:childTnLst>
+        </p:cTn>
+      </p:par>
+    </p:tnLst>
+  </p:timing>
+</p:sld>
+</file>
+
+<file path=ppt/slides/slide15.xml><?xml version="1.0" encoding="utf-8"?>
+<p:sld xmlns:a="http://schemas.openxmlformats.org/drawingml/2006/main" xmlns:r="http://schemas.openxmlformats.org/officeDocument/2006/relationships" xmlns:p="http://schemas.openxmlformats.org/presentationml/2006/main">
+  <p:cSld>
+    <p:spTree>
+      <p:nvGrpSpPr>
+        <p:cNvPr id="1" name=""/>
+        <p:cNvGrpSpPr/>
+        <p:nvPr/>
+      </p:nvGrpSpPr>
+      <p:grpSpPr>
+        <a:xfrm>
+          <a:off x="0" y="0"/>
+          <a:ext cx="0" cy="0"/>
+          <a:chOff x="0" y="0"/>
+          <a:chExt cx="0" cy="0"/>
+        </a:xfrm>
+      </p:grpSpPr>
+      <p:sp>
+        <p:nvSpPr>
+          <p:cNvPr id="5" name="Скругленный прямоугольник 4"/>
+          <p:cNvSpPr/>
+          <p:nvPr/>
+        </p:nvSpPr>
+        <p:spPr>
+          <a:xfrm>
+            <a:off x="720505" y="1690688"/>
+            <a:ext cx="10542006" cy="1328737"/>
+          </a:xfrm>
+          <a:prstGeom prst="roundRect">
+            <a:avLst/>
+          </a:prstGeom>
+        </p:spPr>
+        <p:style>
+          <a:lnRef idx="1">
+            <a:schemeClr val="accent3"/>
+          </a:lnRef>
+          <a:fillRef idx="2">
+            <a:schemeClr val="accent3"/>
+          </a:fillRef>
+          <a:effectRef idx="1">
+            <a:schemeClr val="accent3"/>
+          </a:effectRef>
+          <a:fontRef idx="minor">
+            <a:schemeClr val="dk1"/>
+          </a:fontRef>
+        </p:style>
+        <p:txBody>
+          <a:bodyPr rtlCol="0" anchor="ctr"/>
+          <a:lstStyle/>
+          <a:p>
+            <a:pPr algn="ctr"/>
+            <a:endParaRPr lang="ru-RU"/>
+          </a:p>
+        </p:txBody>
+      </p:sp>
+      <p:sp>
+        <p:nvSpPr>
+          <p:cNvPr id="2" name="Заголовок 1"/>
+          <p:cNvSpPr>
+            <a:spLocks noGrp="1"/>
+          </p:cNvSpPr>
+          <p:nvPr>
+            <p:ph type="title"/>
+          </p:nvPr>
+        </p:nvSpPr>
+        <p:spPr/>
+        <p:txBody>
+          <a:bodyPr/>
+          <a:lstStyle/>
+          <a:p>
+            <a:r>
+              <a:rPr lang="ru-RU" dirty="0" smtClean="0"/>
+              <a:t>Построение атаки на семантическую стойкость</a:t>
+            </a:r>
+            <a:r>
+              <a:rPr lang="en-US" dirty="0" smtClean="0"/>
+              <a:t> (</a:t>
+            </a:r>
+            <a:r>
+              <a:rPr lang="ru-RU" dirty="0" smtClean="0"/>
+              <a:t>через существующую атаку)</a:t>
+            </a:r>
+            <a:endParaRPr lang="ru-RU" dirty="0"/>
+          </a:p>
+        </p:txBody>
+      </p:sp>
+      <mc:AlternateContent xmlns:mc="http://schemas.openxmlformats.org/markup-compatibility/2006" xmlns:a14="http://schemas.microsoft.com/office/drawing/2010/main">
+        <mc:Choice Requires="a14">
+          <p:sp>
+            <p:nvSpPr>
+              <p:cNvPr id="3" name="Объект 2"/>
+              <p:cNvSpPr>
+                <a:spLocks noGrp="1"/>
+              </p:cNvSpPr>
+              <p:nvPr>
+                <p:ph idx="1"/>
+              </p:nvPr>
+            </p:nvSpPr>
+            <p:spPr/>
+            <p:txBody>
+              <a:bodyPr>
+                <a:normAutofit lnSpcReduction="10000"/>
+              </a:bodyPr>
+              <a:lstStyle/>
+              <a:p>
+                <a:pPr marL="0" indent="0">
+                  <a:buNone/>
+                </a:pPr>
+                <a:r>
+                  <a:rPr lang="ru-RU" dirty="0" smtClean="0"/>
+                  <a:t>Пусть </a:t>
+                </a:r>
+                <a14:m>
+                  <m:oMath xmlns:m="http://schemas.openxmlformats.org/officeDocument/2006/math">
+                    <m:r>
+                      <a:rPr lang="en-US" b="0" i="1" smtClean="0">
+                        <a:latin typeface="Cambria Math" panose="02040503050406030204" pitchFamily="18" charset="0"/>
+                      </a:rPr>
+                      <m:t>𝐴</m:t>
+                    </m:r>
+                  </m:oMath>
+                </a14:m>
+                <a:r>
+                  <a:rPr lang="en-US" dirty="0" smtClean="0"/>
+                  <a:t> – </a:t>
+                </a:r>
+                <a:r>
+                  <a:rPr lang="ru-RU" dirty="0" smtClean="0"/>
+                  <a:t>алгоритм позволяющий получить наименее значимый бит </a:t>
+                </a:r>
+                <a:r>
+                  <a:rPr lang="en-US" dirty="0" smtClean="0"/>
+                  <a:t>(LSB)</a:t>
+                </a:r>
+                <a:r>
+                  <a:rPr lang="ru-RU" dirty="0" smtClean="0"/>
+                  <a:t> открытого текста через </a:t>
+                </a:r>
+                <a:r>
+                  <a:rPr lang="ru-RU" dirty="0" err="1" smtClean="0"/>
+                  <a:t>шифртекст</a:t>
+                </a:r>
+                <a:r>
+                  <a:rPr lang="ru-RU" dirty="0" smtClean="0"/>
+                  <a:t> </a:t>
+                </a:r>
+                <a14:m>
+                  <m:oMath xmlns:m="http://schemas.openxmlformats.org/officeDocument/2006/math">
+                    <m:r>
+                      <a:rPr lang="ru-RU" b="0" i="1" smtClean="0">
+                        <a:latin typeface="Cambria Math" panose="02040503050406030204" pitchFamily="18" charset="0"/>
+                      </a:rPr>
+                      <m:t>с</m:t>
+                    </m:r>
+                    <m:groupChr>
+                      <m:groupChrPr>
+                        <m:chr m:val="←"/>
+                        <m:vertJc m:val="bot"/>
+                        <m:ctrlPr>
+                          <a:rPr lang="en-US" sz="2800" i="1">
+                            <a:latin typeface="Cambria Math" panose="02040503050406030204" pitchFamily="18" charset="0"/>
+                          </a:rPr>
+                        </m:ctrlPr>
+                      </m:groupChrPr>
+                      <m:e>
+                        <m:r>
+                          <m:rPr>
+                            <m:brk m:alnAt="2"/>
+                          </m:rPr>
+                          <a:rPr lang="en-US" sz="2800" i="1">
+                            <a:latin typeface="Cambria Math" panose="02040503050406030204" pitchFamily="18" charset="0"/>
+                          </a:rPr>
+                          <m:t>𝑅</m:t>
+                        </m:r>
+                      </m:e>
+                    </m:groupChr>
+                    <m:r>
+                      <a:rPr lang="en-US" sz="2800" i="1">
+                        <a:latin typeface="Cambria Math" panose="02040503050406030204" pitchFamily="18" charset="0"/>
+                      </a:rPr>
+                      <m:t>𝐸</m:t>
+                    </m:r>
+                    <m:r>
+                      <a:rPr lang="en-US" b="0" i="1" smtClean="0">
+                        <a:latin typeface="Cambria Math" panose="02040503050406030204" pitchFamily="18" charset="0"/>
+                      </a:rPr>
+                      <m:t>(</m:t>
+                    </m:r>
+                    <m:r>
+                      <a:rPr lang="en-US" b="0" i="1" smtClean="0">
+                        <a:latin typeface="Cambria Math" panose="02040503050406030204" pitchFamily="18" charset="0"/>
+                      </a:rPr>
+                      <m:t>𝑘</m:t>
+                    </m:r>
+                    <m:r>
+                      <a:rPr lang="en-US" b="0" i="1" smtClean="0">
+                        <a:latin typeface="Cambria Math" panose="02040503050406030204" pitchFamily="18" charset="0"/>
+                      </a:rPr>
+                      <m:t>,</m:t>
+                    </m:r>
+                    <m:r>
+                      <a:rPr lang="en-US" b="0" i="1" smtClean="0">
+                        <a:latin typeface="Cambria Math" panose="02040503050406030204" pitchFamily="18" charset="0"/>
+                      </a:rPr>
+                      <m:t>𝑚</m:t>
+                    </m:r>
+                    <m:r>
+                      <a:rPr lang="en-US" b="0" i="1" smtClean="0">
+                        <a:latin typeface="Cambria Math" panose="02040503050406030204" pitchFamily="18" charset="0"/>
+                      </a:rPr>
+                      <m:t>)</m:t>
+                    </m:r>
+                  </m:oMath>
+                </a14:m>
+                <a:r>
+                  <a:rPr lang="ru-RU" dirty="0" smtClean="0"/>
+                  <a:t>. Тогда </a:t>
+                </a:r>
+                <a14:m>
+                  <m:oMath xmlns:m="http://schemas.openxmlformats.org/officeDocument/2006/math">
+                    <m:r>
+                      <m:rPr>
+                        <m:sty m:val="p"/>
+                      </m:rPr>
+                      <a:rPr lang="ru-RU" b="0" i="0" smtClean="0">
+                        <a:latin typeface="Cambria Math" panose="02040503050406030204" pitchFamily="18" charset="0"/>
+                      </a:rPr>
+                      <m:t>Ε</m:t>
+                    </m:r>
+                    <m:r>
+                      <a:rPr lang="en-US" b="0" i="1" smtClean="0">
+                        <a:latin typeface="Cambria Math" panose="02040503050406030204" pitchFamily="18" charset="0"/>
+                      </a:rPr>
+                      <m:t>=(</m:t>
+                    </m:r>
+                    <m:r>
+                      <a:rPr lang="en-US" b="0" i="1" smtClean="0">
+                        <a:latin typeface="Cambria Math" panose="02040503050406030204" pitchFamily="18" charset="0"/>
+                      </a:rPr>
+                      <m:t>𝐸</m:t>
+                    </m:r>
+                    <m:r>
+                      <a:rPr lang="en-US" b="0" i="1" smtClean="0">
+                        <a:latin typeface="Cambria Math" panose="02040503050406030204" pitchFamily="18" charset="0"/>
+                      </a:rPr>
+                      <m:t>,</m:t>
+                    </m:r>
+                    <m:r>
+                      <a:rPr lang="en-US" b="0" i="1" smtClean="0">
+                        <a:latin typeface="Cambria Math" panose="02040503050406030204" pitchFamily="18" charset="0"/>
+                      </a:rPr>
+                      <m:t>𝐷</m:t>
+                    </m:r>
+                    <m:r>
+                      <a:rPr lang="en-US" b="0" i="1" smtClean="0">
+                        <a:latin typeface="Cambria Math" panose="02040503050406030204" pitchFamily="18" charset="0"/>
+                      </a:rPr>
+                      <m:t>)</m:t>
+                    </m:r>
+                  </m:oMath>
+                </a14:m>
+                <a:r>
+                  <a:rPr lang="en-US" dirty="0" smtClean="0"/>
+                  <a:t> – </a:t>
+                </a:r>
+                <a:r>
+                  <a:rPr lang="ru-RU" dirty="0" smtClean="0"/>
+                  <a:t>не семантически стойкий шифр.</a:t>
+                </a:r>
+              </a:p>
+              <a:p>
+                <a:pPr marL="0" indent="0">
+                  <a:buNone/>
+                </a:pPr>
+                <a14:m>
+                  <m:oMath xmlns:m="http://schemas.openxmlformats.org/officeDocument/2006/math">
+                    <m:r>
+                      <a:rPr lang="en-US" i="1">
+                        <a:latin typeface="Cambria Math" panose="02040503050406030204" pitchFamily="18" charset="0"/>
+                        <a:ea typeface="Cambria Math" panose="02040503050406030204" pitchFamily="18" charset="0"/>
+                      </a:rPr>
+                      <m:t>⊳</m:t>
+                    </m:r>
+                  </m:oMath>
+                </a14:m>
+                <a:r>
+                  <a:rPr lang="ru-RU" dirty="0" smtClean="0"/>
+                  <a:t>Построим эффективный алгоритм </a:t>
+                </a:r>
+                <a14:m>
+                  <m:oMath xmlns:m="http://schemas.openxmlformats.org/officeDocument/2006/math">
+                    <m:r>
+                      <a:rPr lang="en-US" b="0" i="1" smtClean="0">
+                        <a:latin typeface="Cambria Math" panose="02040503050406030204" pitchFamily="18" charset="0"/>
+                      </a:rPr>
+                      <m:t>𝐵</m:t>
+                    </m:r>
+                  </m:oMath>
+                </a14:m>
+                <a:r>
+                  <a:rPr lang="ru-RU" dirty="0" smtClean="0"/>
+                  <a:t>, позволяющий выиграть игру на семантическую стойкость.</a:t>
+                </a:r>
+              </a:p>
+              <a:p>
+                <a:r>
+                  <a:rPr lang="ru-RU" dirty="0" smtClean="0"/>
+                  <a:t>Генерация двух сообщений </a:t>
+                </a:r>
+                <a14:m>
+                  <m:oMath xmlns:m="http://schemas.openxmlformats.org/officeDocument/2006/math">
+                    <m:sSub>
+                      <m:sSubPr>
+                        <m:ctrlPr>
+                          <a:rPr lang="en-US" b="0" i="1" smtClean="0">
+                            <a:latin typeface="Cambria Math" panose="02040503050406030204" pitchFamily="18" charset="0"/>
+                          </a:rPr>
+                        </m:ctrlPr>
+                      </m:sSubPr>
+                      <m:e>
+                        <m:r>
+                          <a:rPr lang="en-US" b="0" i="1" smtClean="0">
+                            <a:latin typeface="Cambria Math" panose="02040503050406030204" pitchFamily="18" charset="0"/>
+                          </a:rPr>
+                          <m:t>𝑚</m:t>
+                        </m:r>
+                      </m:e>
+                      <m:sub>
+                        <m:r>
+                          <a:rPr lang="en-US" b="0" i="1" smtClean="0">
+                            <a:latin typeface="Cambria Math" panose="02040503050406030204" pitchFamily="18" charset="0"/>
+                          </a:rPr>
+                          <m:t>0</m:t>
+                        </m:r>
+                      </m:sub>
+                    </m:sSub>
+                    <m:r>
+                      <a:rPr lang="en-US" b="0" i="1" smtClean="0">
+                        <a:latin typeface="Cambria Math" panose="02040503050406030204" pitchFamily="18" charset="0"/>
+                      </a:rPr>
+                      <m:t>,</m:t>
+                    </m:r>
+                    <m:sSub>
+                      <m:sSubPr>
+                        <m:ctrlPr>
+                          <a:rPr lang="en-US" b="0" i="1" smtClean="0">
+                            <a:latin typeface="Cambria Math" panose="02040503050406030204" pitchFamily="18" charset="0"/>
+                          </a:rPr>
+                        </m:ctrlPr>
+                      </m:sSubPr>
+                      <m:e>
+                        <m:r>
+                          <a:rPr lang="en-US" b="0" i="1" smtClean="0">
+                            <a:latin typeface="Cambria Math" panose="02040503050406030204" pitchFamily="18" charset="0"/>
+                          </a:rPr>
+                          <m:t>𝑚</m:t>
+                        </m:r>
+                      </m:e>
+                      <m:sub>
+                        <m:r>
+                          <a:rPr lang="en-US" b="0" i="1" smtClean="0">
+                            <a:latin typeface="Cambria Math" panose="02040503050406030204" pitchFamily="18" charset="0"/>
+                          </a:rPr>
+                          <m:t>1</m:t>
+                        </m:r>
+                      </m:sub>
+                    </m:sSub>
+                  </m:oMath>
+                </a14:m>
+                <a:r>
+                  <a:rPr lang="ru-RU" dirty="0" smtClean="0"/>
+                  <a:t> с различным наименее значимым битом</a:t>
+                </a:r>
+                <a:endParaRPr lang="en-US" dirty="0" smtClean="0"/>
+              </a:p>
+              <a:p>
+                <a:r>
+                  <a:rPr lang="ru-RU" dirty="0" smtClean="0"/>
+                  <a:t>Получение </a:t>
+                </a:r>
+                <a:r>
+                  <a:rPr lang="ru-RU" dirty="0" err="1" smtClean="0"/>
+                  <a:t>шифртекста</a:t>
+                </a:r>
+                <a:r>
+                  <a:rPr lang="ru-RU" dirty="0" smtClean="0"/>
+                  <a:t> </a:t>
+                </a:r>
+                <a14:m>
+                  <m:oMath xmlns:m="http://schemas.openxmlformats.org/officeDocument/2006/math">
+                    <m:r>
+                      <a:rPr lang="en-US" b="0" i="1" smtClean="0">
+                        <a:latin typeface="Cambria Math" panose="02040503050406030204" pitchFamily="18" charset="0"/>
+                      </a:rPr>
+                      <m:t>𝑐</m:t>
+                    </m:r>
+                  </m:oMath>
+                </a14:m>
+                <a:r>
+                  <a:rPr lang="ru-RU" dirty="0" smtClean="0"/>
+                  <a:t> для одного из сообщений</a:t>
+                </a:r>
+                <a:endParaRPr lang="en-US" dirty="0" smtClean="0"/>
+              </a:p>
+              <a:p>
+                <a:r>
+                  <a:rPr lang="ru-RU" dirty="0" smtClean="0"/>
+                  <a:t>Передача </a:t>
+                </a:r>
+                <a:r>
+                  <a:rPr lang="ru-RU" dirty="0" err="1" smtClean="0"/>
+                  <a:t>шифртекста</a:t>
+                </a:r>
+                <a:r>
+                  <a:rPr lang="ru-RU" dirty="0" smtClean="0"/>
+                  <a:t> на вход алгоритма </a:t>
+                </a:r>
+                <a14:m>
+                  <m:oMath xmlns:m="http://schemas.openxmlformats.org/officeDocument/2006/math">
+                    <m:r>
+                      <a:rPr lang="en-US" b="0" i="1" smtClean="0">
+                        <a:latin typeface="Cambria Math" panose="02040503050406030204" pitchFamily="18" charset="0"/>
+                      </a:rPr>
+                      <m:t>𝐴</m:t>
+                    </m:r>
+                  </m:oMath>
+                </a14:m>
+                <a:endParaRPr lang="ru-RU" dirty="0" smtClean="0"/>
+              </a:p>
+              <a:p>
+                <a:r>
+                  <a:rPr lang="ru-RU" dirty="0" smtClean="0"/>
+                  <a:t>Получение наименее значимого бита отрытого текста, определение эксперимента.</a:t>
+                </a:r>
+                <a:r>
+                  <a:rPr lang="en-US" dirty="0" smtClean="0">
+                    <a:ea typeface="Cambria Math" panose="02040503050406030204" pitchFamily="18" charset="0"/>
+                  </a:rPr>
+                  <a:t> </a:t>
+                </a:r>
+                <a14:m>
+                  <m:oMath xmlns:m="http://schemas.openxmlformats.org/officeDocument/2006/math">
+                    <m:r>
+                      <a:rPr lang="en-US" i="1" dirty="0">
+                        <a:latin typeface="Cambria Math" panose="02040503050406030204" pitchFamily="18" charset="0"/>
+                        <a:ea typeface="Cambria Math" panose="02040503050406030204" pitchFamily="18" charset="0"/>
+                      </a:rPr>
+                      <m:t>⊲</m:t>
+                    </m:r>
+                  </m:oMath>
+                </a14:m>
+                <a:endParaRPr lang="ru-RU" dirty="0"/>
+              </a:p>
+            </p:txBody>
+          </p:sp>
+        </mc:Choice>
+        <mc:Fallback xmlns="">
+          <p:sp>
+            <p:nvSpPr>
+              <p:cNvPr id="3" name="Объект 2"/>
+              <p:cNvSpPr>
+                <a:spLocks noGrp="1" noRot="1" noChangeAspect="1" noMove="1" noResize="1" noEditPoints="1" noAdjustHandles="1" noChangeArrowheads="1" noChangeShapeType="1" noTextEdit="1"/>
+              </p:cNvSpPr>
+              <p:nvPr>
+                <p:ph idx="1"/>
+              </p:nvPr>
+            </p:nvSpPr>
+            <p:spPr>
+              <a:blipFill>
+                <a:blip r:embed="rId2"/>
+                <a:stretch>
+                  <a:fillRect l="-1043" t="-2801" b="-3501"/>
+                </a:stretch>
+              </a:blipFill>
+            </p:spPr>
+            <p:txBody>
+              <a:bodyPr/>
+              <a:lstStyle/>
+              <a:p>
+                <a:r>
+                  <a:rPr lang="ru-RU">
+                    <a:noFill/>
+                  </a:rPr>
+                  <a:t> </a:t>
+                </a:r>
+              </a:p>
+            </p:txBody>
+          </p:sp>
+        </mc:Fallback>
+      </mc:AlternateContent>
+      <p:sp>
+        <p:nvSpPr>
+          <p:cNvPr id="4" name="Номер слайда 3"/>
+          <p:cNvSpPr>
+            <a:spLocks noGrp="1"/>
+          </p:cNvSpPr>
+          <p:nvPr>
+            <p:ph type="sldNum" sz="quarter" idx="12"/>
+          </p:nvPr>
+        </p:nvSpPr>
+        <p:spPr/>
+        <p:txBody>
+          <a:bodyPr/>
+          <a:lstStyle/>
+          <a:p>
+            <a:fld id="{8253DDDB-F8F7-4D64-A7FD-3F3D61C1949F}" type="slidenum">
+              <a:rPr lang="ru-RU" smtClean="0"/>
+              <a:t>15</a:t>
+            </a:fld>
+            <a:endParaRPr lang="ru-RU"/>
+          </a:p>
+        </p:txBody>
+      </p:sp>
+    </p:spTree>
+    <p:extLst>
+      <p:ext uri="{BB962C8B-B14F-4D97-AF65-F5344CB8AC3E}">
         <p14:creationId xmlns:p14="http://schemas.microsoft.com/office/powerpoint/2010/main" val="3583906567"/>
       </p:ext>
     </p:extLst>
@@ -7640,7 +10358,7 @@
 </p:sld>
 </file>
 
-<file path=ppt/slides/slide14.xml><?xml version="1.0" encoding="utf-8"?>
+<file path=ppt/slides/slide16.xml><?xml version="1.0" encoding="utf-8"?>
 <p:sld xmlns:a="http://schemas.openxmlformats.org/drawingml/2006/main" xmlns:r="http://schemas.openxmlformats.org/officeDocument/2006/relationships" xmlns:p="http://schemas.openxmlformats.org/presentationml/2006/main">
   <p:cSld>
     <p:spTree>
@@ -7712,7 +10430,19 @@
           <a:p>
             <a:r>
               <a:rPr lang="ru-RU" dirty="0"/>
-              <a:t>Построение атаки на семантическую стойкость</a:t>
+              <a:t>Построение атаки на семантическую </a:t>
+            </a:r>
+            <a:r>
+              <a:rPr lang="ru-RU" dirty="0" smtClean="0"/>
+              <a:t>стойкость </a:t>
+            </a:r>
+            <a:r>
+              <a:rPr lang="en-US" dirty="0"/>
+              <a:t>(</a:t>
+            </a:r>
+            <a:r>
+              <a:rPr lang="ru-RU" dirty="0"/>
+              <a:t>через существующую атаку)</a:t>
             </a:r>
           </a:p>
         </p:txBody>
@@ -7734,7 +10464,7 @@
           <a:p>
             <a:fld id="{8253DDDB-F8F7-4D64-A7FD-3F3D61C1949F}" type="slidenum">
               <a:rPr lang="ru-RU" smtClean="0"/>
-              <a:t>14</a:t>
+              <a:t>16</a:t>
             </a:fld>
             <a:endParaRPr lang="ru-RU"/>
           </a:p>
@@ -9713,7 +12443,7 @@
 </p:sld>
 </file>
 
-<file path=ppt/slides/slide15.xml><?xml version="1.0" encoding="utf-8"?>
+<file path=ppt/slides/slide17.xml><?xml version="1.0" encoding="utf-8"?>
 <p:sld xmlns:a="http://schemas.openxmlformats.org/drawingml/2006/main" xmlns:r="http://schemas.openxmlformats.org/officeDocument/2006/relationships" xmlns:p="http://schemas.openxmlformats.org/presentationml/2006/main">
   <p:cSld>
     <p:spTree>
@@ -10859,7 +13589,7 @@
           <a:p>
             <a:fld id="{8253DDDB-F8F7-4D64-A7FD-3F3D61C1949F}" type="slidenum">
               <a:rPr lang="ru-RU" smtClean="0"/>
-              <a:t>15</a:t>
+              <a:t>17</a:t>
             </a:fld>
             <a:endParaRPr lang="ru-RU"/>
           </a:p>
@@ -10885,7 +13615,7 @@
 </p:sld>
 </file>
 
-<file path=ppt/slides/slide16.xml><?xml version="1.0" encoding="utf-8"?>
+<file path=ppt/slides/slide18.xml><?xml version="1.0" encoding="utf-8"?>
 <p:sld xmlns:a="http://schemas.openxmlformats.org/drawingml/2006/main" xmlns:r="http://schemas.openxmlformats.org/officeDocument/2006/relationships" xmlns:p="http://schemas.openxmlformats.org/presentationml/2006/main">
   <p:cSld>
     <p:spTree>
@@ -11815,7 +14545,7 @@
           <a:p>
             <a:fld id="{8253DDDB-F8F7-4D64-A7FD-3F3D61C1949F}" type="slidenum">
               <a:rPr lang="ru-RU" smtClean="0"/>
-              <a:t>16</a:t>
+              <a:t>18</a:t>
             </a:fld>
             <a:endParaRPr lang="ru-RU"/>
           </a:p>
@@ -13356,7 +16086,7 @@
 </p:sld>
 </file>
 
-<file path=ppt/slides/slide17.xml><?xml version="1.0" encoding="utf-8"?>
+<file path=ppt/slides/slide19.xml><?xml version="1.0" encoding="utf-8"?>
 <p:sld xmlns:a="http://schemas.openxmlformats.org/drawingml/2006/main" xmlns:r="http://schemas.openxmlformats.org/officeDocument/2006/relationships" xmlns:p="http://schemas.openxmlformats.org/presentationml/2006/main">
   <p:cSld>
     <p:spTree>
@@ -13860,7 +16590,7 @@
           <a:p>
             <a:fld id="{8253DDDB-F8F7-4D64-A7FD-3F3D61C1949F}" type="slidenum">
               <a:rPr lang="ru-RU" smtClean="0"/>
-              <a:t>17</a:t>
+              <a:t>19</a:t>
             </a:fld>
             <a:endParaRPr lang="ru-RU"/>
           </a:p>
@@ -13870,2506 +16600,6 @@
     <p:extLst>
       <p:ext uri="{BB962C8B-B14F-4D97-AF65-F5344CB8AC3E}">
         <p14:creationId xmlns:p14="http://schemas.microsoft.com/office/powerpoint/2010/main" val="2024560704"/>
-      </p:ext>
-    </p:extLst>
-  </p:cSld>
-  <p:clrMapOvr>
-    <a:masterClrMapping/>
-  </p:clrMapOvr>
-  <p:timing>
-    <p:tnLst>
-      <p:par>
-        <p:cTn id="1" dur="indefinite" restart="never" nodeType="tmRoot"/>
-      </p:par>
-    </p:tnLst>
-  </p:timing>
-</p:sld>
-</file>
-
-<file path=ppt/slides/slide18.xml><?xml version="1.0" encoding="utf-8"?>
-<p:sld xmlns:a="http://schemas.openxmlformats.org/drawingml/2006/main" xmlns:r="http://schemas.openxmlformats.org/officeDocument/2006/relationships" xmlns:p="http://schemas.openxmlformats.org/presentationml/2006/main">
-  <p:cSld>
-    <p:spTree>
-      <p:nvGrpSpPr>
-        <p:cNvPr id="1" name=""/>
-        <p:cNvGrpSpPr/>
-        <p:nvPr/>
-      </p:nvGrpSpPr>
-      <p:grpSpPr>
-        <a:xfrm>
-          <a:off x="0" y="0"/>
-          <a:ext cx="0" cy="0"/>
-          <a:chOff x="0" y="0"/>
-          <a:chExt cx="0" cy="0"/>
-        </a:xfrm>
-      </p:grpSpPr>
-      <p:sp>
-        <p:nvSpPr>
-          <p:cNvPr id="2" name="Заголовок 1"/>
-          <p:cNvSpPr>
-            <a:spLocks noGrp="1"/>
-          </p:cNvSpPr>
-          <p:nvPr>
-            <p:ph type="title"/>
-          </p:nvPr>
-        </p:nvSpPr>
-        <p:spPr/>
-        <p:txBody>
-          <a:bodyPr/>
-          <a:lstStyle/>
-          <a:p>
-            <a:r>
-              <a:rPr lang="ru-RU" dirty="0" smtClean="0"/>
-              <a:t>Восстановление сообщений</a:t>
-            </a:r>
-            <a:endParaRPr lang="ru-RU" dirty="0"/>
-          </a:p>
-        </p:txBody>
-      </p:sp>
-      <mc:AlternateContent xmlns:mc="http://schemas.openxmlformats.org/markup-compatibility/2006" xmlns:a14="http://schemas.microsoft.com/office/drawing/2010/main">
-        <mc:Choice Requires="a14">
-          <p:sp>
-            <p:nvSpPr>
-              <p:cNvPr id="3" name="Объект 2"/>
-              <p:cNvSpPr>
-                <a:spLocks noGrp="1"/>
-              </p:cNvSpPr>
-              <p:nvPr>
-                <p:ph idx="1"/>
-              </p:nvPr>
-            </p:nvSpPr>
-            <p:spPr>
-              <a:xfrm>
-                <a:off x="880618" y="3716968"/>
-                <a:ext cx="10515600" cy="2532225"/>
-              </a:xfrm>
-            </p:spPr>
-            <p:txBody>
-              <a:bodyPr>
-                <a:normAutofit/>
-              </a:bodyPr>
-              <a:lstStyle/>
-              <a:p>
-                <a:pPr marL="0" indent="0">
-                  <a:buNone/>
-                </a:pPr>
-                <a:r>
-                  <a:rPr lang="ru-RU" dirty="0" smtClean="0"/>
-                  <a:t>Пусть</a:t>
-                </a:r>
-                <a:r>
-                  <a:rPr lang="en-US" dirty="0" smtClean="0"/>
-                  <a:t> </a:t>
-                </a:r>
-                <a14:m>
-                  <m:oMath xmlns:m="http://schemas.openxmlformats.org/officeDocument/2006/math">
-                    <m:r>
-                      <a:rPr lang="en-US" b="0" i="1" smtClean="0">
-                        <a:latin typeface="Cambria Math" panose="02040503050406030204" pitchFamily="18" charset="0"/>
-                      </a:rPr>
-                      <m:t>𝑊</m:t>
-                    </m:r>
-                  </m:oMath>
-                </a14:m>
-                <a:r>
-                  <a:rPr lang="en-US" dirty="0" smtClean="0"/>
-                  <a:t> – </a:t>
-                </a:r>
-                <a:r>
-                  <a:rPr lang="ru-RU" dirty="0" smtClean="0"/>
-                  <a:t>событие, при котором </a:t>
-                </a:r>
-                <a14:m>
-                  <m:oMath xmlns:m="http://schemas.openxmlformats.org/officeDocument/2006/math">
-                    <m:sSup>
-                      <m:sSupPr>
-                        <m:ctrlPr>
-                          <a:rPr lang="en-US" b="0" i="1" smtClean="0">
-                            <a:latin typeface="Cambria Math" panose="02040503050406030204" pitchFamily="18" charset="0"/>
-                          </a:rPr>
-                        </m:ctrlPr>
-                      </m:sSupPr>
-                      <m:e>
-                        <m:r>
-                          <a:rPr lang="en-US" b="0" i="1" smtClean="0">
-                            <a:latin typeface="Cambria Math" panose="02040503050406030204" pitchFamily="18" charset="0"/>
-                          </a:rPr>
-                          <m:t>𝑚</m:t>
-                        </m:r>
-                      </m:e>
-                      <m:sup>
-                        <m:r>
-                          <a:rPr lang="en-US" b="0" i="1" smtClean="0">
-                            <a:latin typeface="Cambria Math" panose="02040503050406030204" pitchFamily="18" charset="0"/>
-                          </a:rPr>
-                          <m:t>′</m:t>
-                        </m:r>
-                      </m:sup>
-                    </m:sSup>
-                    <m:r>
-                      <a:rPr lang="en-US" b="0" i="1" smtClean="0">
-                        <a:latin typeface="Cambria Math" panose="02040503050406030204" pitchFamily="18" charset="0"/>
-                      </a:rPr>
-                      <m:t>=</m:t>
-                    </m:r>
-                    <m:r>
-                      <a:rPr lang="en-US" b="0" i="1" smtClean="0">
-                        <a:latin typeface="Cambria Math" panose="02040503050406030204" pitchFamily="18" charset="0"/>
-                      </a:rPr>
-                      <m:t>𝑚</m:t>
-                    </m:r>
-                  </m:oMath>
-                </a14:m>
-                <a:r>
-                  <a:rPr lang="en-US" dirty="0" smtClean="0"/>
-                  <a:t>.</a:t>
-                </a:r>
-              </a:p>
-              <a:p>
-                <a:pPr marL="0" indent="0">
-                  <a:buNone/>
-                </a:pPr>
-                <a:r>
-                  <a:rPr lang="ru-RU" dirty="0" smtClean="0"/>
-                  <a:t>Преимуществом алгоритма </a:t>
-                </a:r>
-                <a14:m>
-                  <m:oMath xmlns:m="http://schemas.openxmlformats.org/officeDocument/2006/math">
-                    <m:r>
-                      <a:rPr lang="en-US" b="0" i="1" smtClean="0">
-                        <a:latin typeface="Cambria Math" panose="02040503050406030204" pitchFamily="18" charset="0"/>
-                      </a:rPr>
-                      <m:t>𝐴</m:t>
-                    </m:r>
-                  </m:oMath>
-                </a14:m>
-                <a:r>
-                  <a:rPr lang="ru-RU" dirty="0" smtClean="0"/>
-                  <a:t> против шифра </a:t>
-                </a:r>
-                <a14:m>
-                  <m:oMath xmlns:m="http://schemas.openxmlformats.org/officeDocument/2006/math">
-                    <m:r>
-                      <m:rPr>
-                        <m:sty m:val="p"/>
-                      </m:rPr>
-                      <a:rPr lang="en-US" b="0" i="0" smtClean="0">
-                        <a:latin typeface="Cambria Math" panose="02040503050406030204" pitchFamily="18" charset="0"/>
-                      </a:rPr>
-                      <m:t>Ε</m:t>
-                    </m:r>
-                  </m:oMath>
-                </a14:m>
-                <a:r>
-                  <a:rPr lang="ru-RU" dirty="0" smtClean="0"/>
-                  <a:t> при атаке на восстановление сообщений является величина</a:t>
-                </a:r>
-                <a:endParaRPr lang="en-US" dirty="0" smtClean="0"/>
-              </a:p>
-              <a:p>
-                <a:pPr marL="0" indent="0">
-                  <a:buNone/>
-                </a:pPr>
-                <a14:m>
-                  <m:oMathPara xmlns:m="http://schemas.openxmlformats.org/officeDocument/2006/math">
-                    <m:oMathParaPr>
-                      <m:jc m:val="centerGroup"/>
-                    </m:oMathParaPr>
-                    <m:oMath xmlns:m="http://schemas.openxmlformats.org/officeDocument/2006/math">
-                      <m:r>
-                        <m:rPr>
-                          <m:sty m:val="p"/>
-                        </m:rPr>
-                        <a:rPr lang="en-US" b="0" i="0" smtClean="0">
-                          <a:latin typeface="Cambria Math" panose="02040503050406030204" pitchFamily="18" charset="0"/>
-                        </a:rPr>
-                        <m:t>MRadv</m:t>
-                      </m:r>
-                      <m:d>
-                        <m:dPr>
-                          <m:begChr m:val="["/>
-                          <m:endChr m:val="]"/>
-                          <m:ctrlPr>
-                            <a:rPr lang="en-US" b="0" i="1" smtClean="0">
-                              <a:latin typeface="Cambria Math" panose="02040503050406030204" pitchFamily="18" charset="0"/>
-                            </a:rPr>
-                          </m:ctrlPr>
-                        </m:dPr>
-                        <m:e>
-                          <m:r>
-                            <a:rPr lang="en-US" b="0" i="1" smtClean="0">
-                              <a:latin typeface="Cambria Math" panose="02040503050406030204" pitchFamily="18" charset="0"/>
-                            </a:rPr>
-                            <m:t>𝐴</m:t>
-                          </m:r>
-                          <m:r>
-                            <a:rPr lang="en-US" b="0" i="1" smtClean="0">
-                              <a:latin typeface="Cambria Math" panose="02040503050406030204" pitchFamily="18" charset="0"/>
-                            </a:rPr>
-                            <m:t>,</m:t>
-                          </m:r>
-                          <m:r>
-                            <m:rPr>
-                              <m:sty m:val="p"/>
-                            </m:rPr>
-                            <a:rPr lang="en-US" b="0" i="0" smtClean="0">
-                              <a:latin typeface="Cambria Math" panose="02040503050406030204" pitchFamily="18" charset="0"/>
-                            </a:rPr>
-                            <m:t>Ε</m:t>
-                          </m:r>
-                        </m:e>
-                      </m:d>
-                      <m:r>
-                        <a:rPr lang="en-US" b="0" i="1" smtClean="0">
-                          <a:latin typeface="Cambria Math" panose="02040503050406030204" pitchFamily="18" charset="0"/>
-                        </a:rPr>
-                        <m:t>=</m:t>
-                      </m:r>
-                      <m:d>
-                        <m:dPr>
-                          <m:begChr m:val="|"/>
-                          <m:endChr m:val="|"/>
-                          <m:ctrlPr>
-                            <a:rPr lang="en-US" b="0" i="1" smtClean="0">
-                              <a:latin typeface="Cambria Math" panose="02040503050406030204" pitchFamily="18" charset="0"/>
-                            </a:rPr>
-                          </m:ctrlPr>
-                        </m:dPr>
-                        <m:e>
-                          <m:func>
-                            <m:funcPr>
-                              <m:ctrlPr>
-                                <a:rPr lang="en-US" b="0" i="1" smtClean="0">
-                                  <a:latin typeface="Cambria Math" panose="02040503050406030204" pitchFamily="18" charset="0"/>
-                                </a:rPr>
-                              </m:ctrlPr>
-                            </m:funcPr>
-                            <m:fName>
-                              <m:r>
-                                <m:rPr>
-                                  <m:sty m:val="p"/>
-                                </m:rPr>
-                                <a:rPr lang="en-US" b="0" i="0" smtClean="0">
-                                  <a:latin typeface="Cambria Math" panose="02040503050406030204" pitchFamily="18" charset="0"/>
-                                </a:rPr>
-                                <m:t>Pr</m:t>
-                              </m:r>
-                            </m:fName>
-                            <m:e>
-                              <m:d>
-                                <m:dPr>
-                                  <m:begChr m:val="["/>
-                                  <m:endChr m:val="]"/>
-                                  <m:ctrlPr>
-                                    <a:rPr lang="en-US" b="0" i="1" smtClean="0">
-                                      <a:latin typeface="Cambria Math" panose="02040503050406030204" pitchFamily="18" charset="0"/>
-                                    </a:rPr>
-                                  </m:ctrlPr>
-                                </m:dPr>
-                                <m:e>
-                                  <m:r>
-                                    <a:rPr lang="en-US" b="0" i="1" smtClean="0">
-                                      <a:latin typeface="Cambria Math" panose="02040503050406030204" pitchFamily="18" charset="0"/>
-                                    </a:rPr>
-                                    <m:t>𝑊</m:t>
-                                  </m:r>
-                                </m:e>
-                              </m:d>
-                            </m:e>
-                          </m:func>
-                          <m:r>
-                            <a:rPr lang="en-US" b="0" i="1" smtClean="0">
-                              <a:latin typeface="Cambria Math" panose="02040503050406030204" pitchFamily="18" charset="0"/>
-                            </a:rPr>
-                            <m:t>−</m:t>
-                          </m:r>
-                          <m:f>
-                            <m:fPr>
-                              <m:ctrlPr>
-                                <a:rPr lang="en-US" b="0" i="1" smtClean="0">
-                                  <a:latin typeface="Cambria Math" panose="02040503050406030204" pitchFamily="18" charset="0"/>
-                                </a:rPr>
-                              </m:ctrlPr>
-                            </m:fPr>
-                            <m:num>
-                              <m:r>
-                                <a:rPr lang="en-US" b="0" i="1" smtClean="0">
-                                  <a:latin typeface="Cambria Math" panose="02040503050406030204" pitchFamily="18" charset="0"/>
-                                </a:rPr>
-                                <m:t>1</m:t>
-                              </m:r>
-                            </m:num>
-                            <m:den>
-                              <m:r>
-                                <m:rPr>
-                                  <m:lit/>
-                                </m:rPr>
-                                <a:rPr lang="en-US" b="0" i="1" smtClean="0">
-                                  <a:latin typeface="Cambria Math" panose="02040503050406030204" pitchFamily="18" charset="0"/>
-                                </a:rPr>
-                                <m:t>|</m:t>
-                              </m:r>
-                              <m:r>
-                                <a:rPr lang="en-US" b="0" i="1" smtClean="0">
-                                  <a:latin typeface="Cambria Math" panose="02040503050406030204" pitchFamily="18" charset="0"/>
-                                </a:rPr>
-                                <m:t>𝑀</m:t>
-                              </m:r>
-                              <m:r>
-                                <a:rPr lang="en-US" b="0" i="1" smtClean="0">
-                                  <a:latin typeface="Cambria Math" panose="02040503050406030204" pitchFamily="18" charset="0"/>
-                                </a:rPr>
-                                <m:t>|</m:t>
-                              </m:r>
-                            </m:den>
-                          </m:f>
-                        </m:e>
-                      </m:d>
-                    </m:oMath>
-                  </m:oMathPara>
-                </a14:m>
-                <a:endParaRPr lang="ru-RU" b="0" dirty="0" smtClean="0"/>
-              </a:p>
-            </p:txBody>
-          </p:sp>
-        </mc:Choice>
-        <mc:Fallback xmlns="">
-          <p:sp>
-            <p:nvSpPr>
-              <p:cNvPr id="3" name="Объект 2"/>
-              <p:cNvSpPr>
-                <a:spLocks noGrp="1" noRot="1" noChangeAspect="1" noMove="1" noResize="1" noEditPoints="1" noAdjustHandles="1" noChangeArrowheads="1" noChangeShapeType="1" noTextEdit="1"/>
-              </p:cNvSpPr>
-              <p:nvPr>
-                <p:ph idx="1"/>
-              </p:nvPr>
-            </p:nvSpPr>
-            <p:spPr>
-              <a:xfrm>
-                <a:off x="880618" y="3716968"/>
-                <a:ext cx="10515600" cy="2532225"/>
-              </a:xfrm>
-              <a:blipFill>
-                <a:blip r:embed="rId2"/>
-                <a:stretch>
-                  <a:fillRect l="-1043" t="-3855"/>
-                </a:stretch>
-              </a:blipFill>
-            </p:spPr>
-            <p:txBody>
-              <a:bodyPr/>
-              <a:lstStyle/>
-              <a:p>
-                <a:r>
-                  <a:rPr lang="ru-RU">
-                    <a:noFill/>
-                  </a:rPr>
-                  <a:t> </a:t>
-                </a:r>
-              </a:p>
-            </p:txBody>
-          </p:sp>
-        </mc:Fallback>
-      </mc:AlternateContent>
-      <p:sp>
-        <p:nvSpPr>
-          <p:cNvPr id="4" name="Номер слайда 3"/>
-          <p:cNvSpPr>
-            <a:spLocks noGrp="1"/>
-          </p:cNvSpPr>
-          <p:nvPr>
-            <p:ph type="sldNum" sz="quarter" idx="12"/>
-          </p:nvPr>
-        </p:nvSpPr>
-        <p:spPr/>
-        <p:txBody>
-          <a:bodyPr/>
-          <a:lstStyle/>
-          <a:p>
-            <a:fld id="{8253DDDB-F8F7-4D64-A7FD-3F3D61C1949F}" type="slidenum">
-              <a:rPr lang="ru-RU" smtClean="0"/>
-              <a:t>18</a:t>
-            </a:fld>
-            <a:endParaRPr lang="ru-RU"/>
-          </a:p>
-        </p:txBody>
-      </p:sp>
-      <p:sp>
-        <p:nvSpPr>
-          <p:cNvPr id="5" name="Rectangle 4"/>
-          <p:cNvSpPr>
-            <a:spLocks noChangeArrowheads="1"/>
-          </p:cNvSpPr>
-          <p:nvPr/>
-        </p:nvSpPr>
-        <p:spPr bwMode="auto">
-          <a:xfrm>
-            <a:off x="2214911" y="1784586"/>
-            <a:ext cx="1295400" cy="1188244"/>
-          </a:xfrm>
-          <a:prstGeom prst="rect">
-            <a:avLst/>
-          </a:prstGeom>
-          <a:solidFill>
-            <a:schemeClr val="accent1"/>
-          </a:solidFill>
-          <a:ln w="9525">
-            <a:solidFill>
-              <a:schemeClr val="tx1"/>
-            </a:solidFill>
-            <a:miter lim="800000"/>
-            <a:headEnd/>
-            <a:tailEnd/>
-          </a:ln>
-          <a:effectLst/>
-        </p:spPr>
-        <p:txBody>
-          <a:bodyPr wrap="none"/>
-          <a:lstStyle/>
-          <a:p>
-            <a:pPr algn="ctr"/>
-            <a:r>
-              <a:rPr lang="en-US" dirty="0" err="1"/>
-              <a:t>Chal</a:t>
-            </a:r>
-            <a:r>
-              <a:rPr lang="en-US" dirty="0"/>
-              <a:t>.</a:t>
-            </a:r>
-          </a:p>
-        </p:txBody>
-      </p:sp>
-      <mc:AlternateContent xmlns:mc="http://schemas.openxmlformats.org/markup-compatibility/2006" xmlns:a14="http://schemas.microsoft.com/office/drawing/2010/main">
-        <mc:Choice Requires="a14">
-          <p:sp>
-            <p:nvSpPr>
-              <p:cNvPr id="8" name="Rectangle 7"/>
-              <p:cNvSpPr>
-                <a:spLocks noChangeArrowheads="1"/>
-              </p:cNvSpPr>
-              <p:nvPr/>
-            </p:nvSpPr>
-            <p:spPr bwMode="auto">
-              <a:xfrm>
-                <a:off x="7396511" y="1784586"/>
-                <a:ext cx="1295400" cy="1188244"/>
-              </a:xfrm>
-              <a:prstGeom prst="rect">
-                <a:avLst/>
-              </a:prstGeom>
-              <a:solidFill>
-                <a:schemeClr val="accent1"/>
-              </a:solidFill>
-              <a:ln w="9525">
-                <a:solidFill>
-                  <a:schemeClr val="tx1"/>
-                </a:solidFill>
-                <a:miter lim="800000"/>
-                <a:headEnd/>
-                <a:tailEnd/>
-              </a:ln>
-              <a:effectLst/>
-            </p:spPr>
-            <p:txBody>
-              <a:bodyPr wrap="none"/>
-              <a:lstStyle/>
-              <a:p>
-                <a:pPr algn="ctr"/>
-                <a:r>
-                  <a:rPr lang="en-US" dirty="0"/>
-                  <a:t>Adv. </a:t>
-                </a:r>
-                <a14:m>
-                  <m:oMath xmlns:m="http://schemas.openxmlformats.org/officeDocument/2006/math">
-                    <m:r>
-                      <a:rPr lang="en-US" i="1" dirty="0" smtClean="0">
-                        <a:latin typeface="Cambria Math" panose="02040503050406030204" pitchFamily="18" charset="0"/>
-                      </a:rPr>
-                      <m:t>𝐴</m:t>
-                    </m:r>
-                  </m:oMath>
-                </a14:m>
-                <a:endParaRPr lang="en-US" dirty="0"/>
-              </a:p>
-            </p:txBody>
-          </p:sp>
-        </mc:Choice>
-        <mc:Fallback xmlns="">
-          <p:sp>
-            <p:nvSpPr>
-              <p:cNvPr id="8" name="Rectangle 7"/>
-              <p:cNvSpPr>
-                <a:spLocks noRot="1" noChangeAspect="1" noMove="1" noResize="1" noEditPoints="1" noAdjustHandles="1" noChangeArrowheads="1" noChangeShapeType="1" noTextEdit="1"/>
-              </p:cNvSpPr>
-              <p:nvPr/>
-            </p:nvSpPr>
-            <p:spPr bwMode="auto">
-              <a:xfrm>
-                <a:off x="7396511" y="1784586"/>
-                <a:ext cx="1295400" cy="1188244"/>
-              </a:xfrm>
-              <a:prstGeom prst="rect">
-                <a:avLst/>
-              </a:prstGeom>
-              <a:blipFill>
-                <a:blip r:embed="rId3"/>
-                <a:stretch>
-                  <a:fillRect t="-2538"/>
-                </a:stretch>
-              </a:blipFill>
-              <a:ln w="9525">
-                <a:solidFill>
-                  <a:schemeClr val="tx1"/>
-                </a:solidFill>
-                <a:miter lim="800000"/>
-                <a:headEnd/>
-                <a:tailEnd/>
-              </a:ln>
-              <a:effectLst/>
-            </p:spPr>
-            <p:txBody>
-              <a:bodyPr/>
-              <a:lstStyle/>
-              <a:p>
-                <a:r>
-                  <a:rPr lang="ru-RU">
-                    <a:noFill/>
-                  </a:rPr>
-                  <a:t> </a:t>
-                </a:r>
-              </a:p>
-            </p:txBody>
-          </p:sp>
-        </mc:Fallback>
-      </mc:AlternateContent>
-      <p:grpSp>
-        <p:nvGrpSpPr>
-          <p:cNvPr id="15" name="Group 22"/>
-          <p:cNvGrpSpPr>
-            <a:grpSpLocks/>
-          </p:cNvGrpSpPr>
-          <p:nvPr/>
-        </p:nvGrpSpPr>
-        <p:grpSpPr bwMode="auto">
-          <a:xfrm>
-            <a:off x="8006120" y="2972828"/>
-            <a:ext cx="1254127" cy="678656"/>
-            <a:chOff x="4560" y="2842"/>
-            <a:chExt cx="790" cy="570"/>
-          </a:xfrm>
-        </p:grpSpPr>
-        <p:sp>
-          <p:nvSpPr>
-            <p:cNvPr id="16" name="Line 16"/>
-            <p:cNvSpPr>
-              <a:spLocks noChangeShapeType="1"/>
-            </p:cNvSpPr>
-            <p:nvPr/>
-          </p:nvSpPr>
-          <p:spPr bwMode="auto">
-            <a:xfrm>
-              <a:off x="4560" y="2842"/>
-              <a:ext cx="0" cy="480"/>
-            </a:xfrm>
-            <a:prstGeom prst="line">
-              <a:avLst/>
-            </a:prstGeom>
-            <a:noFill/>
-            <a:ln w="9525">
-              <a:solidFill>
-                <a:schemeClr val="tx1"/>
-              </a:solidFill>
-              <a:round/>
-              <a:headEnd/>
-              <a:tailEnd type="triangle" w="med" len="med"/>
-            </a:ln>
-            <a:effectLst/>
-          </p:spPr>
-          <p:txBody>
-            <a:bodyPr/>
-            <a:lstStyle/>
-            <a:p>
-              <a:endParaRPr lang="en-US"/>
-            </a:p>
-          </p:txBody>
-        </p:sp>
-        <mc:AlternateContent xmlns:mc="http://schemas.openxmlformats.org/markup-compatibility/2006" xmlns:a14="http://schemas.microsoft.com/office/drawing/2010/main">
-          <mc:Choice Requires="a14">
-            <p:sp>
-              <p:nvSpPr>
-                <p:cNvPr id="17" name="Text Box 17"/>
-                <p:cNvSpPr txBox="1">
-                  <a:spLocks noChangeArrowheads="1"/>
-                </p:cNvSpPr>
-                <p:nvPr/>
-              </p:nvSpPr>
-              <p:spPr bwMode="auto">
-                <a:xfrm>
-                  <a:off x="4568" y="3024"/>
-                  <a:ext cx="782" cy="388"/>
-                </a:xfrm>
-                <a:prstGeom prst="rect">
-                  <a:avLst/>
-                </a:prstGeom>
-                <a:noFill/>
-                <a:ln w="9525">
-                  <a:noFill/>
-                  <a:miter lim="800000"/>
-                  <a:headEnd/>
-                  <a:tailEnd/>
-                </a:ln>
-                <a:effectLst/>
-              </p:spPr>
-              <p:txBody>
-                <a:bodyPr wrap="none">
-                  <a:spAutoFit/>
-                </a:bodyPr>
-                <a:lstStyle/>
-                <a:p>
-                  <a:pPr/>
-                  <a14:m>
-                    <m:oMathPara xmlns:m="http://schemas.openxmlformats.org/officeDocument/2006/math">
-                      <m:oMathParaPr>
-                        <m:jc m:val="centerGroup"/>
-                      </m:oMathParaPr>
-                      <m:oMath xmlns:m="http://schemas.openxmlformats.org/officeDocument/2006/math">
-                        <m:sSup>
-                          <m:sSupPr>
-                            <m:ctrlPr>
-                              <a:rPr lang="en-US" sz="2400" b="0" i="1" smtClean="0">
-                                <a:latin typeface="Cambria Math" panose="02040503050406030204" pitchFamily="18" charset="0"/>
-                              </a:rPr>
-                            </m:ctrlPr>
-                          </m:sSupPr>
-                          <m:e>
-                            <m:r>
-                              <a:rPr lang="en-US" sz="2400" b="0" i="1" smtClean="0">
-                                <a:latin typeface="Cambria Math" panose="02040503050406030204" pitchFamily="18" charset="0"/>
-                              </a:rPr>
-                              <m:t>𝑚</m:t>
-                            </m:r>
-                          </m:e>
-                          <m:sup>
-                            <m:r>
-                              <a:rPr lang="en-US" sz="2400" b="0" i="1" smtClean="0">
-                                <a:latin typeface="Cambria Math" panose="02040503050406030204" pitchFamily="18" charset="0"/>
-                              </a:rPr>
-                              <m:t>′</m:t>
-                            </m:r>
-                          </m:sup>
-                        </m:sSup>
-                        <m:r>
-                          <a:rPr lang="en-US" sz="2400" b="0" i="1" smtClean="0">
-                            <a:latin typeface="Cambria Math" panose="02040503050406030204" pitchFamily="18" charset="0"/>
-                          </a:rPr>
-                          <m:t>∈</m:t>
-                        </m:r>
-                        <m:r>
-                          <a:rPr lang="en-US" sz="2400" b="0" i="1" smtClean="0">
-                            <a:latin typeface="Cambria Math" panose="02040503050406030204" pitchFamily="18" charset="0"/>
-                          </a:rPr>
-                          <m:t>𝑀</m:t>
-                        </m:r>
-                      </m:oMath>
-                    </m:oMathPara>
-                  </a14:m>
-                  <a:endParaRPr lang="en-US" sz="2400" dirty="0"/>
-                </a:p>
-              </p:txBody>
-            </p:sp>
-          </mc:Choice>
-          <mc:Fallback xmlns="">
-            <p:sp>
-              <p:nvSpPr>
-                <p:cNvPr id="17" name="Text Box 17"/>
-                <p:cNvSpPr txBox="1">
-                  <a:spLocks noRot="1" noChangeAspect="1" noMove="1" noResize="1" noEditPoints="1" noAdjustHandles="1" noChangeArrowheads="1" noChangeShapeType="1" noTextEdit="1"/>
-                </p:cNvSpPr>
-                <p:nvPr/>
-              </p:nvSpPr>
-              <p:spPr bwMode="auto">
-                <a:xfrm>
-                  <a:off x="4568" y="3024"/>
-                  <a:ext cx="782" cy="388"/>
-                </a:xfrm>
-                <a:prstGeom prst="rect">
-                  <a:avLst/>
-                </a:prstGeom>
-                <a:blipFill>
-                  <a:blip r:embed="rId4"/>
-                  <a:stretch>
-                    <a:fillRect/>
-                  </a:stretch>
-                </a:blipFill>
-                <a:ln w="9525">
-                  <a:noFill/>
-                  <a:miter lim="800000"/>
-                  <a:headEnd/>
-                  <a:tailEnd/>
-                </a:ln>
-                <a:effectLst/>
-              </p:spPr>
-              <p:txBody>
-                <a:bodyPr/>
-                <a:lstStyle/>
-                <a:p>
-                  <a:r>
-                    <a:rPr lang="ru-RU">
-                      <a:noFill/>
-                    </a:rPr>
-                    <a:t> </a:t>
-                  </a:r>
-                </a:p>
-              </p:txBody>
-            </p:sp>
-          </mc:Fallback>
-        </mc:AlternateContent>
-      </p:grpSp>
-      <p:sp>
-        <p:nvSpPr>
-          <p:cNvPr id="18" name="Rectangle 18"/>
-          <p:cNvSpPr>
-            <a:spLocks noChangeArrowheads="1"/>
-          </p:cNvSpPr>
-          <p:nvPr/>
-        </p:nvSpPr>
-        <p:spPr bwMode="auto">
-          <a:xfrm>
-            <a:off x="1575151" y="1555985"/>
-            <a:ext cx="7924800" cy="1588294"/>
-          </a:xfrm>
-          <a:prstGeom prst="rect">
-            <a:avLst/>
-          </a:prstGeom>
-          <a:noFill/>
-          <a:ln w="38100">
-            <a:solidFill>
-              <a:schemeClr val="folHlink"/>
-            </a:solidFill>
-            <a:miter lim="800000"/>
-            <a:headEnd/>
-            <a:tailEnd/>
-          </a:ln>
-          <a:effectLst/>
-        </p:spPr>
-        <p:txBody>
-          <a:bodyPr wrap="none" anchor="ctr"/>
-          <a:lstStyle/>
-          <a:p>
-            <a:endParaRPr lang="en-US"/>
-          </a:p>
-        </p:txBody>
-      </p:sp>
-      <mc:AlternateContent xmlns:mc="http://schemas.openxmlformats.org/markup-compatibility/2006" xmlns:a14="http://schemas.microsoft.com/office/drawing/2010/main">
-        <mc:Choice Requires="a14">
-          <p:sp>
-            <p:nvSpPr>
-              <p:cNvPr id="19" name="Text Box 13"/>
-              <p:cNvSpPr txBox="1">
-                <a:spLocks noChangeArrowheads="1"/>
-              </p:cNvSpPr>
-              <p:nvPr/>
-            </p:nvSpPr>
-            <p:spPr bwMode="auto">
-              <a:xfrm>
-                <a:off x="2484878" y="2099118"/>
-                <a:ext cx="810158" cy="753924"/>
-              </a:xfrm>
-              <a:prstGeom prst="rect">
-                <a:avLst/>
-              </a:prstGeom>
-              <a:noFill/>
-              <a:ln w="9525">
-                <a:noFill/>
-                <a:miter lim="800000"/>
-                <a:headEnd/>
-                <a:tailEnd/>
-              </a:ln>
-              <a:effectLst/>
-            </p:spPr>
-            <p:txBody>
-              <a:bodyPr wrap="none">
-                <a:spAutoFit/>
-              </a:bodyPr>
-              <a:lstStyle/>
-              <a:p>
-                <a:pPr algn="ctr"/>
-                <a:r>
-                  <a:rPr lang="en-US" sz="1600" dirty="0" smtClean="0"/>
-                  <a:t>k</a:t>
-                </a:r>
-                <a14:m>
-                  <m:oMath xmlns:m="http://schemas.openxmlformats.org/officeDocument/2006/math">
-                    <m:groupChr>
-                      <m:groupChrPr>
-                        <m:chr m:val="←"/>
-                        <m:vertJc m:val="bot"/>
-                        <m:ctrlPr>
-                          <a:rPr lang="en-US" sz="1600" i="1">
-                            <a:latin typeface="Cambria Math" panose="02040503050406030204" pitchFamily="18" charset="0"/>
-                          </a:rPr>
-                        </m:ctrlPr>
-                      </m:groupChrPr>
-                      <m:e>
-                        <m:r>
-                          <m:rPr>
-                            <m:brk m:alnAt="2"/>
-                          </m:rPr>
-                          <a:rPr lang="en-US" sz="1600" i="1">
-                            <a:latin typeface="Cambria Math" panose="02040503050406030204" pitchFamily="18" charset="0"/>
-                          </a:rPr>
-                          <m:t>𝑅</m:t>
-                        </m:r>
-                      </m:e>
-                    </m:groupChr>
-                    <m:r>
-                      <a:rPr lang="en-US" sz="1600" b="0" i="1" smtClean="0">
-                        <a:latin typeface="Cambria Math" panose="02040503050406030204" pitchFamily="18" charset="0"/>
-                      </a:rPr>
-                      <m:t>𝐾</m:t>
-                    </m:r>
-                  </m:oMath>
-                </a14:m>
-                <a:endParaRPr lang="ru-RU" sz="1600" b="0" i="1" dirty="0" smtClean="0">
-                  <a:latin typeface="Cambria Math" panose="02040503050406030204" pitchFamily="18" charset="0"/>
-                </a:endParaRPr>
-              </a:p>
-              <a:p>
-                <a:pPr algn="ctr"/>
-                <a14:m>
-                  <m:oMathPara xmlns:m="http://schemas.openxmlformats.org/officeDocument/2006/math">
-                    <m:oMathParaPr>
-                      <m:jc m:val="left"/>
-                    </m:oMathParaPr>
-                    <m:oMath xmlns:m="http://schemas.openxmlformats.org/officeDocument/2006/math">
-                      <m:r>
-                        <a:rPr lang="en-US" sz="1600" i="1">
-                          <a:latin typeface="Cambria Math" panose="02040503050406030204" pitchFamily="18" charset="0"/>
-                        </a:rPr>
-                        <m:t>𝑚</m:t>
-                      </m:r>
-                      <m:groupChr>
-                        <m:groupChrPr>
-                          <m:chr m:val="←"/>
-                          <m:vertJc m:val="bot"/>
-                          <m:ctrlPr>
-                            <a:rPr lang="en-US" sz="1600" i="1">
-                              <a:latin typeface="Cambria Math" panose="02040503050406030204" pitchFamily="18" charset="0"/>
-                            </a:rPr>
-                          </m:ctrlPr>
-                        </m:groupChrPr>
-                        <m:e>
-                          <m:r>
-                            <m:rPr>
-                              <m:brk m:alnAt="2"/>
-                            </m:rPr>
-                            <a:rPr lang="en-US" sz="1600" i="1">
-                              <a:latin typeface="Cambria Math" panose="02040503050406030204" pitchFamily="18" charset="0"/>
-                            </a:rPr>
-                            <m:t>𝑅</m:t>
-                          </m:r>
-                        </m:e>
-                      </m:groupChr>
-                      <m:r>
-                        <a:rPr lang="en-US" sz="1600" i="1">
-                          <a:latin typeface="Cambria Math" panose="02040503050406030204" pitchFamily="18" charset="0"/>
-                        </a:rPr>
-                        <m:t>𝑀</m:t>
-                      </m:r>
-                    </m:oMath>
-                  </m:oMathPara>
-                </a14:m>
-                <a:endParaRPr lang="en-US" sz="1600" b="1" baseline="-25000" dirty="0">
-                  <a:cs typeface="Arial" charset="0"/>
-                  <a:sym typeface="Symbol" pitchFamily="18" charset="2"/>
-                </a:endParaRPr>
-              </a:p>
-            </p:txBody>
-          </p:sp>
-        </mc:Choice>
-        <mc:Fallback xmlns="">
-          <p:sp>
-            <p:nvSpPr>
-              <p:cNvPr id="19" name="Text Box 13"/>
-              <p:cNvSpPr txBox="1">
-                <a:spLocks noRot="1" noChangeAspect="1" noMove="1" noResize="1" noEditPoints="1" noAdjustHandles="1" noChangeArrowheads="1" noChangeShapeType="1" noTextEdit="1"/>
-              </p:cNvSpPr>
-              <p:nvPr/>
-            </p:nvSpPr>
-            <p:spPr bwMode="auto">
-              <a:xfrm>
-                <a:off x="2484878" y="2099118"/>
-                <a:ext cx="810158" cy="753924"/>
-              </a:xfrm>
-              <a:prstGeom prst="rect">
-                <a:avLst/>
-              </a:prstGeom>
-              <a:blipFill>
-                <a:blip r:embed="rId5"/>
-                <a:stretch>
-                  <a:fillRect r="-33083" b="-25000"/>
-                </a:stretch>
-              </a:blipFill>
-              <a:ln w="9525">
-                <a:noFill/>
-                <a:miter lim="800000"/>
-                <a:headEnd/>
-                <a:tailEnd/>
-              </a:ln>
-              <a:effectLst/>
-            </p:spPr>
-            <p:txBody>
-              <a:bodyPr/>
-              <a:lstStyle/>
-              <a:p>
-                <a:r>
-                  <a:rPr lang="ru-RU">
-                    <a:noFill/>
-                  </a:rPr>
-                  <a:t> </a:t>
-                </a:r>
-              </a:p>
-            </p:txBody>
-          </p:sp>
-        </mc:Fallback>
-      </mc:AlternateContent>
-      <p:grpSp>
-        <p:nvGrpSpPr>
-          <p:cNvPr id="20" name="Group 20"/>
-          <p:cNvGrpSpPr>
-            <a:grpSpLocks/>
-          </p:cNvGrpSpPr>
-          <p:nvPr/>
-        </p:nvGrpSpPr>
-        <p:grpSpPr bwMode="auto">
-          <a:xfrm>
-            <a:off x="3612705" y="1653625"/>
-            <a:ext cx="3733800" cy="559595"/>
-            <a:chOff x="1776" y="1940"/>
-            <a:chExt cx="2352" cy="470"/>
-          </a:xfrm>
-        </p:grpSpPr>
-        <p:sp>
-          <p:nvSpPr>
-            <p:cNvPr id="21" name="Line 13"/>
-            <p:cNvSpPr>
-              <a:spLocks noChangeShapeType="1"/>
-            </p:cNvSpPr>
-            <p:nvPr/>
-          </p:nvSpPr>
-          <p:spPr bwMode="auto">
-            <a:xfrm>
-              <a:off x="1776" y="2410"/>
-              <a:ext cx="2352" cy="0"/>
-            </a:xfrm>
-            <a:prstGeom prst="line">
-              <a:avLst/>
-            </a:prstGeom>
-            <a:noFill/>
-            <a:ln w="38100" cmpd="sng">
-              <a:solidFill>
-                <a:schemeClr val="tx1"/>
-              </a:solidFill>
-              <a:round/>
-              <a:headEnd/>
-              <a:tailEnd type="triangle" w="med" len="med"/>
-            </a:ln>
-            <a:effectLst/>
-          </p:spPr>
-          <p:txBody>
-            <a:bodyPr/>
-            <a:lstStyle/>
-            <a:p>
-              <a:endParaRPr lang="en-US"/>
-            </a:p>
-          </p:txBody>
-        </p:sp>
-        <mc:AlternateContent xmlns:mc="http://schemas.openxmlformats.org/markup-compatibility/2006" xmlns:a14="http://schemas.microsoft.com/office/drawing/2010/main">
-          <mc:Choice Requires="a14">
-            <p:sp>
-              <p:nvSpPr>
-                <p:cNvPr id="22" name="Text Box 14"/>
-                <p:cNvSpPr txBox="1">
-                  <a:spLocks noChangeArrowheads="1"/>
-                </p:cNvSpPr>
-                <p:nvPr/>
-              </p:nvSpPr>
-              <p:spPr bwMode="auto">
-                <a:xfrm>
-                  <a:off x="2413" y="1940"/>
-                  <a:ext cx="954" cy="425"/>
-                </a:xfrm>
-                <a:prstGeom prst="rect">
-                  <a:avLst/>
-                </a:prstGeom>
-                <a:noFill/>
-                <a:ln w="9525">
-                  <a:noFill/>
-                  <a:miter lim="800000"/>
-                  <a:headEnd/>
-                  <a:tailEnd/>
-                </a:ln>
-                <a:effectLst/>
-              </p:spPr>
-              <p:txBody>
-                <a:bodyPr wrap="none">
-                  <a:spAutoFit/>
-                </a:bodyPr>
-                <a:lstStyle/>
-                <a:p>
-                  <a:pPr/>
-                  <a14:m>
-                    <m:oMathPara xmlns:m="http://schemas.openxmlformats.org/officeDocument/2006/math">
-                      <m:oMathParaPr>
-                        <m:jc m:val="centerGroup"/>
-                      </m:oMathParaPr>
-                      <m:oMath xmlns:m="http://schemas.openxmlformats.org/officeDocument/2006/math">
-                        <m:r>
-                          <a:rPr lang="en-US" sz="2000" i="1">
-                            <a:latin typeface="Cambria Math" panose="02040503050406030204" pitchFamily="18" charset="0"/>
-                          </a:rPr>
-                          <m:t>𝑐</m:t>
-                        </m:r>
-                        <m:groupChr>
-                          <m:groupChrPr>
-                            <m:chr m:val="←"/>
-                            <m:vertJc m:val="bot"/>
-                            <m:ctrlPr>
-                              <a:rPr lang="en-US" sz="2000" i="1">
-                                <a:latin typeface="Cambria Math" panose="02040503050406030204" pitchFamily="18" charset="0"/>
-                              </a:rPr>
-                            </m:ctrlPr>
-                          </m:groupChrPr>
-                          <m:e>
-                            <m:r>
-                              <m:rPr>
-                                <m:brk m:alnAt="2"/>
-                              </m:rPr>
-                              <a:rPr lang="en-US" sz="2000" i="1">
-                                <a:latin typeface="Cambria Math" panose="02040503050406030204" pitchFamily="18" charset="0"/>
-                              </a:rPr>
-                              <m:t>𝑅</m:t>
-                            </m:r>
-                          </m:e>
-                        </m:groupChr>
-                        <m:r>
-                          <a:rPr lang="en-US" sz="2000" i="1">
-                            <a:latin typeface="Cambria Math" panose="02040503050406030204" pitchFamily="18" charset="0"/>
-                          </a:rPr>
-                          <m:t>𝐸</m:t>
-                        </m:r>
-                        <m:r>
-                          <a:rPr lang="en-US" sz="2000" i="1">
-                            <a:latin typeface="Cambria Math" panose="02040503050406030204" pitchFamily="18" charset="0"/>
-                          </a:rPr>
-                          <m:t>(</m:t>
-                        </m:r>
-                        <m:r>
-                          <a:rPr lang="en-US" sz="2000" i="1">
-                            <a:latin typeface="Cambria Math" panose="02040503050406030204" pitchFamily="18" charset="0"/>
-                          </a:rPr>
-                          <m:t>𝑘</m:t>
-                        </m:r>
-                        <m:r>
-                          <a:rPr lang="en-US" sz="2000" i="1">
-                            <a:latin typeface="Cambria Math" panose="02040503050406030204" pitchFamily="18" charset="0"/>
-                          </a:rPr>
-                          <m:t>,</m:t>
-                        </m:r>
-                        <m:r>
-                          <a:rPr lang="en-US" sz="2000" i="1">
-                            <a:latin typeface="Cambria Math" panose="02040503050406030204" pitchFamily="18" charset="0"/>
-                          </a:rPr>
-                          <m:t>𝑚</m:t>
-                        </m:r>
-                        <m:r>
-                          <a:rPr lang="en-US" sz="2000" i="1">
-                            <a:latin typeface="Cambria Math" panose="02040503050406030204" pitchFamily="18" charset="0"/>
-                          </a:rPr>
-                          <m:t>)</m:t>
-                        </m:r>
-                      </m:oMath>
-                    </m:oMathPara>
-                  </a14:m>
-                  <a:endParaRPr lang="en-US" sz="2000" dirty="0"/>
-                </a:p>
-              </p:txBody>
-            </p:sp>
-          </mc:Choice>
-          <mc:Fallback xmlns="">
-            <p:sp>
-              <p:nvSpPr>
-                <p:cNvPr id="22" name="Text Box 14"/>
-                <p:cNvSpPr txBox="1">
-                  <a:spLocks noRot="1" noChangeAspect="1" noMove="1" noResize="1" noEditPoints="1" noAdjustHandles="1" noChangeArrowheads="1" noChangeShapeType="1" noTextEdit="1"/>
-                </p:cNvSpPr>
-                <p:nvPr/>
-              </p:nvSpPr>
-              <p:spPr bwMode="auto">
-                <a:xfrm>
-                  <a:off x="2413" y="1940"/>
-                  <a:ext cx="954" cy="425"/>
-                </a:xfrm>
-                <a:prstGeom prst="rect">
-                  <a:avLst/>
-                </a:prstGeom>
-                <a:blipFill>
-                  <a:blip r:embed="rId6"/>
-                  <a:stretch>
-                    <a:fillRect/>
-                  </a:stretch>
-                </a:blipFill>
-                <a:ln w="9525">
-                  <a:noFill/>
-                  <a:miter lim="800000"/>
-                  <a:headEnd/>
-                  <a:tailEnd/>
-                </a:ln>
-                <a:effectLst/>
-              </p:spPr>
-              <p:txBody>
-                <a:bodyPr/>
-                <a:lstStyle/>
-                <a:p>
-                  <a:r>
-                    <a:rPr lang="ru-RU">
-                      <a:noFill/>
-                    </a:rPr>
-                    <a:t> </a:t>
-                  </a:r>
-                </a:p>
-              </p:txBody>
-            </p:sp>
-          </mc:Fallback>
-        </mc:AlternateContent>
-      </p:grpSp>
-    </p:spTree>
-    <p:extLst>
-      <p:ext uri="{BB962C8B-B14F-4D97-AF65-F5344CB8AC3E}">
-        <p14:creationId xmlns:p14="http://schemas.microsoft.com/office/powerpoint/2010/main" val="3004606621"/>
-      </p:ext>
-    </p:extLst>
-  </p:cSld>
-  <p:clrMapOvr>
-    <a:masterClrMapping/>
-  </p:clrMapOvr>
-  <p:timing>
-    <p:tnLst>
-      <p:par>
-        <p:cTn id="1" dur="indefinite" restart="never" nodeType="tmRoot">
-          <p:childTnLst>
-            <p:seq concurrent="1" nextAc="seek">
-              <p:cTn id="2" dur="indefinite" nodeType="mainSeq">
-                <p:childTnLst>
-                  <p:par>
-                    <p:cTn id="3" fill="hold">
-                      <p:stCondLst>
-                        <p:cond delay="indefinite"/>
-                      </p:stCondLst>
-                      <p:childTnLst>
-                        <p:par>
-                          <p:cTn id="4" fill="hold">
-                            <p:stCondLst>
-                              <p:cond delay="0"/>
-                            </p:stCondLst>
-                            <p:childTnLst>
-                              <p:par>
-                                <p:cTn id="5" presetID="1" presetClass="entr" presetSubtype="0" fill="hold" nodeType="clickEffect">
-                                  <p:stCondLst>
-                                    <p:cond delay="0"/>
-                                  </p:stCondLst>
-                                  <p:childTnLst>
-                                    <p:set>
-                                      <p:cBhvr>
-                                        <p:cTn id="6" dur="1" fill="hold">
-                                          <p:stCondLst>
-                                            <p:cond delay="0"/>
-                                          </p:stCondLst>
-                                        </p:cTn>
-                                        <p:tgtEl>
-                                          <p:spTgt spid="20"/>
-                                        </p:tgtEl>
-                                        <p:attrNameLst>
-                                          <p:attrName>style.visibility</p:attrName>
-                                        </p:attrNameLst>
-                                      </p:cBhvr>
-                                      <p:to>
-                                        <p:strVal val="visible"/>
-                                      </p:to>
-                                    </p:set>
-                                  </p:childTnLst>
-                                </p:cTn>
-                              </p:par>
-                            </p:childTnLst>
-                          </p:cTn>
-                        </p:par>
-                      </p:childTnLst>
-                    </p:cTn>
-                  </p:par>
-                  <p:par>
-                    <p:cTn id="7" fill="hold">
-                      <p:stCondLst>
-                        <p:cond delay="indefinite"/>
-                      </p:stCondLst>
-                      <p:childTnLst>
-                        <p:par>
-                          <p:cTn id="8" fill="hold">
-                            <p:stCondLst>
-                              <p:cond delay="0"/>
-                            </p:stCondLst>
-                            <p:childTnLst>
-                              <p:par>
-                                <p:cTn id="9" presetID="1" presetClass="entr" presetSubtype="0" fill="hold" nodeType="clickEffect">
-                                  <p:stCondLst>
-                                    <p:cond delay="0"/>
-                                  </p:stCondLst>
-                                  <p:childTnLst>
-                                    <p:set>
-                                      <p:cBhvr>
-                                        <p:cTn id="10" dur="1" fill="hold">
-                                          <p:stCondLst>
-                                            <p:cond delay="0"/>
-                                          </p:stCondLst>
-                                        </p:cTn>
-                                        <p:tgtEl>
-                                          <p:spTgt spid="15"/>
-                                        </p:tgtEl>
-                                        <p:attrNameLst>
-                                          <p:attrName>style.visibility</p:attrName>
-                                        </p:attrNameLst>
-                                      </p:cBhvr>
-                                      <p:to>
-                                        <p:strVal val="visible"/>
-                                      </p:to>
-                                    </p:set>
-                                  </p:childTnLst>
-                                </p:cTn>
-                              </p:par>
-                            </p:childTnLst>
-                          </p:cTn>
-                        </p:par>
-                      </p:childTnLst>
-                    </p:cTn>
-                  </p:par>
-                </p:childTnLst>
-              </p:cTn>
-              <p:prevCondLst>
-                <p:cond evt="onPrev" delay="0">
-                  <p:tgtEl>
-                    <p:sldTgt/>
-                  </p:tgtEl>
-                </p:cond>
-              </p:prevCondLst>
-              <p:nextCondLst>
-                <p:cond evt="onNext" delay="0">
-                  <p:tgtEl>
-                    <p:sldTgt/>
-                  </p:tgtEl>
-                </p:cond>
-              </p:nextCondLst>
-            </p:seq>
-          </p:childTnLst>
-        </p:cTn>
-      </p:par>
-    </p:tnLst>
-  </p:timing>
-</p:sld>
-</file>
-
-<file path=ppt/slides/slide19.xml><?xml version="1.0" encoding="utf-8"?>
-<p:sld xmlns:a="http://schemas.openxmlformats.org/drawingml/2006/main" xmlns:r="http://schemas.openxmlformats.org/officeDocument/2006/relationships" xmlns:p="http://schemas.openxmlformats.org/presentationml/2006/main">
-  <p:cSld>
-    <p:spTree>
-      <p:nvGrpSpPr>
-        <p:cNvPr id="1" name=""/>
-        <p:cNvGrpSpPr/>
-        <p:nvPr/>
-      </p:nvGrpSpPr>
-      <p:grpSpPr>
-        <a:xfrm>
-          <a:off x="0" y="0"/>
-          <a:ext cx="0" cy="0"/>
-          <a:chOff x="0" y="0"/>
-          <a:chExt cx="0" cy="0"/>
-        </a:xfrm>
-      </p:grpSpPr>
-      <p:sp>
-        <p:nvSpPr>
-          <p:cNvPr id="2" name="Заголовок 1"/>
-          <p:cNvSpPr>
-            <a:spLocks noGrp="1"/>
-          </p:cNvSpPr>
-          <p:nvPr>
-            <p:ph type="title"/>
-          </p:nvPr>
-        </p:nvSpPr>
-        <p:spPr/>
-        <p:txBody>
-          <a:bodyPr/>
-          <a:lstStyle/>
-          <a:p>
-            <a:r>
-              <a:rPr lang="ru-RU" dirty="0" smtClean="0"/>
-              <a:t>Восстановление сообщений</a:t>
-            </a:r>
-            <a:endParaRPr lang="ru-RU" dirty="0"/>
-          </a:p>
-        </p:txBody>
-      </p:sp>
-      <mc:AlternateContent xmlns:mc="http://schemas.openxmlformats.org/markup-compatibility/2006" xmlns:a14="http://schemas.microsoft.com/office/drawing/2010/main">
-        <mc:Choice Requires="a14">
-          <p:sp>
-            <p:nvSpPr>
-              <p:cNvPr id="3" name="Объект 2"/>
-              <p:cNvSpPr>
-                <a:spLocks noGrp="1"/>
-              </p:cNvSpPr>
-              <p:nvPr>
-                <p:ph idx="1"/>
-              </p:nvPr>
-            </p:nvSpPr>
-            <p:spPr>
-              <a:xfrm>
-                <a:off x="880618" y="3716968"/>
-                <a:ext cx="10515600" cy="2532225"/>
-              </a:xfrm>
-            </p:spPr>
-            <p:txBody>
-              <a:bodyPr>
-                <a:normAutofit/>
-              </a:bodyPr>
-              <a:lstStyle/>
-              <a:p>
-                <a:pPr marL="0" indent="0">
-                  <a:buNone/>
-                </a:pPr>
-                <a14:m>
-                  <m:oMathPara xmlns:m="http://schemas.openxmlformats.org/officeDocument/2006/math">
-                    <m:oMathParaPr>
-                      <m:jc m:val="centerGroup"/>
-                    </m:oMathParaPr>
-                    <m:oMath xmlns:m="http://schemas.openxmlformats.org/officeDocument/2006/math">
-                      <m:r>
-                        <m:rPr>
-                          <m:sty m:val="p"/>
-                        </m:rPr>
-                        <a:rPr lang="en-US" b="0" i="0" smtClean="0">
-                          <a:latin typeface="Cambria Math" panose="02040503050406030204" pitchFamily="18" charset="0"/>
-                        </a:rPr>
-                        <m:t>MRadv</m:t>
-                      </m:r>
-                      <m:d>
-                        <m:dPr>
-                          <m:begChr m:val="["/>
-                          <m:endChr m:val="]"/>
-                          <m:ctrlPr>
-                            <a:rPr lang="en-US" b="0" i="1" smtClean="0">
-                              <a:latin typeface="Cambria Math" panose="02040503050406030204" pitchFamily="18" charset="0"/>
-                            </a:rPr>
-                          </m:ctrlPr>
-                        </m:dPr>
-                        <m:e>
-                          <m:r>
-                            <a:rPr lang="en-US" b="0" i="1" smtClean="0">
-                              <a:latin typeface="Cambria Math" panose="02040503050406030204" pitchFamily="18" charset="0"/>
-                            </a:rPr>
-                            <m:t>𝐴</m:t>
-                          </m:r>
-                          <m:r>
-                            <a:rPr lang="en-US" b="0" i="1" smtClean="0">
-                              <a:latin typeface="Cambria Math" panose="02040503050406030204" pitchFamily="18" charset="0"/>
-                            </a:rPr>
-                            <m:t>,</m:t>
-                          </m:r>
-                          <m:r>
-                            <m:rPr>
-                              <m:sty m:val="p"/>
-                            </m:rPr>
-                            <a:rPr lang="en-US" b="0" i="0" smtClean="0">
-                              <a:latin typeface="Cambria Math" panose="02040503050406030204" pitchFamily="18" charset="0"/>
-                            </a:rPr>
-                            <m:t>Ε</m:t>
-                          </m:r>
-                        </m:e>
-                      </m:d>
-                      <m:r>
-                        <a:rPr lang="en-US" b="0" i="1" smtClean="0">
-                          <a:latin typeface="Cambria Math" panose="02040503050406030204" pitchFamily="18" charset="0"/>
-                        </a:rPr>
-                        <m:t>=</m:t>
-                      </m:r>
-                      <m:d>
-                        <m:dPr>
-                          <m:begChr m:val="|"/>
-                          <m:endChr m:val="|"/>
-                          <m:ctrlPr>
-                            <a:rPr lang="en-US" b="0" i="1" smtClean="0">
-                              <a:latin typeface="Cambria Math" panose="02040503050406030204" pitchFamily="18" charset="0"/>
-                            </a:rPr>
-                          </m:ctrlPr>
-                        </m:dPr>
-                        <m:e>
-                          <m:func>
-                            <m:funcPr>
-                              <m:ctrlPr>
-                                <a:rPr lang="en-US" b="0" i="1" smtClean="0">
-                                  <a:latin typeface="Cambria Math" panose="02040503050406030204" pitchFamily="18" charset="0"/>
-                                </a:rPr>
-                              </m:ctrlPr>
-                            </m:funcPr>
-                            <m:fName>
-                              <m:r>
-                                <m:rPr>
-                                  <m:sty m:val="p"/>
-                                </m:rPr>
-                                <a:rPr lang="en-US" b="0" i="0" smtClean="0">
-                                  <a:latin typeface="Cambria Math" panose="02040503050406030204" pitchFamily="18" charset="0"/>
-                                </a:rPr>
-                                <m:t>Pr</m:t>
-                              </m:r>
-                            </m:fName>
-                            <m:e>
-                              <m:d>
-                                <m:dPr>
-                                  <m:begChr m:val="["/>
-                                  <m:endChr m:val="]"/>
-                                  <m:ctrlPr>
-                                    <a:rPr lang="en-US" b="0" i="1" smtClean="0">
-                                      <a:latin typeface="Cambria Math" panose="02040503050406030204" pitchFamily="18" charset="0"/>
-                                    </a:rPr>
-                                  </m:ctrlPr>
-                                </m:dPr>
-                                <m:e>
-                                  <m:r>
-                                    <a:rPr lang="en-US" b="0" i="1" smtClean="0">
-                                      <a:latin typeface="Cambria Math" panose="02040503050406030204" pitchFamily="18" charset="0"/>
-                                    </a:rPr>
-                                    <m:t>𝑊</m:t>
-                                  </m:r>
-                                </m:e>
-                              </m:d>
-                            </m:e>
-                          </m:func>
-                          <m:r>
-                            <a:rPr lang="en-US" b="0" i="1" smtClean="0">
-                              <a:latin typeface="Cambria Math" panose="02040503050406030204" pitchFamily="18" charset="0"/>
-                            </a:rPr>
-                            <m:t>−</m:t>
-                          </m:r>
-                          <m:f>
-                            <m:fPr>
-                              <m:ctrlPr>
-                                <a:rPr lang="en-US" b="0" i="1" smtClean="0">
-                                  <a:latin typeface="Cambria Math" panose="02040503050406030204" pitchFamily="18" charset="0"/>
-                                </a:rPr>
-                              </m:ctrlPr>
-                            </m:fPr>
-                            <m:num>
-                              <m:r>
-                                <a:rPr lang="en-US" b="0" i="1" smtClean="0">
-                                  <a:latin typeface="Cambria Math" panose="02040503050406030204" pitchFamily="18" charset="0"/>
-                                </a:rPr>
-                                <m:t>1</m:t>
-                              </m:r>
-                            </m:num>
-                            <m:den>
-                              <m:r>
-                                <m:rPr>
-                                  <m:lit/>
-                                </m:rPr>
-                                <a:rPr lang="en-US" b="0" i="1" smtClean="0">
-                                  <a:latin typeface="Cambria Math" panose="02040503050406030204" pitchFamily="18" charset="0"/>
-                                </a:rPr>
-                                <m:t>|</m:t>
-                              </m:r>
-                              <m:r>
-                                <a:rPr lang="en-US" b="0" i="1" smtClean="0">
-                                  <a:latin typeface="Cambria Math" panose="02040503050406030204" pitchFamily="18" charset="0"/>
-                                </a:rPr>
-                                <m:t>𝑀</m:t>
-                              </m:r>
-                              <m:r>
-                                <a:rPr lang="en-US" b="0" i="1" smtClean="0">
-                                  <a:latin typeface="Cambria Math" panose="02040503050406030204" pitchFamily="18" charset="0"/>
-                                </a:rPr>
-                                <m:t>|</m:t>
-                              </m:r>
-                            </m:den>
-                          </m:f>
-                        </m:e>
-                      </m:d>
-                    </m:oMath>
-                  </m:oMathPara>
-                </a14:m>
-                <a:endParaRPr lang="ru-RU" b="0" dirty="0" smtClean="0"/>
-              </a:p>
-              <a:p>
-                <a:pPr marL="0" indent="0">
-                  <a:buNone/>
-                </a:pPr>
-                <a:r>
-                  <a:rPr lang="ru-RU" dirty="0" smtClean="0"/>
-                  <a:t>Шифр </a:t>
-                </a:r>
-                <a14:m>
-                  <m:oMath xmlns:m="http://schemas.openxmlformats.org/officeDocument/2006/math">
-                    <m:r>
-                      <m:rPr>
-                        <m:sty m:val="p"/>
-                      </m:rPr>
-                      <a:rPr lang="ru-RU" b="0" i="0" smtClean="0">
-                        <a:latin typeface="Cambria Math" panose="02040503050406030204" pitchFamily="18" charset="0"/>
-                      </a:rPr>
-                      <m:t>Ε</m:t>
-                    </m:r>
-                  </m:oMath>
-                </a14:m>
-                <a:r>
-                  <a:rPr lang="ru-RU" b="0" dirty="0" smtClean="0"/>
-                  <a:t> называется </a:t>
-                </a:r>
-                <a:r>
-                  <a:rPr lang="ru-RU" b="1" dirty="0" smtClean="0"/>
-                  <a:t>стойким к атаке на восстановление сообщений</a:t>
-                </a:r>
-                <a:r>
-                  <a:rPr lang="ru-RU" b="0" dirty="0" smtClean="0"/>
-                  <a:t>, если </a:t>
-                </a:r>
-                <a14:m>
-                  <m:oMath xmlns:m="http://schemas.openxmlformats.org/officeDocument/2006/math">
-                    <m:r>
-                      <a:rPr lang="ru-RU" b="0" i="1" smtClean="0">
-                        <a:latin typeface="Cambria Math" panose="02040503050406030204" pitchFamily="18" charset="0"/>
-                      </a:rPr>
-                      <m:t>∀</m:t>
-                    </m:r>
-                    <m:r>
-                      <a:rPr lang="en-US" b="0" i="1" smtClean="0">
-                        <a:latin typeface="Cambria Math" panose="02040503050406030204" pitchFamily="18" charset="0"/>
-                      </a:rPr>
-                      <m:t>𝐴</m:t>
-                    </m:r>
-                  </m:oMath>
-                </a14:m>
-                <a:r>
-                  <a:rPr lang="ru-RU" b="0" dirty="0" smtClean="0"/>
-                  <a:t> величина </a:t>
-                </a:r>
-                <a14:m>
-                  <m:oMath xmlns:m="http://schemas.openxmlformats.org/officeDocument/2006/math">
-                    <m:r>
-                      <m:rPr>
-                        <m:sty m:val="p"/>
-                      </m:rPr>
-                      <a:rPr lang="en-US">
-                        <a:latin typeface="Cambria Math" panose="02040503050406030204" pitchFamily="18" charset="0"/>
-                      </a:rPr>
-                      <m:t>MRadv</m:t>
-                    </m:r>
-                    <m:d>
-                      <m:dPr>
-                        <m:begChr m:val="["/>
-                        <m:endChr m:val="]"/>
-                        <m:ctrlPr>
-                          <a:rPr lang="en-US" i="1">
-                            <a:latin typeface="Cambria Math" panose="02040503050406030204" pitchFamily="18" charset="0"/>
-                          </a:rPr>
-                        </m:ctrlPr>
-                      </m:dPr>
-                      <m:e>
-                        <m:r>
-                          <a:rPr lang="en-US" i="1">
-                            <a:latin typeface="Cambria Math" panose="02040503050406030204" pitchFamily="18" charset="0"/>
-                          </a:rPr>
-                          <m:t>𝐴</m:t>
-                        </m:r>
-                        <m:r>
-                          <a:rPr lang="en-US" i="1">
-                            <a:latin typeface="Cambria Math" panose="02040503050406030204" pitchFamily="18" charset="0"/>
-                          </a:rPr>
-                          <m:t>,</m:t>
-                        </m:r>
-                        <m:r>
-                          <m:rPr>
-                            <m:sty m:val="p"/>
-                          </m:rPr>
-                          <a:rPr lang="en-US">
-                            <a:latin typeface="Cambria Math" panose="02040503050406030204" pitchFamily="18" charset="0"/>
-                          </a:rPr>
-                          <m:t>Ε</m:t>
-                        </m:r>
-                      </m:e>
-                    </m:d>
-                    <m:r>
-                      <a:rPr lang="en-US" b="0" i="1" smtClean="0">
-                        <a:latin typeface="Cambria Math" panose="02040503050406030204" pitchFamily="18" charset="0"/>
-                      </a:rPr>
-                      <m:t>&lt;</m:t>
-                    </m:r>
-                    <m:r>
-                      <a:rPr lang="en-US" b="0" i="1" smtClean="0">
-                        <a:latin typeface="Cambria Math" panose="02040503050406030204" pitchFamily="18" charset="0"/>
-                      </a:rPr>
-                      <m:t>𝜖</m:t>
-                    </m:r>
-                    <m:r>
-                      <a:rPr lang="en-US" b="0" i="0" smtClean="0">
-                        <a:latin typeface="Cambria Math" panose="02040503050406030204" pitchFamily="18" charset="0"/>
-                      </a:rPr>
-                      <m:t>,</m:t>
-                    </m:r>
-                  </m:oMath>
-                </a14:m>
-                <a:r>
-                  <a:rPr lang="en-US" b="0" dirty="0" smtClean="0"/>
-                  <a:t> </a:t>
-                </a:r>
-                <a:r>
-                  <a:rPr lang="ru-RU" b="0" dirty="0" smtClean="0"/>
-                  <a:t>где </a:t>
-                </a:r>
-                <a14:m>
-                  <m:oMath xmlns:m="http://schemas.openxmlformats.org/officeDocument/2006/math">
-                    <m:r>
-                      <a:rPr lang="en-US" b="0" i="1" smtClean="0">
-                        <a:latin typeface="Cambria Math" panose="02040503050406030204" pitchFamily="18" charset="0"/>
-                      </a:rPr>
-                      <m:t>𝜖</m:t>
-                    </m:r>
-                  </m:oMath>
-                </a14:m>
-                <a:r>
-                  <a:rPr lang="en-US" b="0" dirty="0" smtClean="0"/>
-                  <a:t> </a:t>
-                </a:r>
-                <a:r>
-                  <a:rPr lang="en-US" dirty="0"/>
-                  <a:t>-</a:t>
-                </a:r>
-                <a:r>
-                  <a:rPr lang="ru-RU" b="0" dirty="0" smtClean="0"/>
-                  <a:t> пренебрежимо малая величина.</a:t>
-                </a:r>
-                <a:endParaRPr lang="en-US" b="0" dirty="0" smtClean="0"/>
-              </a:p>
-            </p:txBody>
-          </p:sp>
-        </mc:Choice>
-        <mc:Fallback xmlns="">
-          <p:sp>
-            <p:nvSpPr>
-              <p:cNvPr id="3" name="Объект 2"/>
-              <p:cNvSpPr>
-                <a:spLocks noGrp="1" noRot="1" noChangeAspect="1" noMove="1" noResize="1" noEditPoints="1" noAdjustHandles="1" noChangeArrowheads="1" noChangeShapeType="1" noTextEdit="1"/>
-              </p:cNvSpPr>
-              <p:nvPr>
-                <p:ph idx="1"/>
-              </p:nvPr>
-            </p:nvSpPr>
-            <p:spPr>
-              <a:xfrm>
-                <a:off x="880618" y="3716968"/>
-                <a:ext cx="10515600" cy="2532225"/>
-              </a:xfrm>
-              <a:blipFill>
-                <a:blip r:embed="rId2"/>
-                <a:stretch>
-                  <a:fillRect l="-1043"/>
-                </a:stretch>
-              </a:blipFill>
-            </p:spPr>
-            <p:txBody>
-              <a:bodyPr/>
-              <a:lstStyle/>
-              <a:p>
-                <a:r>
-                  <a:rPr lang="ru-RU">
-                    <a:noFill/>
-                  </a:rPr>
-                  <a:t> </a:t>
-                </a:r>
-              </a:p>
-            </p:txBody>
-          </p:sp>
-        </mc:Fallback>
-      </mc:AlternateContent>
-      <p:sp>
-        <p:nvSpPr>
-          <p:cNvPr id="4" name="Номер слайда 3"/>
-          <p:cNvSpPr>
-            <a:spLocks noGrp="1"/>
-          </p:cNvSpPr>
-          <p:nvPr>
-            <p:ph type="sldNum" sz="quarter" idx="12"/>
-          </p:nvPr>
-        </p:nvSpPr>
-        <p:spPr/>
-        <p:txBody>
-          <a:bodyPr/>
-          <a:lstStyle/>
-          <a:p>
-            <a:fld id="{8253DDDB-F8F7-4D64-A7FD-3F3D61C1949F}" type="slidenum">
-              <a:rPr lang="ru-RU" smtClean="0"/>
-              <a:t>19</a:t>
-            </a:fld>
-            <a:endParaRPr lang="ru-RU"/>
-          </a:p>
-        </p:txBody>
-      </p:sp>
-      <p:sp>
-        <p:nvSpPr>
-          <p:cNvPr id="5" name="Rectangle 4"/>
-          <p:cNvSpPr>
-            <a:spLocks noChangeArrowheads="1"/>
-          </p:cNvSpPr>
-          <p:nvPr/>
-        </p:nvSpPr>
-        <p:spPr bwMode="auto">
-          <a:xfrm>
-            <a:off x="2214911" y="1784586"/>
-            <a:ext cx="1295400" cy="1188244"/>
-          </a:xfrm>
-          <a:prstGeom prst="rect">
-            <a:avLst/>
-          </a:prstGeom>
-          <a:solidFill>
-            <a:schemeClr val="accent1"/>
-          </a:solidFill>
-          <a:ln w="9525">
-            <a:solidFill>
-              <a:schemeClr val="tx1"/>
-            </a:solidFill>
-            <a:miter lim="800000"/>
-            <a:headEnd/>
-            <a:tailEnd/>
-          </a:ln>
-          <a:effectLst/>
-        </p:spPr>
-        <p:txBody>
-          <a:bodyPr wrap="none"/>
-          <a:lstStyle/>
-          <a:p>
-            <a:pPr algn="ctr"/>
-            <a:r>
-              <a:rPr lang="en-US" dirty="0" err="1"/>
-              <a:t>Chal</a:t>
-            </a:r>
-            <a:r>
-              <a:rPr lang="en-US" dirty="0"/>
-              <a:t>.</a:t>
-            </a:r>
-          </a:p>
-        </p:txBody>
-      </p:sp>
-      <mc:AlternateContent xmlns:mc="http://schemas.openxmlformats.org/markup-compatibility/2006" xmlns:a14="http://schemas.microsoft.com/office/drawing/2010/main">
-        <mc:Choice Requires="a14">
-          <p:sp>
-            <p:nvSpPr>
-              <p:cNvPr id="8" name="Rectangle 7"/>
-              <p:cNvSpPr>
-                <a:spLocks noChangeArrowheads="1"/>
-              </p:cNvSpPr>
-              <p:nvPr/>
-            </p:nvSpPr>
-            <p:spPr bwMode="auto">
-              <a:xfrm>
-                <a:off x="7396511" y="1784586"/>
-                <a:ext cx="1295400" cy="1188244"/>
-              </a:xfrm>
-              <a:prstGeom prst="rect">
-                <a:avLst/>
-              </a:prstGeom>
-              <a:solidFill>
-                <a:schemeClr val="accent1"/>
-              </a:solidFill>
-              <a:ln w="9525">
-                <a:solidFill>
-                  <a:schemeClr val="tx1"/>
-                </a:solidFill>
-                <a:miter lim="800000"/>
-                <a:headEnd/>
-                <a:tailEnd/>
-              </a:ln>
-              <a:effectLst/>
-            </p:spPr>
-            <p:txBody>
-              <a:bodyPr wrap="none"/>
-              <a:lstStyle/>
-              <a:p>
-                <a:pPr algn="ctr"/>
-                <a:r>
-                  <a:rPr lang="en-US" dirty="0"/>
-                  <a:t>Adv. </a:t>
-                </a:r>
-                <a14:m>
-                  <m:oMath xmlns:m="http://schemas.openxmlformats.org/officeDocument/2006/math">
-                    <m:r>
-                      <a:rPr lang="en-US" i="1" dirty="0" smtClean="0">
-                        <a:latin typeface="Cambria Math" panose="02040503050406030204" pitchFamily="18" charset="0"/>
-                      </a:rPr>
-                      <m:t>𝐴</m:t>
-                    </m:r>
-                  </m:oMath>
-                </a14:m>
-                <a:endParaRPr lang="en-US" dirty="0"/>
-              </a:p>
-            </p:txBody>
-          </p:sp>
-        </mc:Choice>
-        <mc:Fallback xmlns="">
-          <p:sp>
-            <p:nvSpPr>
-              <p:cNvPr id="8" name="Rectangle 7"/>
-              <p:cNvSpPr>
-                <a:spLocks noRot="1" noChangeAspect="1" noMove="1" noResize="1" noEditPoints="1" noAdjustHandles="1" noChangeArrowheads="1" noChangeShapeType="1" noTextEdit="1"/>
-              </p:cNvSpPr>
-              <p:nvPr/>
-            </p:nvSpPr>
-            <p:spPr bwMode="auto">
-              <a:xfrm>
-                <a:off x="7396511" y="1784586"/>
-                <a:ext cx="1295400" cy="1188244"/>
-              </a:xfrm>
-              <a:prstGeom prst="rect">
-                <a:avLst/>
-              </a:prstGeom>
-              <a:blipFill>
-                <a:blip r:embed="rId3"/>
-                <a:stretch>
-                  <a:fillRect t="-2538"/>
-                </a:stretch>
-              </a:blipFill>
-              <a:ln w="9525">
-                <a:solidFill>
-                  <a:schemeClr val="tx1"/>
-                </a:solidFill>
-                <a:miter lim="800000"/>
-                <a:headEnd/>
-                <a:tailEnd/>
-              </a:ln>
-              <a:effectLst/>
-            </p:spPr>
-            <p:txBody>
-              <a:bodyPr/>
-              <a:lstStyle/>
-              <a:p>
-                <a:r>
-                  <a:rPr lang="ru-RU">
-                    <a:noFill/>
-                  </a:rPr>
-                  <a:t> </a:t>
-                </a:r>
-              </a:p>
-            </p:txBody>
-          </p:sp>
-        </mc:Fallback>
-      </mc:AlternateContent>
-      <p:grpSp>
-        <p:nvGrpSpPr>
-          <p:cNvPr id="15" name="Group 22"/>
-          <p:cNvGrpSpPr>
-            <a:grpSpLocks/>
-          </p:cNvGrpSpPr>
-          <p:nvPr/>
-        </p:nvGrpSpPr>
-        <p:grpSpPr bwMode="auto">
-          <a:xfrm>
-            <a:off x="8006120" y="2972828"/>
-            <a:ext cx="1254127" cy="678656"/>
-            <a:chOff x="4560" y="2842"/>
-            <a:chExt cx="790" cy="570"/>
-          </a:xfrm>
-        </p:grpSpPr>
-        <p:sp>
-          <p:nvSpPr>
-            <p:cNvPr id="16" name="Line 16"/>
-            <p:cNvSpPr>
-              <a:spLocks noChangeShapeType="1"/>
-            </p:cNvSpPr>
-            <p:nvPr/>
-          </p:nvSpPr>
-          <p:spPr bwMode="auto">
-            <a:xfrm>
-              <a:off x="4560" y="2842"/>
-              <a:ext cx="0" cy="480"/>
-            </a:xfrm>
-            <a:prstGeom prst="line">
-              <a:avLst/>
-            </a:prstGeom>
-            <a:noFill/>
-            <a:ln w="9525">
-              <a:solidFill>
-                <a:schemeClr val="tx1"/>
-              </a:solidFill>
-              <a:round/>
-              <a:headEnd/>
-              <a:tailEnd type="triangle" w="med" len="med"/>
-            </a:ln>
-            <a:effectLst/>
-          </p:spPr>
-          <p:txBody>
-            <a:bodyPr/>
-            <a:lstStyle/>
-            <a:p>
-              <a:endParaRPr lang="en-US"/>
-            </a:p>
-          </p:txBody>
-        </p:sp>
-        <mc:AlternateContent xmlns:mc="http://schemas.openxmlformats.org/markup-compatibility/2006" xmlns:a14="http://schemas.microsoft.com/office/drawing/2010/main">
-          <mc:Choice Requires="a14">
-            <p:sp>
-              <p:nvSpPr>
-                <p:cNvPr id="17" name="Text Box 17"/>
-                <p:cNvSpPr txBox="1">
-                  <a:spLocks noChangeArrowheads="1"/>
-                </p:cNvSpPr>
-                <p:nvPr/>
-              </p:nvSpPr>
-              <p:spPr bwMode="auto">
-                <a:xfrm>
-                  <a:off x="4568" y="3024"/>
-                  <a:ext cx="782" cy="388"/>
-                </a:xfrm>
-                <a:prstGeom prst="rect">
-                  <a:avLst/>
-                </a:prstGeom>
-                <a:noFill/>
-                <a:ln w="9525">
-                  <a:noFill/>
-                  <a:miter lim="800000"/>
-                  <a:headEnd/>
-                  <a:tailEnd/>
-                </a:ln>
-                <a:effectLst/>
-              </p:spPr>
-              <p:txBody>
-                <a:bodyPr wrap="none">
-                  <a:spAutoFit/>
-                </a:bodyPr>
-                <a:lstStyle/>
-                <a:p>
-                  <a:pPr/>
-                  <a14:m>
-                    <m:oMathPara xmlns:m="http://schemas.openxmlformats.org/officeDocument/2006/math">
-                      <m:oMathParaPr>
-                        <m:jc m:val="centerGroup"/>
-                      </m:oMathParaPr>
-                      <m:oMath xmlns:m="http://schemas.openxmlformats.org/officeDocument/2006/math">
-                        <m:sSup>
-                          <m:sSupPr>
-                            <m:ctrlPr>
-                              <a:rPr lang="en-US" sz="2400" b="0" i="1" smtClean="0">
-                                <a:latin typeface="Cambria Math" panose="02040503050406030204" pitchFamily="18" charset="0"/>
-                              </a:rPr>
-                            </m:ctrlPr>
-                          </m:sSupPr>
-                          <m:e>
-                            <m:r>
-                              <a:rPr lang="en-US" sz="2400" b="0" i="1" smtClean="0">
-                                <a:latin typeface="Cambria Math" panose="02040503050406030204" pitchFamily="18" charset="0"/>
-                              </a:rPr>
-                              <m:t>𝑚</m:t>
-                            </m:r>
-                          </m:e>
-                          <m:sup>
-                            <m:r>
-                              <a:rPr lang="en-US" sz="2400" b="0" i="1" smtClean="0">
-                                <a:latin typeface="Cambria Math" panose="02040503050406030204" pitchFamily="18" charset="0"/>
-                              </a:rPr>
-                              <m:t>′</m:t>
-                            </m:r>
-                          </m:sup>
-                        </m:sSup>
-                        <m:r>
-                          <a:rPr lang="en-US" sz="2400" b="0" i="1" smtClean="0">
-                            <a:latin typeface="Cambria Math" panose="02040503050406030204" pitchFamily="18" charset="0"/>
-                          </a:rPr>
-                          <m:t>∈</m:t>
-                        </m:r>
-                        <m:r>
-                          <a:rPr lang="en-US" sz="2400" b="0" i="1" smtClean="0">
-                            <a:latin typeface="Cambria Math" panose="02040503050406030204" pitchFamily="18" charset="0"/>
-                          </a:rPr>
-                          <m:t>𝑀</m:t>
-                        </m:r>
-                      </m:oMath>
-                    </m:oMathPara>
-                  </a14:m>
-                  <a:endParaRPr lang="en-US" sz="2400" dirty="0"/>
-                </a:p>
-              </p:txBody>
-            </p:sp>
-          </mc:Choice>
-          <mc:Fallback xmlns="">
-            <p:sp>
-              <p:nvSpPr>
-                <p:cNvPr id="17" name="Text Box 17"/>
-                <p:cNvSpPr txBox="1">
-                  <a:spLocks noRot="1" noChangeAspect="1" noMove="1" noResize="1" noEditPoints="1" noAdjustHandles="1" noChangeArrowheads="1" noChangeShapeType="1" noTextEdit="1"/>
-                </p:cNvSpPr>
-                <p:nvPr/>
-              </p:nvSpPr>
-              <p:spPr bwMode="auto">
-                <a:xfrm>
-                  <a:off x="4568" y="3024"/>
-                  <a:ext cx="782" cy="388"/>
-                </a:xfrm>
-                <a:prstGeom prst="rect">
-                  <a:avLst/>
-                </a:prstGeom>
-                <a:blipFill>
-                  <a:blip r:embed="rId4"/>
-                  <a:stretch>
-                    <a:fillRect/>
-                  </a:stretch>
-                </a:blipFill>
-                <a:ln w="9525">
-                  <a:noFill/>
-                  <a:miter lim="800000"/>
-                  <a:headEnd/>
-                  <a:tailEnd/>
-                </a:ln>
-                <a:effectLst/>
-              </p:spPr>
-              <p:txBody>
-                <a:bodyPr/>
-                <a:lstStyle/>
-                <a:p>
-                  <a:r>
-                    <a:rPr lang="ru-RU">
-                      <a:noFill/>
-                    </a:rPr>
-                    <a:t> </a:t>
-                  </a:r>
-                </a:p>
-              </p:txBody>
-            </p:sp>
-          </mc:Fallback>
-        </mc:AlternateContent>
-      </p:grpSp>
-      <p:sp>
-        <p:nvSpPr>
-          <p:cNvPr id="18" name="Rectangle 18"/>
-          <p:cNvSpPr>
-            <a:spLocks noChangeArrowheads="1"/>
-          </p:cNvSpPr>
-          <p:nvPr/>
-        </p:nvSpPr>
-        <p:spPr bwMode="auto">
-          <a:xfrm>
-            <a:off x="1575151" y="1555985"/>
-            <a:ext cx="7924800" cy="1588294"/>
-          </a:xfrm>
-          <a:prstGeom prst="rect">
-            <a:avLst/>
-          </a:prstGeom>
-          <a:noFill/>
-          <a:ln w="38100">
-            <a:solidFill>
-              <a:schemeClr val="folHlink"/>
-            </a:solidFill>
-            <a:miter lim="800000"/>
-            <a:headEnd/>
-            <a:tailEnd/>
-          </a:ln>
-          <a:effectLst/>
-        </p:spPr>
-        <p:txBody>
-          <a:bodyPr wrap="none" anchor="ctr"/>
-          <a:lstStyle/>
-          <a:p>
-            <a:endParaRPr lang="en-US"/>
-          </a:p>
-        </p:txBody>
-      </p:sp>
-      <mc:AlternateContent xmlns:mc="http://schemas.openxmlformats.org/markup-compatibility/2006" xmlns:a14="http://schemas.microsoft.com/office/drawing/2010/main">
-        <mc:Choice Requires="a14">
-          <p:sp>
-            <p:nvSpPr>
-              <p:cNvPr id="19" name="Text Box 13"/>
-              <p:cNvSpPr txBox="1">
-                <a:spLocks noChangeArrowheads="1"/>
-              </p:cNvSpPr>
-              <p:nvPr/>
-            </p:nvSpPr>
-            <p:spPr bwMode="auto">
-              <a:xfrm>
-                <a:off x="2484878" y="2099118"/>
-                <a:ext cx="810158" cy="753924"/>
-              </a:xfrm>
-              <a:prstGeom prst="rect">
-                <a:avLst/>
-              </a:prstGeom>
-              <a:noFill/>
-              <a:ln w="9525">
-                <a:noFill/>
-                <a:miter lim="800000"/>
-                <a:headEnd/>
-                <a:tailEnd/>
-              </a:ln>
-              <a:effectLst/>
-            </p:spPr>
-            <p:txBody>
-              <a:bodyPr wrap="none">
-                <a:spAutoFit/>
-              </a:bodyPr>
-              <a:lstStyle/>
-              <a:p>
-                <a:pPr algn="ctr"/>
-                <a:r>
-                  <a:rPr lang="en-US" sz="1600" dirty="0" smtClean="0"/>
-                  <a:t>k</a:t>
-                </a:r>
-                <a14:m>
-                  <m:oMath xmlns:m="http://schemas.openxmlformats.org/officeDocument/2006/math">
-                    <m:groupChr>
-                      <m:groupChrPr>
-                        <m:chr m:val="←"/>
-                        <m:vertJc m:val="bot"/>
-                        <m:ctrlPr>
-                          <a:rPr lang="en-US" sz="1600" i="1">
-                            <a:latin typeface="Cambria Math" panose="02040503050406030204" pitchFamily="18" charset="0"/>
-                          </a:rPr>
-                        </m:ctrlPr>
-                      </m:groupChrPr>
-                      <m:e>
-                        <m:r>
-                          <m:rPr>
-                            <m:brk m:alnAt="2"/>
-                          </m:rPr>
-                          <a:rPr lang="en-US" sz="1600" i="1">
-                            <a:latin typeface="Cambria Math" panose="02040503050406030204" pitchFamily="18" charset="0"/>
-                          </a:rPr>
-                          <m:t>𝑅</m:t>
-                        </m:r>
-                      </m:e>
-                    </m:groupChr>
-                    <m:r>
-                      <a:rPr lang="en-US" sz="1600" b="0" i="1" smtClean="0">
-                        <a:latin typeface="Cambria Math" panose="02040503050406030204" pitchFamily="18" charset="0"/>
-                      </a:rPr>
-                      <m:t>𝐾</m:t>
-                    </m:r>
-                  </m:oMath>
-                </a14:m>
-                <a:endParaRPr lang="ru-RU" sz="1600" b="0" i="1" dirty="0" smtClean="0">
-                  <a:latin typeface="Cambria Math" panose="02040503050406030204" pitchFamily="18" charset="0"/>
-                </a:endParaRPr>
-              </a:p>
-              <a:p>
-                <a:pPr algn="ctr"/>
-                <a14:m>
-                  <m:oMathPara xmlns:m="http://schemas.openxmlformats.org/officeDocument/2006/math">
-                    <m:oMathParaPr>
-                      <m:jc m:val="left"/>
-                    </m:oMathParaPr>
-                    <m:oMath xmlns:m="http://schemas.openxmlformats.org/officeDocument/2006/math">
-                      <m:r>
-                        <a:rPr lang="en-US" sz="1600" i="1">
-                          <a:latin typeface="Cambria Math" panose="02040503050406030204" pitchFamily="18" charset="0"/>
-                        </a:rPr>
-                        <m:t>𝑚</m:t>
-                      </m:r>
-                      <m:groupChr>
-                        <m:groupChrPr>
-                          <m:chr m:val="←"/>
-                          <m:vertJc m:val="bot"/>
-                          <m:ctrlPr>
-                            <a:rPr lang="en-US" sz="1600" i="1">
-                              <a:latin typeface="Cambria Math" panose="02040503050406030204" pitchFamily="18" charset="0"/>
-                            </a:rPr>
-                          </m:ctrlPr>
-                        </m:groupChrPr>
-                        <m:e>
-                          <m:r>
-                            <m:rPr>
-                              <m:brk m:alnAt="2"/>
-                            </m:rPr>
-                            <a:rPr lang="en-US" sz="1600" i="1">
-                              <a:latin typeface="Cambria Math" panose="02040503050406030204" pitchFamily="18" charset="0"/>
-                            </a:rPr>
-                            <m:t>𝑅</m:t>
-                          </m:r>
-                        </m:e>
-                      </m:groupChr>
-                      <m:r>
-                        <a:rPr lang="en-US" sz="1600" i="1">
-                          <a:latin typeface="Cambria Math" panose="02040503050406030204" pitchFamily="18" charset="0"/>
-                        </a:rPr>
-                        <m:t>𝑀</m:t>
-                      </m:r>
-                    </m:oMath>
-                  </m:oMathPara>
-                </a14:m>
-                <a:endParaRPr lang="en-US" sz="1600" b="1" baseline="-25000" dirty="0">
-                  <a:cs typeface="Arial" charset="0"/>
-                  <a:sym typeface="Symbol" pitchFamily="18" charset="2"/>
-                </a:endParaRPr>
-              </a:p>
-            </p:txBody>
-          </p:sp>
-        </mc:Choice>
-        <mc:Fallback xmlns="">
-          <p:sp>
-            <p:nvSpPr>
-              <p:cNvPr id="19" name="Text Box 13"/>
-              <p:cNvSpPr txBox="1">
-                <a:spLocks noRot="1" noChangeAspect="1" noMove="1" noResize="1" noEditPoints="1" noAdjustHandles="1" noChangeArrowheads="1" noChangeShapeType="1" noTextEdit="1"/>
-              </p:cNvSpPr>
-              <p:nvPr/>
-            </p:nvSpPr>
-            <p:spPr bwMode="auto">
-              <a:xfrm>
-                <a:off x="2484878" y="2099118"/>
-                <a:ext cx="810158" cy="753924"/>
-              </a:xfrm>
-              <a:prstGeom prst="rect">
-                <a:avLst/>
-              </a:prstGeom>
-              <a:blipFill>
-                <a:blip r:embed="rId5"/>
-                <a:stretch>
-                  <a:fillRect r="-33083" b="-25000"/>
-                </a:stretch>
-              </a:blipFill>
-              <a:ln w="9525">
-                <a:noFill/>
-                <a:miter lim="800000"/>
-                <a:headEnd/>
-                <a:tailEnd/>
-              </a:ln>
-              <a:effectLst/>
-            </p:spPr>
-            <p:txBody>
-              <a:bodyPr/>
-              <a:lstStyle/>
-              <a:p>
-                <a:r>
-                  <a:rPr lang="ru-RU">
-                    <a:noFill/>
-                  </a:rPr>
-                  <a:t> </a:t>
-                </a:r>
-              </a:p>
-            </p:txBody>
-          </p:sp>
-        </mc:Fallback>
-      </mc:AlternateContent>
-      <p:grpSp>
-        <p:nvGrpSpPr>
-          <p:cNvPr id="20" name="Group 20"/>
-          <p:cNvGrpSpPr>
-            <a:grpSpLocks/>
-          </p:cNvGrpSpPr>
-          <p:nvPr/>
-        </p:nvGrpSpPr>
-        <p:grpSpPr bwMode="auto">
-          <a:xfrm>
-            <a:off x="3612705" y="1653625"/>
-            <a:ext cx="3733800" cy="559595"/>
-            <a:chOff x="1776" y="1940"/>
-            <a:chExt cx="2352" cy="470"/>
-          </a:xfrm>
-        </p:grpSpPr>
-        <p:sp>
-          <p:nvSpPr>
-            <p:cNvPr id="21" name="Line 13"/>
-            <p:cNvSpPr>
-              <a:spLocks noChangeShapeType="1"/>
-            </p:cNvSpPr>
-            <p:nvPr/>
-          </p:nvSpPr>
-          <p:spPr bwMode="auto">
-            <a:xfrm>
-              <a:off x="1776" y="2410"/>
-              <a:ext cx="2352" cy="0"/>
-            </a:xfrm>
-            <a:prstGeom prst="line">
-              <a:avLst/>
-            </a:prstGeom>
-            <a:noFill/>
-            <a:ln w="38100" cmpd="sng">
-              <a:solidFill>
-                <a:schemeClr val="tx1"/>
-              </a:solidFill>
-              <a:round/>
-              <a:headEnd/>
-              <a:tailEnd type="triangle" w="med" len="med"/>
-            </a:ln>
-            <a:effectLst/>
-          </p:spPr>
-          <p:txBody>
-            <a:bodyPr/>
-            <a:lstStyle/>
-            <a:p>
-              <a:endParaRPr lang="en-US"/>
-            </a:p>
-          </p:txBody>
-        </p:sp>
-        <mc:AlternateContent xmlns:mc="http://schemas.openxmlformats.org/markup-compatibility/2006" xmlns:a14="http://schemas.microsoft.com/office/drawing/2010/main">
-          <mc:Choice Requires="a14">
-            <p:sp>
-              <p:nvSpPr>
-                <p:cNvPr id="22" name="Text Box 14"/>
-                <p:cNvSpPr txBox="1">
-                  <a:spLocks noChangeArrowheads="1"/>
-                </p:cNvSpPr>
-                <p:nvPr/>
-              </p:nvSpPr>
-              <p:spPr bwMode="auto">
-                <a:xfrm>
-                  <a:off x="2413" y="1940"/>
-                  <a:ext cx="954" cy="425"/>
-                </a:xfrm>
-                <a:prstGeom prst="rect">
-                  <a:avLst/>
-                </a:prstGeom>
-                <a:noFill/>
-                <a:ln w="9525">
-                  <a:noFill/>
-                  <a:miter lim="800000"/>
-                  <a:headEnd/>
-                  <a:tailEnd/>
-                </a:ln>
-                <a:effectLst/>
-              </p:spPr>
-              <p:txBody>
-                <a:bodyPr wrap="none">
-                  <a:spAutoFit/>
-                </a:bodyPr>
-                <a:lstStyle/>
-                <a:p>
-                  <a:pPr/>
-                  <a14:m>
-                    <m:oMathPara xmlns:m="http://schemas.openxmlformats.org/officeDocument/2006/math">
-                      <m:oMathParaPr>
-                        <m:jc m:val="centerGroup"/>
-                      </m:oMathParaPr>
-                      <m:oMath xmlns:m="http://schemas.openxmlformats.org/officeDocument/2006/math">
-                        <m:r>
-                          <a:rPr lang="en-US" sz="2000" i="1">
-                            <a:latin typeface="Cambria Math" panose="02040503050406030204" pitchFamily="18" charset="0"/>
-                          </a:rPr>
-                          <m:t>𝑐</m:t>
-                        </m:r>
-                        <m:groupChr>
-                          <m:groupChrPr>
-                            <m:chr m:val="←"/>
-                            <m:vertJc m:val="bot"/>
-                            <m:ctrlPr>
-                              <a:rPr lang="en-US" sz="2000" i="1">
-                                <a:latin typeface="Cambria Math" panose="02040503050406030204" pitchFamily="18" charset="0"/>
-                              </a:rPr>
-                            </m:ctrlPr>
-                          </m:groupChrPr>
-                          <m:e>
-                            <m:r>
-                              <m:rPr>
-                                <m:brk m:alnAt="2"/>
-                              </m:rPr>
-                              <a:rPr lang="en-US" sz="2000" i="1">
-                                <a:latin typeface="Cambria Math" panose="02040503050406030204" pitchFamily="18" charset="0"/>
-                              </a:rPr>
-                              <m:t>𝑅</m:t>
-                            </m:r>
-                          </m:e>
-                        </m:groupChr>
-                        <m:r>
-                          <a:rPr lang="en-US" sz="2000" i="1">
-                            <a:latin typeface="Cambria Math" panose="02040503050406030204" pitchFamily="18" charset="0"/>
-                          </a:rPr>
-                          <m:t>𝐸</m:t>
-                        </m:r>
-                        <m:r>
-                          <a:rPr lang="en-US" sz="2000" i="1">
-                            <a:latin typeface="Cambria Math" panose="02040503050406030204" pitchFamily="18" charset="0"/>
-                          </a:rPr>
-                          <m:t>(</m:t>
-                        </m:r>
-                        <m:r>
-                          <a:rPr lang="en-US" sz="2000" i="1">
-                            <a:latin typeface="Cambria Math" panose="02040503050406030204" pitchFamily="18" charset="0"/>
-                          </a:rPr>
-                          <m:t>𝑘</m:t>
-                        </m:r>
-                        <m:r>
-                          <a:rPr lang="en-US" sz="2000" i="1">
-                            <a:latin typeface="Cambria Math" panose="02040503050406030204" pitchFamily="18" charset="0"/>
-                          </a:rPr>
-                          <m:t>,</m:t>
-                        </m:r>
-                        <m:r>
-                          <a:rPr lang="en-US" sz="2000" i="1">
-                            <a:latin typeface="Cambria Math" panose="02040503050406030204" pitchFamily="18" charset="0"/>
-                          </a:rPr>
-                          <m:t>𝑚</m:t>
-                        </m:r>
-                        <m:r>
-                          <a:rPr lang="en-US" sz="2000" i="1">
-                            <a:latin typeface="Cambria Math" panose="02040503050406030204" pitchFamily="18" charset="0"/>
-                          </a:rPr>
-                          <m:t>)</m:t>
-                        </m:r>
-                      </m:oMath>
-                    </m:oMathPara>
-                  </a14:m>
-                  <a:endParaRPr lang="en-US" sz="2000" dirty="0"/>
-                </a:p>
-              </p:txBody>
-            </p:sp>
-          </mc:Choice>
-          <mc:Fallback xmlns="">
-            <p:sp>
-              <p:nvSpPr>
-                <p:cNvPr id="22" name="Text Box 14"/>
-                <p:cNvSpPr txBox="1">
-                  <a:spLocks noRot="1" noChangeAspect="1" noMove="1" noResize="1" noEditPoints="1" noAdjustHandles="1" noChangeArrowheads="1" noChangeShapeType="1" noTextEdit="1"/>
-                </p:cNvSpPr>
-                <p:nvPr/>
-              </p:nvSpPr>
-              <p:spPr bwMode="auto">
-                <a:xfrm>
-                  <a:off x="2413" y="1940"/>
-                  <a:ext cx="954" cy="425"/>
-                </a:xfrm>
-                <a:prstGeom prst="rect">
-                  <a:avLst/>
-                </a:prstGeom>
-                <a:blipFill>
-                  <a:blip r:embed="rId6"/>
-                  <a:stretch>
-                    <a:fillRect/>
-                  </a:stretch>
-                </a:blipFill>
-                <a:ln w="9525">
-                  <a:noFill/>
-                  <a:miter lim="800000"/>
-                  <a:headEnd/>
-                  <a:tailEnd/>
-                </a:ln>
-                <a:effectLst/>
-              </p:spPr>
-              <p:txBody>
-                <a:bodyPr/>
-                <a:lstStyle/>
-                <a:p>
-                  <a:r>
-                    <a:rPr lang="ru-RU">
-                      <a:noFill/>
-                    </a:rPr>
-                    <a:t> </a:t>
-                  </a:r>
-                </a:p>
-              </p:txBody>
-            </p:sp>
-          </mc:Fallback>
-        </mc:AlternateContent>
-      </p:grpSp>
-    </p:spTree>
-    <p:extLst>
-      <p:ext uri="{BB962C8B-B14F-4D97-AF65-F5344CB8AC3E}">
-        <p14:creationId xmlns:p14="http://schemas.microsoft.com/office/powerpoint/2010/main" val="4293687258"/>
       </p:ext>
     </p:extLst>
   </p:cSld>
@@ -17201,6 +17431,2506 @@
       </p:grpSpPr>
       <p:sp>
         <p:nvSpPr>
+          <p:cNvPr id="2" name="Заголовок 1"/>
+          <p:cNvSpPr>
+            <a:spLocks noGrp="1"/>
+          </p:cNvSpPr>
+          <p:nvPr>
+            <p:ph type="title"/>
+          </p:nvPr>
+        </p:nvSpPr>
+        <p:spPr/>
+        <p:txBody>
+          <a:bodyPr/>
+          <a:lstStyle/>
+          <a:p>
+            <a:r>
+              <a:rPr lang="ru-RU" dirty="0" smtClean="0"/>
+              <a:t>Восстановление сообщений</a:t>
+            </a:r>
+            <a:endParaRPr lang="ru-RU" dirty="0"/>
+          </a:p>
+        </p:txBody>
+      </p:sp>
+      <mc:AlternateContent xmlns:mc="http://schemas.openxmlformats.org/markup-compatibility/2006" xmlns:a14="http://schemas.microsoft.com/office/drawing/2010/main">
+        <mc:Choice Requires="a14">
+          <p:sp>
+            <p:nvSpPr>
+              <p:cNvPr id="3" name="Объект 2"/>
+              <p:cNvSpPr>
+                <a:spLocks noGrp="1"/>
+              </p:cNvSpPr>
+              <p:nvPr>
+                <p:ph idx="1"/>
+              </p:nvPr>
+            </p:nvSpPr>
+            <p:spPr>
+              <a:xfrm>
+                <a:off x="880618" y="3716968"/>
+                <a:ext cx="10515600" cy="2532225"/>
+              </a:xfrm>
+            </p:spPr>
+            <p:txBody>
+              <a:bodyPr>
+                <a:normAutofit/>
+              </a:bodyPr>
+              <a:lstStyle/>
+              <a:p>
+                <a:pPr marL="0" indent="0">
+                  <a:buNone/>
+                </a:pPr>
+                <a:r>
+                  <a:rPr lang="ru-RU" dirty="0" smtClean="0"/>
+                  <a:t>Пусть</a:t>
+                </a:r>
+                <a:r>
+                  <a:rPr lang="en-US" dirty="0" smtClean="0"/>
+                  <a:t> </a:t>
+                </a:r>
+                <a14:m>
+                  <m:oMath xmlns:m="http://schemas.openxmlformats.org/officeDocument/2006/math">
+                    <m:r>
+                      <a:rPr lang="en-US" b="0" i="1" smtClean="0">
+                        <a:latin typeface="Cambria Math" panose="02040503050406030204" pitchFamily="18" charset="0"/>
+                      </a:rPr>
+                      <m:t>𝑊</m:t>
+                    </m:r>
+                  </m:oMath>
+                </a14:m>
+                <a:r>
+                  <a:rPr lang="en-US" dirty="0" smtClean="0"/>
+                  <a:t> – </a:t>
+                </a:r>
+                <a:r>
+                  <a:rPr lang="ru-RU" dirty="0" smtClean="0"/>
+                  <a:t>событие, при котором </a:t>
+                </a:r>
+                <a14:m>
+                  <m:oMath xmlns:m="http://schemas.openxmlformats.org/officeDocument/2006/math">
+                    <m:sSup>
+                      <m:sSupPr>
+                        <m:ctrlPr>
+                          <a:rPr lang="en-US" b="0" i="1" smtClean="0">
+                            <a:latin typeface="Cambria Math" panose="02040503050406030204" pitchFamily="18" charset="0"/>
+                          </a:rPr>
+                        </m:ctrlPr>
+                      </m:sSupPr>
+                      <m:e>
+                        <m:r>
+                          <a:rPr lang="en-US" b="0" i="1" smtClean="0">
+                            <a:latin typeface="Cambria Math" panose="02040503050406030204" pitchFamily="18" charset="0"/>
+                          </a:rPr>
+                          <m:t>𝑚</m:t>
+                        </m:r>
+                      </m:e>
+                      <m:sup>
+                        <m:r>
+                          <a:rPr lang="en-US" b="0" i="1" smtClean="0">
+                            <a:latin typeface="Cambria Math" panose="02040503050406030204" pitchFamily="18" charset="0"/>
+                          </a:rPr>
+                          <m:t>′</m:t>
+                        </m:r>
+                      </m:sup>
+                    </m:sSup>
+                    <m:r>
+                      <a:rPr lang="en-US" b="0" i="1" smtClean="0">
+                        <a:latin typeface="Cambria Math" panose="02040503050406030204" pitchFamily="18" charset="0"/>
+                      </a:rPr>
+                      <m:t>=</m:t>
+                    </m:r>
+                    <m:r>
+                      <a:rPr lang="en-US" b="0" i="1" smtClean="0">
+                        <a:latin typeface="Cambria Math" panose="02040503050406030204" pitchFamily="18" charset="0"/>
+                      </a:rPr>
+                      <m:t>𝑚</m:t>
+                    </m:r>
+                  </m:oMath>
+                </a14:m>
+                <a:r>
+                  <a:rPr lang="en-US" dirty="0" smtClean="0"/>
+                  <a:t>.</a:t>
+                </a:r>
+              </a:p>
+              <a:p>
+                <a:pPr marL="0" indent="0">
+                  <a:buNone/>
+                </a:pPr>
+                <a:r>
+                  <a:rPr lang="ru-RU" dirty="0" smtClean="0"/>
+                  <a:t>Преимуществом алгоритма </a:t>
+                </a:r>
+                <a14:m>
+                  <m:oMath xmlns:m="http://schemas.openxmlformats.org/officeDocument/2006/math">
+                    <m:r>
+                      <a:rPr lang="en-US" b="0" i="1" smtClean="0">
+                        <a:latin typeface="Cambria Math" panose="02040503050406030204" pitchFamily="18" charset="0"/>
+                      </a:rPr>
+                      <m:t>𝐴</m:t>
+                    </m:r>
+                  </m:oMath>
+                </a14:m>
+                <a:r>
+                  <a:rPr lang="ru-RU" dirty="0" smtClean="0"/>
+                  <a:t> против шифра </a:t>
+                </a:r>
+                <a14:m>
+                  <m:oMath xmlns:m="http://schemas.openxmlformats.org/officeDocument/2006/math">
+                    <m:r>
+                      <m:rPr>
+                        <m:sty m:val="p"/>
+                      </m:rPr>
+                      <a:rPr lang="en-US" b="0" i="0" smtClean="0">
+                        <a:latin typeface="Cambria Math" panose="02040503050406030204" pitchFamily="18" charset="0"/>
+                      </a:rPr>
+                      <m:t>Ε</m:t>
+                    </m:r>
+                  </m:oMath>
+                </a14:m>
+                <a:r>
+                  <a:rPr lang="ru-RU" dirty="0" smtClean="0"/>
+                  <a:t> при атаке на восстановление сообщений является величина</a:t>
+                </a:r>
+                <a:endParaRPr lang="en-US" dirty="0" smtClean="0"/>
+              </a:p>
+              <a:p>
+                <a:pPr marL="0" indent="0">
+                  <a:buNone/>
+                </a:pPr>
+                <a14:m>
+                  <m:oMathPara xmlns:m="http://schemas.openxmlformats.org/officeDocument/2006/math">
+                    <m:oMathParaPr>
+                      <m:jc m:val="centerGroup"/>
+                    </m:oMathParaPr>
+                    <m:oMath xmlns:m="http://schemas.openxmlformats.org/officeDocument/2006/math">
+                      <m:r>
+                        <m:rPr>
+                          <m:sty m:val="p"/>
+                        </m:rPr>
+                        <a:rPr lang="en-US" b="0" i="0" smtClean="0">
+                          <a:latin typeface="Cambria Math" panose="02040503050406030204" pitchFamily="18" charset="0"/>
+                        </a:rPr>
+                        <m:t>MRadv</m:t>
+                      </m:r>
+                      <m:d>
+                        <m:dPr>
+                          <m:begChr m:val="["/>
+                          <m:endChr m:val="]"/>
+                          <m:ctrlPr>
+                            <a:rPr lang="en-US" b="0" i="1" smtClean="0">
+                              <a:latin typeface="Cambria Math" panose="02040503050406030204" pitchFamily="18" charset="0"/>
+                            </a:rPr>
+                          </m:ctrlPr>
+                        </m:dPr>
+                        <m:e>
+                          <m:r>
+                            <a:rPr lang="en-US" b="0" i="1" smtClean="0">
+                              <a:latin typeface="Cambria Math" panose="02040503050406030204" pitchFamily="18" charset="0"/>
+                            </a:rPr>
+                            <m:t>𝐴</m:t>
+                          </m:r>
+                          <m:r>
+                            <a:rPr lang="en-US" b="0" i="1" smtClean="0">
+                              <a:latin typeface="Cambria Math" panose="02040503050406030204" pitchFamily="18" charset="0"/>
+                            </a:rPr>
+                            <m:t>,</m:t>
+                          </m:r>
+                          <m:r>
+                            <m:rPr>
+                              <m:sty m:val="p"/>
+                            </m:rPr>
+                            <a:rPr lang="en-US" b="0" i="0" smtClean="0">
+                              <a:latin typeface="Cambria Math" panose="02040503050406030204" pitchFamily="18" charset="0"/>
+                            </a:rPr>
+                            <m:t>Ε</m:t>
+                          </m:r>
+                        </m:e>
+                      </m:d>
+                      <m:r>
+                        <a:rPr lang="en-US" b="0" i="1" smtClean="0">
+                          <a:latin typeface="Cambria Math" panose="02040503050406030204" pitchFamily="18" charset="0"/>
+                        </a:rPr>
+                        <m:t>=</m:t>
+                      </m:r>
+                      <m:d>
+                        <m:dPr>
+                          <m:begChr m:val="|"/>
+                          <m:endChr m:val="|"/>
+                          <m:ctrlPr>
+                            <a:rPr lang="en-US" b="0" i="1" smtClean="0">
+                              <a:latin typeface="Cambria Math" panose="02040503050406030204" pitchFamily="18" charset="0"/>
+                            </a:rPr>
+                          </m:ctrlPr>
+                        </m:dPr>
+                        <m:e>
+                          <m:func>
+                            <m:funcPr>
+                              <m:ctrlPr>
+                                <a:rPr lang="en-US" b="0" i="1" smtClean="0">
+                                  <a:latin typeface="Cambria Math" panose="02040503050406030204" pitchFamily="18" charset="0"/>
+                                </a:rPr>
+                              </m:ctrlPr>
+                            </m:funcPr>
+                            <m:fName>
+                              <m:r>
+                                <m:rPr>
+                                  <m:sty m:val="p"/>
+                                </m:rPr>
+                                <a:rPr lang="en-US" b="0" i="0" smtClean="0">
+                                  <a:latin typeface="Cambria Math" panose="02040503050406030204" pitchFamily="18" charset="0"/>
+                                </a:rPr>
+                                <m:t>Pr</m:t>
+                              </m:r>
+                            </m:fName>
+                            <m:e>
+                              <m:d>
+                                <m:dPr>
+                                  <m:begChr m:val="["/>
+                                  <m:endChr m:val="]"/>
+                                  <m:ctrlPr>
+                                    <a:rPr lang="en-US" b="0" i="1" smtClean="0">
+                                      <a:latin typeface="Cambria Math" panose="02040503050406030204" pitchFamily="18" charset="0"/>
+                                    </a:rPr>
+                                  </m:ctrlPr>
+                                </m:dPr>
+                                <m:e>
+                                  <m:r>
+                                    <a:rPr lang="en-US" b="0" i="1" smtClean="0">
+                                      <a:latin typeface="Cambria Math" panose="02040503050406030204" pitchFamily="18" charset="0"/>
+                                    </a:rPr>
+                                    <m:t>𝑊</m:t>
+                                  </m:r>
+                                </m:e>
+                              </m:d>
+                            </m:e>
+                          </m:func>
+                          <m:r>
+                            <a:rPr lang="en-US" b="0" i="1" smtClean="0">
+                              <a:latin typeface="Cambria Math" panose="02040503050406030204" pitchFamily="18" charset="0"/>
+                            </a:rPr>
+                            <m:t>−</m:t>
+                          </m:r>
+                          <m:f>
+                            <m:fPr>
+                              <m:ctrlPr>
+                                <a:rPr lang="en-US" b="0" i="1" smtClean="0">
+                                  <a:latin typeface="Cambria Math" panose="02040503050406030204" pitchFamily="18" charset="0"/>
+                                </a:rPr>
+                              </m:ctrlPr>
+                            </m:fPr>
+                            <m:num>
+                              <m:r>
+                                <a:rPr lang="en-US" b="0" i="1" smtClean="0">
+                                  <a:latin typeface="Cambria Math" panose="02040503050406030204" pitchFamily="18" charset="0"/>
+                                </a:rPr>
+                                <m:t>1</m:t>
+                              </m:r>
+                            </m:num>
+                            <m:den>
+                              <m:r>
+                                <m:rPr>
+                                  <m:lit/>
+                                </m:rPr>
+                                <a:rPr lang="en-US" b="0" i="1" smtClean="0">
+                                  <a:latin typeface="Cambria Math" panose="02040503050406030204" pitchFamily="18" charset="0"/>
+                                </a:rPr>
+                                <m:t>|</m:t>
+                              </m:r>
+                              <m:r>
+                                <a:rPr lang="en-US" b="0" i="1" smtClean="0">
+                                  <a:latin typeface="Cambria Math" panose="02040503050406030204" pitchFamily="18" charset="0"/>
+                                </a:rPr>
+                                <m:t>𝑀</m:t>
+                              </m:r>
+                              <m:r>
+                                <a:rPr lang="en-US" b="0" i="1" smtClean="0">
+                                  <a:latin typeface="Cambria Math" panose="02040503050406030204" pitchFamily="18" charset="0"/>
+                                </a:rPr>
+                                <m:t>|</m:t>
+                              </m:r>
+                            </m:den>
+                          </m:f>
+                        </m:e>
+                      </m:d>
+                    </m:oMath>
+                  </m:oMathPara>
+                </a14:m>
+                <a:endParaRPr lang="ru-RU" b="0" dirty="0" smtClean="0"/>
+              </a:p>
+            </p:txBody>
+          </p:sp>
+        </mc:Choice>
+        <mc:Fallback xmlns="">
+          <p:sp>
+            <p:nvSpPr>
+              <p:cNvPr id="3" name="Объект 2"/>
+              <p:cNvSpPr>
+                <a:spLocks noGrp="1" noRot="1" noChangeAspect="1" noMove="1" noResize="1" noEditPoints="1" noAdjustHandles="1" noChangeArrowheads="1" noChangeShapeType="1" noTextEdit="1"/>
+              </p:cNvSpPr>
+              <p:nvPr>
+                <p:ph idx="1"/>
+              </p:nvPr>
+            </p:nvSpPr>
+            <p:spPr>
+              <a:xfrm>
+                <a:off x="880618" y="3716968"/>
+                <a:ext cx="10515600" cy="2532225"/>
+              </a:xfrm>
+              <a:blipFill>
+                <a:blip r:embed="rId2"/>
+                <a:stretch>
+                  <a:fillRect l="-1043" t="-3855"/>
+                </a:stretch>
+              </a:blipFill>
+            </p:spPr>
+            <p:txBody>
+              <a:bodyPr/>
+              <a:lstStyle/>
+              <a:p>
+                <a:r>
+                  <a:rPr lang="ru-RU">
+                    <a:noFill/>
+                  </a:rPr>
+                  <a:t> </a:t>
+                </a:r>
+              </a:p>
+            </p:txBody>
+          </p:sp>
+        </mc:Fallback>
+      </mc:AlternateContent>
+      <p:sp>
+        <p:nvSpPr>
+          <p:cNvPr id="4" name="Номер слайда 3"/>
+          <p:cNvSpPr>
+            <a:spLocks noGrp="1"/>
+          </p:cNvSpPr>
+          <p:nvPr>
+            <p:ph type="sldNum" sz="quarter" idx="12"/>
+          </p:nvPr>
+        </p:nvSpPr>
+        <p:spPr/>
+        <p:txBody>
+          <a:bodyPr/>
+          <a:lstStyle/>
+          <a:p>
+            <a:fld id="{8253DDDB-F8F7-4D64-A7FD-3F3D61C1949F}" type="slidenum">
+              <a:rPr lang="ru-RU" smtClean="0"/>
+              <a:t>20</a:t>
+            </a:fld>
+            <a:endParaRPr lang="ru-RU"/>
+          </a:p>
+        </p:txBody>
+      </p:sp>
+      <p:sp>
+        <p:nvSpPr>
+          <p:cNvPr id="5" name="Rectangle 4"/>
+          <p:cNvSpPr>
+            <a:spLocks noChangeArrowheads="1"/>
+          </p:cNvSpPr>
+          <p:nvPr/>
+        </p:nvSpPr>
+        <p:spPr bwMode="auto">
+          <a:xfrm>
+            <a:off x="2214911" y="1784586"/>
+            <a:ext cx="1295400" cy="1188244"/>
+          </a:xfrm>
+          <a:prstGeom prst="rect">
+            <a:avLst/>
+          </a:prstGeom>
+          <a:solidFill>
+            <a:schemeClr val="accent1"/>
+          </a:solidFill>
+          <a:ln w="9525">
+            <a:solidFill>
+              <a:schemeClr val="tx1"/>
+            </a:solidFill>
+            <a:miter lim="800000"/>
+            <a:headEnd/>
+            <a:tailEnd/>
+          </a:ln>
+          <a:effectLst/>
+        </p:spPr>
+        <p:txBody>
+          <a:bodyPr wrap="none"/>
+          <a:lstStyle/>
+          <a:p>
+            <a:pPr algn="ctr"/>
+            <a:r>
+              <a:rPr lang="en-US" dirty="0" err="1"/>
+              <a:t>Chal</a:t>
+            </a:r>
+            <a:r>
+              <a:rPr lang="en-US" dirty="0"/>
+              <a:t>.</a:t>
+            </a:r>
+          </a:p>
+        </p:txBody>
+      </p:sp>
+      <mc:AlternateContent xmlns:mc="http://schemas.openxmlformats.org/markup-compatibility/2006" xmlns:a14="http://schemas.microsoft.com/office/drawing/2010/main">
+        <mc:Choice Requires="a14">
+          <p:sp>
+            <p:nvSpPr>
+              <p:cNvPr id="8" name="Rectangle 7"/>
+              <p:cNvSpPr>
+                <a:spLocks noChangeArrowheads="1"/>
+              </p:cNvSpPr>
+              <p:nvPr/>
+            </p:nvSpPr>
+            <p:spPr bwMode="auto">
+              <a:xfrm>
+                <a:off x="7396511" y="1784586"/>
+                <a:ext cx="1295400" cy="1188244"/>
+              </a:xfrm>
+              <a:prstGeom prst="rect">
+                <a:avLst/>
+              </a:prstGeom>
+              <a:solidFill>
+                <a:schemeClr val="accent1"/>
+              </a:solidFill>
+              <a:ln w="9525">
+                <a:solidFill>
+                  <a:schemeClr val="tx1"/>
+                </a:solidFill>
+                <a:miter lim="800000"/>
+                <a:headEnd/>
+                <a:tailEnd/>
+              </a:ln>
+              <a:effectLst/>
+            </p:spPr>
+            <p:txBody>
+              <a:bodyPr wrap="none"/>
+              <a:lstStyle/>
+              <a:p>
+                <a:pPr algn="ctr"/>
+                <a:r>
+                  <a:rPr lang="en-US" dirty="0"/>
+                  <a:t>Adv. </a:t>
+                </a:r>
+                <a14:m>
+                  <m:oMath xmlns:m="http://schemas.openxmlformats.org/officeDocument/2006/math">
+                    <m:r>
+                      <a:rPr lang="en-US" i="1" dirty="0" smtClean="0">
+                        <a:latin typeface="Cambria Math" panose="02040503050406030204" pitchFamily="18" charset="0"/>
+                      </a:rPr>
+                      <m:t>𝐴</m:t>
+                    </m:r>
+                  </m:oMath>
+                </a14:m>
+                <a:endParaRPr lang="en-US" dirty="0"/>
+              </a:p>
+            </p:txBody>
+          </p:sp>
+        </mc:Choice>
+        <mc:Fallback xmlns="">
+          <p:sp>
+            <p:nvSpPr>
+              <p:cNvPr id="8" name="Rectangle 7"/>
+              <p:cNvSpPr>
+                <a:spLocks noRot="1" noChangeAspect="1" noMove="1" noResize="1" noEditPoints="1" noAdjustHandles="1" noChangeArrowheads="1" noChangeShapeType="1" noTextEdit="1"/>
+              </p:cNvSpPr>
+              <p:nvPr/>
+            </p:nvSpPr>
+            <p:spPr bwMode="auto">
+              <a:xfrm>
+                <a:off x="7396511" y="1784586"/>
+                <a:ext cx="1295400" cy="1188244"/>
+              </a:xfrm>
+              <a:prstGeom prst="rect">
+                <a:avLst/>
+              </a:prstGeom>
+              <a:blipFill>
+                <a:blip r:embed="rId3"/>
+                <a:stretch>
+                  <a:fillRect t="-2538"/>
+                </a:stretch>
+              </a:blipFill>
+              <a:ln w="9525">
+                <a:solidFill>
+                  <a:schemeClr val="tx1"/>
+                </a:solidFill>
+                <a:miter lim="800000"/>
+                <a:headEnd/>
+                <a:tailEnd/>
+              </a:ln>
+              <a:effectLst/>
+            </p:spPr>
+            <p:txBody>
+              <a:bodyPr/>
+              <a:lstStyle/>
+              <a:p>
+                <a:r>
+                  <a:rPr lang="ru-RU">
+                    <a:noFill/>
+                  </a:rPr>
+                  <a:t> </a:t>
+                </a:r>
+              </a:p>
+            </p:txBody>
+          </p:sp>
+        </mc:Fallback>
+      </mc:AlternateContent>
+      <p:grpSp>
+        <p:nvGrpSpPr>
+          <p:cNvPr id="15" name="Group 22"/>
+          <p:cNvGrpSpPr>
+            <a:grpSpLocks/>
+          </p:cNvGrpSpPr>
+          <p:nvPr/>
+        </p:nvGrpSpPr>
+        <p:grpSpPr bwMode="auto">
+          <a:xfrm>
+            <a:off x="8006120" y="2972828"/>
+            <a:ext cx="1254127" cy="678656"/>
+            <a:chOff x="4560" y="2842"/>
+            <a:chExt cx="790" cy="570"/>
+          </a:xfrm>
+        </p:grpSpPr>
+        <p:sp>
+          <p:nvSpPr>
+            <p:cNvPr id="16" name="Line 16"/>
+            <p:cNvSpPr>
+              <a:spLocks noChangeShapeType="1"/>
+            </p:cNvSpPr>
+            <p:nvPr/>
+          </p:nvSpPr>
+          <p:spPr bwMode="auto">
+            <a:xfrm>
+              <a:off x="4560" y="2842"/>
+              <a:ext cx="0" cy="480"/>
+            </a:xfrm>
+            <a:prstGeom prst="line">
+              <a:avLst/>
+            </a:prstGeom>
+            <a:noFill/>
+            <a:ln w="9525">
+              <a:solidFill>
+                <a:schemeClr val="tx1"/>
+              </a:solidFill>
+              <a:round/>
+              <a:headEnd/>
+              <a:tailEnd type="triangle" w="med" len="med"/>
+            </a:ln>
+            <a:effectLst/>
+          </p:spPr>
+          <p:txBody>
+            <a:bodyPr/>
+            <a:lstStyle/>
+            <a:p>
+              <a:endParaRPr lang="en-US"/>
+            </a:p>
+          </p:txBody>
+        </p:sp>
+        <mc:AlternateContent xmlns:mc="http://schemas.openxmlformats.org/markup-compatibility/2006" xmlns:a14="http://schemas.microsoft.com/office/drawing/2010/main">
+          <mc:Choice Requires="a14">
+            <p:sp>
+              <p:nvSpPr>
+                <p:cNvPr id="17" name="Text Box 17"/>
+                <p:cNvSpPr txBox="1">
+                  <a:spLocks noChangeArrowheads="1"/>
+                </p:cNvSpPr>
+                <p:nvPr/>
+              </p:nvSpPr>
+              <p:spPr bwMode="auto">
+                <a:xfrm>
+                  <a:off x="4568" y="3024"/>
+                  <a:ext cx="782" cy="388"/>
+                </a:xfrm>
+                <a:prstGeom prst="rect">
+                  <a:avLst/>
+                </a:prstGeom>
+                <a:noFill/>
+                <a:ln w="9525">
+                  <a:noFill/>
+                  <a:miter lim="800000"/>
+                  <a:headEnd/>
+                  <a:tailEnd/>
+                </a:ln>
+                <a:effectLst/>
+              </p:spPr>
+              <p:txBody>
+                <a:bodyPr wrap="none">
+                  <a:spAutoFit/>
+                </a:bodyPr>
+                <a:lstStyle/>
+                <a:p>
+                  <a:pPr/>
+                  <a14:m>
+                    <m:oMathPara xmlns:m="http://schemas.openxmlformats.org/officeDocument/2006/math">
+                      <m:oMathParaPr>
+                        <m:jc m:val="centerGroup"/>
+                      </m:oMathParaPr>
+                      <m:oMath xmlns:m="http://schemas.openxmlformats.org/officeDocument/2006/math">
+                        <m:sSup>
+                          <m:sSupPr>
+                            <m:ctrlPr>
+                              <a:rPr lang="en-US" sz="2400" b="0" i="1" smtClean="0">
+                                <a:latin typeface="Cambria Math" panose="02040503050406030204" pitchFamily="18" charset="0"/>
+                              </a:rPr>
+                            </m:ctrlPr>
+                          </m:sSupPr>
+                          <m:e>
+                            <m:r>
+                              <a:rPr lang="en-US" sz="2400" b="0" i="1" smtClean="0">
+                                <a:latin typeface="Cambria Math" panose="02040503050406030204" pitchFamily="18" charset="0"/>
+                              </a:rPr>
+                              <m:t>𝑚</m:t>
+                            </m:r>
+                          </m:e>
+                          <m:sup>
+                            <m:r>
+                              <a:rPr lang="en-US" sz="2400" b="0" i="1" smtClean="0">
+                                <a:latin typeface="Cambria Math" panose="02040503050406030204" pitchFamily="18" charset="0"/>
+                              </a:rPr>
+                              <m:t>′</m:t>
+                            </m:r>
+                          </m:sup>
+                        </m:sSup>
+                        <m:r>
+                          <a:rPr lang="en-US" sz="2400" b="0" i="1" smtClean="0">
+                            <a:latin typeface="Cambria Math" panose="02040503050406030204" pitchFamily="18" charset="0"/>
+                          </a:rPr>
+                          <m:t>∈</m:t>
+                        </m:r>
+                        <m:r>
+                          <a:rPr lang="en-US" sz="2400" b="0" i="1" smtClean="0">
+                            <a:latin typeface="Cambria Math" panose="02040503050406030204" pitchFamily="18" charset="0"/>
+                          </a:rPr>
+                          <m:t>𝑀</m:t>
+                        </m:r>
+                      </m:oMath>
+                    </m:oMathPara>
+                  </a14:m>
+                  <a:endParaRPr lang="en-US" sz="2400" dirty="0"/>
+                </a:p>
+              </p:txBody>
+            </p:sp>
+          </mc:Choice>
+          <mc:Fallback xmlns="">
+            <p:sp>
+              <p:nvSpPr>
+                <p:cNvPr id="17" name="Text Box 17"/>
+                <p:cNvSpPr txBox="1">
+                  <a:spLocks noRot="1" noChangeAspect="1" noMove="1" noResize="1" noEditPoints="1" noAdjustHandles="1" noChangeArrowheads="1" noChangeShapeType="1" noTextEdit="1"/>
+                </p:cNvSpPr>
+                <p:nvPr/>
+              </p:nvSpPr>
+              <p:spPr bwMode="auto">
+                <a:xfrm>
+                  <a:off x="4568" y="3024"/>
+                  <a:ext cx="782" cy="388"/>
+                </a:xfrm>
+                <a:prstGeom prst="rect">
+                  <a:avLst/>
+                </a:prstGeom>
+                <a:blipFill>
+                  <a:blip r:embed="rId4"/>
+                  <a:stretch>
+                    <a:fillRect/>
+                  </a:stretch>
+                </a:blipFill>
+                <a:ln w="9525">
+                  <a:noFill/>
+                  <a:miter lim="800000"/>
+                  <a:headEnd/>
+                  <a:tailEnd/>
+                </a:ln>
+                <a:effectLst/>
+              </p:spPr>
+              <p:txBody>
+                <a:bodyPr/>
+                <a:lstStyle/>
+                <a:p>
+                  <a:r>
+                    <a:rPr lang="ru-RU">
+                      <a:noFill/>
+                    </a:rPr>
+                    <a:t> </a:t>
+                  </a:r>
+                </a:p>
+              </p:txBody>
+            </p:sp>
+          </mc:Fallback>
+        </mc:AlternateContent>
+      </p:grpSp>
+      <p:sp>
+        <p:nvSpPr>
+          <p:cNvPr id="18" name="Rectangle 18"/>
+          <p:cNvSpPr>
+            <a:spLocks noChangeArrowheads="1"/>
+          </p:cNvSpPr>
+          <p:nvPr/>
+        </p:nvSpPr>
+        <p:spPr bwMode="auto">
+          <a:xfrm>
+            <a:off x="1575151" y="1555985"/>
+            <a:ext cx="7924800" cy="1588294"/>
+          </a:xfrm>
+          <a:prstGeom prst="rect">
+            <a:avLst/>
+          </a:prstGeom>
+          <a:noFill/>
+          <a:ln w="38100">
+            <a:solidFill>
+              <a:schemeClr val="folHlink"/>
+            </a:solidFill>
+            <a:miter lim="800000"/>
+            <a:headEnd/>
+            <a:tailEnd/>
+          </a:ln>
+          <a:effectLst/>
+        </p:spPr>
+        <p:txBody>
+          <a:bodyPr wrap="none" anchor="ctr"/>
+          <a:lstStyle/>
+          <a:p>
+            <a:endParaRPr lang="en-US"/>
+          </a:p>
+        </p:txBody>
+      </p:sp>
+      <mc:AlternateContent xmlns:mc="http://schemas.openxmlformats.org/markup-compatibility/2006" xmlns:a14="http://schemas.microsoft.com/office/drawing/2010/main">
+        <mc:Choice Requires="a14">
+          <p:sp>
+            <p:nvSpPr>
+              <p:cNvPr id="19" name="Text Box 13"/>
+              <p:cNvSpPr txBox="1">
+                <a:spLocks noChangeArrowheads="1"/>
+              </p:cNvSpPr>
+              <p:nvPr/>
+            </p:nvSpPr>
+            <p:spPr bwMode="auto">
+              <a:xfrm>
+                <a:off x="2484878" y="2099118"/>
+                <a:ext cx="810158" cy="753924"/>
+              </a:xfrm>
+              <a:prstGeom prst="rect">
+                <a:avLst/>
+              </a:prstGeom>
+              <a:noFill/>
+              <a:ln w="9525">
+                <a:noFill/>
+                <a:miter lim="800000"/>
+                <a:headEnd/>
+                <a:tailEnd/>
+              </a:ln>
+              <a:effectLst/>
+            </p:spPr>
+            <p:txBody>
+              <a:bodyPr wrap="none">
+                <a:spAutoFit/>
+              </a:bodyPr>
+              <a:lstStyle/>
+              <a:p>
+                <a:pPr algn="ctr"/>
+                <a:r>
+                  <a:rPr lang="en-US" sz="1600" dirty="0" smtClean="0"/>
+                  <a:t>k</a:t>
+                </a:r>
+                <a14:m>
+                  <m:oMath xmlns:m="http://schemas.openxmlformats.org/officeDocument/2006/math">
+                    <m:groupChr>
+                      <m:groupChrPr>
+                        <m:chr m:val="←"/>
+                        <m:vertJc m:val="bot"/>
+                        <m:ctrlPr>
+                          <a:rPr lang="en-US" sz="1600" i="1">
+                            <a:latin typeface="Cambria Math" panose="02040503050406030204" pitchFamily="18" charset="0"/>
+                          </a:rPr>
+                        </m:ctrlPr>
+                      </m:groupChrPr>
+                      <m:e>
+                        <m:r>
+                          <m:rPr>
+                            <m:brk m:alnAt="2"/>
+                          </m:rPr>
+                          <a:rPr lang="en-US" sz="1600" i="1">
+                            <a:latin typeface="Cambria Math" panose="02040503050406030204" pitchFamily="18" charset="0"/>
+                          </a:rPr>
+                          <m:t>𝑅</m:t>
+                        </m:r>
+                      </m:e>
+                    </m:groupChr>
+                    <m:r>
+                      <a:rPr lang="en-US" sz="1600" b="0" i="1" smtClean="0">
+                        <a:latin typeface="Cambria Math" panose="02040503050406030204" pitchFamily="18" charset="0"/>
+                      </a:rPr>
+                      <m:t>𝐾</m:t>
+                    </m:r>
+                  </m:oMath>
+                </a14:m>
+                <a:endParaRPr lang="ru-RU" sz="1600" b="0" i="1" dirty="0" smtClean="0">
+                  <a:latin typeface="Cambria Math" panose="02040503050406030204" pitchFamily="18" charset="0"/>
+                </a:endParaRPr>
+              </a:p>
+              <a:p>
+                <a:pPr algn="ctr"/>
+                <a14:m>
+                  <m:oMathPara xmlns:m="http://schemas.openxmlformats.org/officeDocument/2006/math">
+                    <m:oMathParaPr>
+                      <m:jc m:val="left"/>
+                    </m:oMathParaPr>
+                    <m:oMath xmlns:m="http://schemas.openxmlformats.org/officeDocument/2006/math">
+                      <m:r>
+                        <a:rPr lang="en-US" sz="1600" i="1">
+                          <a:latin typeface="Cambria Math" panose="02040503050406030204" pitchFamily="18" charset="0"/>
+                        </a:rPr>
+                        <m:t>𝑚</m:t>
+                      </m:r>
+                      <m:groupChr>
+                        <m:groupChrPr>
+                          <m:chr m:val="←"/>
+                          <m:vertJc m:val="bot"/>
+                          <m:ctrlPr>
+                            <a:rPr lang="en-US" sz="1600" i="1">
+                              <a:latin typeface="Cambria Math" panose="02040503050406030204" pitchFamily="18" charset="0"/>
+                            </a:rPr>
+                          </m:ctrlPr>
+                        </m:groupChrPr>
+                        <m:e>
+                          <m:r>
+                            <m:rPr>
+                              <m:brk m:alnAt="2"/>
+                            </m:rPr>
+                            <a:rPr lang="en-US" sz="1600" i="1">
+                              <a:latin typeface="Cambria Math" panose="02040503050406030204" pitchFamily="18" charset="0"/>
+                            </a:rPr>
+                            <m:t>𝑅</m:t>
+                          </m:r>
+                        </m:e>
+                      </m:groupChr>
+                      <m:r>
+                        <a:rPr lang="en-US" sz="1600" i="1">
+                          <a:latin typeface="Cambria Math" panose="02040503050406030204" pitchFamily="18" charset="0"/>
+                        </a:rPr>
+                        <m:t>𝑀</m:t>
+                      </m:r>
+                    </m:oMath>
+                  </m:oMathPara>
+                </a14:m>
+                <a:endParaRPr lang="en-US" sz="1600" b="1" baseline="-25000" dirty="0">
+                  <a:cs typeface="Arial" charset="0"/>
+                  <a:sym typeface="Symbol" pitchFamily="18" charset="2"/>
+                </a:endParaRPr>
+              </a:p>
+            </p:txBody>
+          </p:sp>
+        </mc:Choice>
+        <mc:Fallback xmlns="">
+          <p:sp>
+            <p:nvSpPr>
+              <p:cNvPr id="19" name="Text Box 13"/>
+              <p:cNvSpPr txBox="1">
+                <a:spLocks noRot="1" noChangeAspect="1" noMove="1" noResize="1" noEditPoints="1" noAdjustHandles="1" noChangeArrowheads="1" noChangeShapeType="1" noTextEdit="1"/>
+              </p:cNvSpPr>
+              <p:nvPr/>
+            </p:nvSpPr>
+            <p:spPr bwMode="auto">
+              <a:xfrm>
+                <a:off x="2484878" y="2099118"/>
+                <a:ext cx="810158" cy="753924"/>
+              </a:xfrm>
+              <a:prstGeom prst="rect">
+                <a:avLst/>
+              </a:prstGeom>
+              <a:blipFill>
+                <a:blip r:embed="rId5"/>
+                <a:stretch>
+                  <a:fillRect r="-33083" b="-25000"/>
+                </a:stretch>
+              </a:blipFill>
+              <a:ln w="9525">
+                <a:noFill/>
+                <a:miter lim="800000"/>
+                <a:headEnd/>
+                <a:tailEnd/>
+              </a:ln>
+              <a:effectLst/>
+            </p:spPr>
+            <p:txBody>
+              <a:bodyPr/>
+              <a:lstStyle/>
+              <a:p>
+                <a:r>
+                  <a:rPr lang="ru-RU">
+                    <a:noFill/>
+                  </a:rPr>
+                  <a:t> </a:t>
+                </a:r>
+              </a:p>
+            </p:txBody>
+          </p:sp>
+        </mc:Fallback>
+      </mc:AlternateContent>
+      <p:grpSp>
+        <p:nvGrpSpPr>
+          <p:cNvPr id="20" name="Group 20"/>
+          <p:cNvGrpSpPr>
+            <a:grpSpLocks/>
+          </p:cNvGrpSpPr>
+          <p:nvPr/>
+        </p:nvGrpSpPr>
+        <p:grpSpPr bwMode="auto">
+          <a:xfrm>
+            <a:off x="3612705" y="1653625"/>
+            <a:ext cx="3733800" cy="559595"/>
+            <a:chOff x="1776" y="1940"/>
+            <a:chExt cx="2352" cy="470"/>
+          </a:xfrm>
+        </p:grpSpPr>
+        <p:sp>
+          <p:nvSpPr>
+            <p:cNvPr id="21" name="Line 13"/>
+            <p:cNvSpPr>
+              <a:spLocks noChangeShapeType="1"/>
+            </p:cNvSpPr>
+            <p:nvPr/>
+          </p:nvSpPr>
+          <p:spPr bwMode="auto">
+            <a:xfrm>
+              <a:off x="1776" y="2410"/>
+              <a:ext cx="2352" cy="0"/>
+            </a:xfrm>
+            <a:prstGeom prst="line">
+              <a:avLst/>
+            </a:prstGeom>
+            <a:noFill/>
+            <a:ln w="38100" cmpd="sng">
+              <a:solidFill>
+                <a:schemeClr val="tx1"/>
+              </a:solidFill>
+              <a:round/>
+              <a:headEnd/>
+              <a:tailEnd type="triangle" w="med" len="med"/>
+            </a:ln>
+            <a:effectLst/>
+          </p:spPr>
+          <p:txBody>
+            <a:bodyPr/>
+            <a:lstStyle/>
+            <a:p>
+              <a:endParaRPr lang="en-US"/>
+            </a:p>
+          </p:txBody>
+        </p:sp>
+        <mc:AlternateContent xmlns:mc="http://schemas.openxmlformats.org/markup-compatibility/2006" xmlns:a14="http://schemas.microsoft.com/office/drawing/2010/main">
+          <mc:Choice Requires="a14">
+            <p:sp>
+              <p:nvSpPr>
+                <p:cNvPr id="22" name="Text Box 14"/>
+                <p:cNvSpPr txBox="1">
+                  <a:spLocks noChangeArrowheads="1"/>
+                </p:cNvSpPr>
+                <p:nvPr/>
+              </p:nvSpPr>
+              <p:spPr bwMode="auto">
+                <a:xfrm>
+                  <a:off x="2413" y="1940"/>
+                  <a:ext cx="954" cy="425"/>
+                </a:xfrm>
+                <a:prstGeom prst="rect">
+                  <a:avLst/>
+                </a:prstGeom>
+                <a:noFill/>
+                <a:ln w="9525">
+                  <a:noFill/>
+                  <a:miter lim="800000"/>
+                  <a:headEnd/>
+                  <a:tailEnd/>
+                </a:ln>
+                <a:effectLst/>
+              </p:spPr>
+              <p:txBody>
+                <a:bodyPr wrap="none">
+                  <a:spAutoFit/>
+                </a:bodyPr>
+                <a:lstStyle/>
+                <a:p>
+                  <a:pPr/>
+                  <a14:m>
+                    <m:oMathPara xmlns:m="http://schemas.openxmlformats.org/officeDocument/2006/math">
+                      <m:oMathParaPr>
+                        <m:jc m:val="centerGroup"/>
+                      </m:oMathParaPr>
+                      <m:oMath xmlns:m="http://schemas.openxmlformats.org/officeDocument/2006/math">
+                        <m:r>
+                          <a:rPr lang="en-US" sz="2000" i="1">
+                            <a:latin typeface="Cambria Math" panose="02040503050406030204" pitchFamily="18" charset="0"/>
+                          </a:rPr>
+                          <m:t>𝑐</m:t>
+                        </m:r>
+                        <m:groupChr>
+                          <m:groupChrPr>
+                            <m:chr m:val="←"/>
+                            <m:vertJc m:val="bot"/>
+                            <m:ctrlPr>
+                              <a:rPr lang="en-US" sz="2000" i="1">
+                                <a:latin typeface="Cambria Math" panose="02040503050406030204" pitchFamily="18" charset="0"/>
+                              </a:rPr>
+                            </m:ctrlPr>
+                          </m:groupChrPr>
+                          <m:e>
+                            <m:r>
+                              <m:rPr>
+                                <m:brk m:alnAt="2"/>
+                              </m:rPr>
+                              <a:rPr lang="en-US" sz="2000" i="1">
+                                <a:latin typeface="Cambria Math" panose="02040503050406030204" pitchFamily="18" charset="0"/>
+                              </a:rPr>
+                              <m:t>𝑅</m:t>
+                            </m:r>
+                          </m:e>
+                        </m:groupChr>
+                        <m:r>
+                          <a:rPr lang="en-US" sz="2000" i="1">
+                            <a:latin typeface="Cambria Math" panose="02040503050406030204" pitchFamily="18" charset="0"/>
+                          </a:rPr>
+                          <m:t>𝐸</m:t>
+                        </m:r>
+                        <m:r>
+                          <a:rPr lang="en-US" sz="2000" i="1">
+                            <a:latin typeface="Cambria Math" panose="02040503050406030204" pitchFamily="18" charset="0"/>
+                          </a:rPr>
+                          <m:t>(</m:t>
+                        </m:r>
+                        <m:r>
+                          <a:rPr lang="en-US" sz="2000" i="1">
+                            <a:latin typeface="Cambria Math" panose="02040503050406030204" pitchFamily="18" charset="0"/>
+                          </a:rPr>
+                          <m:t>𝑘</m:t>
+                        </m:r>
+                        <m:r>
+                          <a:rPr lang="en-US" sz="2000" i="1">
+                            <a:latin typeface="Cambria Math" panose="02040503050406030204" pitchFamily="18" charset="0"/>
+                          </a:rPr>
+                          <m:t>,</m:t>
+                        </m:r>
+                        <m:r>
+                          <a:rPr lang="en-US" sz="2000" i="1">
+                            <a:latin typeface="Cambria Math" panose="02040503050406030204" pitchFamily="18" charset="0"/>
+                          </a:rPr>
+                          <m:t>𝑚</m:t>
+                        </m:r>
+                        <m:r>
+                          <a:rPr lang="en-US" sz="2000" i="1">
+                            <a:latin typeface="Cambria Math" panose="02040503050406030204" pitchFamily="18" charset="0"/>
+                          </a:rPr>
+                          <m:t>)</m:t>
+                        </m:r>
+                      </m:oMath>
+                    </m:oMathPara>
+                  </a14:m>
+                  <a:endParaRPr lang="en-US" sz="2000" dirty="0"/>
+                </a:p>
+              </p:txBody>
+            </p:sp>
+          </mc:Choice>
+          <mc:Fallback xmlns="">
+            <p:sp>
+              <p:nvSpPr>
+                <p:cNvPr id="22" name="Text Box 14"/>
+                <p:cNvSpPr txBox="1">
+                  <a:spLocks noRot="1" noChangeAspect="1" noMove="1" noResize="1" noEditPoints="1" noAdjustHandles="1" noChangeArrowheads="1" noChangeShapeType="1" noTextEdit="1"/>
+                </p:cNvSpPr>
+                <p:nvPr/>
+              </p:nvSpPr>
+              <p:spPr bwMode="auto">
+                <a:xfrm>
+                  <a:off x="2413" y="1940"/>
+                  <a:ext cx="954" cy="425"/>
+                </a:xfrm>
+                <a:prstGeom prst="rect">
+                  <a:avLst/>
+                </a:prstGeom>
+                <a:blipFill>
+                  <a:blip r:embed="rId6"/>
+                  <a:stretch>
+                    <a:fillRect/>
+                  </a:stretch>
+                </a:blipFill>
+                <a:ln w="9525">
+                  <a:noFill/>
+                  <a:miter lim="800000"/>
+                  <a:headEnd/>
+                  <a:tailEnd/>
+                </a:ln>
+                <a:effectLst/>
+              </p:spPr>
+              <p:txBody>
+                <a:bodyPr/>
+                <a:lstStyle/>
+                <a:p>
+                  <a:r>
+                    <a:rPr lang="ru-RU">
+                      <a:noFill/>
+                    </a:rPr>
+                    <a:t> </a:t>
+                  </a:r>
+                </a:p>
+              </p:txBody>
+            </p:sp>
+          </mc:Fallback>
+        </mc:AlternateContent>
+      </p:grpSp>
+    </p:spTree>
+    <p:extLst>
+      <p:ext uri="{BB962C8B-B14F-4D97-AF65-F5344CB8AC3E}">
+        <p14:creationId xmlns:p14="http://schemas.microsoft.com/office/powerpoint/2010/main" val="3004606621"/>
+      </p:ext>
+    </p:extLst>
+  </p:cSld>
+  <p:clrMapOvr>
+    <a:masterClrMapping/>
+  </p:clrMapOvr>
+  <p:timing>
+    <p:tnLst>
+      <p:par>
+        <p:cTn id="1" dur="indefinite" restart="never" nodeType="tmRoot">
+          <p:childTnLst>
+            <p:seq concurrent="1" nextAc="seek">
+              <p:cTn id="2" dur="indefinite" nodeType="mainSeq">
+                <p:childTnLst>
+                  <p:par>
+                    <p:cTn id="3" fill="hold">
+                      <p:stCondLst>
+                        <p:cond delay="indefinite"/>
+                      </p:stCondLst>
+                      <p:childTnLst>
+                        <p:par>
+                          <p:cTn id="4" fill="hold">
+                            <p:stCondLst>
+                              <p:cond delay="0"/>
+                            </p:stCondLst>
+                            <p:childTnLst>
+                              <p:par>
+                                <p:cTn id="5" presetID="1" presetClass="entr" presetSubtype="0" fill="hold" nodeType="clickEffect">
+                                  <p:stCondLst>
+                                    <p:cond delay="0"/>
+                                  </p:stCondLst>
+                                  <p:childTnLst>
+                                    <p:set>
+                                      <p:cBhvr>
+                                        <p:cTn id="6" dur="1" fill="hold">
+                                          <p:stCondLst>
+                                            <p:cond delay="0"/>
+                                          </p:stCondLst>
+                                        </p:cTn>
+                                        <p:tgtEl>
+                                          <p:spTgt spid="20"/>
+                                        </p:tgtEl>
+                                        <p:attrNameLst>
+                                          <p:attrName>style.visibility</p:attrName>
+                                        </p:attrNameLst>
+                                      </p:cBhvr>
+                                      <p:to>
+                                        <p:strVal val="visible"/>
+                                      </p:to>
+                                    </p:set>
+                                  </p:childTnLst>
+                                </p:cTn>
+                              </p:par>
+                            </p:childTnLst>
+                          </p:cTn>
+                        </p:par>
+                      </p:childTnLst>
+                    </p:cTn>
+                  </p:par>
+                  <p:par>
+                    <p:cTn id="7" fill="hold">
+                      <p:stCondLst>
+                        <p:cond delay="indefinite"/>
+                      </p:stCondLst>
+                      <p:childTnLst>
+                        <p:par>
+                          <p:cTn id="8" fill="hold">
+                            <p:stCondLst>
+                              <p:cond delay="0"/>
+                            </p:stCondLst>
+                            <p:childTnLst>
+                              <p:par>
+                                <p:cTn id="9" presetID="1" presetClass="entr" presetSubtype="0" fill="hold" nodeType="clickEffect">
+                                  <p:stCondLst>
+                                    <p:cond delay="0"/>
+                                  </p:stCondLst>
+                                  <p:childTnLst>
+                                    <p:set>
+                                      <p:cBhvr>
+                                        <p:cTn id="10" dur="1" fill="hold">
+                                          <p:stCondLst>
+                                            <p:cond delay="0"/>
+                                          </p:stCondLst>
+                                        </p:cTn>
+                                        <p:tgtEl>
+                                          <p:spTgt spid="15"/>
+                                        </p:tgtEl>
+                                        <p:attrNameLst>
+                                          <p:attrName>style.visibility</p:attrName>
+                                        </p:attrNameLst>
+                                      </p:cBhvr>
+                                      <p:to>
+                                        <p:strVal val="visible"/>
+                                      </p:to>
+                                    </p:set>
+                                  </p:childTnLst>
+                                </p:cTn>
+                              </p:par>
+                            </p:childTnLst>
+                          </p:cTn>
+                        </p:par>
+                      </p:childTnLst>
+                    </p:cTn>
+                  </p:par>
+                </p:childTnLst>
+              </p:cTn>
+              <p:prevCondLst>
+                <p:cond evt="onPrev" delay="0">
+                  <p:tgtEl>
+                    <p:sldTgt/>
+                  </p:tgtEl>
+                </p:cond>
+              </p:prevCondLst>
+              <p:nextCondLst>
+                <p:cond evt="onNext" delay="0">
+                  <p:tgtEl>
+                    <p:sldTgt/>
+                  </p:tgtEl>
+                </p:cond>
+              </p:nextCondLst>
+            </p:seq>
+          </p:childTnLst>
+        </p:cTn>
+      </p:par>
+    </p:tnLst>
+  </p:timing>
+</p:sld>
+</file>
+
+<file path=ppt/slides/slide21.xml><?xml version="1.0" encoding="utf-8"?>
+<p:sld xmlns:a="http://schemas.openxmlformats.org/drawingml/2006/main" xmlns:r="http://schemas.openxmlformats.org/officeDocument/2006/relationships" xmlns:p="http://schemas.openxmlformats.org/presentationml/2006/main">
+  <p:cSld>
+    <p:spTree>
+      <p:nvGrpSpPr>
+        <p:cNvPr id="1" name=""/>
+        <p:cNvGrpSpPr/>
+        <p:nvPr/>
+      </p:nvGrpSpPr>
+      <p:grpSpPr>
+        <a:xfrm>
+          <a:off x="0" y="0"/>
+          <a:ext cx="0" cy="0"/>
+          <a:chOff x="0" y="0"/>
+          <a:chExt cx="0" cy="0"/>
+        </a:xfrm>
+      </p:grpSpPr>
+      <p:sp>
+        <p:nvSpPr>
+          <p:cNvPr id="2" name="Заголовок 1"/>
+          <p:cNvSpPr>
+            <a:spLocks noGrp="1"/>
+          </p:cNvSpPr>
+          <p:nvPr>
+            <p:ph type="title"/>
+          </p:nvPr>
+        </p:nvSpPr>
+        <p:spPr/>
+        <p:txBody>
+          <a:bodyPr/>
+          <a:lstStyle/>
+          <a:p>
+            <a:r>
+              <a:rPr lang="ru-RU" dirty="0" smtClean="0"/>
+              <a:t>Восстановление сообщений</a:t>
+            </a:r>
+            <a:endParaRPr lang="ru-RU" dirty="0"/>
+          </a:p>
+        </p:txBody>
+      </p:sp>
+      <mc:AlternateContent xmlns:mc="http://schemas.openxmlformats.org/markup-compatibility/2006" xmlns:a14="http://schemas.microsoft.com/office/drawing/2010/main">
+        <mc:Choice Requires="a14">
+          <p:sp>
+            <p:nvSpPr>
+              <p:cNvPr id="3" name="Объект 2"/>
+              <p:cNvSpPr>
+                <a:spLocks noGrp="1"/>
+              </p:cNvSpPr>
+              <p:nvPr>
+                <p:ph idx="1"/>
+              </p:nvPr>
+            </p:nvSpPr>
+            <p:spPr>
+              <a:xfrm>
+                <a:off x="880618" y="3716968"/>
+                <a:ext cx="10515600" cy="2532225"/>
+              </a:xfrm>
+            </p:spPr>
+            <p:txBody>
+              <a:bodyPr>
+                <a:normAutofit/>
+              </a:bodyPr>
+              <a:lstStyle/>
+              <a:p>
+                <a:pPr marL="0" indent="0">
+                  <a:buNone/>
+                </a:pPr>
+                <a14:m>
+                  <m:oMathPara xmlns:m="http://schemas.openxmlformats.org/officeDocument/2006/math">
+                    <m:oMathParaPr>
+                      <m:jc m:val="centerGroup"/>
+                    </m:oMathParaPr>
+                    <m:oMath xmlns:m="http://schemas.openxmlformats.org/officeDocument/2006/math">
+                      <m:r>
+                        <m:rPr>
+                          <m:sty m:val="p"/>
+                        </m:rPr>
+                        <a:rPr lang="en-US" b="0" i="0" smtClean="0">
+                          <a:latin typeface="Cambria Math" panose="02040503050406030204" pitchFamily="18" charset="0"/>
+                        </a:rPr>
+                        <m:t>MRadv</m:t>
+                      </m:r>
+                      <m:d>
+                        <m:dPr>
+                          <m:begChr m:val="["/>
+                          <m:endChr m:val="]"/>
+                          <m:ctrlPr>
+                            <a:rPr lang="en-US" b="0" i="1" smtClean="0">
+                              <a:latin typeface="Cambria Math" panose="02040503050406030204" pitchFamily="18" charset="0"/>
+                            </a:rPr>
+                          </m:ctrlPr>
+                        </m:dPr>
+                        <m:e>
+                          <m:r>
+                            <a:rPr lang="en-US" b="0" i="1" smtClean="0">
+                              <a:latin typeface="Cambria Math" panose="02040503050406030204" pitchFamily="18" charset="0"/>
+                            </a:rPr>
+                            <m:t>𝐴</m:t>
+                          </m:r>
+                          <m:r>
+                            <a:rPr lang="en-US" b="0" i="1" smtClean="0">
+                              <a:latin typeface="Cambria Math" panose="02040503050406030204" pitchFamily="18" charset="0"/>
+                            </a:rPr>
+                            <m:t>,</m:t>
+                          </m:r>
+                          <m:r>
+                            <m:rPr>
+                              <m:sty m:val="p"/>
+                            </m:rPr>
+                            <a:rPr lang="en-US" b="0" i="0" smtClean="0">
+                              <a:latin typeface="Cambria Math" panose="02040503050406030204" pitchFamily="18" charset="0"/>
+                            </a:rPr>
+                            <m:t>Ε</m:t>
+                          </m:r>
+                        </m:e>
+                      </m:d>
+                      <m:r>
+                        <a:rPr lang="en-US" b="0" i="1" smtClean="0">
+                          <a:latin typeface="Cambria Math" panose="02040503050406030204" pitchFamily="18" charset="0"/>
+                        </a:rPr>
+                        <m:t>=</m:t>
+                      </m:r>
+                      <m:d>
+                        <m:dPr>
+                          <m:begChr m:val="|"/>
+                          <m:endChr m:val="|"/>
+                          <m:ctrlPr>
+                            <a:rPr lang="en-US" b="0" i="1" smtClean="0">
+                              <a:latin typeface="Cambria Math" panose="02040503050406030204" pitchFamily="18" charset="0"/>
+                            </a:rPr>
+                          </m:ctrlPr>
+                        </m:dPr>
+                        <m:e>
+                          <m:func>
+                            <m:funcPr>
+                              <m:ctrlPr>
+                                <a:rPr lang="en-US" b="0" i="1" smtClean="0">
+                                  <a:latin typeface="Cambria Math" panose="02040503050406030204" pitchFamily="18" charset="0"/>
+                                </a:rPr>
+                              </m:ctrlPr>
+                            </m:funcPr>
+                            <m:fName>
+                              <m:r>
+                                <m:rPr>
+                                  <m:sty m:val="p"/>
+                                </m:rPr>
+                                <a:rPr lang="en-US" b="0" i="0" smtClean="0">
+                                  <a:latin typeface="Cambria Math" panose="02040503050406030204" pitchFamily="18" charset="0"/>
+                                </a:rPr>
+                                <m:t>Pr</m:t>
+                              </m:r>
+                            </m:fName>
+                            <m:e>
+                              <m:d>
+                                <m:dPr>
+                                  <m:begChr m:val="["/>
+                                  <m:endChr m:val="]"/>
+                                  <m:ctrlPr>
+                                    <a:rPr lang="en-US" b="0" i="1" smtClean="0">
+                                      <a:latin typeface="Cambria Math" panose="02040503050406030204" pitchFamily="18" charset="0"/>
+                                    </a:rPr>
+                                  </m:ctrlPr>
+                                </m:dPr>
+                                <m:e>
+                                  <m:r>
+                                    <a:rPr lang="en-US" b="0" i="1" smtClean="0">
+                                      <a:latin typeface="Cambria Math" panose="02040503050406030204" pitchFamily="18" charset="0"/>
+                                    </a:rPr>
+                                    <m:t>𝑊</m:t>
+                                  </m:r>
+                                </m:e>
+                              </m:d>
+                            </m:e>
+                          </m:func>
+                          <m:r>
+                            <a:rPr lang="en-US" b="0" i="1" smtClean="0">
+                              <a:latin typeface="Cambria Math" panose="02040503050406030204" pitchFamily="18" charset="0"/>
+                            </a:rPr>
+                            <m:t>−</m:t>
+                          </m:r>
+                          <m:f>
+                            <m:fPr>
+                              <m:ctrlPr>
+                                <a:rPr lang="en-US" b="0" i="1" smtClean="0">
+                                  <a:latin typeface="Cambria Math" panose="02040503050406030204" pitchFamily="18" charset="0"/>
+                                </a:rPr>
+                              </m:ctrlPr>
+                            </m:fPr>
+                            <m:num>
+                              <m:r>
+                                <a:rPr lang="en-US" b="0" i="1" smtClean="0">
+                                  <a:latin typeface="Cambria Math" panose="02040503050406030204" pitchFamily="18" charset="0"/>
+                                </a:rPr>
+                                <m:t>1</m:t>
+                              </m:r>
+                            </m:num>
+                            <m:den>
+                              <m:r>
+                                <m:rPr>
+                                  <m:lit/>
+                                </m:rPr>
+                                <a:rPr lang="en-US" b="0" i="1" smtClean="0">
+                                  <a:latin typeface="Cambria Math" panose="02040503050406030204" pitchFamily="18" charset="0"/>
+                                </a:rPr>
+                                <m:t>|</m:t>
+                              </m:r>
+                              <m:r>
+                                <a:rPr lang="en-US" b="0" i="1" smtClean="0">
+                                  <a:latin typeface="Cambria Math" panose="02040503050406030204" pitchFamily="18" charset="0"/>
+                                </a:rPr>
+                                <m:t>𝑀</m:t>
+                              </m:r>
+                              <m:r>
+                                <a:rPr lang="en-US" b="0" i="1" smtClean="0">
+                                  <a:latin typeface="Cambria Math" panose="02040503050406030204" pitchFamily="18" charset="0"/>
+                                </a:rPr>
+                                <m:t>|</m:t>
+                              </m:r>
+                            </m:den>
+                          </m:f>
+                        </m:e>
+                      </m:d>
+                    </m:oMath>
+                  </m:oMathPara>
+                </a14:m>
+                <a:endParaRPr lang="ru-RU" b="0" dirty="0" smtClean="0"/>
+              </a:p>
+              <a:p>
+                <a:pPr marL="0" indent="0">
+                  <a:buNone/>
+                </a:pPr>
+                <a:r>
+                  <a:rPr lang="ru-RU" dirty="0" smtClean="0"/>
+                  <a:t>Шифр </a:t>
+                </a:r>
+                <a14:m>
+                  <m:oMath xmlns:m="http://schemas.openxmlformats.org/officeDocument/2006/math">
+                    <m:r>
+                      <m:rPr>
+                        <m:sty m:val="p"/>
+                      </m:rPr>
+                      <a:rPr lang="ru-RU" b="0" i="0" smtClean="0">
+                        <a:latin typeface="Cambria Math" panose="02040503050406030204" pitchFamily="18" charset="0"/>
+                      </a:rPr>
+                      <m:t>Ε</m:t>
+                    </m:r>
+                  </m:oMath>
+                </a14:m>
+                <a:r>
+                  <a:rPr lang="ru-RU" b="0" dirty="0" smtClean="0"/>
+                  <a:t> называется </a:t>
+                </a:r>
+                <a:r>
+                  <a:rPr lang="ru-RU" b="1" dirty="0" smtClean="0"/>
+                  <a:t>стойким к атаке на восстановление сообщений</a:t>
+                </a:r>
+                <a:r>
+                  <a:rPr lang="ru-RU" b="0" dirty="0" smtClean="0"/>
+                  <a:t>, если </a:t>
+                </a:r>
+                <a14:m>
+                  <m:oMath xmlns:m="http://schemas.openxmlformats.org/officeDocument/2006/math">
+                    <m:r>
+                      <a:rPr lang="ru-RU" b="0" i="1" smtClean="0">
+                        <a:latin typeface="Cambria Math" panose="02040503050406030204" pitchFamily="18" charset="0"/>
+                      </a:rPr>
+                      <m:t>∀</m:t>
+                    </m:r>
+                    <m:r>
+                      <a:rPr lang="en-US" b="0" i="1" smtClean="0">
+                        <a:latin typeface="Cambria Math" panose="02040503050406030204" pitchFamily="18" charset="0"/>
+                      </a:rPr>
+                      <m:t>𝐴</m:t>
+                    </m:r>
+                  </m:oMath>
+                </a14:m>
+                <a:r>
+                  <a:rPr lang="ru-RU" b="0" dirty="0" smtClean="0"/>
+                  <a:t> величина </a:t>
+                </a:r>
+                <a14:m>
+                  <m:oMath xmlns:m="http://schemas.openxmlformats.org/officeDocument/2006/math">
+                    <m:r>
+                      <m:rPr>
+                        <m:sty m:val="p"/>
+                      </m:rPr>
+                      <a:rPr lang="en-US">
+                        <a:latin typeface="Cambria Math" panose="02040503050406030204" pitchFamily="18" charset="0"/>
+                      </a:rPr>
+                      <m:t>MRadv</m:t>
+                    </m:r>
+                    <m:d>
+                      <m:dPr>
+                        <m:begChr m:val="["/>
+                        <m:endChr m:val="]"/>
+                        <m:ctrlPr>
+                          <a:rPr lang="en-US" i="1">
+                            <a:latin typeface="Cambria Math" panose="02040503050406030204" pitchFamily="18" charset="0"/>
+                          </a:rPr>
+                        </m:ctrlPr>
+                      </m:dPr>
+                      <m:e>
+                        <m:r>
+                          <a:rPr lang="en-US" i="1">
+                            <a:latin typeface="Cambria Math" panose="02040503050406030204" pitchFamily="18" charset="0"/>
+                          </a:rPr>
+                          <m:t>𝐴</m:t>
+                        </m:r>
+                        <m:r>
+                          <a:rPr lang="en-US" i="1">
+                            <a:latin typeface="Cambria Math" panose="02040503050406030204" pitchFamily="18" charset="0"/>
+                          </a:rPr>
+                          <m:t>,</m:t>
+                        </m:r>
+                        <m:r>
+                          <m:rPr>
+                            <m:sty m:val="p"/>
+                          </m:rPr>
+                          <a:rPr lang="en-US">
+                            <a:latin typeface="Cambria Math" panose="02040503050406030204" pitchFamily="18" charset="0"/>
+                          </a:rPr>
+                          <m:t>Ε</m:t>
+                        </m:r>
+                      </m:e>
+                    </m:d>
+                    <m:r>
+                      <a:rPr lang="en-US" b="0" i="1" smtClean="0">
+                        <a:latin typeface="Cambria Math" panose="02040503050406030204" pitchFamily="18" charset="0"/>
+                      </a:rPr>
+                      <m:t>&lt;</m:t>
+                    </m:r>
+                    <m:r>
+                      <a:rPr lang="en-US" b="0" i="1" smtClean="0">
+                        <a:latin typeface="Cambria Math" panose="02040503050406030204" pitchFamily="18" charset="0"/>
+                      </a:rPr>
+                      <m:t>𝜖</m:t>
+                    </m:r>
+                    <m:r>
+                      <a:rPr lang="en-US" b="0" i="0" smtClean="0">
+                        <a:latin typeface="Cambria Math" panose="02040503050406030204" pitchFamily="18" charset="0"/>
+                      </a:rPr>
+                      <m:t>,</m:t>
+                    </m:r>
+                  </m:oMath>
+                </a14:m>
+                <a:r>
+                  <a:rPr lang="en-US" b="0" dirty="0" smtClean="0"/>
+                  <a:t> </a:t>
+                </a:r>
+                <a:r>
+                  <a:rPr lang="ru-RU" b="0" dirty="0" smtClean="0"/>
+                  <a:t>где </a:t>
+                </a:r>
+                <a14:m>
+                  <m:oMath xmlns:m="http://schemas.openxmlformats.org/officeDocument/2006/math">
+                    <m:r>
+                      <a:rPr lang="en-US" b="0" i="1" smtClean="0">
+                        <a:latin typeface="Cambria Math" panose="02040503050406030204" pitchFamily="18" charset="0"/>
+                      </a:rPr>
+                      <m:t>𝜖</m:t>
+                    </m:r>
+                  </m:oMath>
+                </a14:m>
+                <a:r>
+                  <a:rPr lang="en-US" b="0" dirty="0" smtClean="0"/>
+                  <a:t> </a:t>
+                </a:r>
+                <a:r>
+                  <a:rPr lang="en-US" dirty="0"/>
+                  <a:t>-</a:t>
+                </a:r>
+                <a:r>
+                  <a:rPr lang="ru-RU" b="0" dirty="0" smtClean="0"/>
+                  <a:t> пренебрежимо малая величина.</a:t>
+                </a:r>
+                <a:endParaRPr lang="en-US" b="0" dirty="0" smtClean="0"/>
+              </a:p>
+            </p:txBody>
+          </p:sp>
+        </mc:Choice>
+        <mc:Fallback xmlns="">
+          <p:sp>
+            <p:nvSpPr>
+              <p:cNvPr id="3" name="Объект 2"/>
+              <p:cNvSpPr>
+                <a:spLocks noGrp="1" noRot="1" noChangeAspect="1" noMove="1" noResize="1" noEditPoints="1" noAdjustHandles="1" noChangeArrowheads="1" noChangeShapeType="1" noTextEdit="1"/>
+              </p:cNvSpPr>
+              <p:nvPr>
+                <p:ph idx="1"/>
+              </p:nvPr>
+            </p:nvSpPr>
+            <p:spPr>
+              <a:xfrm>
+                <a:off x="880618" y="3716968"/>
+                <a:ext cx="10515600" cy="2532225"/>
+              </a:xfrm>
+              <a:blipFill>
+                <a:blip r:embed="rId2"/>
+                <a:stretch>
+                  <a:fillRect l="-1043"/>
+                </a:stretch>
+              </a:blipFill>
+            </p:spPr>
+            <p:txBody>
+              <a:bodyPr/>
+              <a:lstStyle/>
+              <a:p>
+                <a:r>
+                  <a:rPr lang="ru-RU">
+                    <a:noFill/>
+                  </a:rPr>
+                  <a:t> </a:t>
+                </a:r>
+              </a:p>
+            </p:txBody>
+          </p:sp>
+        </mc:Fallback>
+      </mc:AlternateContent>
+      <p:sp>
+        <p:nvSpPr>
+          <p:cNvPr id="4" name="Номер слайда 3"/>
+          <p:cNvSpPr>
+            <a:spLocks noGrp="1"/>
+          </p:cNvSpPr>
+          <p:nvPr>
+            <p:ph type="sldNum" sz="quarter" idx="12"/>
+          </p:nvPr>
+        </p:nvSpPr>
+        <p:spPr/>
+        <p:txBody>
+          <a:bodyPr/>
+          <a:lstStyle/>
+          <a:p>
+            <a:fld id="{8253DDDB-F8F7-4D64-A7FD-3F3D61C1949F}" type="slidenum">
+              <a:rPr lang="ru-RU" smtClean="0"/>
+              <a:t>21</a:t>
+            </a:fld>
+            <a:endParaRPr lang="ru-RU"/>
+          </a:p>
+        </p:txBody>
+      </p:sp>
+      <p:sp>
+        <p:nvSpPr>
+          <p:cNvPr id="5" name="Rectangle 4"/>
+          <p:cNvSpPr>
+            <a:spLocks noChangeArrowheads="1"/>
+          </p:cNvSpPr>
+          <p:nvPr/>
+        </p:nvSpPr>
+        <p:spPr bwMode="auto">
+          <a:xfrm>
+            <a:off x="2214911" y="1784586"/>
+            <a:ext cx="1295400" cy="1188244"/>
+          </a:xfrm>
+          <a:prstGeom prst="rect">
+            <a:avLst/>
+          </a:prstGeom>
+          <a:solidFill>
+            <a:schemeClr val="accent1"/>
+          </a:solidFill>
+          <a:ln w="9525">
+            <a:solidFill>
+              <a:schemeClr val="tx1"/>
+            </a:solidFill>
+            <a:miter lim="800000"/>
+            <a:headEnd/>
+            <a:tailEnd/>
+          </a:ln>
+          <a:effectLst/>
+        </p:spPr>
+        <p:txBody>
+          <a:bodyPr wrap="none"/>
+          <a:lstStyle/>
+          <a:p>
+            <a:pPr algn="ctr"/>
+            <a:r>
+              <a:rPr lang="en-US" dirty="0" err="1"/>
+              <a:t>Chal</a:t>
+            </a:r>
+            <a:r>
+              <a:rPr lang="en-US" dirty="0"/>
+              <a:t>.</a:t>
+            </a:r>
+          </a:p>
+        </p:txBody>
+      </p:sp>
+      <mc:AlternateContent xmlns:mc="http://schemas.openxmlformats.org/markup-compatibility/2006" xmlns:a14="http://schemas.microsoft.com/office/drawing/2010/main">
+        <mc:Choice Requires="a14">
+          <p:sp>
+            <p:nvSpPr>
+              <p:cNvPr id="8" name="Rectangle 7"/>
+              <p:cNvSpPr>
+                <a:spLocks noChangeArrowheads="1"/>
+              </p:cNvSpPr>
+              <p:nvPr/>
+            </p:nvSpPr>
+            <p:spPr bwMode="auto">
+              <a:xfrm>
+                <a:off x="7396511" y="1784586"/>
+                <a:ext cx="1295400" cy="1188244"/>
+              </a:xfrm>
+              <a:prstGeom prst="rect">
+                <a:avLst/>
+              </a:prstGeom>
+              <a:solidFill>
+                <a:schemeClr val="accent1"/>
+              </a:solidFill>
+              <a:ln w="9525">
+                <a:solidFill>
+                  <a:schemeClr val="tx1"/>
+                </a:solidFill>
+                <a:miter lim="800000"/>
+                <a:headEnd/>
+                <a:tailEnd/>
+              </a:ln>
+              <a:effectLst/>
+            </p:spPr>
+            <p:txBody>
+              <a:bodyPr wrap="none"/>
+              <a:lstStyle/>
+              <a:p>
+                <a:pPr algn="ctr"/>
+                <a:r>
+                  <a:rPr lang="en-US" dirty="0"/>
+                  <a:t>Adv. </a:t>
+                </a:r>
+                <a14:m>
+                  <m:oMath xmlns:m="http://schemas.openxmlformats.org/officeDocument/2006/math">
+                    <m:r>
+                      <a:rPr lang="en-US" i="1" dirty="0" smtClean="0">
+                        <a:latin typeface="Cambria Math" panose="02040503050406030204" pitchFamily="18" charset="0"/>
+                      </a:rPr>
+                      <m:t>𝐴</m:t>
+                    </m:r>
+                  </m:oMath>
+                </a14:m>
+                <a:endParaRPr lang="en-US" dirty="0"/>
+              </a:p>
+            </p:txBody>
+          </p:sp>
+        </mc:Choice>
+        <mc:Fallback xmlns="">
+          <p:sp>
+            <p:nvSpPr>
+              <p:cNvPr id="8" name="Rectangle 7"/>
+              <p:cNvSpPr>
+                <a:spLocks noRot="1" noChangeAspect="1" noMove="1" noResize="1" noEditPoints="1" noAdjustHandles="1" noChangeArrowheads="1" noChangeShapeType="1" noTextEdit="1"/>
+              </p:cNvSpPr>
+              <p:nvPr/>
+            </p:nvSpPr>
+            <p:spPr bwMode="auto">
+              <a:xfrm>
+                <a:off x="7396511" y="1784586"/>
+                <a:ext cx="1295400" cy="1188244"/>
+              </a:xfrm>
+              <a:prstGeom prst="rect">
+                <a:avLst/>
+              </a:prstGeom>
+              <a:blipFill>
+                <a:blip r:embed="rId3"/>
+                <a:stretch>
+                  <a:fillRect t="-2538"/>
+                </a:stretch>
+              </a:blipFill>
+              <a:ln w="9525">
+                <a:solidFill>
+                  <a:schemeClr val="tx1"/>
+                </a:solidFill>
+                <a:miter lim="800000"/>
+                <a:headEnd/>
+                <a:tailEnd/>
+              </a:ln>
+              <a:effectLst/>
+            </p:spPr>
+            <p:txBody>
+              <a:bodyPr/>
+              <a:lstStyle/>
+              <a:p>
+                <a:r>
+                  <a:rPr lang="ru-RU">
+                    <a:noFill/>
+                  </a:rPr>
+                  <a:t> </a:t>
+                </a:r>
+              </a:p>
+            </p:txBody>
+          </p:sp>
+        </mc:Fallback>
+      </mc:AlternateContent>
+      <p:grpSp>
+        <p:nvGrpSpPr>
+          <p:cNvPr id="15" name="Group 22"/>
+          <p:cNvGrpSpPr>
+            <a:grpSpLocks/>
+          </p:cNvGrpSpPr>
+          <p:nvPr/>
+        </p:nvGrpSpPr>
+        <p:grpSpPr bwMode="auto">
+          <a:xfrm>
+            <a:off x="8006120" y="2972828"/>
+            <a:ext cx="1254127" cy="678656"/>
+            <a:chOff x="4560" y="2842"/>
+            <a:chExt cx="790" cy="570"/>
+          </a:xfrm>
+        </p:grpSpPr>
+        <p:sp>
+          <p:nvSpPr>
+            <p:cNvPr id="16" name="Line 16"/>
+            <p:cNvSpPr>
+              <a:spLocks noChangeShapeType="1"/>
+            </p:cNvSpPr>
+            <p:nvPr/>
+          </p:nvSpPr>
+          <p:spPr bwMode="auto">
+            <a:xfrm>
+              <a:off x="4560" y="2842"/>
+              <a:ext cx="0" cy="480"/>
+            </a:xfrm>
+            <a:prstGeom prst="line">
+              <a:avLst/>
+            </a:prstGeom>
+            <a:noFill/>
+            <a:ln w="9525">
+              <a:solidFill>
+                <a:schemeClr val="tx1"/>
+              </a:solidFill>
+              <a:round/>
+              <a:headEnd/>
+              <a:tailEnd type="triangle" w="med" len="med"/>
+            </a:ln>
+            <a:effectLst/>
+          </p:spPr>
+          <p:txBody>
+            <a:bodyPr/>
+            <a:lstStyle/>
+            <a:p>
+              <a:endParaRPr lang="en-US"/>
+            </a:p>
+          </p:txBody>
+        </p:sp>
+        <mc:AlternateContent xmlns:mc="http://schemas.openxmlformats.org/markup-compatibility/2006" xmlns:a14="http://schemas.microsoft.com/office/drawing/2010/main">
+          <mc:Choice Requires="a14">
+            <p:sp>
+              <p:nvSpPr>
+                <p:cNvPr id="17" name="Text Box 17"/>
+                <p:cNvSpPr txBox="1">
+                  <a:spLocks noChangeArrowheads="1"/>
+                </p:cNvSpPr>
+                <p:nvPr/>
+              </p:nvSpPr>
+              <p:spPr bwMode="auto">
+                <a:xfrm>
+                  <a:off x="4568" y="3024"/>
+                  <a:ext cx="782" cy="388"/>
+                </a:xfrm>
+                <a:prstGeom prst="rect">
+                  <a:avLst/>
+                </a:prstGeom>
+                <a:noFill/>
+                <a:ln w="9525">
+                  <a:noFill/>
+                  <a:miter lim="800000"/>
+                  <a:headEnd/>
+                  <a:tailEnd/>
+                </a:ln>
+                <a:effectLst/>
+              </p:spPr>
+              <p:txBody>
+                <a:bodyPr wrap="none">
+                  <a:spAutoFit/>
+                </a:bodyPr>
+                <a:lstStyle/>
+                <a:p>
+                  <a:pPr/>
+                  <a14:m>
+                    <m:oMathPara xmlns:m="http://schemas.openxmlformats.org/officeDocument/2006/math">
+                      <m:oMathParaPr>
+                        <m:jc m:val="centerGroup"/>
+                      </m:oMathParaPr>
+                      <m:oMath xmlns:m="http://schemas.openxmlformats.org/officeDocument/2006/math">
+                        <m:sSup>
+                          <m:sSupPr>
+                            <m:ctrlPr>
+                              <a:rPr lang="en-US" sz="2400" b="0" i="1" smtClean="0">
+                                <a:latin typeface="Cambria Math" panose="02040503050406030204" pitchFamily="18" charset="0"/>
+                              </a:rPr>
+                            </m:ctrlPr>
+                          </m:sSupPr>
+                          <m:e>
+                            <m:r>
+                              <a:rPr lang="en-US" sz="2400" b="0" i="1" smtClean="0">
+                                <a:latin typeface="Cambria Math" panose="02040503050406030204" pitchFamily="18" charset="0"/>
+                              </a:rPr>
+                              <m:t>𝑚</m:t>
+                            </m:r>
+                          </m:e>
+                          <m:sup>
+                            <m:r>
+                              <a:rPr lang="en-US" sz="2400" b="0" i="1" smtClean="0">
+                                <a:latin typeface="Cambria Math" panose="02040503050406030204" pitchFamily="18" charset="0"/>
+                              </a:rPr>
+                              <m:t>′</m:t>
+                            </m:r>
+                          </m:sup>
+                        </m:sSup>
+                        <m:r>
+                          <a:rPr lang="en-US" sz="2400" b="0" i="1" smtClean="0">
+                            <a:latin typeface="Cambria Math" panose="02040503050406030204" pitchFamily="18" charset="0"/>
+                          </a:rPr>
+                          <m:t>∈</m:t>
+                        </m:r>
+                        <m:r>
+                          <a:rPr lang="en-US" sz="2400" b="0" i="1" smtClean="0">
+                            <a:latin typeface="Cambria Math" panose="02040503050406030204" pitchFamily="18" charset="0"/>
+                          </a:rPr>
+                          <m:t>𝑀</m:t>
+                        </m:r>
+                      </m:oMath>
+                    </m:oMathPara>
+                  </a14:m>
+                  <a:endParaRPr lang="en-US" sz="2400" dirty="0"/>
+                </a:p>
+              </p:txBody>
+            </p:sp>
+          </mc:Choice>
+          <mc:Fallback xmlns="">
+            <p:sp>
+              <p:nvSpPr>
+                <p:cNvPr id="17" name="Text Box 17"/>
+                <p:cNvSpPr txBox="1">
+                  <a:spLocks noRot="1" noChangeAspect="1" noMove="1" noResize="1" noEditPoints="1" noAdjustHandles="1" noChangeArrowheads="1" noChangeShapeType="1" noTextEdit="1"/>
+                </p:cNvSpPr>
+                <p:nvPr/>
+              </p:nvSpPr>
+              <p:spPr bwMode="auto">
+                <a:xfrm>
+                  <a:off x="4568" y="3024"/>
+                  <a:ext cx="782" cy="388"/>
+                </a:xfrm>
+                <a:prstGeom prst="rect">
+                  <a:avLst/>
+                </a:prstGeom>
+                <a:blipFill>
+                  <a:blip r:embed="rId4"/>
+                  <a:stretch>
+                    <a:fillRect/>
+                  </a:stretch>
+                </a:blipFill>
+                <a:ln w="9525">
+                  <a:noFill/>
+                  <a:miter lim="800000"/>
+                  <a:headEnd/>
+                  <a:tailEnd/>
+                </a:ln>
+                <a:effectLst/>
+              </p:spPr>
+              <p:txBody>
+                <a:bodyPr/>
+                <a:lstStyle/>
+                <a:p>
+                  <a:r>
+                    <a:rPr lang="ru-RU">
+                      <a:noFill/>
+                    </a:rPr>
+                    <a:t> </a:t>
+                  </a:r>
+                </a:p>
+              </p:txBody>
+            </p:sp>
+          </mc:Fallback>
+        </mc:AlternateContent>
+      </p:grpSp>
+      <p:sp>
+        <p:nvSpPr>
+          <p:cNvPr id="18" name="Rectangle 18"/>
+          <p:cNvSpPr>
+            <a:spLocks noChangeArrowheads="1"/>
+          </p:cNvSpPr>
+          <p:nvPr/>
+        </p:nvSpPr>
+        <p:spPr bwMode="auto">
+          <a:xfrm>
+            <a:off x="1575151" y="1555985"/>
+            <a:ext cx="7924800" cy="1588294"/>
+          </a:xfrm>
+          <a:prstGeom prst="rect">
+            <a:avLst/>
+          </a:prstGeom>
+          <a:noFill/>
+          <a:ln w="38100">
+            <a:solidFill>
+              <a:schemeClr val="folHlink"/>
+            </a:solidFill>
+            <a:miter lim="800000"/>
+            <a:headEnd/>
+            <a:tailEnd/>
+          </a:ln>
+          <a:effectLst/>
+        </p:spPr>
+        <p:txBody>
+          <a:bodyPr wrap="none" anchor="ctr"/>
+          <a:lstStyle/>
+          <a:p>
+            <a:endParaRPr lang="en-US"/>
+          </a:p>
+        </p:txBody>
+      </p:sp>
+      <mc:AlternateContent xmlns:mc="http://schemas.openxmlformats.org/markup-compatibility/2006" xmlns:a14="http://schemas.microsoft.com/office/drawing/2010/main">
+        <mc:Choice Requires="a14">
+          <p:sp>
+            <p:nvSpPr>
+              <p:cNvPr id="19" name="Text Box 13"/>
+              <p:cNvSpPr txBox="1">
+                <a:spLocks noChangeArrowheads="1"/>
+              </p:cNvSpPr>
+              <p:nvPr/>
+            </p:nvSpPr>
+            <p:spPr bwMode="auto">
+              <a:xfrm>
+                <a:off x="2484878" y="2099118"/>
+                <a:ext cx="810158" cy="753924"/>
+              </a:xfrm>
+              <a:prstGeom prst="rect">
+                <a:avLst/>
+              </a:prstGeom>
+              <a:noFill/>
+              <a:ln w="9525">
+                <a:noFill/>
+                <a:miter lim="800000"/>
+                <a:headEnd/>
+                <a:tailEnd/>
+              </a:ln>
+              <a:effectLst/>
+            </p:spPr>
+            <p:txBody>
+              <a:bodyPr wrap="none">
+                <a:spAutoFit/>
+              </a:bodyPr>
+              <a:lstStyle/>
+              <a:p>
+                <a:pPr algn="ctr"/>
+                <a:r>
+                  <a:rPr lang="en-US" sz="1600" dirty="0" smtClean="0"/>
+                  <a:t>k</a:t>
+                </a:r>
+                <a14:m>
+                  <m:oMath xmlns:m="http://schemas.openxmlformats.org/officeDocument/2006/math">
+                    <m:groupChr>
+                      <m:groupChrPr>
+                        <m:chr m:val="←"/>
+                        <m:vertJc m:val="bot"/>
+                        <m:ctrlPr>
+                          <a:rPr lang="en-US" sz="1600" i="1">
+                            <a:latin typeface="Cambria Math" panose="02040503050406030204" pitchFamily="18" charset="0"/>
+                          </a:rPr>
+                        </m:ctrlPr>
+                      </m:groupChrPr>
+                      <m:e>
+                        <m:r>
+                          <m:rPr>
+                            <m:brk m:alnAt="2"/>
+                          </m:rPr>
+                          <a:rPr lang="en-US" sz="1600" i="1">
+                            <a:latin typeface="Cambria Math" panose="02040503050406030204" pitchFamily="18" charset="0"/>
+                          </a:rPr>
+                          <m:t>𝑅</m:t>
+                        </m:r>
+                      </m:e>
+                    </m:groupChr>
+                    <m:r>
+                      <a:rPr lang="en-US" sz="1600" b="0" i="1" smtClean="0">
+                        <a:latin typeface="Cambria Math" panose="02040503050406030204" pitchFamily="18" charset="0"/>
+                      </a:rPr>
+                      <m:t>𝐾</m:t>
+                    </m:r>
+                  </m:oMath>
+                </a14:m>
+                <a:endParaRPr lang="ru-RU" sz="1600" b="0" i="1" dirty="0" smtClean="0">
+                  <a:latin typeface="Cambria Math" panose="02040503050406030204" pitchFamily="18" charset="0"/>
+                </a:endParaRPr>
+              </a:p>
+              <a:p>
+                <a:pPr algn="ctr"/>
+                <a14:m>
+                  <m:oMathPara xmlns:m="http://schemas.openxmlformats.org/officeDocument/2006/math">
+                    <m:oMathParaPr>
+                      <m:jc m:val="left"/>
+                    </m:oMathParaPr>
+                    <m:oMath xmlns:m="http://schemas.openxmlformats.org/officeDocument/2006/math">
+                      <m:r>
+                        <a:rPr lang="en-US" sz="1600" i="1">
+                          <a:latin typeface="Cambria Math" panose="02040503050406030204" pitchFamily="18" charset="0"/>
+                        </a:rPr>
+                        <m:t>𝑚</m:t>
+                      </m:r>
+                      <m:groupChr>
+                        <m:groupChrPr>
+                          <m:chr m:val="←"/>
+                          <m:vertJc m:val="bot"/>
+                          <m:ctrlPr>
+                            <a:rPr lang="en-US" sz="1600" i="1">
+                              <a:latin typeface="Cambria Math" panose="02040503050406030204" pitchFamily="18" charset="0"/>
+                            </a:rPr>
+                          </m:ctrlPr>
+                        </m:groupChrPr>
+                        <m:e>
+                          <m:r>
+                            <m:rPr>
+                              <m:brk m:alnAt="2"/>
+                            </m:rPr>
+                            <a:rPr lang="en-US" sz="1600" i="1">
+                              <a:latin typeface="Cambria Math" panose="02040503050406030204" pitchFamily="18" charset="0"/>
+                            </a:rPr>
+                            <m:t>𝑅</m:t>
+                          </m:r>
+                        </m:e>
+                      </m:groupChr>
+                      <m:r>
+                        <a:rPr lang="en-US" sz="1600" i="1">
+                          <a:latin typeface="Cambria Math" panose="02040503050406030204" pitchFamily="18" charset="0"/>
+                        </a:rPr>
+                        <m:t>𝑀</m:t>
+                      </m:r>
+                    </m:oMath>
+                  </m:oMathPara>
+                </a14:m>
+                <a:endParaRPr lang="en-US" sz="1600" b="1" baseline="-25000" dirty="0">
+                  <a:cs typeface="Arial" charset="0"/>
+                  <a:sym typeface="Symbol" pitchFamily="18" charset="2"/>
+                </a:endParaRPr>
+              </a:p>
+            </p:txBody>
+          </p:sp>
+        </mc:Choice>
+        <mc:Fallback xmlns="">
+          <p:sp>
+            <p:nvSpPr>
+              <p:cNvPr id="19" name="Text Box 13"/>
+              <p:cNvSpPr txBox="1">
+                <a:spLocks noRot="1" noChangeAspect="1" noMove="1" noResize="1" noEditPoints="1" noAdjustHandles="1" noChangeArrowheads="1" noChangeShapeType="1" noTextEdit="1"/>
+              </p:cNvSpPr>
+              <p:nvPr/>
+            </p:nvSpPr>
+            <p:spPr bwMode="auto">
+              <a:xfrm>
+                <a:off x="2484878" y="2099118"/>
+                <a:ext cx="810158" cy="753924"/>
+              </a:xfrm>
+              <a:prstGeom prst="rect">
+                <a:avLst/>
+              </a:prstGeom>
+              <a:blipFill>
+                <a:blip r:embed="rId5"/>
+                <a:stretch>
+                  <a:fillRect r="-33083" b="-25000"/>
+                </a:stretch>
+              </a:blipFill>
+              <a:ln w="9525">
+                <a:noFill/>
+                <a:miter lim="800000"/>
+                <a:headEnd/>
+                <a:tailEnd/>
+              </a:ln>
+              <a:effectLst/>
+            </p:spPr>
+            <p:txBody>
+              <a:bodyPr/>
+              <a:lstStyle/>
+              <a:p>
+                <a:r>
+                  <a:rPr lang="ru-RU">
+                    <a:noFill/>
+                  </a:rPr>
+                  <a:t> </a:t>
+                </a:r>
+              </a:p>
+            </p:txBody>
+          </p:sp>
+        </mc:Fallback>
+      </mc:AlternateContent>
+      <p:grpSp>
+        <p:nvGrpSpPr>
+          <p:cNvPr id="20" name="Group 20"/>
+          <p:cNvGrpSpPr>
+            <a:grpSpLocks/>
+          </p:cNvGrpSpPr>
+          <p:nvPr/>
+        </p:nvGrpSpPr>
+        <p:grpSpPr bwMode="auto">
+          <a:xfrm>
+            <a:off x="3612705" y="1653625"/>
+            <a:ext cx="3733800" cy="559595"/>
+            <a:chOff x="1776" y="1940"/>
+            <a:chExt cx="2352" cy="470"/>
+          </a:xfrm>
+        </p:grpSpPr>
+        <p:sp>
+          <p:nvSpPr>
+            <p:cNvPr id="21" name="Line 13"/>
+            <p:cNvSpPr>
+              <a:spLocks noChangeShapeType="1"/>
+            </p:cNvSpPr>
+            <p:nvPr/>
+          </p:nvSpPr>
+          <p:spPr bwMode="auto">
+            <a:xfrm>
+              <a:off x="1776" y="2410"/>
+              <a:ext cx="2352" cy="0"/>
+            </a:xfrm>
+            <a:prstGeom prst="line">
+              <a:avLst/>
+            </a:prstGeom>
+            <a:noFill/>
+            <a:ln w="38100" cmpd="sng">
+              <a:solidFill>
+                <a:schemeClr val="tx1"/>
+              </a:solidFill>
+              <a:round/>
+              <a:headEnd/>
+              <a:tailEnd type="triangle" w="med" len="med"/>
+            </a:ln>
+            <a:effectLst/>
+          </p:spPr>
+          <p:txBody>
+            <a:bodyPr/>
+            <a:lstStyle/>
+            <a:p>
+              <a:endParaRPr lang="en-US"/>
+            </a:p>
+          </p:txBody>
+        </p:sp>
+        <mc:AlternateContent xmlns:mc="http://schemas.openxmlformats.org/markup-compatibility/2006" xmlns:a14="http://schemas.microsoft.com/office/drawing/2010/main">
+          <mc:Choice Requires="a14">
+            <p:sp>
+              <p:nvSpPr>
+                <p:cNvPr id="22" name="Text Box 14"/>
+                <p:cNvSpPr txBox="1">
+                  <a:spLocks noChangeArrowheads="1"/>
+                </p:cNvSpPr>
+                <p:nvPr/>
+              </p:nvSpPr>
+              <p:spPr bwMode="auto">
+                <a:xfrm>
+                  <a:off x="2413" y="1940"/>
+                  <a:ext cx="954" cy="425"/>
+                </a:xfrm>
+                <a:prstGeom prst="rect">
+                  <a:avLst/>
+                </a:prstGeom>
+                <a:noFill/>
+                <a:ln w="9525">
+                  <a:noFill/>
+                  <a:miter lim="800000"/>
+                  <a:headEnd/>
+                  <a:tailEnd/>
+                </a:ln>
+                <a:effectLst/>
+              </p:spPr>
+              <p:txBody>
+                <a:bodyPr wrap="none">
+                  <a:spAutoFit/>
+                </a:bodyPr>
+                <a:lstStyle/>
+                <a:p>
+                  <a:pPr/>
+                  <a14:m>
+                    <m:oMathPara xmlns:m="http://schemas.openxmlformats.org/officeDocument/2006/math">
+                      <m:oMathParaPr>
+                        <m:jc m:val="centerGroup"/>
+                      </m:oMathParaPr>
+                      <m:oMath xmlns:m="http://schemas.openxmlformats.org/officeDocument/2006/math">
+                        <m:r>
+                          <a:rPr lang="en-US" sz="2000" i="1">
+                            <a:latin typeface="Cambria Math" panose="02040503050406030204" pitchFamily="18" charset="0"/>
+                          </a:rPr>
+                          <m:t>𝑐</m:t>
+                        </m:r>
+                        <m:groupChr>
+                          <m:groupChrPr>
+                            <m:chr m:val="←"/>
+                            <m:vertJc m:val="bot"/>
+                            <m:ctrlPr>
+                              <a:rPr lang="en-US" sz="2000" i="1">
+                                <a:latin typeface="Cambria Math" panose="02040503050406030204" pitchFamily="18" charset="0"/>
+                              </a:rPr>
+                            </m:ctrlPr>
+                          </m:groupChrPr>
+                          <m:e>
+                            <m:r>
+                              <m:rPr>
+                                <m:brk m:alnAt="2"/>
+                              </m:rPr>
+                              <a:rPr lang="en-US" sz="2000" i="1">
+                                <a:latin typeface="Cambria Math" panose="02040503050406030204" pitchFamily="18" charset="0"/>
+                              </a:rPr>
+                              <m:t>𝑅</m:t>
+                            </m:r>
+                          </m:e>
+                        </m:groupChr>
+                        <m:r>
+                          <a:rPr lang="en-US" sz="2000" i="1">
+                            <a:latin typeface="Cambria Math" panose="02040503050406030204" pitchFamily="18" charset="0"/>
+                          </a:rPr>
+                          <m:t>𝐸</m:t>
+                        </m:r>
+                        <m:r>
+                          <a:rPr lang="en-US" sz="2000" i="1">
+                            <a:latin typeface="Cambria Math" panose="02040503050406030204" pitchFamily="18" charset="0"/>
+                          </a:rPr>
+                          <m:t>(</m:t>
+                        </m:r>
+                        <m:r>
+                          <a:rPr lang="en-US" sz="2000" i="1">
+                            <a:latin typeface="Cambria Math" panose="02040503050406030204" pitchFamily="18" charset="0"/>
+                          </a:rPr>
+                          <m:t>𝑘</m:t>
+                        </m:r>
+                        <m:r>
+                          <a:rPr lang="en-US" sz="2000" i="1">
+                            <a:latin typeface="Cambria Math" panose="02040503050406030204" pitchFamily="18" charset="0"/>
+                          </a:rPr>
+                          <m:t>,</m:t>
+                        </m:r>
+                        <m:r>
+                          <a:rPr lang="en-US" sz="2000" i="1">
+                            <a:latin typeface="Cambria Math" panose="02040503050406030204" pitchFamily="18" charset="0"/>
+                          </a:rPr>
+                          <m:t>𝑚</m:t>
+                        </m:r>
+                        <m:r>
+                          <a:rPr lang="en-US" sz="2000" i="1">
+                            <a:latin typeface="Cambria Math" panose="02040503050406030204" pitchFamily="18" charset="0"/>
+                          </a:rPr>
+                          <m:t>)</m:t>
+                        </m:r>
+                      </m:oMath>
+                    </m:oMathPara>
+                  </a14:m>
+                  <a:endParaRPr lang="en-US" sz="2000" dirty="0"/>
+                </a:p>
+              </p:txBody>
+            </p:sp>
+          </mc:Choice>
+          <mc:Fallback xmlns="">
+            <p:sp>
+              <p:nvSpPr>
+                <p:cNvPr id="22" name="Text Box 14"/>
+                <p:cNvSpPr txBox="1">
+                  <a:spLocks noRot="1" noChangeAspect="1" noMove="1" noResize="1" noEditPoints="1" noAdjustHandles="1" noChangeArrowheads="1" noChangeShapeType="1" noTextEdit="1"/>
+                </p:cNvSpPr>
+                <p:nvPr/>
+              </p:nvSpPr>
+              <p:spPr bwMode="auto">
+                <a:xfrm>
+                  <a:off x="2413" y="1940"/>
+                  <a:ext cx="954" cy="425"/>
+                </a:xfrm>
+                <a:prstGeom prst="rect">
+                  <a:avLst/>
+                </a:prstGeom>
+                <a:blipFill>
+                  <a:blip r:embed="rId6"/>
+                  <a:stretch>
+                    <a:fillRect/>
+                  </a:stretch>
+                </a:blipFill>
+                <a:ln w="9525">
+                  <a:noFill/>
+                  <a:miter lim="800000"/>
+                  <a:headEnd/>
+                  <a:tailEnd/>
+                </a:ln>
+                <a:effectLst/>
+              </p:spPr>
+              <p:txBody>
+                <a:bodyPr/>
+                <a:lstStyle/>
+                <a:p>
+                  <a:r>
+                    <a:rPr lang="ru-RU">
+                      <a:noFill/>
+                    </a:rPr>
+                    <a:t> </a:t>
+                  </a:r>
+                </a:p>
+              </p:txBody>
+            </p:sp>
+          </mc:Fallback>
+        </mc:AlternateContent>
+      </p:grpSp>
+    </p:spTree>
+    <p:extLst>
+      <p:ext uri="{BB962C8B-B14F-4D97-AF65-F5344CB8AC3E}">
+        <p14:creationId xmlns:p14="http://schemas.microsoft.com/office/powerpoint/2010/main" val="4293687258"/>
+      </p:ext>
+    </p:extLst>
+  </p:cSld>
+  <p:clrMapOvr>
+    <a:masterClrMapping/>
+  </p:clrMapOvr>
+  <p:timing>
+    <p:tnLst>
+      <p:par>
+        <p:cTn id="1" dur="indefinite" restart="never" nodeType="tmRoot"/>
+      </p:par>
+    </p:tnLst>
+  </p:timing>
+</p:sld>
+</file>
+
+<file path=ppt/slides/slide22.xml><?xml version="1.0" encoding="utf-8"?>
+<p:sld xmlns:a="http://schemas.openxmlformats.org/drawingml/2006/main" xmlns:r="http://schemas.openxmlformats.org/officeDocument/2006/relationships" xmlns:p="http://schemas.openxmlformats.org/presentationml/2006/main">
+  <p:cSld>
+    <p:spTree>
+      <p:nvGrpSpPr>
+        <p:cNvPr id="1" name=""/>
+        <p:cNvGrpSpPr/>
+        <p:nvPr/>
+      </p:nvGrpSpPr>
+      <p:grpSpPr>
+        <a:xfrm>
+          <a:off x="0" y="0"/>
+          <a:ext cx="0" cy="0"/>
+          <a:chOff x="0" y="0"/>
+          <a:chExt cx="0" cy="0"/>
+        </a:xfrm>
+      </p:grpSpPr>
+      <p:sp>
+        <p:nvSpPr>
           <p:cNvPr id="5" name="Скругленный прямоугольник 4"/>
           <p:cNvSpPr/>
           <p:nvPr/>
@@ -17860,7 +20590,7 @@
           <a:p>
             <a:fld id="{8253DDDB-F8F7-4D64-A7FD-3F3D61C1949F}" type="slidenum">
               <a:rPr lang="ru-RU" smtClean="0"/>
-              <a:t>20</a:t>
+              <a:t>22</a:t>
             </a:fld>
             <a:endParaRPr lang="ru-RU"/>
           </a:p>
@@ -17886,7 +20616,7 @@
 </p:sld>
 </file>
 
-<file path=ppt/slides/slide21.xml><?xml version="1.0" encoding="utf-8"?>
+<file path=ppt/slides/slide23.xml><?xml version="1.0" encoding="utf-8"?>
 <p:sld xmlns:a="http://schemas.openxmlformats.org/drawingml/2006/main" xmlns:r="http://schemas.openxmlformats.org/officeDocument/2006/relationships" xmlns:p="http://schemas.openxmlformats.org/presentationml/2006/main">
   <p:cSld>
     <p:spTree>
@@ -17963,8 +20693,8 @@
           </a:p>
         </p:txBody>
       </p:sp>
-      <mc:AlternateContent xmlns:mc="http://schemas.openxmlformats.org/markup-compatibility/2006">
-        <mc:Choice xmlns:a14="http://schemas.microsoft.com/office/drawing/2010/main" Requires="a14">
+      <mc:AlternateContent xmlns:mc="http://schemas.openxmlformats.org/markup-compatibility/2006" xmlns:a14="http://schemas.microsoft.com/office/drawing/2010/main">
+        <mc:Choice Requires="a14">
           <p:sp>
             <p:nvSpPr>
               <p:cNvPr id="3" name="Объект 2"/>
@@ -18150,11 +20880,7 @@
                 </a:r>
                 <a:r>
                   <a:rPr lang="ru-RU" smtClean="0"/>
-                  <a:t>два </a:t>
-                </a:r>
-                <a:r>
-                  <a:rPr lang="ru-RU" smtClean="0"/>
-                  <a:t>случайных сообщения </a:t>
+                  <a:t>два случайных сообщения </a:t>
                 </a:r>
                 <a14:m>
                   <m:oMath xmlns:m="http://schemas.openxmlformats.org/officeDocument/2006/math">
@@ -18451,7 +21177,7 @@
             </p:txBody>
           </p:sp>
         </mc:Choice>
-        <mc:Fallback>
+        <mc:Fallback xmlns="">
           <p:sp>
             <p:nvSpPr>
               <p:cNvPr id="3" name="Объект 2"/>
@@ -18502,7 +21228,7 @@
           <a:p>
             <a:fld id="{8253DDDB-F8F7-4D64-A7FD-3F3D61C1949F}" type="slidenum">
               <a:rPr lang="ru-RU" smtClean="0"/>
-              <a:t>21</a:t>
+              <a:t>23</a:t>
             </a:fld>
             <a:endParaRPr lang="ru-RU"/>
           </a:p>
@@ -18528,7 +21254,7 @@
 </p:sld>
 </file>
 
-<file path=ppt/slides/slide22.xml><?xml version="1.0" encoding="utf-8"?>
+<file path=ppt/slides/slide24.xml><?xml version="1.0" encoding="utf-8"?>
 <p:sld xmlns:a="http://schemas.openxmlformats.org/drawingml/2006/main" xmlns:r="http://schemas.openxmlformats.org/officeDocument/2006/relationships" xmlns:p="http://schemas.openxmlformats.org/presentationml/2006/main">
   <p:cSld>
     <p:spTree>
@@ -18800,7 +21526,7 @@
           <a:p>
             <a:fld id="{8253DDDB-F8F7-4D64-A7FD-3F3D61C1949F}" type="slidenum">
               <a:rPr lang="ru-RU" smtClean="0"/>
-              <a:t>22</a:t>
+              <a:t>24</a:t>
             </a:fld>
             <a:endParaRPr lang="ru-RU"/>
           </a:p>
@@ -20783,7 +23509,7 @@
 </p:sld>
 </file>
 
-<file path=ppt/slides/slide23.xml><?xml version="1.0" encoding="utf-8"?>
+<file path=ppt/slides/slide25.xml><?xml version="1.0" encoding="utf-8"?>
 <p:sld xmlns:a="http://schemas.openxmlformats.org/drawingml/2006/main" xmlns:r="http://schemas.openxmlformats.org/officeDocument/2006/relationships" xmlns:p="http://schemas.openxmlformats.org/presentationml/2006/main">
   <p:cSld>
     <p:spTree>
@@ -20808,8 +23534,8 @@
         </p:nvSpPr>
         <p:spPr>
           <a:xfrm>
-            <a:off x="720505" y="1690688"/>
-            <a:ext cx="10542006" cy="987198"/>
+            <a:off x="711713" y="1699480"/>
+            <a:ext cx="10542006" cy="841497"/>
           </a:xfrm>
           <a:prstGeom prst="roundRect">
             <a:avLst/>
@@ -21320,10 +24046,10 @@
                       </m:e>
                       <m:sub>
                         <m:r>
-                          <a:rPr lang="en-US" b="0" i="1" smtClean="0">
-                            <a:latin typeface="Cambria Math" panose="02040503050406030204" pitchFamily="18" charset="0"/>
-                          </a:rPr>
-                          <m:t>0</m:t>
+                          <a:rPr lang="ru-RU" b="0" i="1" smtClean="0">
+                            <a:latin typeface="Cambria Math" panose="02040503050406030204" pitchFamily="18" charset="0"/>
+                          </a:rPr>
+                          <m:t>1</m:t>
                         </m:r>
                       </m:sub>
                     </m:sSub>
@@ -22001,7 +24727,7 @@
           <a:p>
             <a:fld id="{8253DDDB-F8F7-4D64-A7FD-3F3D61C1949F}" type="slidenum">
               <a:rPr lang="ru-RU" smtClean="0"/>
-              <a:t>23</a:t>
+              <a:t>25</a:t>
             </a:fld>
             <a:endParaRPr lang="ru-RU"/>
           </a:p>
@@ -22027,7 +24753,7 @@
 </p:sld>
 </file>
 
-<file path=ppt/slides/slide24.xml><?xml version="1.0" encoding="utf-8"?>
+<file path=ppt/slides/slide26.xml><?xml version="1.0" encoding="utf-8"?>
 <p:sld xmlns:a="http://schemas.openxmlformats.org/drawingml/2006/main" xmlns:r="http://schemas.openxmlformats.org/officeDocument/2006/relationships" xmlns:p="http://schemas.openxmlformats.org/presentationml/2006/main">
   <p:cSld>
     <p:spTree>
@@ -22084,7 +24810,7 @@
           <a:p>
             <a:fld id="{8253DDDB-F8F7-4D64-A7FD-3F3D61C1949F}" type="slidenum">
               <a:rPr lang="ru-RU" smtClean="0"/>
-              <a:t>24</a:t>
+              <a:t>26</a:t>
             </a:fld>
             <a:endParaRPr lang="ru-RU"/>
           </a:p>
@@ -22968,7 +25694,7 @@
 </p:sld>
 </file>
 
-<file path=ppt/slides/slide25.xml><?xml version="1.0" encoding="utf-8"?>
+<file path=ppt/slides/slide27.xml><?xml version="1.0" encoding="utf-8"?>
 <p:sld xmlns:a="http://schemas.openxmlformats.org/drawingml/2006/main" xmlns:r="http://schemas.openxmlformats.org/officeDocument/2006/relationships" xmlns:p="http://schemas.openxmlformats.org/presentationml/2006/main">
   <p:cSld>
     <p:spTree>
@@ -23025,7 +25751,7 @@
           <a:p>
             <a:fld id="{8253DDDB-F8F7-4D64-A7FD-3F3D61C1949F}" type="slidenum">
               <a:rPr lang="ru-RU" smtClean="0"/>
-              <a:t>25</a:t>
+              <a:t>27</a:t>
             </a:fld>
             <a:endParaRPr lang="ru-RU"/>
           </a:p>
@@ -23465,7 +26191,7 @@
 </p:sld>
 </file>
 
-<file path=ppt/slides/slide26.xml><?xml version="1.0" encoding="utf-8"?>
+<file path=ppt/slides/slide28.xml><?xml version="1.0" encoding="utf-8"?>
 <p:sld xmlns:a="http://schemas.openxmlformats.org/drawingml/2006/main" xmlns:r="http://schemas.openxmlformats.org/officeDocument/2006/relationships" xmlns:p="http://schemas.openxmlformats.org/presentationml/2006/main">
   <p:cSld>
     <p:spTree>
@@ -23543,8 +26269,8 @@
           </a:p>
         </p:txBody>
       </p:sp>
-      <mc:AlternateContent xmlns:mc="http://schemas.openxmlformats.org/markup-compatibility/2006" xmlns:a14="http://schemas.microsoft.com/office/drawing/2010/main">
-        <mc:Choice Requires="a14">
+      <mc:AlternateContent xmlns:mc="http://schemas.openxmlformats.org/markup-compatibility/2006">
+        <mc:Choice xmlns:a14="http://schemas.microsoft.com/office/drawing/2010/main" Requires="a14">
           <p:sp>
             <p:nvSpPr>
               <p:cNvPr id="3" name="Объект 2"/>
@@ -23744,8 +26470,26 @@
                   <a:t> </a:t>
                 </a:r>
                 <a:r>
+                  <a:rPr lang="ru-RU" dirty="0" smtClean="0"/>
+                  <a:t>От противного, имя алгоритм </a:t>
+                </a:r>
+                <a14:m>
+                  <m:oMath xmlns:m="http://schemas.openxmlformats.org/officeDocument/2006/math">
+                    <m:r>
+                      <a:rPr lang="en-US" b="0" i="1" smtClean="0">
+                        <a:latin typeface="Cambria Math" panose="02040503050406030204" pitchFamily="18" charset="0"/>
+                      </a:rPr>
+                      <m:t>𝐴</m:t>
+                    </m:r>
+                  </m:oMath>
+                </a14:m>
+                <a:r>
+                  <a:rPr lang="ru-RU" dirty="0" smtClean="0"/>
+                  <a:t> в игре на восстановление битов построим </a:t>
+                </a:r>
+                <a:r>
                   <a:rPr lang="ru-RU" dirty="0"/>
-                  <a:t>Построим эффективный алгоритм </a:t>
+                  <a:t>эффективный алгоритм </a:t>
                 </a:r>
                 <a14:m>
                   <m:oMath xmlns:m="http://schemas.openxmlformats.org/officeDocument/2006/math">
@@ -23956,7 +26700,7 @@
             </p:txBody>
           </p:sp>
         </mc:Choice>
-        <mc:Fallback xmlns="">
+        <mc:Fallback>
           <p:sp>
             <p:nvSpPr>
               <p:cNvPr id="3" name="Объект 2"/>
@@ -24007,7 +26751,7 @@
           <a:p>
             <a:fld id="{8253DDDB-F8F7-4D64-A7FD-3F3D61C1949F}" type="slidenum">
               <a:rPr lang="ru-RU" smtClean="0"/>
-              <a:t>26</a:t>
+              <a:t>28</a:t>
             </a:fld>
             <a:endParaRPr lang="ru-RU"/>
           </a:p>
@@ -24033,7 +26777,7 @@
 </p:sld>
 </file>
 
-<file path=ppt/slides/slide27.xml><?xml version="1.0" encoding="utf-8"?>
+<file path=ppt/slides/slide29.xml><?xml version="1.0" encoding="utf-8"?>
 <p:sld xmlns:a="http://schemas.openxmlformats.org/drawingml/2006/main" xmlns:r="http://schemas.openxmlformats.org/officeDocument/2006/relationships" xmlns:p="http://schemas.openxmlformats.org/presentationml/2006/main">
   <p:cSld>
     <p:spTree>
@@ -24687,7 +27431,7 @@
           <a:p>
             <a:fld id="{8253DDDB-F8F7-4D64-A7FD-3F3D61C1949F}" type="slidenum">
               <a:rPr lang="ru-RU" smtClean="0"/>
-              <a:t>27</a:t>
+              <a:t>29</a:t>
             </a:fld>
             <a:endParaRPr lang="ru-RU"/>
           </a:p>
@@ -26737,7 +29481,612 @@
 </p:sld>
 </file>
 
-<file path=ppt/slides/slide28.xml><?xml version="1.0" encoding="utf-8"?>
+<file path=ppt/slides/slide3.xml><?xml version="1.0" encoding="utf-8"?>
+<p:sld xmlns:a="http://schemas.openxmlformats.org/drawingml/2006/main" xmlns:r="http://schemas.openxmlformats.org/officeDocument/2006/relationships" xmlns:p="http://schemas.openxmlformats.org/presentationml/2006/main">
+  <p:cSld>
+    <p:spTree>
+      <p:nvGrpSpPr>
+        <p:cNvPr id="1" name=""/>
+        <p:cNvGrpSpPr/>
+        <p:nvPr/>
+      </p:nvGrpSpPr>
+      <p:grpSpPr>
+        <a:xfrm>
+          <a:off x="0" y="0"/>
+          <a:ext cx="0" cy="0"/>
+          <a:chOff x="0" y="0"/>
+          <a:chExt cx="0" cy="0"/>
+        </a:xfrm>
+      </p:grpSpPr>
+      <p:sp>
+        <p:nvSpPr>
+          <p:cNvPr id="5" name="Скругленный прямоугольник 4"/>
+          <p:cNvSpPr/>
+          <p:nvPr/>
+        </p:nvSpPr>
+        <p:spPr>
+          <a:xfrm>
+            <a:off x="720505" y="1690688"/>
+            <a:ext cx="10542006" cy="1948805"/>
+          </a:xfrm>
+          <a:prstGeom prst="roundRect">
+            <a:avLst/>
+          </a:prstGeom>
+        </p:spPr>
+        <p:style>
+          <a:lnRef idx="1">
+            <a:schemeClr val="accent3"/>
+          </a:lnRef>
+          <a:fillRef idx="2">
+            <a:schemeClr val="accent3"/>
+          </a:fillRef>
+          <a:effectRef idx="1">
+            <a:schemeClr val="accent3"/>
+          </a:effectRef>
+          <a:fontRef idx="minor">
+            <a:schemeClr val="dk1"/>
+          </a:fontRef>
+        </p:style>
+        <p:txBody>
+          <a:bodyPr rtlCol="0" anchor="ctr"/>
+          <a:lstStyle/>
+          <a:p>
+            <a:pPr algn="ctr"/>
+            <a:endParaRPr lang="ru-RU"/>
+          </a:p>
+        </p:txBody>
+      </p:sp>
+      <p:sp>
+        <p:nvSpPr>
+          <p:cNvPr id="2" name="Заголовок 1"/>
+          <p:cNvSpPr>
+            <a:spLocks noGrp="1"/>
+          </p:cNvSpPr>
+          <p:nvPr>
+            <p:ph type="title"/>
+          </p:nvPr>
+        </p:nvSpPr>
+        <p:spPr/>
+        <p:txBody>
+          <a:bodyPr/>
+          <a:lstStyle/>
+          <a:p>
+            <a:r>
+              <a:rPr lang="ru-RU" dirty="0" smtClean="0"/>
+              <a:t>Плохие новости</a:t>
+            </a:r>
+            <a:endParaRPr lang="ru-RU" dirty="0"/>
+          </a:p>
+        </p:txBody>
+      </p:sp>
+      <mc:AlternateContent xmlns:mc="http://schemas.openxmlformats.org/markup-compatibility/2006" xmlns:a14="http://schemas.microsoft.com/office/drawing/2010/main">
+        <mc:Choice Requires="a14">
+          <p:sp>
+            <p:nvSpPr>
+              <p:cNvPr id="3" name="Объект 2"/>
+              <p:cNvSpPr>
+                <a:spLocks noGrp="1"/>
+              </p:cNvSpPr>
+              <p:nvPr>
+                <p:ph idx="1"/>
+              </p:nvPr>
+            </p:nvSpPr>
+            <p:spPr/>
+            <p:txBody>
+              <a:bodyPr>
+                <a:noAutofit/>
+              </a:bodyPr>
+              <a:lstStyle/>
+              <a:p>
+                <a:pPr marL="0" indent="0">
+                  <a:buNone/>
+                </a:pPr>
+                <a:r>
+                  <a:rPr lang="ru-RU" b="1" dirty="0" smtClean="0"/>
+                  <a:t>Теорема 1.</a:t>
+                </a:r>
+                <a:r>
+                  <a:rPr lang="en-US" b="1" dirty="0" smtClean="0"/>
+                  <a:t>7</a:t>
+                </a:r>
+                <a:r>
+                  <a:rPr lang="ru-RU" b="1" dirty="0" smtClean="0"/>
+                  <a:t> (Шеннона).</a:t>
+                </a:r>
+                <a:r>
+                  <a:rPr lang="ru-RU" dirty="0" smtClean="0"/>
+                  <a:t> Пусть </a:t>
+                </a:r>
+                <a14:m>
+                  <m:oMath xmlns:m="http://schemas.openxmlformats.org/officeDocument/2006/math">
+                    <m:r>
+                      <m:rPr>
+                        <m:sty m:val="p"/>
+                      </m:rPr>
+                      <a:rPr lang="ru-RU" b="0" i="0" smtClean="0">
+                        <a:latin typeface="Cambria Math" panose="02040503050406030204" pitchFamily="18" charset="0"/>
+                      </a:rPr>
+                      <m:t>Ε</m:t>
+                    </m:r>
+                    <m:r>
+                      <a:rPr lang="en-US" b="0" i="1" smtClean="0">
+                        <a:latin typeface="Cambria Math" panose="02040503050406030204" pitchFamily="18" charset="0"/>
+                      </a:rPr>
+                      <m:t>=</m:t>
+                    </m:r>
+                    <m:d>
+                      <m:dPr>
+                        <m:ctrlPr>
+                          <a:rPr lang="en-US" b="0" i="1" smtClean="0">
+                            <a:latin typeface="Cambria Math" panose="02040503050406030204" pitchFamily="18" charset="0"/>
+                          </a:rPr>
+                        </m:ctrlPr>
+                      </m:dPr>
+                      <m:e>
+                        <m:r>
+                          <a:rPr lang="en-US" b="0" i="1" smtClean="0">
+                            <a:latin typeface="Cambria Math" panose="02040503050406030204" pitchFamily="18" charset="0"/>
+                          </a:rPr>
+                          <m:t>𝐸</m:t>
+                        </m:r>
+                        <m:r>
+                          <a:rPr lang="en-US" b="0" i="1" smtClean="0">
+                            <a:latin typeface="Cambria Math" panose="02040503050406030204" pitchFamily="18" charset="0"/>
+                          </a:rPr>
+                          <m:t>,</m:t>
+                        </m:r>
+                        <m:r>
+                          <a:rPr lang="en-US" b="0" i="1" smtClean="0">
+                            <a:latin typeface="Cambria Math" panose="02040503050406030204" pitchFamily="18" charset="0"/>
+                          </a:rPr>
+                          <m:t>𝐷</m:t>
+                        </m:r>
+                      </m:e>
+                    </m:d>
+                  </m:oMath>
+                </a14:m>
+                <a:r>
+                  <a:rPr lang="ru-RU" dirty="0" smtClean="0"/>
+                  <a:t> шифр Шеннона на </a:t>
+                </a:r>
+                <a14:m>
+                  <m:oMath xmlns:m="http://schemas.openxmlformats.org/officeDocument/2006/math">
+                    <m:d>
+                      <m:dPr>
+                        <m:ctrlPr>
+                          <a:rPr lang="en-US" b="0" i="1" smtClean="0">
+                            <a:latin typeface="Cambria Math" panose="02040503050406030204" pitchFamily="18" charset="0"/>
+                          </a:rPr>
+                        </m:ctrlPr>
+                      </m:dPr>
+                      <m:e>
+                        <m:r>
+                          <a:rPr lang="en-US" b="0" i="1" smtClean="0">
+                            <a:latin typeface="Cambria Math" panose="02040503050406030204" pitchFamily="18" charset="0"/>
+                          </a:rPr>
+                          <m:t>𝐾</m:t>
+                        </m:r>
+                        <m:r>
+                          <a:rPr lang="en-US" b="0" i="1" smtClean="0">
+                            <a:latin typeface="Cambria Math" panose="02040503050406030204" pitchFamily="18" charset="0"/>
+                          </a:rPr>
+                          <m:t>,</m:t>
+                        </m:r>
+                        <m:r>
+                          <a:rPr lang="en-US" b="0" i="1" smtClean="0">
+                            <a:latin typeface="Cambria Math" panose="02040503050406030204" pitchFamily="18" charset="0"/>
+                          </a:rPr>
+                          <m:t>𝑀</m:t>
+                        </m:r>
+                        <m:r>
+                          <a:rPr lang="en-US" b="0" i="1" smtClean="0">
+                            <a:latin typeface="Cambria Math" panose="02040503050406030204" pitchFamily="18" charset="0"/>
+                          </a:rPr>
+                          <m:t>,</m:t>
+                        </m:r>
+                        <m:r>
+                          <a:rPr lang="en-US" b="0" i="1" smtClean="0">
+                            <a:latin typeface="Cambria Math" panose="02040503050406030204" pitchFamily="18" charset="0"/>
+                          </a:rPr>
+                          <m:t>𝐶</m:t>
+                        </m:r>
+                      </m:e>
+                    </m:d>
+                    <m:r>
+                      <a:rPr lang="ru-RU" b="0" i="0" smtClean="0">
+                        <a:latin typeface="Cambria Math" panose="02040503050406030204" pitchFamily="18" charset="0"/>
+                      </a:rPr>
+                      <m:t>.</m:t>
+                    </m:r>
+                  </m:oMath>
+                </a14:m>
+                <a:r>
+                  <a:rPr lang="ru-RU" dirty="0" smtClean="0"/>
+                  <a:t> Если </a:t>
+                </a:r>
+                <a14:m>
+                  <m:oMath xmlns:m="http://schemas.openxmlformats.org/officeDocument/2006/math">
+                    <m:r>
+                      <m:rPr>
+                        <m:sty m:val="p"/>
+                      </m:rPr>
+                      <a:rPr lang="en-US" b="0" i="0" smtClean="0">
+                        <a:latin typeface="Cambria Math" panose="02040503050406030204" pitchFamily="18" charset="0"/>
+                      </a:rPr>
+                      <m:t>Ε</m:t>
+                    </m:r>
+                  </m:oMath>
+                </a14:m>
+                <a:r>
+                  <a:rPr lang="ru-RU" dirty="0" smtClean="0"/>
+                  <a:t> – абсолютно стойкий, то </a:t>
+                </a:r>
+              </a:p>
+              <a:p>
+                <a14:m>
+                  <m:oMath xmlns:m="http://schemas.openxmlformats.org/officeDocument/2006/math">
+                    <m:d>
+                      <m:dPr>
+                        <m:begChr m:val="|"/>
+                        <m:endChr m:val="|"/>
+                        <m:ctrlPr>
+                          <a:rPr lang="en-US" b="0" i="1" smtClean="0">
+                            <a:latin typeface="Cambria Math" panose="02040503050406030204" pitchFamily="18" charset="0"/>
+                          </a:rPr>
+                        </m:ctrlPr>
+                      </m:dPr>
+                      <m:e>
+                        <m:r>
+                          <a:rPr lang="en-US" b="0" i="1" smtClean="0">
+                            <a:latin typeface="Cambria Math" panose="02040503050406030204" pitchFamily="18" charset="0"/>
+                          </a:rPr>
+                          <m:t>𝐾</m:t>
+                        </m:r>
+                      </m:e>
+                    </m:d>
+                    <m:r>
+                      <a:rPr lang="en-US" b="0" i="1" smtClean="0">
+                        <a:latin typeface="Cambria Math" panose="02040503050406030204" pitchFamily="18" charset="0"/>
+                      </a:rPr>
+                      <m:t>≥</m:t>
+                    </m:r>
+                    <m:d>
+                      <m:dPr>
+                        <m:begChr m:val="|"/>
+                        <m:endChr m:val="|"/>
+                        <m:ctrlPr>
+                          <a:rPr lang="en-US" b="0" i="1" smtClean="0">
+                            <a:latin typeface="Cambria Math" panose="02040503050406030204" pitchFamily="18" charset="0"/>
+                          </a:rPr>
+                        </m:ctrlPr>
+                      </m:dPr>
+                      <m:e>
+                        <m:r>
+                          <a:rPr lang="en-US" b="0" i="1" smtClean="0">
+                            <a:latin typeface="Cambria Math" panose="02040503050406030204" pitchFamily="18" charset="0"/>
+                          </a:rPr>
+                          <m:t>𝑀</m:t>
+                        </m:r>
+                      </m:e>
+                    </m:d>
+                  </m:oMath>
+                </a14:m>
+                <a:endParaRPr lang="en-US" b="0" dirty="0" smtClean="0"/>
+              </a:p>
+              <a:p>
+                <a14:m>
+                  <m:oMath xmlns:m="http://schemas.openxmlformats.org/officeDocument/2006/math">
+                    <m:r>
+                      <a:rPr lang="en-US" b="0" i="1" smtClean="0">
+                        <a:latin typeface="Cambria Math" panose="02040503050406030204" pitchFamily="18" charset="0"/>
+                      </a:rPr>
+                      <m:t>𝐻</m:t>
+                    </m:r>
+                    <m:d>
+                      <m:dPr>
+                        <m:ctrlPr>
+                          <a:rPr lang="en-US" b="0" i="1" smtClean="0">
+                            <a:latin typeface="Cambria Math" panose="02040503050406030204" pitchFamily="18" charset="0"/>
+                          </a:rPr>
+                        </m:ctrlPr>
+                      </m:dPr>
+                      <m:e>
+                        <m:r>
+                          <a:rPr lang="en-US" b="1" i="1" smtClean="0">
+                            <a:latin typeface="Cambria Math" panose="02040503050406030204" pitchFamily="18" charset="0"/>
+                          </a:rPr>
+                          <m:t>𝒌</m:t>
+                        </m:r>
+                      </m:e>
+                    </m:d>
+                    <m:r>
+                      <a:rPr lang="en-US" b="0" i="1" smtClean="0">
+                        <a:latin typeface="Cambria Math" panose="02040503050406030204" pitchFamily="18" charset="0"/>
+                      </a:rPr>
+                      <m:t>≥</m:t>
+                    </m:r>
+                    <m:r>
+                      <a:rPr lang="en-US" b="0" i="1" smtClean="0">
+                        <a:latin typeface="Cambria Math" panose="02040503050406030204" pitchFamily="18" charset="0"/>
+                      </a:rPr>
+                      <m:t>𝐻</m:t>
+                    </m:r>
+                    <m:d>
+                      <m:dPr>
+                        <m:ctrlPr>
+                          <a:rPr lang="en-US" b="0" i="1" smtClean="0">
+                            <a:latin typeface="Cambria Math" panose="02040503050406030204" pitchFamily="18" charset="0"/>
+                          </a:rPr>
+                        </m:ctrlPr>
+                      </m:dPr>
+                      <m:e>
+                        <m:r>
+                          <a:rPr lang="en-US" b="1" i="1" smtClean="0">
+                            <a:latin typeface="Cambria Math" panose="02040503050406030204" pitchFamily="18" charset="0"/>
+                          </a:rPr>
+                          <m:t>𝒎</m:t>
+                        </m:r>
+                      </m:e>
+                    </m:d>
+                  </m:oMath>
+                </a14:m>
+                <a:r>
+                  <a:rPr lang="en-US" b="0" dirty="0" smtClean="0"/>
+                  <a:t>, </a:t>
+                </a:r>
+                <a14:m>
+                  <m:oMath xmlns:m="http://schemas.openxmlformats.org/officeDocument/2006/math">
+                    <m:r>
+                      <a:rPr lang="en-US" b="1" i="1" smtClean="0">
+                        <a:latin typeface="Cambria Math" panose="02040503050406030204" pitchFamily="18" charset="0"/>
+                      </a:rPr>
+                      <m:t>𝒌</m:t>
+                    </m:r>
+                    <m:sSub>
+                      <m:sSubPr>
+                        <m:ctrlPr>
+                          <a:rPr lang="en-US" b="0" i="1" smtClean="0">
+                            <a:latin typeface="Cambria Math" panose="02040503050406030204" pitchFamily="18" charset="0"/>
+                          </a:rPr>
+                        </m:ctrlPr>
+                      </m:sSubPr>
+                      <m:e>
+                        <m:r>
+                          <a:rPr lang="en-US" b="0" i="1" smtClean="0">
+                            <a:latin typeface="Cambria Math" panose="02040503050406030204" pitchFamily="18" charset="0"/>
+                          </a:rPr>
+                          <m:t>∈</m:t>
+                        </m:r>
+                      </m:e>
+                      <m:sub>
+                        <m:r>
+                          <a:rPr lang="en-US" b="0" i="1" smtClean="0">
+                            <a:latin typeface="Cambria Math" panose="02040503050406030204" pitchFamily="18" charset="0"/>
+                          </a:rPr>
+                          <m:t>𝑅</m:t>
+                        </m:r>
+                      </m:sub>
+                    </m:sSub>
+                    <m:r>
+                      <a:rPr lang="en-US" b="0" i="1" smtClean="0">
+                        <a:latin typeface="Cambria Math" panose="02040503050406030204" pitchFamily="18" charset="0"/>
+                      </a:rPr>
+                      <m:t>𝐾</m:t>
+                    </m:r>
+                  </m:oMath>
+                </a14:m>
+                <a:r>
+                  <a:rPr lang="en-US" b="0" dirty="0" smtClean="0"/>
+                  <a:t>, </a:t>
+                </a:r>
+                <a14:m>
+                  <m:oMath xmlns:m="http://schemas.openxmlformats.org/officeDocument/2006/math">
+                    <m:r>
+                      <a:rPr lang="en-US" b="1" i="1" smtClean="0">
+                        <a:latin typeface="Cambria Math" panose="02040503050406030204" pitchFamily="18" charset="0"/>
+                      </a:rPr>
+                      <m:t>𝒎</m:t>
+                    </m:r>
+                    <m:sSub>
+                      <m:sSubPr>
+                        <m:ctrlPr>
+                          <a:rPr lang="en-US" b="0" i="1" smtClean="0">
+                            <a:latin typeface="Cambria Math" panose="02040503050406030204" pitchFamily="18" charset="0"/>
+                          </a:rPr>
+                        </m:ctrlPr>
+                      </m:sSubPr>
+                      <m:e>
+                        <m:r>
+                          <a:rPr lang="en-US" b="0" i="1" smtClean="0">
+                            <a:latin typeface="Cambria Math" panose="02040503050406030204" pitchFamily="18" charset="0"/>
+                          </a:rPr>
+                          <m:t>∈</m:t>
+                        </m:r>
+                      </m:e>
+                      <m:sub>
+                        <m:r>
+                          <a:rPr lang="en-US" b="0" i="1" smtClean="0">
+                            <a:latin typeface="Cambria Math" panose="02040503050406030204" pitchFamily="18" charset="0"/>
+                          </a:rPr>
+                          <m:t>𝑅</m:t>
+                        </m:r>
+                      </m:sub>
+                    </m:sSub>
+                    <m:r>
+                      <a:rPr lang="en-US" b="0" i="1" smtClean="0">
+                        <a:latin typeface="Cambria Math" panose="02040503050406030204" pitchFamily="18" charset="0"/>
+                      </a:rPr>
+                      <m:t>𝑀</m:t>
+                    </m:r>
+                  </m:oMath>
+                </a14:m>
+                <a:endParaRPr lang="ru-RU" dirty="0" smtClean="0"/>
+              </a:p>
+              <a:p>
+                <a:pPr marL="0" indent="0">
+                  <a:buNone/>
+                </a:pPr>
+                <a:r>
+                  <a:rPr lang="ru-RU" dirty="0" smtClean="0"/>
+                  <a:t>Простое объяснение – невозможно получить равномерно распределённую случайную величину длины </a:t>
+                </a:r>
+                <a14:m>
+                  <m:oMath xmlns:m="http://schemas.openxmlformats.org/officeDocument/2006/math">
+                    <m:r>
+                      <a:rPr lang="en-US" b="0" i="1" smtClean="0">
+                        <a:latin typeface="Cambria Math" panose="02040503050406030204" pitchFamily="18" charset="0"/>
+                      </a:rPr>
+                      <m:t>𝑚</m:t>
+                    </m:r>
+                  </m:oMath>
+                </a14:m>
+                <a:r>
+                  <a:rPr lang="ru-RU" dirty="0" smtClean="0"/>
+                  <a:t>, используя детерминированный алгоритм над равномерно распределённой случайной величиной длины </a:t>
+                </a:r>
+                <a14:m>
+                  <m:oMath xmlns:m="http://schemas.openxmlformats.org/officeDocument/2006/math">
+                    <m:r>
+                      <a:rPr lang="en-US" b="0" i="1" smtClean="0">
+                        <a:latin typeface="Cambria Math" panose="02040503050406030204" pitchFamily="18" charset="0"/>
+                      </a:rPr>
+                      <m:t>𝑛</m:t>
+                    </m:r>
+                    <m:r>
+                      <a:rPr lang="en-US" b="0" i="1" smtClean="0">
+                        <a:latin typeface="Cambria Math" panose="02040503050406030204" pitchFamily="18" charset="0"/>
+                      </a:rPr>
+                      <m:t>&lt;</m:t>
+                    </m:r>
+                    <m:r>
+                      <a:rPr lang="en-US" b="0" i="1" smtClean="0">
+                        <a:latin typeface="Cambria Math" panose="02040503050406030204" pitchFamily="18" charset="0"/>
+                      </a:rPr>
+                      <m:t>𝑚</m:t>
+                    </m:r>
+                  </m:oMath>
+                </a14:m>
+                <a:r>
+                  <a:rPr lang="ru-RU" dirty="0" smtClean="0"/>
+                  <a:t>.</a:t>
+                </a:r>
+                <a:endParaRPr lang="ru-RU" dirty="0"/>
+              </a:p>
+              <a:p>
+                <a:pPr marL="0" indent="0">
+                  <a:buNone/>
+                </a:pPr>
+                <a:r>
+                  <a:rPr lang="ru-RU" b="0" dirty="0" smtClean="0"/>
+                  <a:t>Иными словами, для шифрования 1 </a:t>
+                </a:r>
+                <a:r>
+                  <a:rPr lang="en-US" b="0" dirty="0" smtClean="0"/>
+                  <a:t>Gb </a:t>
+                </a:r>
+                <a:r>
+                  <a:rPr lang="ru-RU" b="0" dirty="0" smtClean="0"/>
+                  <a:t>данных </a:t>
+                </a:r>
+                <a:r>
+                  <a:rPr lang="ru-RU" b="1" dirty="0" smtClean="0"/>
+                  <a:t>любым</a:t>
+                </a:r>
+                <a:r>
+                  <a:rPr lang="ru-RU" b="0" dirty="0" smtClean="0"/>
+                  <a:t> абсолютно стойким шифром потребуется ключ размера как минимум 1 </a:t>
+                </a:r>
+                <a:r>
+                  <a:rPr lang="en-US" b="0" dirty="0" smtClean="0"/>
+                  <a:t>Gb</a:t>
+                </a:r>
+                <a:r>
+                  <a:rPr lang="ru-RU" dirty="0" smtClean="0"/>
+                  <a:t>.</a:t>
+                </a:r>
+                <a:endParaRPr lang="en-US" b="0" dirty="0" smtClean="0"/>
+              </a:p>
+            </p:txBody>
+          </p:sp>
+        </mc:Choice>
+        <mc:Fallback xmlns="">
+          <p:sp>
+            <p:nvSpPr>
+              <p:cNvPr id="3" name="Объект 2"/>
+              <p:cNvSpPr>
+                <a:spLocks noGrp="1" noRot="1" noChangeAspect="1" noMove="1" noResize="1" noEditPoints="1" noAdjustHandles="1" noChangeArrowheads="1" noChangeShapeType="1" noTextEdit="1"/>
+              </p:cNvSpPr>
+              <p:nvPr>
+                <p:ph idx="1"/>
+              </p:nvPr>
+            </p:nvSpPr>
+            <p:spPr>
+              <a:blipFill rotWithShape="0">
+                <a:blip r:embed="rId2"/>
+                <a:stretch>
+                  <a:fillRect l="-1043" t="-2101"/>
+                </a:stretch>
+              </a:blipFill>
+            </p:spPr>
+            <p:txBody>
+              <a:bodyPr/>
+              <a:lstStyle/>
+              <a:p>
+                <a:r>
+                  <a:rPr lang="ru-RU">
+                    <a:noFill/>
+                  </a:rPr>
+                  <a:t> </a:t>
+                </a:r>
+              </a:p>
+            </p:txBody>
+          </p:sp>
+        </mc:Fallback>
+      </mc:AlternateContent>
+      <p:sp>
+        <p:nvSpPr>
+          <p:cNvPr id="4" name="Номер слайда 3"/>
+          <p:cNvSpPr>
+            <a:spLocks noGrp="1"/>
+          </p:cNvSpPr>
+          <p:nvPr>
+            <p:ph type="sldNum" sz="quarter" idx="12"/>
+          </p:nvPr>
+        </p:nvSpPr>
+        <p:spPr/>
+        <p:txBody>
+          <a:bodyPr/>
+          <a:lstStyle/>
+          <a:p>
+            <a:fld id="{8253DDDB-F8F7-4D64-A7FD-3F3D61C1949F}" type="slidenum">
+              <a:rPr lang="ru-RU" smtClean="0"/>
+              <a:t>3</a:t>
+            </a:fld>
+            <a:endParaRPr lang="ru-RU"/>
+          </a:p>
+        </p:txBody>
+      </p:sp>
+    </p:spTree>
+    <p:extLst>
+      <p:ext uri="{BB962C8B-B14F-4D97-AF65-F5344CB8AC3E}">
+        <p14:creationId xmlns:p14="http://schemas.microsoft.com/office/powerpoint/2010/main" val="989803668"/>
+      </p:ext>
+    </p:extLst>
+  </p:cSld>
+  <p:clrMapOvr>
+    <a:masterClrMapping/>
+  </p:clrMapOvr>
+  <p:timing>
+    <p:tnLst>
+      <p:par>
+        <p:cTn id="1" dur="indefinite" restart="never" nodeType="tmRoot"/>
+      </p:par>
+    </p:tnLst>
+  </p:timing>
+</p:sld>
+</file>
+
+<file path=ppt/slides/slide30.xml><?xml version="1.0" encoding="utf-8"?>
 <p:sld xmlns:a="http://schemas.openxmlformats.org/drawingml/2006/main" xmlns:r="http://schemas.openxmlformats.org/officeDocument/2006/relationships" xmlns:p="http://schemas.openxmlformats.org/presentationml/2006/main">
   <p:cSld>
     <p:spTree>
@@ -27808,7 +31157,7 @@
           <a:p>
             <a:fld id="{8253DDDB-F8F7-4D64-A7FD-3F3D61C1949F}" type="slidenum">
               <a:rPr lang="ru-RU" smtClean="0"/>
-              <a:t>28</a:t>
+              <a:t>30</a:t>
             </a:fld>
             <a:endParaRPr lang="ru-RU"/>
           </a:p>
@@ -27834,7 +31183,7 @@
 </p:sld>
 </file>
 
-<file path=ppt/slides/slide29.xml><?xml version="1.0" encoding="utf-8"?>
+<file path=ppt/slides/slide31.xml><?xml version="1.0" encoding="utf-8"?>
 <p:sld xmlns:a="http://schemas.openxmlformats.org/drawingml/2006/main" xmlns:r="http://schemas.openxmlformats.org/officeDocument/2006/relationships" xmlns:p="http://schemas.openxmlformats.org/presentationml/2006/main">
   <p:cSld>
     <p:spTree>
@@ -28533,7 +31882,7 @@
           <a:p>
             <a:fld id="{8253DDDB-F8F7-4D64-A7FD-3F3D61C1949F}" type="slidenum">
               <a:rPr lang="ru-RU" smtClean="0"/>
-              <a:t>29</a:t>
+              <a:t>31</a:t>
             </a:fld>
             <a:endParaRPr lang="ru-RU"/>
           </a:p>
@@ -28559,612 +31908,7 @@
 </p:sld>
 </file>
 
-<file path=ppt/slides/slide3.xml><?xml version="1.0" encoding="utf-8"?>
-<p:sld xmlns:a="http://schemas.openxmlformats.org/drawingml/2006/main" xmlns:r="http://schemas.openxmlformats.org/officeDocument/2006/relationships" xmlns:p="http://schemas.openxmlformats.org/presentationml/2006/main">
-  <p:cSld>
-    <p:spTree>
-      <p:nvGrpSpPr>
-        <p:cNvPr id="1" name=""/>
-        <p:cNvGrpSpPr/>
-        <p:nvPr/>
-      </p:nvGrpSpPr>
-      <p:grpSpPr>
-        <a:xfrm>
-          <a:off x="0" y="0"/>
-          <a:ext cx="0" cy="0"/>
-          <a:chOff x="0" y="0"/>
-          <a:chExt cx="0" cy="0"/>
-        </a:xfrm>
-      </p:grpSpPr>
-      <p:sp>
-        <p:nvSpPr>
-          <p:cNvPr id="5" name="Скругленный прямоугольник 4"/>
-          <p:cNvSpPr/>
-          <p:nvPr/>
-        </p:nvSpPr>
-        <p:spPr>
-          <a:xfrm>
-            <a:off x="720505" y="1690688"/>
-            <a:ext cx="10542006" cy="1948805"/>
-          </a:xfrm>
-          <a:prstGeom prst="roundRect">
-            <a:avLst/>
-          </a:prstGeom>
-        </p:spPr>
-        <p:style>
-          <a:lnRef idx="1">
-            <a:schemeClr val="accent3"/>
-          </a:lnRef>
-          <a:fillRef idx="2">
-            <a:schemeClr val="accent3"/>
-          </a:fillRef>
-          <a:effectRef idx="1">
-            <a:schemeClr val="accent3"/>
-          </a:effectRef>
-          <a:fontRef idx="minor">
-            <a:schemeClr val="dk1"/>
-          </a:fontRef>
-        </p:style>
-        <p:txBody>
-          <a:bodyPr rtlCol="0" anchor="ctr"/>
-          <a:lstStyle/>
-          <a:p>
-            <a:pPr algn="ctr"/>
-            <a:endParaRPr lang="ru-RU"/>
-          </a:p>
-        </p:txBody>
-      </p:sp>
-      <p:sp>
-        <p:nvSpPr>
-          <p:cNvPr id="2" name="Заголовок 1"/>
-          <p:cNvSpPr>
-            <a:spLocks noGrp="1"/>
-          </p:cNvSpPr>
-          <p:nvPr>
-            <p:ph type="title"/>
-          </p:nvPr>
-        </p:nvSpPr>
-        <p:spPr/>
-        <p:txBody>
-          <a:bodyPr/>
-          <a:lstStyle/>
-          <a:p>
-            <a:r>
-              <a:rPr lang="ru-RU" dirty="0" smtClean="0"/>
-              <a:t>Плохие новости</a:t>
-            </a:r>
-            <a:endParaRPr lang="ru-RU" dirty="0"/>
-          </a:p>
-        </p:txBody>
-      </p:sp>
-      <mc:AlternateContent xmlns:mc="http://schemas.openxmlformats.org/markup-compatibility/2006" xmlns:a14="http://schemas.microsoft.com/office/drawing/2010/main">
-        <mc:Choice Requires="a14">
-          <p:sp>
-            <p:nvSpPr>
-              <p:cNvPr id="3" name="Объект 2"/>
-              <p:cNvSpPr>
-                <a:spLocks noGrp="1"/>
-              </p:cNvSpPr>
-              <p:nvPr>
-                <p:ph idx="1"/>
-              </p:nvPr>
-            </p:nvSpPr>
-            <p:spPr/>
-            <p:txBody>
-              <a:bodyPr>
-                <a:noAutofit/>
-              </a:bodyPr>
-              <a:lstStyle/>
-              <a:p>
-                <a:pPr marL="0" indent="0">
-                  <a:buNone/>
-                </a:pPr>
-                <a:r>
-                  <a:rPr lang="ru-RU" b="1" dirty="0" smtClean="0"/>
-                  <a:t>Теорема 1.</a:t>
-                </a:r>
-                <a:r>
-                  <a:rPr lang="en-US" b="1" dirty="0" smtClean="0"/>
-                  <a:t>7</a:t>
-                </a:r>
-                <a:r>
-                  <a:rPr lang="ru-RU" b="1" dirty="0" smtClean="0"/>
-                  <a:t> (Шеннона).</a:t>
-                </a:r>
-                <a:r>
-                  <a:rPr lang="ru-RU" dirty="0" smtClean="0"/>
-                  <a:t> Пусть </a:t>
-                </a:r>
-                <a14:m>
-                  <m:oMath xmlns:m="http://schemas.openxmlformats.org/officeDocument/2006/math">
-                    <m:r>
-                      <m:rPr>
-                        <m:sty m:val="p"/>
-                      </m:rPr>
-                      <a:rPr lang="ru-RU" b="0" i="0" smtClean="0">
-                        <a:latin typeface="Cambria Math" panose="02040503050406030204" pitchFamily="18" charset="0"/>
-                      </a:rPr>
-                      <m:t>Ε</m:t>
-                    </m:r>
-                    <m:r>
-                      <a:rPr lang="en-US" b="0" i="1" smtClean="0">
-                        <a:latin typeface="Cambria Math" panose="02040503050406030204" pitchFamily="18" charset="0"/>
-                      </a:rPr>
-                      <m:t>=</m:t>
-                    </m:r>
-                    <m:d>
-                      <m:dPr>
-                        <m:ctrlPr>
-                          <a:rPr lang="en-US" b="0" i="1" smtClean="0">
-                            <a:latin typeface="Cambria Math" panose="02040503050406030204" pitchFamily="18" charset="0"/>
-                          </a:rPr>
-                        </m:ctrlPr>
-                      </m:dPr>
-                      <m:e>
-                        <m:r>
-                          <a:rPr lang="en-US" b="0" i="1" smtClean="0">
-                            <a:latin typeface="Cambria Math" panose="02040503050406030204" pitchFamily="18" charset="0"/>
-                          </a:rPr>
-                          <m:t>𝐸</m:t>
-                        </m:r>
-                        <m:r>
-                          <a:rPr lang="en-US" b="0" i="1" smtClean="0">
-                            <a:latin typeface="Cambria Math" panose="02040503050406030204" pitchFamily="18" charset="0"/>
-                          </a:rPr>
-                          <m:t>,</m:t>
-                        </m:r>
-                        <m:r>
-                          <a:rPr lang="en-US" b="0" i="1" smtClean="0">
-                            <a:latin typeface="Cambria Math" panose="02040503050406030204" pitchFamily="18" charset="0"/>
-                          </a:rPr>
-                          <m:t>𝐷</m:t>
-                        </m:r>
-                      </m:e>
-                    </m:d>
-                  </m:oMath>
-                </a14:m>
-                <a:r>
-                  <a:rPr lang="ru-RU" dirty="0" smtClean="0"/>
-                  <a:t> шифр Шеннона на </a:t>
-                </a:r>
-                <a14:m>
-                  <m:oMath xmlns:m="http://schemas.openxmlformats.org/officeDocument/2006/math">
-                    <m:d>
-                      <m:dPr>
-                        <m:ctrlPr>
-                          <a:rPr lang="en-US" b="0" i="1" smtClean="0">
-                            <a:latin typeface="Cambria Math" panose="02040503050406030204" pitchFamily="18" charset="0"/>
-                          </a:rPr>
-                        </m:ctrlPr>
-                      </m:dPr>
-                      <m:e>
-                        <m:r>
-                          <a:rPr lang="en-US" b="0" i="1" smtClean="0">
-                            <a:latin typeface="Cambria Math" panose="02040503050406030204" pitchFamily="18" charset="0"/>
-                          </a:rPr>
-                          <m:t>𝐾</m:t>
-                        </m:r>
-                        <m:r>
-                          <a:rPr lang="en-US" b="0" i="1" smtClean="0">
-                            <a:latin typeface="Cambria Math" panose="02040503050406030204" pitchFamily="18" charset="0"/>
-                          </a:rPr>
-                          <m:t>,</m:t>
-                        </m:r>
-                        <m:r>
-                          <a:rPr lang="en-US" b="0" i="1" smtClean="0">
-                            <a:latin typeface="Cambria Math" panose="02040503050406030204" pitchFamily="18" charset="0"/>
-                          </a:rPr>
-                          <m:t>𝑀</m:t>
-                        </m:r>
-                        <m:r>
-                          <a:rPr lang="en-US" b="0" i="1" smtClean="0">
-                            <a:latin typeface="Cambria Math" panose="02040503050406030204" pitchFamily="18" charset="0"/>
-                          </a:rPr>
-                          <m:t>,</m:t>
-                        </m:r>
-                        <m:r>
-                          <a:rPr lang="en-US" b="0" i="1" smtClean="0">
-                            <a:latin typeface="Cambria Math" panose="02040503050406030204" pitchFamily="18" charset="0"/>
-                          </a:rPr>
-                          <m:t>𝐶</m:t>
-                        </m:r>
-                      </m:e>
-                    </m:d>
-                    <m:r>
-                      <a:rPr lang="ru-RU" b="0" i="0" smtClean="0">
-                        <a:latin typeface="Cambria Math" panose="02040503050406030204" pitchFamily="18" charset="0"/>
-                      </a:rPr>
-                      <m:t>.</m:t>
-                    </m:r>
-                  </m:oMath>
-                </a14:m>
-                <a:r>
-                  <a:rPr lang="ru-RU" dirty="0" smtClean="0"/>
-                  <a:t> Если </a:t>
-                </a:r>
-                <a14:m>
-                  <m:oMath xmlns:m="http://schemas.openxmlformats.org/officeDocument/2006/math">
-                    <m:r>
-                      <m:rPr>
-                        <m:sty m:val="p"/>
-                      </m:rPr>
-                      <a:rPr lang="en-US" b="0" i="0" smtClean="0">
-                        <a:latin typeface="Cambria Math" panose="02040503050406030204" pitchFamily="18" charset="0"/>
-                      </a:rPr>
-                      <m:t>Ε</m:t>
-                    </m:r>
-                  </m:oMath>
-                </a14:m>
-                <a:r>
-                  <a:rPr lang="ru-RU" dirty="0" smtClean="0"/>
-                  <a:t> – абсолютно стойкий, то </a:t>
-                </a:r>
-              </a:p>
-              <a:p>
-                <a14:m>
-                  <m:oMath xmlns:m="http://schemas.openxmlformats.org/officeDocument/2006/math">
-                    <m:d>
-                      <m:dPr>
-                        <m:begChr m:val="|"/>
-                        <m:endChr m:val="|"/>
-                        <m:ctrlPr>
-                          <a:rPr lang="en-US" b="0" i="1" smtClean="0">
-                            <a:latin typeface="Cambria Math" panose="02040503050406030204" pitchFamily="18" charset="0"/>
-                          </a:rPr>
-                        </m:ctrlPr>
-                      </m:dPr>
-                      <m:e>
-                        <m:r>
-                          <a:rPr lang="en-US" b="0" i="1" smtClean="0">
-                            <a:latin typeface="Cambria Math" panose="02040503050406030204" pitchFamily="18" charset="0"/>
-                          </a:rPr>
-                          <m:t>𝐾</m:t>
-                        </m:r>
-                      </m:e>
-                    </m:d>
-                    <m:r>
-                      <a:rPr lang="en-US" b="0" i="1" smtClean="0">
-                        <a:latin typeface="Cambria Math" panose="02040503050406030204" pitchFamily="18" charset="0"/>
-                      </a:rPr>
-                      <m:t>≥</m:t>
-                    </m:r>
-                    <m:d>
-                      <m:dPr>
-                        <m:begChr m:val="|"/>
-                        <m:endChr m:val="|"/>
-                        <m:ctrlPr>
-                          <a:rPr lang="en-US" b="0" i="1" smtClean="0">
-                            <a:latin typeface="Cambria Math" panose="02040503050406030204" pitchFamily="18" charset="0"/>
-                          </a:rPr>
-                        </m:ctrlPr>
-                      </m:dPr>
-                      <m:e>
-                        <m:r>
-                          <a:rPr lang="en-US" b="0" i="1" smtClean="0">
-                            <a:latin typeface="Cambria Math" panose="02040503050406030204" pitchFamily="18" charset="0"/>
-                          </a:rPr>
-                          <m:t>𝑀</m:t>
-                        </m:r>
-                      </m:e>
-                    </m:d>
-                  </m:oMath>
-                </a14:m>
-                <a:endParaRPr lang="en-US" b="0" dirty="0" smtClean="0"/>
-              </a:p>
-              <a:p>
-                <a14:m>
-                  <m:oMath xmlns:m="http://schemas.openxmlformats.org/officeDocument/2006/math">
-                    <m:r>
-                      <a:rPr lang="en-US" b="0" i="1" smtClean="0">
-                        <a:latin typeface="Cambria Math" panose="02040503050406030204" pitchFamily="18" charset="0"/>
-                      </a:rPr>
-                      <m:t>𝐻</m:t>
-                    </m:r>
-                    <m:d>
-                      <m:dPr>
-                        <m:ctrlPr>
-                          <a:rPr lang="en-US" b="0" i="1" smtClean="0">
-                            <a:latin typeface="Cambria Math" panose="02040503050406030204" pitchFamily="18" charset="0"/>
-                          </a:rPr>
-                        </m:ctrlPr>
-                      </m:dPr>
-                      <m:e>
-                        <m:r>
-                          <a:rPr lang="en-US" b="1" i="1" smtClean="0">
-                            <a:latin typeface="Cambria Math" panose="02040503050406030204" pitchFamily="18" charset="0"/>
-                          </a:rPr>
-                          <m:t>𝒌</m:t>
-                        </m:r>
-                      </m:e>
-                    </m:d>
-                    <m:r>
-                      <a:rPr lang="en-US" b="0" i="1" smtClean="0">
-                        <a:latin typeface="Cambria Math" panose="02040503050406030204" pitchFamily="18" charset="0"/>
-                      </a:rPr>
-                      <m:t>≥</m:t>
-                    </m:r>
-                    <m:r>
-                      <a:rPr lang="en-US" b="0" i="1" smtClean="0">
-                        <a:latin typeface="Cambria Math" panose="02040503050406030204" pitchFamily="18" charset="0"/>
-                      </a:rPr>
-                      <m:t>𝐻</m:t>
-                    </m:r>
-                    <m:d>
-                      <m:dPr>
-                        <m:ctrlPr>
-                          <a:rPr lang="en-US" b="0" i="1" smtClean="0">
-                            <a:latin typeface="Cambria Math" panose="02040503050406030204" pitchFamily="18" charset="0"/>
-                          </a:rPr>
-                        </m:ctrlPr>
-                      </m:dPr>
-                      <m:e>
-                        <m:r>
-                          <a:rPr lang="en-US" b="1" i="1" smtClean="0">
-                            <a:latin typeface="Cambria Math" panose="02040503050406030204" pitchFamily="18" charset="0"/>
-                          </a:rPr>
-                          <m:t>𝒎</m:t>
-                        </m:r>
-                      </m:e>
-                    </m:d>
-                  </m:oMath>
-                </a14:m>
-                <a:r>
-                  <a:rPr lang="en-US" b="0" dirty="0" smtClean="0"/>
-                  <a:t>, </a:t>
-                </a:r>
-                <a14:m>
-                  <m:oMath xmlns:m="http://schemas.openxmlformats.org/officeDocument/2006/math">
-                    <m:r>
-                      <a:rPr lang="en-US" b="1" i="1" smtClean="0">
-                        <a:latin typeface="Cambria Math" panose="02040503050406030204" pitchFamily="18" charset="0"/>
-                      </a:rPr>
-                      <m:t>𝒌</m:t>
-                    </m:r>
-                    <m:sSub>
-                      <m:sSubPr>
-                        <m:ctrlPr>
-                          <a:rPr lang="en-US" b="0" i="1" smtClean="0">
-                            <a:latin typeface="Cambria Math" panose="02040503050406030204" pitchFamily="18" charset="0"/>
-                          </a:rPr>
-                        </m:ctrlPr>
-                      </m:sSubPr>
-                      <m:e>
-                        <m:r>
-                          <a:rPr lang="en-US" b="0" i="1" smtClean="0">
-                            <a:latin typeface="Cambria Math" panose="02040503050406030204" pitchFamily="18" charset="0"/>
-                          </a:rPr>
-                          <m:t>∈</m:t>
-                        </m:r>
-                      </m:e>
-                      <m:sub>
-                        <m:r>
-                          <a:rPr lang="en-US" b="0" i="1" smtClean="0">
-                            <a:latin typeface="Cambria Math" panose="02040503050406030204" pitchFamily="18" charset="0"/>
-                          </a:rPr>
-                          <m:t>𝑅</m:t>
-                        </m:r>
-                      </m:sub>
-                    </m:sSub>
-                    <m:r>
-                      <a:rPr lang="en-US" b="0" i="1" smtClean="0">
-                        <a:latin typeface="Cambria Math" panose="02040503050406030204" pitchFamily="18" charset="0"/>
-                      </a:rPr>
-                      <m:t>𝐾</m:t>
-                    </m:r>
-                  </m:oMath>
-                </a14:m>
-                <a:r>
-                  <a:rPr lang="en-US" b="0" dirty="0" smtClean="0"/>
-                  <a:t>, </a:t>
-                </a:r>
-                <a14:m>
-                  <m:oMath xmlns:m="http://schemas.openxmlformats.org/officeDocument/2006/math">
-                    <m:r>
-                      <a:rPr lang="en-US" b="1" i="1" smtClean="0">
-                        <a:latin typeface="Cambria Math" panose="02040503050406030204" pitchFamily="18" charset="0"/>
-                      </a:rPr>
-                      <m:t>𝒎</m:t>
-                    </m:r>
-                    <m:sSub>
-                      <m:sSubPr>
-                        <m:ctrlPr>
-                          <a:rPr lang="en-US" b="0" i="1" smtClean="0">
-                            <a:latin typeface="Cambria Math" panose="02040503050406030204" pitchFamily="18" charset="0"/>
-                          </a:rPr>
-                        </m:ctrlPr>
-                      </m:sSubPr>
-                      <m:e>
-                        <m:r>
-                          <a:rPr lang="en-US" b="0" i="1" smtClean="0">
-                            <a:latin typeface="Cambria Math" panose="02040503050406030204" pitchFamily="18" charset="0"/>
-                          </a:rPr>
-                          <m:t>∈</m:t>
-                        </m:r>
-                      </m:e>
-                      <m:sub>
-                        <m:r>
-                          <a:rPr lang="en-US" b="0" i="1" smtClean="0">
-                            <a:latin typeface="Cambria Math" panose="02040503050406030204" pitchFamily="18" charset="0"/>
-                          </a:rPr>
-                          <m:t>𝑅</m:t>
-                        </m:r>
-                      </m:sub>
-                    </m:sSub>
-                    <m:r>
-                      <a:rPr lang="en-US" b="0" i="1" smtClean="0">
-                        <a:latin typeface="Cambria Math" panose="02040503050406030204" pitchFamily="18" charset="0"/>
-                      </a:rPr>
-                      <m:t>𝑀</m:t>
-                    </m:r>
-                  </m:oMath>
-                </a14:m>
-                <a:endParaRPr lang="ru-RU" dirty="0" smtClean="0"/>
-              </a:p>
-              <a:p>
-                <a:pPr marL="0" indent="0">
-                  <a:buNone/>
-                </a:pPr>
-                <a:r>
-                  <a:rPr lang="ru-RU" dirty="0" smtClean="0"/>
-                  <a:t>Простое объяснение – невозможно получить равномерно распределённую случайную величину длины </a:t>
-                </a:r>
-                <a14:m>
-                  <m:oMath xmlns:m="http://schemas.openxmlformats.org/officeDocument/2006/math">
-                    <m:r>
-                      <a:rPr lang="en-US" b="0" i="1" smtClean="0">
-                        <a:latin typeface="Cambria Math" panose="02040503050406030204" pitchFamily="18" charset="0"/>
-                      </a:rPr>
-                      <m:t>𝑚</m:t>
-                    </m:r>
-                  </m:oMath>
-                </a14:m>
-                <a:r>
-                  <a:rPr lang="ru-RU" dirty="0" smtClean="0"/>
-                  <a:t>, используя детерминированный алгоритм над равномерно распределённой случайной величиной длины </a:t>
-                </a:r>
-                <a14:m>
-                  <m:oMath xmlns:m="http://schemas.openxmlformats.org/officeDocument/2006/math">
-                    <m:r>
-                      <a:rPr lang="en-US" b="0" i="1" smtClean="0">
-                        <a:latin typeface="Cambria Math" panose="02040503050406030204" pitchFamily="18" charset="0"/>
-                      </a:rPr>
-                      <m:t>𝑛</m:t>
-                    </m:r>
-                    <m:r>
-                      <a:rPr lang="en-US" b="0" i="1" smtClean="0">
-                        <a:latin typeface="Cambria Math" panose="02040503050406030204" pitchFamily="18" charset="0"/>
-                      </a:rPr>
-                      <m:t>&lt;</m:t>
-                    </m:r>
-                    <m:r>
-                      <a:rPr lang="en-US" b="0" i="1" smtClean="0">
-                        <a:latin typeface="Cambria Math" panose="02040503050406030204" pitchFamily="18" charset="0"/>
-                      </a:rPr>
-                      <m:t>𝑚</m:t>
-                    </m:r>
-                  </m:oMath>
-                </a14:m>
-                <a:r>
-                  <a:rPr lang="ru-RU" dirty="0" smtClean="0"/>
-                  <a:t>.</a:t>
-                </a:r>
-                <a:endParaRPr lang="ru-RU" dirty="0"/>
-              </a:p>
-              <a:p>
-                <a:pPr marL="0" indent="0">
-                  <a:buNone/>
-                </a:pPr>
-                <a:r>
-                  <a:rPr lang="ru-RU" b="0" dirty="0" smtClean="0"/>
-                  <a:t>Иными словами, для шифрования 1 </a:t>
-                </a:r>
-                <a:r>
-                  <a:rPr lang="en-US" b="0" dirty="0" smtClean="0"/>
-                  <a:t>Gb </a:t>
-                </a:r>
-                <a:r>
-                  <a:rPr lang="ru-RU" b="0" dirty="0" smtClean="0"/>
-                  <a:t>данных </a:t>
-                </a:r>
-                <a:r>
-                  <a:rPr lang="ru-RU" b="1" dirty="0" smtClean="0"/>
-                  <a:t>любым</a:t>
-                </a:r>
-                <a:r>
-                  <a:rPr lang="ru-RU" b="0" dirty="0" smtClean="0"/>
-                  <a:t> абсолютно стойким шифром потребуется ключ размера как минимум 1 </a:t>
-                </a:r>
-                <a:r>
-                  <a:rPr lang="en-US" b="0" dirty="0" smtClean="0"/>
-                  <a:t>Gb</a:t>
-                </a:r>
-                <a:r>
-                  <a:rPr lang="ru-RU" dirty="0" smtClean="0"/>
-                  <a:t>.</a:t>
-                </a:r>
-                <a:endParaRPr lang="en-US" b="0" dirty="0" smtClean="0"/>
-              </a:p>
-            </p:txBody>
-          </p:sp>
-        </mc:Choice>
-        <mc:Fallback xmlns="">
-          <p:sp>
-            <p:nvSpPr>
-              <p:cNvPr id="3" name="Объект 2"/>
-              <p:cNvSpPr>
-                <a:spLocks noGrp="1" noRot="1" noChangeAspect="1" noMove="1" noResize="1" noEditPoints="1" noAdjustHandles="1" noChangeArrowheads="1" noChangeShapeType="1" noTextEdit="1"/>
-              </p:cNvSpPr>
-              <p:nvPr>
-                <p:ph idx="1"/>
-              </p:nvPr>
-            </p:nvSpPr>
-            <p:spPr>
-              <a:blipFill rotWithShape="0">
-                <a:blip r:embed="rId2"/>
-                <a:stretch>
-                  <a:fillRect l="-1043" t="-2101"/>
-                </a:stretch>
-              </a:blipFill>
-            </p:spPr>
-            <p:txBody>
-              <a:bodyPr/>
-              <a:lstStyle/>
-              <a:p>
-                <a:r>
-                  <a:rPr lang="ru-RU">
-                    <a:noFill/>
-                  </a:rPr>
-                  <a:t> </a:t>
-                </a:r>
-              </a:p>
-            </p:txBody>
-          </p:sp>
-        </mc:Fallback>
-      </mc:AlternateContent>
-      <p:sp>
-        <p:nvSpPr>
-          <p:cNvPr id="4" name="Номер слайда 3"/>
-          <p:cNvSpPr>
-            <a:spLocks noGrp="1"/>
-          </p:cNvSpPr>
-          <p:nvPr>
-            <p:ph type="sldNum" sz="quarter" idx="12"/>
-          </p:nvPr>
-        </p:nvSpPr>
-        <p:spPr/>
-        <p:txBody>
-          <a:bodyPr/>
-          <a:lstStyle/>
-          <a:p>
-            <a:fld id="{8253DDDB-F8F7-4D64-A7FD-3F3D61C1949F}" type="slidenum">
-              <a:rPr lang="ru-RU" smtClean="0"/>
-              <a:t>3</a:t>
-            </a:fld>
-            <a:endParaRPr lang="ru-RU"/>
-          </a:p>
-        </p:txBody>
-      </p:sp>
-    </p:spTree>
-    <p:extLst>
-      <p:ext uri="{BB962C8B-B14F-4D97-AF65-F5344CB8AC3E}">
-        <p14:creationId xmlns:p14="http://schemas.microsoft.com/office/powerpoint/2010/main" val="989803668"/>
-      </p:ext>
-    </p:extLst>
-  </p:cSld>
-  <p:clrMapOvr>
-    <a:masterClrMapping/>
-  </p:clrMapOvr>
-  <p:timing>
-    <p:tnLst>
-      <p:par>
-        <p:cTn id="1" dur="indefinite" restart="never" nodeType="tmRoot"/>
-      </p:par>
-    </p:tnLst>
-  </p:timing>
-</p:sld>
-</file>
-
-<file path=ppt/slides/slide30.xml><?xml version="1.0" encoding="utf-8"?>
+<file path=ppt/slides/slide32.xml><?xml version="1.0" encoding="utf-8"?>
 <p:sld xmlns:a="http://schemas.openxmlformats.org/drawingml/2006/main" xmlns:r="http://schemas.openxmlformats.org/officeDocument/2006/relationships" xmlns:p="http://schemas.openxmlformats.org/presentationml/2006/main">
   <p:cSld>
     <p:spTree>
@@ -29314,7 +32058,7 @@
           <a:p>
             <a:fld id="{8253DDDB-F8F7-4D64-A7FD-3F3D61C1949F}" type="slidenum">
               <a:rPr lang="ru-RU" smtClean="0"/>
-              <a:t>30</a:t>
+              <a:t>32</a:t>
             </a:fld>
             <a:endParaRPr lang="ru-RU"/>
           </a:p>

--- a/Lectures/Lecture1-b.pptx
+++ b/Lectures/Lecture1-b.pptx
@@ -12492,8 +12492,8 @@
           </mc:Fallback>
         </mc:AlternateContent>
       </p:grpSp>
-      <mc:AlternateContent xmlns:mc="http://schemas.openxmlformats.org/markup-compatibility/2006" xmlns:a14="http://schemas.microsoft.com/office/drawing/2010/main">
-        <mc:Choice Requires="a14">
+      <mc:AlternateContent xmlns:mc="http://schemas.openxmlformats.org/markup-compatibility/2006">
+        <mc:Choice xmlns:a14="http://schemas.microsoft.com/office/drawing/2010/main" Requires="a14">
           <p:sp>
             <p:nvSpPr>
               <p:cNvPr id="41" name="Прямоугольник 40"/>
@@ -12546,7 +12546,7 @@
                             <a:rPr lang="en-US" sz="2600" b="0" i="1" smtClean="0">
                               <a:latin typeface="Cambria Math" panose="02040503050406030204" pitchFamily="18" charset="0"/>
                             </a:rPr>
-                            <m:t>𝐵</m:t>
+                            <m:t>𝐴</m:t>
                           </m:r>
                           <m:r>
                             <a:rPr lang="en-US" sz="2600" i="1">
@@ -12749,7 +12749,7 @@
             </p:txBody>
           </p:sp>
         </mc:Choice>
-        <mc:Fallback xmlns="">
+        <mc:Fallback>
           <p:sp>
             <p:nvSpPr>
               <p:cNvPr id="41" name="Прямоугольник 40"/>
@@ -12767,7 +12767,7 @@
                 <a:avLst/>
               </a:prstGeom>
               <a:blipFill>
-                <a:blip r:embed="rId7"/>
+                <a:blip r:embed="rId6"/>
                 <a:stretch>
                   <a:fillRect/>
                 </a:stretch>

--- a/Lectures/Lecture1-b.pptx
+++ b/Lectures/Lecture1-b.pptx
@@ -289,7 +289,7 @@
           <a:p>
             <a:fld id="{CBA08D16-15DC-4E25-BDC3-F25146157B16}" type="datetimeFigureOut">
               <a:rPr lang="ru-RU" smtClean="0"/>
-              <a:t>15.09.2023</a:t>
+              <a:t>27.09.2023</a:t>
             </a:fld>
             <a:endParaRPr lang="ru-RU"/>
           </a:p>
@@ -688,7 +688,7 @@
           <a:p>
             <a:fld id="{FCEC8293-DB51-454A-BE81-EC8FCB31EBA2}" type="datetime1">
               <a:rPr lang="ru-RU" smtClean="0"/>
-              <a:t>15.09.2023</a:t>
+              <a:t>27.09.2023</a:t>
             </a:fld>
             <a:endParaRPr lang="ru-RU"/>
           </a:p>
@@ -862,7 +862,7 @@
           <a:p>
             <a:fld id="{241C87B1-1C35-4DBD-BC18-2BC72E776603}" type="datetime1">
               <a:rPr lang="ru-RU" smtClean="0"/>
-              <a:t>15.09.2023</a:t>
+              <a:t>27.09.2023</a:t>
             </a:fld>
             <a:endParaRPr lang="ru-RU"/>
           </a:p>
@@ -1046,7 +1046,7 @@
           <a:p>
             <a:fld id="{3134C275-26C0-42CD-9111-9ADE65922AF9}" type="datetime1">
               <a:rPr lang="ru-RU" smtClean="0"/>
-              <a:t>15.09.2023</a:t>
+              <a:t>27.09.2023</a:t>
             </a:fld>
             <a:endParaRPr lang="ru-RU"/>
           </a:p>
@@ -1220,7 +1220,7 @@
           <a:p>
             <a:fld id="{C1A9A50B-C350-45F5-8AAB-ADB9E670AF2E}" type="datetime1">
               <a:rPr lang="ru-RU" smtClean="0"/>
-              <a:t>15.09.2023</a:t>
+              <a:t>27.09.2023</a:t>
             </a:fld>
             <a:endParaRPr lang="ru-RU"/>
           </a:p>
@@ -1470,7 +1470,7 @@
           <a:p>
             <a:fld id="{089688C9-348F-42F9-B6C0-5990DDE0C5B2}" type="datetime1">
               <a:rPr lang="ru-RU" smtClean="0"/>
-              <a:t>15.09.2023</a:t>
+              <a:t>27.09.2023</a:t>
             </a:fld>
             <a:endParaRPr lang="ru-RU"/>
           </a:p>
@@ -1706,7 +1706,7 @@
           <a:p>
             <a:fld id="{684AFD8F-6DD9-4AD3-A505-FDC3F5C5F3F6}" type="datetime1">
               <a:rPr lang="ru-RU" smtClean="0"/>
-              <a:t>15.09.2023</a:t>
+              <a:t>27.09.2023</a:t>
             </a:fld>
             <a:endParaRPr lang="ru-RU"/>
           </a:p>
@@ -2077,7 +2077,7 @@
           <a:p>
             <a:fld id="{63551EFE-4D02-45EB-A747-8B6F047B5AA0}" type="datetime1">
               <a:rPr lang="ru-RU" smtClean="0"/>
-              <a:t>15.09.2023</a:t>
+              <a:t>27.09.2023</a:t>
             </a:fld>
             <a:endParaRPr lang="ru-RU"/>
           </a:p>
@@ -2199,7 +2199,7 @@
           <a:p>
             <a:fld id="{813A9F34-E5CD-4B8F-AA9E-889C84372B20}" type="datetime1">
               <a:rPr lang="ru-RU" smtClean="0"/>
-              <a:t>15.09.2023</a:t>
+              <a:t>27.09.2023</a:t>
             </a:fld>
             <a:endParaRPr lang="ru-RU"/>
           </a:p>
@@ -2298,7 +2298,7 @@
           <a:p>
             <a:fld id="{51224D22-9B29-44A6-8E82-95FC492DEDC1}" type="datetime1">
               <a:rPr lang="ru-RU" smtClean="0"/>
-              <a:t>15.09.2023</a:t>
+              <a:t>27.09.2023</a:t>
             </a:fld>
             <a:endParaRPr lang="ru-RU"/>
           </a:p>
@@ -2579,7 +2579,7 @@
           <a:p>
             <a:fld id="{91D1034F-4441-48A1-BDC0-25EA1022324A}" type="datetime1">
               <a:rPr lang="ru-RU" smtClean="0"/>
-              <a:t>15.09.2023</a:t>
+              <a:t>27.09.2023</a:t>
             </a:fld>
             <a:endParaRPr lang="ru-RU"/>
           </a:p>
@@ -2836,7 +2836,7 @@
           <a:p>
             <a:fld id="{B0FFDE79-B627-473B-AE17-4C65BD2495F7}" type="datetime1">
               <a:rPr lang="ru-RU" smtClean="0"/>
-              <a:t>15.09.2023</a:t>
+              <a:t>27.09.2023</a:t>
             </a:fld>
             <a:endParaRPr lang="ru-RU"/>
           </a:p>
@@ -3053,7 +3053,7 @@
           <a:p>
             <a:fld id="{11CA537A-1B8C-47BA-9BA6-7CE3FAFDA8BE}" type="datetime1">
               <a:rPr lang="ru-RU" smtClean="0"/>
-              <a:t>15.09.2023</a:t>
+              <a:t>27.09.2023</a:t>
             </a:fld>
             <a:endParaRPr lang="ru-RU"/>
           </a:p>
@@ -12492,8 +12492,8 @@
           </mc:Fallback>
         </mc:AlternateContent>
       </p:grpSp>
-      <mc:AlternateContent xmlns:mc="http://schemas.openxmlformats.org/markup-compatibility/2006">
-        <mc:Choice xmlns:a14="http://schemas.microsoft.com/office/drawing/2010/main" Requires="a14">
+      <mc:AlternateContent xmlns:mc="http://schemas.openxmlformats.org/markup-compatibility/2006" xmlns:a14="http://schemas.microsoft.com/office/drawing/2010/main">
+        <mc:Choice Requires="a14">
           <p:sp>
             <p:nvSpPr>
               <p:cNvPr id="41" name="Прямоугольник 40"/>
@@ -12749,7 +12749,7 @@
             </p:txBody>
           </p:sp>
         </mc:Choice>
-        <mc:Fallback>
+        <mc:Fallback xmlns="">
           <p:sp>
             <p:nvSpPr>
               <p:cNvPr id="41" name="Прямоугольник 40"/>
@@ -34300,8 +34300,8 @@
           </a:p>
         </p:txBody>
       </p:sp>
-      <mc:AlternateContent xmlns:mc="http://schemas.openxmlformats.org/markup-compatibility/2006" xmlns:a14="http://schemas.microsoft.com/office/drawing/2010/main">
-        <mc:Choice Requires="a14">
+      <mc:AlternateContent xmlns:mc="http://schemas.openxmlformats.org/markup-compatibility/2006">
+        <mc:Choice xmlns:a14="http://schemas.microsoft.com/office/drawing/2010/main" Requires="a14">
           <p:sp>
             <p:nvSpPr>
               <p:cNvPr id="3" name="Объект 2"/>
@@ -34645,8 +34645,40 @@
                       <a:rPr lang="en-US" b="0" i="0" smtClean="0">
                         <a:latin typeface="Cambria Math" panose="02040503050406030204" pitchFamily="18" charset="0"/>
                       </a:rPr>
-                      <m:t>−событие, при котором </m:t>
-                    </m:r>
+                      <m:t>−</m:t>
+                    </m:r>
+                  </m:oMath>
+                </a14:m>
+                <a:r>
+                  <a:rPr lang="ru-RU" b="0" i="0" dirty="0" smtClean="0"/>
+                  <a:t> </a:t>
+                </a:r>
+                <a:r>
+                  <a:rPr lang="en-US" b="0" i="0" dirty="0" err="1" smtClean="0"/>
+                  <a:t>событие</a:t>
+                </a:r>
+                <a:r>
+                  <a:rPr lang="en-US" b="0" i="0" dirty="0" smtClean="0"/>
+                  <a:t>, </a:t>
+                </a:r>
+                <a:r>
+                  <a:rPr lang="en-US" b="0" i="0" dirty="0" err="1" smtClean="0"/>
+                  <a:t>при</a:t>
+                </a:r>
+                <a:r>
+                  <a:rPr lang="en-US" b="0" i="0" dirty="0" smtClean="0"/>
+                  <a:t> </a:t>
+                </a:r>
+                <a:r>
+                  <a:rPr lang="en-US" b="0" i="0" dirty="0" err="1" smtClean="0"/>
+                  <a:t>котором</a:t>
+                </a:r>
+                <a:r>
+                  <a:rPr lang="en-US" b="0" i="0" dirty="0" smtClean="0"/>
+                  <a:t> </a:t>
+                </a:r>
+                <a14:m>
+                  <m:oMath xmlns:m="http://schemas.openxmlformats.org/officeDocument/2006/math">
                     <m:sSup>
                       <m:sSupPr>
                         <m:ctrlPr>
@@ -34657,13 +34689,10 @@
                       </m:sSupPr>
                       <m:e>
                         <m:r>
-                          <m:rPr>
-                            <m:sty m:val="p"/>
-                          </m:rPr>
-                          <a:rPr lang="en-US" b="0" i="0" smtClean="0">
-                            <a:latin typeface="Cambria Math" panose="02040503050406030204" pitchFamily="18" charset="0"/>
-                          </a:rPr>
-                          <m:t>b</m:t>
+                          <a:rPr lang="en-US" b="0" i="1" smtClean="0">
+                            <a:latin typeface="Cambria Math" panose="02040503050406030204" pitchFamily="18" charset="0"/>
+                          </a:rPr>
+                          <m:t>𝑏</m:t>
                         </m:r>
                       </m:e>
                       <m:sup>
@@ -34682,13 +34711,10 @@
                       <m:t>=</m:t>
                     </m:r>
                     <m:r>
-                      <m:rPr>
-                        <m:sty m:val="p"/>
-                      </m:rPr>
-                      <a:rPr lang="en-US" b="0" i="0" smtClean="0">
-                        <a:latin typeface="Cambria Math" panose="02040503050406030204" pitchFamily="18" charset="0"/>
-                      </a:rPr>
-                      <m:t>b</m:t>
+                      <a:rPr lang="en-US" b="0" i="1" smtClean="0">
+                        <a:latin typeface="Cambria Math" panose="02040503050406030204" pitchFamily="18" charset="0"/>
+                      </a:rPr>
+                      <m:t>𝑏</m:t>
                     </m:r>
                     <m:r>
                       <a:rPr lang="ru-RU" b="0" i="0" smtClean="0">
@@ -34870,7 +34896,7 @@
             </p:txBody>
           </p:sp>
         </mc:Choice>
-        <mc:Fallback xmlns="">
+        <mc:Fallback>
           <p:sp>
             <p:nvSpPr>
               <p:cNvPr id="3" name="Объект 2"/>

--- a/Lectures/Lecture1-b.pptx
+++ b/Lectures/Lecture1-b.pptx
@@ -289,7 +289,7 @@
           <a:p>
             <a:fld id="{CBA08D16-15DC-4E25-BDC3-F25146157B16}" type="datetimeFigureOut">
               <a:rPr lang="ru-RU" smtClean="0"/>
-              <a:t>27.09.2023</a:t>
+              <a:t>28.09.2023</a:t>
             </a:fld>
             <a:endParaRPr lang="ru-RU"/>
           </a:p>
@@ -688,7 +688,7 @@
           <a:p>
             <a:fld id="{FCEC8293-DB51-454A-BE81-EC8FCB31EBA2}" type="datetime1">
               <a:rPr lang="ru-RU" smtClean="0"/>
-              <a:t>27.09.2023</a:t>
+              <a:t>28.09.2023</a:t>
             </a:fld>
             <a:endParaRPr lang="ru-RU"/>
           </a:p>
@@ -862,7 +862,7 @@
           <a:p>
             <a:fld id="{241C87B1-1C35-4DBD-BC18-2BC72E776603}" type="datetime1">
               <a:rPr lang="ru-RU" smtClean="0"/>
-              <a:t>27.09.2023</a:t>
+              <a:t>28.09.2023</a:t>
             </a:fld>
             <a:endParaRPr lang="ru-RU"/>
           </a:p>
@@ -1046,7 +1046,7 @@
           <a:p>
             <a:fld id="{3134C275-26C0-42CD-9111-9ADE65922AF9}" type="datetime1">
               <a:rPr lang="ru-RU" smtClean="0"/>
-              <a:t>27.09.2023</a:t>
+              <a:t>28.09.2023</a:t>
             </a:fld>
             <a:endParaRPr lang="ru-RU"/>
           </a:p>
@@ -1220,7 +1220,7 @@
           <a:p>
             <a:fld id="{C1A9A50B-C350-45F5-8AAB-ADB9E670AF2E}" type="datetime1">
               <a:rPr lang="ru-RU" smtClean="0"/>
-              <a:t>27.09.2023</a:t>
+              <a:t>28.09.2023</a:t>
             </a:fld>
             <a:endParaRPr lang="ru-RU"/>
           </a:p>
@@ -1470,7 +1470,7 @@
           <a:p>
             <a:fld id="{089688C9-348F-42F9-B6C0-5990DDE0C5B2}" type="datetime1">
               <a:rPr lang="ru-RU" smtClean="0"/>
-              <a:t>27.09.2023</a:t>
+              <a:t>28.09.2023</a:t>
             </a:fld>
             <a:endParaRPr lang="ru-RU"/>
           </a:p>
@@ -1706,7 +1706,7 @@
           <a:p>
             <a:fld id="{684AFD8F-6DD9-4AD3-A505-FDC3F5C5F3F6}" type="datetime1">
               <a:rPr lang="ru-RU" smtClean="0"/>
-              <a:t>27.09.2023</a:t>
+              <a:t>28.09.2023</a:t>
             </a:fld>
             <a:endParaRPr lang="ru-RU"/>
           </a:p>
@@ -2077,7 +2077,7 @@
           <a:p>
             <a:fld id="{63551EFE-4D02-45EB-A747-8B6F047B5AA0}" type="datetime1">
               <a:rPr lang="ru-RU" smtClean="0"/>
-              <a:t>27.09.2023</a:t>
+              <a:t>28.09.2023</a:t>
             </a:fld>
             <a:endParaRPr lang="ru-RU"/>
           </a:p>
@@ -2199,7 +2199,7 @@
           <a:p>
             <a:fld id="{813A9F34-E5CD-4B8F-AA9E-889C84372B20}" type="datetime1">
               <a:rPr lang="ru-RU" smtClean="0"/>
-              <a:t>27.09.2023</a:t>
+              <a:t>28.09.2023</a:t>
             </a:fld>
             <a:endParaRPr lang="ru-RU"/>
           </a:p>
@@ -2298,7 +2298,7 @@
           <a:p>
             <a:fld id="{51224D22-9B29-44A6-8E82-95FC492DEDC1}" type="datetime1">
               <a:rPr lang="ru-RU" smtClean="0"/>
-              <a:t>27.09.2023</a:t>
+              <a:t>28.09.2023</a:t>
             </a:fld>
             <a:endParaRPr lang="ru-RU"/>
           </a:p>
@@ -2579,7 +2579,7 @@
           <a:p>
             <a:fld id="{91D1034F-4441-48A1-BDC0-25EA1022324A}" type="datetime1">
               <a:rPr lang="ru-RU" smtClean="0"/>
-              <a:t>27.09.2023</a:t>
+              <a:t>28.09.2023</a:t>
             </a:fld>
             <a:endParaRPr lang="ru-RU"/>
           </a:p>
@@ -2836,7 +2836,7 @@
           <a:p>
             <a:fld id="{B0FFDE79-B627-473B-AE17-4C65BD2495F7}" type="datetime1">
               <a:rPr lang="ru-RU" smtClean="0"/>
-              <a:t>27.09.2023</a:t>
+              <a:t>28.09.2023</a:t>
             </a:fld>
             <a:endParaRPr lang="ru-RU"/>
           </a:p>
@@ -3053,7 +3053,7 @@
           <a:p>
             <a:fld id="{11CA537A-1B8C-47BA-9BA6-7CE3FAFDA8BE}" type="datetime1">
               <a:rPr lang="ru-RU" smtClean="0"/>
-              <a:t>27.09.2023</a:t>
+              <a:t>28.09.2023</a:t>
             </a:fld>
             <a:endParaRPr lang="ru-RU"/>
           </a:p>
@@ -11806,8 +11806,8 @@
             </a:p>
           </p:txBody>
         </p:sp>
-        <mc:AlternateContent xmlns:mc="http://schemas.openxmlformats.org/markup-compatibility/2006" xmlns:a14="http://schemas.microsoft.com/office/drawing/2010/main">
-          <mc:Choice Requires="a14">
+        <mc:AlternateContent xmlns:mc="http://schemas.openxmlformats.org/markup-compatibility/2006">
+          <mc:Choice xmlns:a14="http://schemas.microsoft.com/office/drawing/2010/main" Requires="a14">
             <p:sp>
               <p:nvSpPr>
                 <p:cNvPr id="27" name="Text Box 18"/>
@@ -11819,7 +11819,7 @@
               <p:spPr bwMode="auto">
                 <a:xfrm>
                   <a:off x="1392" y="2918"/>
-                  <a:ext cx="1022" cy="425"/>
+                  <a:ext cx="998" cy="425"/>
                 </a:xfrm>
                 <a:prstGeom prst="rect">
                   <a:avLst/>
@@ -11842,10 +11842,10 @@
                   <a14:m>
                     <m:oMath xmlns:m="http://schemas.openxmlformats.org/officeDocument/2006/math">
                       <m:r>
-                        <a:rPr lang="en-US" sz="2000" b="0" i="1" dirty="0" smtClean="0">
+                        <a:rPr lang="en-US" sz="2000" b="0" i="1" smtClean="0">
                           <a:latin typeface="Cambria Math" panose="02040503050406030204" pitchFamily="18" charset="0"/>
                         </a:rPr>
-                        <m:t>𝐶</m:t>
+                        <m:t>𝑐</m:t>
                       </m:r>
                       <m:groupChr>
                         <m:groupChrPr>
@@ -11915,7 +11915,7 @@
               </p:txBody>
             </p:sp>
           </mc:Choice>
-          <mc:Fallback xmlns="">
+          <mc:Fallback>
             <p:sp>
               <p:nvSpPr>
                 <p:cNvPr id="27" name="Text Box 18"/>
@@ -11927,7 +11927,7 @@
               <p:spPr bwMode="auto">
                 <a:xfrm>
                   <a:off x="1392" y="2918"/>
-                  <a:ext cx="1022" cy="425"/>
+                  <a:ext cx="998" cy="425"/>
                 </a:xfrm>
                 <a:prstGeom prst="rect">
                   <a:avLst/>
@@ -11935,7 +11935,7 @@
                 <a:blipFill>
                   <a:blip r:embed="rId3"/>
                   <a:stretch>
-                    <a:fillRect r="-3383" b="-20482"/>
+                    <a:fillRect r="-3462" b="-20482"/>
                   </a:stretch>
                 </a:blipFill>
                 <a:ln w="9525">
@@ -12192,10 +12192,10 @@
         </p:nvGrpSpPr>
         <p:grpSpPr bwMode="auto">
           <a:xfrm>
-            <a:off x="6670526" y="5141858"/>
-            <a:ext cx="2862266" cy="645318"/>
+            <a:off x="6670525" y="5141858"/>
+            <a:ext cx="2805116" cy="645318"/>
             <a:chOff x="3216" y="3442"/>
-            <a:chExt cx="1803" cy="542"/>
+            <a:chExt cx="1767" cy="542"/>
           </a:xfrm>
         </p:grpSpPr>
         <p:sp>
@@ -12268,8 +12268,8 @@
             </a:p>
           </p:txBody>
         </p:sp>
-        <mc:AlternateContent xmlns:mc="http://schemas.openxmlformats.org/markup-compatibility/2006" xmlns:a14="http://schemas.microsoft.com/office/drawing/2010/main">
-          <mc:Choice Requires="a14">
+        <mc:AlternateContent xmlns:mc="http://schemas.openxmlformats.org/markup-compatibility/2006">
+          <mc:Choice xmlns:a14="http://schemas.microsoft.com/office/drawing/2010/main" Requires="a14">
             <p:sp>
               <p:nvSpPr>
                 <p:cNvPr id="38" name="Text Box 27"/>
@@ -12281,7 +12281,7 @@
               <p:spPr bwMode="auto">
                 <a:xfrm>
                   <a:off x="3614" y="3442"/>
-                  <a:ext cx="1405" cy="319"/>
+                  <a:ext cx="1369" cy="319"/>
                 </a:xfrm>
                 <a:prstGeom prst="rect">
                   <a:avLst/>
@@ -12349,10 +12349,10 @@
                               <m:t>←</m:t>
                             </m:r>
                             <m:r>
-                              <a:rPr lang="en-US" i="1" dirty="0" smtClean="0">
+                              <a:rPr lang="en-US" b="0" i="1" dirty="0" smtClean="0">
                                 <a:latin typeface="Cambria Math" panose="02040503050406030204" pitchFamily="18" charset="0"/>
                               </a:rPr>
-                              <m:t>𝐸</m:t>
+                              <m:t>𝐷</m:t>
                             </m:r>
                           </m:e>
                           <m:sub>
@@ -12392,31 +12392,12 @@
                             </m:ctrlPr>
                           </m:dPr>
                           <m:e>
-                            <m:sSub>
-                              <m:sSubPr>
-                                <m:ctrlPr>
-                                  <a:rPr lang="en-US" sz="2000" b="0" i="1" dirty="0" smtClean="0">
-                                    <a:latin typeface="Cambria Math" panose="02040503050406030204" pitchFamily="18" charset="0"/>
-                                  </a:rPr>
-                                </m:ctrlPr>
-                              </m:sSubPr>
-                              <m:e>
-                                <m:r>
-                                  <a:rPr lang="en-US" sz="2000" i="1" dirty="0" err="1">
-                                    <a:latin typeface="Cambria Math" panose="02040503050406030204" pitchFamily="18" charset="0"/>
-                                  </a:rPr>
-                                  <m:t>𝑚</m:t>
-                                </m:r>
-                              </m:e>
-                              <m:sub>
-                                <m:r>
-                                  <a:rPr lang="en-US" sz="2000" b="0" i="1" dirty="0" smtClean="0">
-                                    <a:latin typeface="Cambria Math" panose="02040503050406030204" pitchFamily="18" charset="0"/>
-                                  </a:rPr>
-                                  <m:t>1</m:t>
-                                </m:r>
-                              </m:sub>
-                            </m:sSub>
+                            <m:r>
+                              <a:rPr lang="en-US" b="0" i="1" dirty="0" smtClean="0">
+                                <a:latin typeface="Cambria Math" panose="02040503050406030204" pitchFamily="18" charset="0"/>
+                              </a:rPr>
+                              <m:t>𝑐</m:t>
+                            </m:r>
                           </m:e>
                         </m:d>
                         <m:r>
@@ -12431,12 +12412,31 @@
                           </a:rPr>
                           <m:t>=</m:t>
                         </m:r>
-                        <m:r>
-                          <a:rPr lang="en-US" b="0" i="1" dirty="0" smtClean="0">
-                            <a:latin typeface="Cambria Math" panose="02040503050406030204" pitchFamily="18" charset="0"/>
-                          </a:rPr>
-                          <m:t>𝐶</m:t>
-                        </m:r>
+                        <m:sSub>
+                          <m:sSubPr>
+                            <m:ctrlPr>
+                              <a:rPr lang="en-US" i="1" dirty="0">
+                                <a:latin typeface="Cambria Math" panose="02040503050406030204" pitchFamily="18" charset="0"/>
+                              </a:rPr>
+                            </m:ctrlPr>
+                          </m:sSubPr>
+                          <m:e>
+                            <m:r>
+                              <a:rPr lang="en-US" i="1" dirty="0" err="1">
+                                <a:latin typeface="Cambria Math" panose="02040503050406030204" pitchFamily="18" charset="0"/>
+                              </a:rPr>
+                              <m:t>𝑚</m:t>
+                            </m:r>
+                          </m:e>
+                          <m:sub>
+                            <m:r>
+                              <a:rPr lang="en-US" i="1" dirty="0">
+                                <a:latin typeface="Cambria Math" panose="02040503050406030204" pitchFamily="18" charset="0"/>
+                              </a:rPr>
+                              <m:t>1</m:t>
+                            </m:r>
+                          </m:sub>
+                        </m:sSub>
                       </m:oMath>
                     </m:oMathPara>
                   </a14:m>
@@ -12445,7 +12445,7 @@
               </p:txBody>
             </p:sp>
           </mc:Choice>
-          <mc:Fallback xmlns="">
+          <mc:Fallback>
             <p:sp>
               <p:nvSpPr>
                 <p:cNvPr id="38" name="Text Box 27"/>
@@ -12457,7 +12457,7 @@
               <p:spPr bwMode="auto">
                 <a:xfrm>
                   <a:off x="3614" y="3442"/>
-                  <a:ext cx="1405" cy="319"/>
+                  <a:ext cx="1369" cy="319"/>
                 </a:xfrm>
                 <a:prstGeom prst="rect">
                   <a:avLst/>
@@ -34300,8 +34300,8 @@
           </a:p>
         </p:txBody>
       </p:sp>
-      <mc:AlternateContent xmlns:mc="http://schemas.openxmlformats.org/markup-compatibility/2006">
-        <mc:Choice xmlns:a14="http://schemas.microsoft.com/office/drawing/2010/main" Requires="a14">
+      <mc:AlternateContent xmlns:mc="http://schemas.openxmlformats.org/markup-compatibility/2006" xmlns:a14="http://schemas.microsoft.com/office/drawing/2010/main">
+        <mc:Choice Requires="a14">
           <p:sp>
             <p:nvSpPr>
               <p:cNvPr id="3" name="Объект 2"/>
@@ -34896,7 +34896,7 @@
             </p:txBody>
           </p:sp>
         </mc:Choice>
-        <mc:Fallback>
+        <mc:Fallback xmlns="">
           <p:sp>
             <p:nvSpPr>
               <p:cNvPr id="3" name="Объект 2"/>

--- a/Lectures/Lecture1-b.pptx
+++ b/Lectures/Lecture1-b.pptx
@@ -11806,8 +11806,8 @@
             </a:p>
           </p:txBody>
         </p:sp>
-        <mc:AlternateContent xmlns:mc="http://schemas.openxmlformats.org/markup-compatibility/2006">
-          <mc:Choice xmlns:a14="http://schemas.microsoft.com/office/drawing/2010/main" Requires="a14">
+        <mc:AlternateContent xmlns:mc="http://schemas.openxmlformats.org/markup-compatibility/2006" xmlns:a14="http://schemas.microsoft.com/office/drawing/2010/main">
+          <mc:Choice Requires="a14">
             <p:sp>
               <p:nvSpPr>
                 <p:cNvPr id="27" name="Text Box 18"/>
@@ -11915,7 +11915,7 @@
               </p:txBody>
             </p:sp>
           </mc:Choice>
-          <mc:Fallback>
+          <mc:Fallback xmlns="">
             <p:sp>
               <p:nvSpPr>
                 <p:cNvPr id="27" name="Text Box 18"/>
@@ -12268,8 +12268,8 @@
             </a:p>
           </p:txBody>
         </p:sp>
-        <mc:AlternateContent xmlns:mc="http://schemas.openxmlformats.org/markup-compatibility/2006">
-          <mc:Choice xmlns:a14="http://schemas.microsoft.com/office/drawing/2010/main" Requires="a14">
+        <mc:AlternateContent xmlns:mc="http://schemas.openxmlformats.org/markup-compatibility/2006" xmlns:a14="http://schemas.microsoft.com/office/drawing/2010/main">
+          <mc:Choice Requires="a14">
             <p:sp>
               <p:nvSpPr>
                 <p:cNvPr id="38" name="Text Box 27"/>
@@ -12445,7 +12445,7 @@
               </p:txBody>
             </p:sp>
           </mc:Choice>
-          <mc:Fallback>
+          <mc:Fallback xmlns="">
             <p:sp>
               <p:nvSpPr>
                 <p:cNvPr id="38" name="Text Box 27"/>
@@ -27979,8 +27979,8 @@
           </a:p>
         </p:txBody>
       </p:sp>
-      <mc:AlternateContent xmlns:mc="http://schemas.openxmlformats.org/markup-compatibility/2006" xmlns:a14="http://schemas.microsoft.com/office/drawing/2010/main">
-        <mc:Choice Requires="a14">
+      <mc:AlternateContent xmlns:mc="http://schemas.openxmlformats.org/markup-compatibility/2006">
+        <mc:Choice xmlns:a14="http://schemas.microsoft.com/office/drawing/2010/main" Requires="a14">
           <p:sp>
             <p:nvSpPr>
               <p:cNvPr id="3" name="Объект 2"/>
@@ -28216,7 +28216,15 @@
                 </a:r>
                 <a:r>
                   <a:rPr lang="ru-RU" dirty="0" smtClean="0"/>
-                  <a:t>тексте (Например функция вычисления чётности сообщения </a:t>
+                  <a:t>тексте (Например функция </a:t>
+                </a:r>
+                <a:r>
+                  <a:rPr lang="ru-RU" smtClean="0"/>
+                  <a:t>вычисления бита </a:t>
+                </a:r>
+                <a:r>
+                  <a:rPr lang="ru-RU" dirty="0" smtClean="0"/>
+                  <a:t>чётности сообщения </a:t>
                 </a:r>
                 <a14:m>
                   <m:oMath xmlns:m="http://schemas.openxmlformats.org/officeDocument/2006/math">
@@ -28799,7 +28807,7 @@
             </p:txBody>
           </p:sp>
         </mc:Choice>
-        <mc:Fallback xmlns="">
+        <mc:Fallback>
           <p:sp>
             <p:nvSpPr>
               <p:cNvPr id="3" name="Объект 2"/>
@@ -28818,7 +28826,7 @@
               <a:blipFill>
                 <a:blip r:embed="rId2"/>
                 <a:stretch>
-                  <a:fillRect l="-1043" t="-2574" r="-116"/>
+                  <a:fillRect l="-1043" t="-2574" r="-116" b="-644"/>
                 </a:stretch>
               </a:blipFill>
             </p:spPr>

--- a/Lectures/Lecture1-b.pptx
+++ b/Lectures/Lecture1-b.pptx
@@ -289,7 +289,7 @@
           <a:p>
             <a:fld id="{CBA08D16-15DC-4E25-BDC3-F25146157B16}" type="datetimeFigureOut">
               <a:rPr lang="ru-RU" smtClean="0"/>
-              <a:t>28.09.2023</a:t>
+              <a:t>26.10.2023</a:t>
             </a:fld>
             <a:endParaRPr lang="ru-RU"/>
           </a:p>
@@ -688,7 +688,7 @@
           <a:p>
             <a:fld id="{FCEC8293-DB51-454A-BE81-EC8FCB31EBA2}" type="datetime1">
               <a:rPr lang="ru-RU" smtClean="0"/>
-              <a:t>28.09.2023</a:t>
+              <a:t>26.10.2023</a:t>
             </a:fld>
             <a:endParaRPr lang="ru-RU"/>
           </a:p>
@@ -862,7 +862,7 @@
           <a:p>
             <a:fld id="{241C87B1-1C35-4DBD-BC18-2BC72E776603}" type="datetime1">
               <a:rPr lang="ru-RU" smtClean="0"/>
-              <a:t>28.09.2023</a:t>
+              <a:t>26.10.2023</a:t>
             </a:fld>
             <a:endParaRPr lang="ru-RU"/>
           </a:p>
@@ -1046,7 +1046,7 @@
           <a:p>
             <a:fld id="{3134C275-26C0-42CD-9111-9ADE65922AF9}" type="datetime1">
               <a:rPr lang="ru-RU" smtClean="0"/>
-              <a:t>28.09.2023</a:t>
+              <a:t>26.10.2023</a:t>
             </a:fld>
             <a:endParaRPr lang="ru-RU"/>
           </a:p>
@@ -1220,7 +1220,7 @@
           <a:p>
             <a:fld id="{C1A9A50B-C350-45F5-8AAB-ADB9E670AF2E}" type="datetime1">
               <a:rPr lang="ru-RU" smtClean="0"/>
-              <a:t>28.09.2023</a:t>
+              <a:t>26.10.2023</a:t>
             </a:fld>
             <a:endParaRPr lang="ru-RU"/>
           </a:p>
@@ -1470,7 +1470,7 @@
           <a:p>
             <a:fld id="{089688C9-348F-42F9-B6C0-5990DDE0C5B2}" type="datetime1">
               <a:rPr lang="ru-RU" smtClean="0"/>
-              <a:t>28.09.2023</a:t>
+              <a:t>26.10.2023</a:t>
             </a:fld>
             <a:endParaRPr lang="ru-RU"/>
           </a:p>
@@ -1706,7 +1706,7 @@
           <a:p>
             <a:fld id="{684AFD8F-6DD9-4AD3-A505-FDC3F5C5F3F6}" type="datetime1">
               <a:rPr lang="ru-RU" smtClean="0"/>
-              <a:t>28.09.2023</a:t>
+              <a:t>26.10.2023</a:t>
             </a:fld>
             <a:endParaRPr lang="ru-RU"/>
           </a:p>
@@ -2077,7 +2077,7 @@
           <a:p>
             <a:fld id="{63551EFE-4D02-45EB-A747-8B6F047B5AA0}" type="datetime1">
               <a:rPr lang="ru-RU" smtClean="0"/>
-              <a:t>28.09.2023</a:t>
+              <a:t>26.10.2023</a:t>
             </a:fld>
             <a:endParaRPr lang="ru-RU"/>
           </a:p>
@@ -2199,7 +2199,7 @@
           <a:p>
             <a:fld id="{813A9F34-E5CD-4B8F-AA9E-889C84372B20}" type="datetime1">
               <a:rPr lang="ru-RU" smtClean="0"/>
-              <a:t>28.09.2023</a:t>
+              <a:t>26.10.2023</a:t>
             </a:fld>
             <a:endParaRPr lang="ru-RU"/>
           </a:p>
@@ -2298,7 +2298,7 @@
           <a:p>
             <a:fld id="{51224D22-9B29-44A6-8E82-95FC492DEDC1}" type="datetime1">
               <a:rPr lang="ru-RU" smtClean="0"/>
-              <a:t>28.09.2023</a:t>
+              <a:t>26.10.2023</a:t>
             </a:fld>
             <a:endParaRPr lang="ru-RU"/>
           </a:p>
@@ -2579,7 +2579,7 @@
           <a:p>
             <a:fld id="{91D1034F-4441-48A1-BDC0-25EA1022324A}" type="datetime1">
               <a:rPr lang="ru-RU" smtClean="0"/>
-              <a:t>28.09.2023</a:t>
+              <a:t>26.10.2023</a:t>
             </a:fld>
             <a:endParaRPr lang="ru-RU"/>
           </a:p>
@@ -2836,7 +2836,7 @@
           <a:p>
             <a:fld id="{B0FFDE79-B627-473B-AE17-4C65BD2495F7}" type="datetime1">
               <a:rPr lang="ru-RU" smtClean="0"/>
-              <a:t>28.09.2023</a:t>
+              <a:t>26.10.2023</a:t>
             </a:fld>
             <a:endParaRPr lang="ru-RU"/>
           </a:p>
@@ -3053,7 +3053,7 @@
           <a:p>
             <a:fld id="{11CA537A-1B8C-47BA-9BA6-7CE3FAFDA8BE}" type="datetime1">
               <a:rPr lang="ru-RU" smtClean="0"/>
-              <a:t>28.09.2023</a:t>
+              <a:t>26.10.2023</a:t>
             </a:fld>
             <a:endParaRPr lang="ru-RU"/>
           </a:p>
@@ -27979,8 +27979,8 @@
           </a:p>
         </p:txBody>
       </p:sp>
-      <mc:AlternateContent xmlns:mc="http://schemas.openxmlformats.org/markup-compatibility/2006">
-        <mc:Choice xmlns:a14="http://schemas.microsoft.com/office/drawing/2010/main" Requires="a14">
+      <mc:AlternateContent xmlns:mc="http://schemas.openxmlformats.org/markup-compatibility/2006" xmlns:a14="http://schemas.microsoft.com/office/drawing/2010/main">
+        <mc:Choice Requires="a14">
           <p:sp>
             <p:nvSpPr>
               <p:cNvPr id="3" name="Объект 2"/>
@@ -28807,7 +28807,7 @@
             </p:txBody>
           </p:sp>
         </mc:Choice>
-        <mc:Fallback>
+        <mc:Fallback xmlns="">
           <p:sp>
             <p:nvSpPr>
               <p:cNvPr id="3" name="Объект 2"/>
@@ -29413,8 +29413,8 @@
           </a:p>
         </p:txBody>
       </p:sp>
-      <mc:AlternateContent xmlns:mc="http://schemas.openxmlformats.org/markup-compatibility/2006" xmlns:a14="http://schemas.microsoft.com/office/drawing/2010/main">
-        <mc:Choice Requires="a14">
+      <mc:AlternateContent xmlns:mc="http://schemas.openxmlformats.org/markup-compatibility/2006">
+        <mc:Choice xmlns:a14="http://schemas.microsoft.com/office/drawing/2010/main" Requires="a14">
           <p:sp>
             <p:nvSpPr>
               <p:cNvPr id="3" name="Объект 2"/>
@@ -29633,7 +29633,23 @@
                 </a:r>
                 <a:r>
                   <a:rPr lang="ru-RU" dirty="0" smtClean="0"/>
-                  <a:t>функция вычисления чётности сообщения </a:t>
+                  <a:t>функция </a:t>
+                </a:r>
+                <a:r>
+                  <a:rPr lang="ru-RU" dirty="0" smtClean="0"/>
+                  <a:t>вычисления</a:t>
+                </a:r>
+                <a:r>
+                  <a:rPr lang="en-US" dirty="0" smtClean="0"/>
+                  <a:t> </a:t>
+                </a:r>
+                <a:r>
+                  <a:rPr lang="ru-RU" dirty="0" smtClean="0"/>
+                  <a:t>бита </a:t>
+                </a:r>
+                <a:r>
+                  <a:rPr lang="ru-RU" dirty="0" smtClean="0"/>
+                  <a:t>чётности сообщения </a:t>
                 </a:r>
                 <a14:m>
                   <m:oMath xmlns:m="http://schemas.openxmlformats.org/officeDocument/2006/math">
@@ -29659,8 +29675,162 @@
                 </a14:m>
                 <a:r>
                   <a:rPr lang="ru-RU" i="1" dirty="0" smtClean="0"/>
+                  <a:t> </a:t>
+                </a:r>
+                <a:r>
+                  <a:rPr lang="ru-RU" dirty="0" smtClean="0"/>
+                  <a:t>(здесь и далее </a:t>
+                </a:r>
+                <a14:m>
+                  <m:oMath xmlns:m="http://schemas.openxmlformats.org/officeDocument/2006/math">
+                    <m:r>
+                      <a:rPr lang="en-US" b="0" i="1" smtClean="0">
+                        <a:latin typeface="Cambria Math" panose="02040503050406030204" pitchFamily="18" charset="0"/>
+                      </a:rPr>
+                      <m:t>𝑝𝑎𝑟</m:t>
+                    </m:r>
+                    <m:r>
+                      <a:rPr lang="en-US" b="0" i="1" smtClean="0">
+                        <a:latin typeface="Cambria Math" panose="02040503050406030204" pitchFamily="18" charset="0"/>
+                      </a:rPr>
+                      <m:t>:</m:t>
+                    </m:r>
+                    <m:r>
+                      <a:rPr lang="en-US" b="0" i="1" smtClean="0">
+                        <a:latin typeface="Cambria Math" panose="02040503050406030204" pitchFamily="18" charset="0"/>
+                      </a:rPr>
+                      <m:t>𝑀</m:t>
+                    </m:r>
+                    <m:r>
+                      <a:rPr lang="en-US" b="0" i="1" smtClean="0">
+                        <a:latin typeface="Cambria Math" panose="02040503050406030204" pitchFamily="18" charset="0"/>
+                      </a:rPr>
+                      <m:t>→</m:t>
+                    </m:r>
+                    <m:d>
+                      <m:dPr>
+                        <m:begChr m:val="{"/>
+                        <m:endChr m:val="}"/>
+                        <m:ctrlPr>
+                          <a:rPr lang="en-US" b="0" i="1" smtClean="0">
+                            <a:latin typeface="Cambria Math" panose="02040503050406030204" pitchFamily="18" charset="0"/>
+                          </a:rPr>
+                        </m:ctrlPr>
+                      </m:dPr>
+                      <m:e>
+                        <m:r>
+                          <a:rPr lang="en-US" b="0" i="1" smtClean="0">
+                            <a:latin typeface="Cambria Math" panose="02040503050406030204" pitchFamily="18" charset="0"/>
+                          </a:rPr>
+                          <m:t>0,1</m:t>
+                        </m:r>
+                      </m:e>
+                    </m:d>
+                    <m:r>
+                      <a:rPr lang="en-US" b="0" i="1" smtClean="0">
+                        <a:latin typeface="Cambria Math" panose="02040503050406030204" pitchFamily="18" charset="0"/>
+                      </a:rPr>
+                      <m:t>:</m:t>
+                    </m:r>
+                    <m:r>
+                      <a:rPr lang="en-US" b="0" i="1" smtClean="0">
+                        <a:latin typeface="Cambria Math" panose="02040503050406030204" pitchFamily="18" charset="0"/>
+                      </a:rPr>
+                      <m:t>𝑝𝑎𝑟</m:t>
+                    </m:r>
+                    <m:r>
+                      <a:rPr lang="en-US" b="0" i="1" smtClean="0">
+                        <a:latin typeface="Cambria Math" panose="02040503050406030204" pitchFamily="18" charset="0"/>
+                      </a:rPr>
+                      <m:t>(</m:t>
+                    </m:r>
+                    <m:r>
+                      <a:rPr lang="en-US" b="0" i="1" smtClean="0">
+                        <a:latin typeface="Cambria Math" panose="02040503050406030204" pitchFamily="18" charset="0"/>
+                      </a:rPr>
+                      <m:t>𝑚</m:t>
+                    </m:r>
+                    <m:r>
+                      <a:rPr lang="en-US" b="0" i="1" smtClean="0">
+                        <a:latin typeface="Cambria Math" panose="02040503050406030204" pitchFamily="18" charset="0"/>
+                      </a:rPr>
+                      <m:t>)=</m:t>
+                    </m:r>
+                    <m:sSubSup>
+                      <m:sSubSupPr>
+                        <m:ctrlPr>
+                          <a:rPr lang="en-US" b="0" i="1" smtClean="0">
+                            <a:latin typeface="Cambria Math" panose="02040503050406030204" pitchFamily="18" charset="0"/>
+                          </a:rPr>
+                        </m:ctrlPr>
+                      </m:sSubSupPr>
+                      <m:e>
+                        <m:r>
+                          <a:rPr lang="en-US" i="1">
+                            <a:latin typeface="Cambria Math" panose="02040503050406030204" pitchFamily="18" charset="0"/>
+                          </a:rPr>
+                          <m:t>⊕</m:t>
+                        </m:r>
+                      </m:e>
+                      <m:sub>
+                        <m:r>
+                          <a:rPr lang="en-US" b="0" i="1" smtClean="0">
+                            <a:latin typeface="Cambria Math" panose="02040503050406030204" pitchFamily="18" charset="0"/>
+                          </a:rPr>
+                          <m:t>𝑖</m:t>
+                        </m:r>
+                        <m:r>
+                          <a:rPr lang="en-US" b="0" i="1" smtClean="0">
+                            <a:latin typeface="Cambria Math" panose="02040503050406030204" pitchFamily="18" charset="0"/>
+                          </a:rPr>
+                          <m:t>=1</m:t>
+                        </m:r>
+                      </m:sub>
+                      <m:sup>
+                        <m:r>
+                          <a:rPr lang="en-US" b="0" i="1" smtClean="0">
+                            <a:latin typeface="Cambria Math" panose="02040503050406030204" pitchFamily="18" charset="0"/>
+                          </a:rPr>
+                          <m:t>𝐿</m:t>
+                        </m:r>
+                      </m:sup>
+                    </m:sSubSup>
+                    <m:sSub>
+                      <m:sSubPr>
+                        <m:ctrlPr>
+                          <a:rPr lang="en-US" b="0" i="1" smtClean="0">
+                            <a:latin typeface="Cambria Math" panose="02040503050406030204" pitchFamily="18" charset="0"/>
+                          </a:rPr>
+                        </m:ctrlPr>
+                      </m:sSubPr>
+                      <m:e>
+                        <m:r>
+                          <a:rPr lang="en-US" b="0" i="1" smtClean="0">
+                            <a:latin typeface="Cambria Math" panose="02040503050406030204" pitchFamily="18" charset="0"/>
+                          </a:rPr>
+                          <m:t>𝑚</m:t>
+                        </m:r>
+                      </m:e>
+                      <m:sub>
+                        <m:r>
+                          <a:rPr lang="en-US" b="0" i="1" smtClean="0">
+                            <a:latin typeface="Cambria Math" panose="02040503050406030204" pitchFamily="18" charset="0"/>
+                          </a:rPr>
+                          <m:t>𝑖</m:t>
+                        </m:r>
+                      </m:sub>
+                    </m:sSub>
+                  </m:oMath>
+                </a14:m>
+                <a:r>
+                  <a:rPr lang="en-US" i="1" dirty="0" smtClean="0"/>
+                  <a:t>)</a:t>
+                </a:r>
+                <a:r>
+                  <a:rPr lang="ru-RU" i="1" dirty="0" smtClean="0"/>
                   <a:t>.</a:t>
                 </a:r>
+                <a:endParaRPr lang="ru-RU" i="1" dirty="0" smtClean="0"/>
               </a:p>
               <a:p>
                 <a:pPr marL="0" indent="0">
@@ -29793,7 +29963,7 @@
             </p:txBody>
           </p:sp>
         </mc:Choice>
-        <mc:Fallback xmlns="">
+        <mc:Fallback>
           <p:sp>
             <p:nvSpPr>
               <p:cNvPr id="3" name="Объект 2"/>
@@ -29805,7 +29975,7 @@
               </p:nvPr>
             </p:nvSpPr>
             <p:spPr>
-              <a:blipFill>
+              <a:blipFill rotWithShape="0">
                 <a:blip r:embed="rId2"/>
                 <a:stretch>
                   <a:fillRect l="-1043" t="-1961" r="-754"/>

--- a/Lectures/Lecture1-b.pptx
+++ b/Lectures/Lecture1-b.pptx
@@ -297,7 +297,7 @@
           <a:p>
             <a:fld id="{CBA08D16-15DC-4E25-BDC3-F25146157B16}" type="datetimeFigureOut">
               <a:rPr lang="ru-RU" smtClean="0"/>
-              <a:t>12.09.2024</a:t>
+              <a:t>16.09.2024</a:t>
             </a:fld>
             <a:endParaRPr lang="ru-RU"/>
           </a:p>
@@ -693,7 +693,7 @@
           <a:p>
             <a:fld id="{FCEC8293-DB51-454A-BE81-EC8FCB31EBA2}" type="datetime1">
               <a:rPr lang="ru-RU" smtClean="0"/>
-              <a:t>12.09.2024</a:t>
+              <a:t>16.09.2024</a:t>
             </a:fld>
             <a:endParaRPr lang="ru-RU"/>
           </a:p>
@@ -864,7 +864,7 @@
           <a:p>
             <a:fld id="{241C87B1-1C35-4DBD-BC18-2BC72E776603}" type="datetime1">
               <a:rPr lang="ru-RU" smtClean="0"/>
-              <a:t>12.09.2024</a:t>
+              <a:t>16.09.2024</a:t>
             </a:fld>
             <a:endParaRPr lang="ru-RU"/>
           </a:p>
@@ -1045,7 +1045,7 @@
           <a:p>
             <a:fld id="{3134C275-26C0-42CD-9111-9ADE65922AF9}" type="datetime1">
               <a:rPr lang="ru-RU" smtClean="0"/>
-              <a:t>12.09.2024</a:t>
+              <a:t>16.09.2024</a:t>
             </a:fld>
             <a:endParaRPr lang="ru-RU"/>
           </a:p>
@@ -1216,7 +1216,7 @@
           <a:p>
             <a:fld id="{C1A9A50B-C350-45F5-8AAB-ADB9E670AF2E}" type="datetime1">
               <a:rPr lang="ru-RU" smtClean="0"/>
-              <a:t>12.09.2024</a:t>
+              <a:t>16.09.2024</a:t>
             </a:fld>
             <a:endParaRPr lang="ru-RU"/>
           </a:p>
@@ -1464,7 +1464,7 @@
           <a:p>
             <a:fld id="{089688C9-348F-42F9-B6C0-5990DDE0C5B2}" type="datetime1">
               <a:rPr lang="ru-RU" smtClean="0"/>
-              <a:t>12.09.2024</a:t>
+              <a:t>16.09.2024</a:t>
             </a:fld>
             <a:endParaRPr lang="ru-RU"/>
           </a:p>
@@ -1696,7 +1696,7 @@
           <a:p>
             <a:fld id="{684AFD8F-6DD9-4AD3-A505-FDC3F5C5F3F6}" type="datetime1">
               <a:rPr lang="ru-RU" smtClean="0"/>
-              <a:t>12.09.2024</a:t>
+              <a:t>16.09.2024</a:t>
             </a:fld>
             <a:endParaRPr lang="ru-RU"/>
           </a:p>
@@ -2063,7 +2063,7 @@
           <a:p>
             <a:fld id="{63551EFE-4D02-45EB-A747-8B6F047B5AA0}" type="datetime1">
               <a:rPr lang="ru-RU" smtClean="0"/>
-              <a:t>12.09.2024</a:t>
+              <a:t>16.09.2024</a:t>
             </a:fld>
             <a:endParaRPr lang="ru-RU"/>
           </a:p>
@@ -2183,7 +2183,7 @@
           <a:p>
             <a:fld id="{813A9F34-E5CD-4B8F-AA9E-889C84372B20}" type="datetime1">
               <a:rPr lang="ru-RU" smtClean="0"/>
-              <a:t>12.09.2024</a:t>
+              <a:t>16.09.2024</a:t>
             </a:fld>
             <a:endParaRPr lang="ru-RU"/>
           </a:p>
@@ -2281,7 +2281,7 @@
           <a:p>
             <a:fld id="{51224D22-9B29-44A6-8E82-95FC492DEDC1}" type="datetime1">
               <a:rPr lang="ru-RU" smtClean="0"/>
-              <a:t>12.09.2024</a:t>
+              <a:t>16.09.2024</a:t>
             </a:fld>
             <a:endParaRPr lang="ru-RU"/>
           </a:p>
@@ -2559,7 +2559,7 @@
           <a:p>
             <a:fld id="{91D1034F-4441-48A1-BDC0-25EA1022324A}" type="datetime1">
               <a:rPr lang="ru-RU" smtClean="0"/>
-              <a:t>12.09.2024</a:t>
+              <a:t>16.09.2024</a:t>
             </a:fld>
             <a:endParaRPr lang="ru-RU"/>
           </a:p>
@@ -2814,7 +2814,7 @@
           <a:p>
             <a:fld id="{B0FFDE79-B627-473B-AE17-4C65BD2495F7}" type="datetime1">
               <a:rPr lang="ru-RU" smtClean="0"/>
-              <a:t>12.09.2024</a:t>
+              <a:t>16.09.2024</a:t>
             </a:fld>
             <a:endParaRPr lang="ru-RU"/>
           </a:p>
@@ -3028,7 +3028,7 @@
           <a:p>
             <a:fld id="{11CA537A-1B8C-47BA-9BA6-7CE3FAFDA8BE}" type="datetime1">
               <a:rPr lang="ru-RU" smtClean="0"/>
-              <a:t>12.09.2024</a:t>
+              <a:t>16.09.2024</a:t>
             </a:fld>
             <a:endParaRPr lang="ru-RU"/>
           </a:p>
@@ -14133,8 +14133,8 @@
           </a:p>
         </p:txBody>
       </p:sp>
-      <mc:AlternateContent xmlns:mc="http://schemas.openxmlformats.org/markup-compatibility/2006">
-        <mc:Choice xmlns:a14="http://schemas.microsoft.com/office/drawing/2010/main" Requires="a14">
+      <mc:AlternateContent xmlns:mc="http://schemas.openxmlformats.org/markup-compatibility/2006" xmlns:a14="http://schemas.microsoft.com/office/drawing/2010/main">
+        <mc:Choice Requires="a14">
           <p:sp>
             <p:nvSpPr>
               <p:cNvPr id="3" name="Объект 2"/>
@@ -14612,7 +14612,7 @@
             </p:txBody>
           </p:sp>
         </mc:Choice>
-        <mc:Fallback>
+        <mc:Fallback xmlns="">
           <p:sp>
             <p:nvSpPr>
               <p:cNvPr id="3" name="Объект 2"/>
@@ -25854,10 +25854,10 @@
         </p:nvGrpSpPr>
         <p:grpSpPr bwMode="auto">
           <a:xfrm>
-            <a:off x="3470118" y="3996479"/>
-            <a:ext cx="3124200" cy="476250"/>
-            <a:chOff x="1248" y="2480"/>
-            <a:chExt cx="1968" cy="400"/>
+            <a:off x="3079593" y="3996479"/>
+            <a:ext cx="3514725" cy="476250"/>
+            <a:chOff x="1002" y="2480"/>
+            <a:chExt cx="2214" cy="400"/>
           </a:xfrm>
         </p:grpSpPr>
         <p:sp>
@@ -25895,8 +25895,8 @@
             </a:p>
           </p:txBody>
         </p:sp>
-        <mc:AlternateContent xmlns:mc="http://schemas.openxmlformats.org/markup-compatibility/2006" xmlns:a14="http://schemas.microsoft.com/office/drawing/2010/main">
-          <mc:Choice Requires="a14">
+        <mc:AlternateContent xmlns:mc="http://schemas.openxmlformats.org/markup-compatibility/2006">
+          <mc:Choice xmlns:a14="http://schemas.microsoft.com/office/drawing/2010/main" Requires="a14">
             <p:sp>
               <p:nvSpPr>
                 <p:cNvPr id="17" name="Text Box 21"/>
@@ -25907,8 +25907,8 @@
               </p:nvSpPr>
               <p:spPr bwMode="auto">
                 <a:xfrm>
-                  <a:off x="1248" y="2480"/>
-                  <a:ext cx="1023" cy="388"/>
+                  <a:off x="1002" y="2480"/>
+                  <a:ext cx="1846" cy="388"/>
                 </a:xfrm>
                 <a:prstGeom prst="rect">
                   <a:avLst/>
@@ -25991,6 +25991,68 @@
                             </m:r>
                           </m:sub>
                         </m:sSub>
+                        <m:r>
+                          <a:rPr lang="en-US" sz="2400" b="0" i="0" smtClean="0">
+                            <a:latin typeface="Cambria Math" panose="02040503050406030204" pitchFamily="18" charset="0"/>
+                          </a:rPr>
+                          <m:t>,</m:t>
+                        </m:r>
+                        <m:sSub>
+                          <m:sSubPr>
+                            <m:ctrlPr>
+                              <a:rPr lang="en-US" sz="2400" b="0" i="0" smtClean="0">
+                                <a:latin typeface="Cambria Math" panose="02040503050406030204" pitchFamily="18" charset="0"/>
+                              </a:rPr>
+                            </m:ctrlPr>
+                          </m:sSubPr>
+                          <m:e>
+                            <m:r>
+                              <a:rPr lang="en-US" sz="2400" b="0" i="1" smtClean="0">
+                                <a:latin typeface="Cambria Math" panose="02040503050406030204" pitchFamily="18" charset="0"/>
+                              </a:rPr>
+                              <m:t>𝑚</m:t>
+                            </m:r>
+                          </m:e>
+                          <m:sub>
+                            <m:r>
+                              <a:rPr lang="en-US" sz="2400" b="0" i="0" smtClean="0">
+                                <a:latin typeface="Cambria Math" panose="02040503050406030204" pitchFamily="18" charset="0"/>
+                              </a:rPr>
+                              <m:t>0</m:t>
+                            </m:r>
+                          </m:sub>
+                        </m:sSub>
+                        <m:r>
+                          <a:rPr lang="en-US" sz="2400" b="0" i="1" smtClean="0">
+                            <a:latin typeface="Cambria Math" panose="02040503050406030204" pitchFamily="18" charset="0"/>
+                          </a:rPr>
+                          <m:t>≠</m:t>
+                        </m:r>
+                        <m:sSub>
+                          <m:sSubPr>
+                            <m:ctrlPr>
+                              <a:rPr lang="en-US" sz="2400" b="0" i="1" smtClean="0">
+                                <a:latin typeface="Cambria Math" panose="02040503050406030204" pitchFamily="18" charset="0"/>
+                              </a:rPr>
+                            </m:ctrlPr>
+                          </m:sSubPr>
+                          <m:e>
+                            <m:r>
+                              <a:rPr lang="en-US" sz="2400" b="0" i="1" smtClean="0">
+                                <a:latin typeface="Cambria Math" panose="02040503050406030204" pitchFamily="18" charset="0"/>
+                              </a:rPr>
+                              <m:t>𝑚</m:t>
+                            </m:r>
+                          </m:e>
+                          <m:sub>
+                            <m:r>
+                              <a:rPr lang="en-US" sz="2400" b="0" i="1" smtClean="0">
+                                <a:latin typeface="Cambria Math" panose="02040503050406030204" pitchFamily="18" charset="0"/>
+                              </a:rPr>
+                              <m:t>1</m:t>
+                            </m:r>
+                          </m:sub>
+                        </m:sSub>
                       </m:oMath>
                     </m:oMathPara>
                   </a14:m>
@@ -25999,7 +26061,7 @@
               </p:txBody>
             </p:sp>
           </mc:Choice>
-          <mc:Fallback xmlns="">
+          <mc:Fallback>
             <p:sp>
               <p:nvSpPr>
                 <p:cNvPr id="17" name="Text Box 21"/>
@@ -26010,8 +26072,8 @@
               </p:nvSpPr>
               <p:spPr bwMode="auto">
                 <a:xfrm>
-                  <a:off x="1248" y="2480"/>
-                  <a:ext cx="1023" cy="388"/>
+                  <a:off x="1002" y="2480"/>
+                  <a:ext cx="1846" cy="388"/>
                 </a:xfrm>
                 <a:prstGeom prst="rect">
                   <a:avLst/>
